--- a/Powerpoint.pptx
+++ b/Powerpoint.pptx
@@ -3,16 +3,22 @@
 <p:presentation xmlns:a="http://schemas.openxmlformats.org/drawingml/2006/main" xmlns:p="http://schemas.openxmlformats.org/presentationml/2006/main" xmlns:r="http://schemas.openxmlformats.org/officeDocument/2006/relationships" xmlns:p14="http://schemas.microsoft.com/office/powerpoint/2010/main" xmlns:p15="http://schemas.microsoft.com/office/powerpoint/2012/main" xmlns:mc="http://schemas.openxmlformats.org/markup-compatibility/2006">
   <p:sldMasterIdLst>
     <p:sldMasterId id="2147483648" r:id="rId2"/>
+    <p:sldMasterId id="2147483661" r:id="rId3"/>
+    <p:sldMasterId id="2147483674" r:id="rId4"/>
   </p:sldMasterIdLst>
   <p:sldIdLst>
-    <p:sldId id="256" r:id="rId3"/>
-    <p:sldId id="257" r:id="rId4"/>
-    <p:sldId id="258" r:id="rId5"/>
-    <p:sldId id="259" r:id="rId6"/>
-    <p:sldId id="260" r:id="rId7"/>
-    <p:sldId id="261" r:id="rId8"/>
-    <p:sldId id="262" r:id="rId9"/>
-    <p:sldId id="263" r:id="rId10"/>
+    <p:sldId id="256" r:id="rId5"/>
+    <p:sldId id="257" r:id="rId6"/>
+    <p:sldId id="258" r:id="rId7"/>
+    <p:sldId id="259" r:id="rId8"/>
+    <p:sldId id="260" r:id="rId9"/>
+    <p:sldId id="261" r:id="rId10"/>
+    <p:sldId id="262" r:id="rId11"/>
+    <p:sldId id="263" r:id="rId12"/>
+    <p:sldId id="264" r:id="rId13"/>
+    <p:sldId id="265" r:id="rId14"/>
+    <p:sldId id="266" r:id="rId15"/>
+    <p:sldId id="267" r:id="rId16"/>
   </p:sldIdLst>
   <p:sldSz cx="10080625" cy="5670550"/>
   <p:notesSz cx="7559675" cy="10691812"/>
@@ -60,7 +66,7 @@
       </p:grpSpPr>
       <p:sp>
         <p:nvSpPr>
-          <p:cNvPr id="27" name="PlaceHolder 1"/>
+          <p:cNvPr id="24" name="PlaceHolder 1"/>
           <p:cNvSpPr>
             <a:spLocks noGrp="1"/>
           </p:cNvSpPr>
@@ -70,8 +76,8 @@
         </p:nvSpPr>
         <p:spPr>
           <a:xfrm>
-            <a:off x="504000" y="216000"/>
-            <a:ext cx="9072000" cy="648000"/>
+            <a:off x="504000" y="226080"/>
+            <a:ext cx="9072000" cy="946440"/>
           </a:xfrm>
           <a:prstGeom prst="rect">
             <a:avLst/>
@@ -81,23 +87,23 @@
           <a:bodyPr lIns="0" rIns="0" tIns="0" bIns="0" anchor="ctr"/>
           <a:p>
             <a:pPr algn="ctr"/>
-            <a:endParaRPr b="1" lang="fr-FR" sz="3300" spc="-1" strike="noStrike">
-              <a:solidFill>
-                <a:srgbClr val="ffffff"/>
-              </a:solidFill>
-              <a:uFill>
-                <a:solidFill>
-                  <a:srgbClr val="ffffff"/>
-                </a:solidFill>
-              </a:uFill>
-              <a:latin typeface="Arial"/>
-            </a:endParaRPr>
-          </a:p>
-        </p:txBody>
-      </p:sp>
-      <p:sp>
-        <p:nvSpPr>
-          <p:cNvPr id="28" name="PlaceHolder 2"/>
+            <a:endParaRPr b="0" lang="fr-FR" sz="4400" spc="-1" strike="noStrike">
+              <a:solidFill>
+                <a:srgbClr val="000000"/>
+              </a:solidFill>
+              <a:uFill>
+                <a:solidFill>
+                  <a:srgbClr val="ffffff"/>
+                </a:solidFill>
+              </a:uFill>
+              <a:latin typeface="Arial"/>
+            </a:endParaRPr>
+          </a:p>
+        </p:txBody>
+      </p:sp>
+      <p:sp>
+        <p:nvSpPr>
+          <p:cNvPr id="25" name="PlaceHolder 2"/>
           <p:cNvSpPr>
             <a:spLocks noGrp="1"/>
           </p:cNvSpPr>
@@ -107,8 +113,8 @@
         </p:nvSpPr>
         <p:spPr>
           <a:xfrm>
-            <a:off x="504000" y="1368000"/>
-            <a:ext cx="9072000" cy="1568160"/>
+            <a:off x="504000" y="1326600"/>
+            <a:ext cx="9072000" cy="1568520"/>
           </a:xfrm>
           <a:prstGeom prst="rect">
             <a:avLst/>
@@ -119,23 +125,23 @@
             <a:normAutofit/>
           </a:bodyPr>
           <a:p>
-            <a:endParaRPr b="0" lang="fr-FR" sz="2400" spc="-1" strike="noStrike">
-              <a:solidFill>
-                <a:srgbClr val="000000"/>
-              </a:solidFill>
-              <a:uFill>
-                <a:solidFill>
-                  <a:srgbClr val="ffffff"/>
-                </a:solidFill>
-              </a:uFill>
-              <a:latin typeface="Arial"/>
-            </a:endParaRPr>
-          </a:p>
-        </p:txBody>
-      </p:sp>
-      <p:sp>
-        <p:nvSpPr>
-          <p:cNvPr id="29" name="PlaceHolder 3"/>
+            <a:endParaRPr b="0" lang="fr-FR" sz="3200" spc="-1" strike="noStrike">
+              <a:solidFill>
+                <a:srgbClr val="000000"/>
+              </a:solidFill>
+              <a:uFill>
+                <a:solidFill>
+                  <a:srgbClr val="ffffff"/>
+                </a:solidFill>
+              </a:uFill>
+              <a:latin typeface="Arial"/>
+            </a:endParaRPr>
+          </a:p>
+        </p:txBody>
+      </p:sp>
+      <p:sp>
+        <p:nvSpPr>
+          <p:cNvPr id="26" name="PlaceHolder 3"/>
           <p:cNvSpPr>
             <a:spLocks noGrp="1"/>
           </p:cNvSpPr>
@@ -145,8 +151,8 @@
         </p:nvSpPr>
         <p:spPr>
           <a:xfrm>
-            <a:off x="504000" y="3085560"/>
-            <a:ext cx="9072000" cy="1568160"/>
+            <a:off x="504000" y="3044520"/>
+            <a:ext cx="9072000" cy="1568520"/>
           </a:xfrm>
           <a:prstGeom prst="rect">
             <a:avLst/>
@@ -157,7 +163,7 @@
             <a:normAutofit/>
           </a:bodyPr>
           <a:p>
-            <a:endParaRPr b="0" lang="fr-FR" sz="2400" spc="-1" strike="noStrike">
+            <a:endParaRPr b="0" lang="fr-FR" sz="3200" spc="-1" strike="noStrike">
               <a:solidFill>
                 <a:srgbClr val="000000"/>
               </a:solidFill>
@@ -195,7 +201,7 @@
       </p:grpSpPr>
       <p:sp>
         <p:nvSpPr>
-          <p:cNvPr id="30" name="PlaceHolder 1"/>
+          <p:cNvPr id="27" name="PlaceHolder 1"/>
           <p:cNvSpPr>
             <a:spLocks noGrp="1"/>
           </p:cNvSpPr>
@@ -205,8 +211,8 @@
         </p:nvSpPr>
         <p:spPr>
           <a:xfrm>
-            <a:off x="504000" y="216000"/>
-            <a:ext cx="9072000" cy="648000"/>
+            <a:off x="504000" y="226080"/>
+            <a:ext cx="9072000" cy="946440"/>
           </a:xfrm>
           <a:prstGeom prst="rect">
             <a:avLst/>
@@ -216,23 +222,23 @@
           <a:bodyPr lIns="0" rIns="0" tIns="0" bIns="0" anchor="ctr"/>
           <a:p>
             <a:pPr algn="ctr"/>
-            <a:endParaRPr b="1" lang="fr-FR" sz="3300" spc="-1" strike="noStrike">
-              <a:solidFill>
-                <a:srgbClr val="ffffff"/>
-              </a:solidFill>
-              <a:uFill>
-                <a:solidFill>
-                  <a:srgbClr val="ffffff"/>
-                </a:solidFill>
-              </a:uFill>
-              <a:latin typeface="Arial"/>
-            </a:endParaRPr>
-          </a:p>
-        </p:txBody>
-      </p:sp>
-      <p:sp>
-        <p:nvSpPr>
-          <p:cNvPr id="31" name="PlaceHolder 2"/>
+            <a:endParaRPr b="0" lang="fr-FR" sz="4400" spc="-1" strike="noStrike">
+              <a:solidFill>
+                <a:srgbClr val="000000"/>
+              </a:solidFill>
+              <a:uFill>
+                <a:solidFill>
+                  <a:srgbClr val="ffffff"/>
+                </a:solidFill>
+              </a:uFill>
+              <a:latin typeface="Arial"/>
+            </a:endParaRPr>
+          </a:p>
+        </p:txBody>
+      </p:sp>
+      <p:sp>
+        <p:nvSpPr>
+          <p:cNvPr id="28" name="PlaceHolder 2"/>
           <p:cNvSpPr>
             <a:spLocks noGrp="1"/>
           </p:cNvSpPr>
@@ -242,8 +248,8 @@
         </p:nvSpPr>
         <p:spPr>
           <a:xfrm>
-            <a:off x="504000" y="1368000"/>
-            <a:ext cx="4426920" cy="1568160"/>
+            <a:off x="504000" y="1326600"/>
+            <a:ext cx="4426920" cy="1568520"/>
           </a:xfrm>
           <a:prstGeom prst="rect">
             <a:avLst/>
@@ -254,23 +260,23 @@
             <a:normAutofit/>
           </a:bodyPr>
           <a:p>
-            <a:endParaRPr b="0" lang="fr-FR" sz="2400" spc="-1" strike="noStrike">
-              <a:solidFill>
-                <a:srgbClr val="000000"/>
-              </a:solidFill>
-              <a:uFill>
-                <a:solidFill>
-                  <a:srgbClr val="ffffff"/>
-                </a:solidFill>
-              </a:uFill>
-              <a:latin typeface="Arial"/>
-            </a:endParaRPr>
-          </a:p>
-        </p:txBody>
-      </p:sp>
-      <p:sp>
-        <p:nvSpPr>
-          <p:cNvPr id="32" name="PlaceHolder 3"/>
+            <a:endParaRPr b="0" lang="fr-FR" sz="3200" spc="-1" strike="noStrike">
+              <a:solidFill>
+                <a:srgbClr val="000000"/>
+              </a:solidFill>
+              <a:uFill>
+                <a:solidFill>
+                  <a:srgbClr val="ffffff"/>
+                </a:solidFill>
+              </a:uFill>
+              <a:latin typeface="Arial"/>
+            </a:endParaRPr>
+          </a:p>
+        </p:txBody>
+      </p:sp>
+      <p:sp>
+        <p:nvSpPr>
+          <p:cNvPr id="29" name="PlaceHolder 3"/>
           <p:cNvSpPr>
             <a:spLocks noGrp="1"/>
           </p:cNvSpPr>
@@ -280,8 +286,8 @@
         </p:nvSpPr>
         <p:spPr>
           <a:xfrm>
-            <a:off x="5152680" y="1368000"/>
-            <a:ext cx="4426920" cy="1568160"/>
+            <a:off x="5152680" y="1326600"/>
+            <a:ext cx="4426920" cy="1568520"/>
           </a:xfrm>
           <a:prstGeom prst="rect">
             <a:avLst/>
@@ -292,23 +298,23 @@
             <a:normAutofit/>
           </a:bodyPr>
           <a:p>
-            <a:endParaRPr b="0" lang="fr-FR" sz="2400" spc="-1" strike="noStrike">
-              <a:solidFill>
-                <a:srgbClr val="000000"/>
-              </a:solidFill>
-              <a:uFill>
-                <a:solidFill>
-                  <a:srgbClr val="ffffff"/>
-                </a:solidFill>
-              </a:uFill>
-              <a:latin typeface="Arial"/>
-            </a:endParaRPr>
-          </a:p>
-        </p:txBody>
-      </p:sp>
-      <p:sp>
-        <p:nvSpPr>
-          <p:cNvPr id="33" name="PlaceHolder 4"/>
+            <a:endParaRPr b="0" lang="fr-FR" sz="3200" spc="-1" strike="noStrike">
+              <a:solidFill>
+                <a:srgbClr val="000000"/>
+              </a:solidFill>
+              <a:uFill>
+                <a:solidFill>
+                  <a:srgbClr val="ffffff"/>
+                </a:solidFill>
+              </a:uFill>
+              <a:latin typeface="Arial"/>
+            </a:endParaRPr>
+          </a:p>
+        </p:txBody>
+      </p:sp>
+      <p:sp>
+        <p:nvSpPr>
+          <p:cNvPr id="30" name="PlaceHolder 4"/>
           <p:cNvSpPr>
             <a:spLocks noGrp="1"/>
           </p:cNvSpPr>
@@ -318,8 +324,8 @@
         </p:nvSpPr>
         <p:spPr>
           <a:xfrm>
-            <a:off x="5152680" y="3085560"/>
-            <a:ext cx="4426920" cy="1568160"/>
+            <a:off x="5152680" y="3044520"/>
+            <a:ext cx="4426920" cy="1568520"/>
           </a:xfrm>
           <a:prstGeom prst="rect">
             <a:avLst/>
@@ -330,23 +336,23 @@
             <a:normAutofit/>
           </a:bodyPr>
           <a:p>
-            <a:endParaRPr b="0" lang="fr-FR" sz="2400" spc="-1" strike="noStrike">
-              <a:solidFill>
-                <a:srgbClr val="000000"/>
-              </a:solidFill>
-              <a:uFill>
-                <a:solidFill>
-                  <a:srgbClr val="ffffff"/>
-                </a:solidFill>
-              </a:uFill>
-              <a:latin typeface="Arial"/>
-            </a:endParaRPr>
-          </a:p>
-        </p:txBody>
-      </p:sp>
-      <p:sp>
-        <p:nvSpPr>
-          <p:cNvPr id="34" name="PlaceHolder 5"/>
+            <a:endParaRPr b="0" lang="fr-FR" sz="3200" spc="-1" strike="noStrike">
+              <a:solidFill>
+                <a:srgbClr val="000000"/>
+              </a:solidFill>
+              <a:uFill>
+                <a:solidFill>
+                  <a:srgbClr val="ffffff"/>
+                </a:solidFill>
+              </a:uFill>
+              <a:latin typeface="Arial"/>
+            </a:endParaRPr>
+          </a:p>
+        </p:txBody>
+      </p:sp>
+      <p:sp>
+        <p:nvSpPr>
+          <p:cNvPr id="31" name="PlaceHolder 5"/>
           <p:cNvSpPr>
             <a:spLocks noGrp="1"/>
           </p:cNvSpPr>
@@ -356,8 +362,8 @@
         </p:nvSpPr>
         <p:spPr>
           <a:xfrm>
-            <a:off x="504000" y="3085560"/>
-            <a:ext cx="4426920" cy="1568160"/>
+            <a:off x="504000" y="3044520"/>
+            <a:ext cx="4426920" cy="1568520"/>
           </a:xfrm>
           <a:prstGeom prst="rect">
             <a:avLst/>
@@ -368,7 +374,7 @@
             <a:normAutofit/>
           </a:bodyPr>
           <a:p>
-            <a:endParaRPr b="0" lang="fr-FR" sz="2400" spc="-1" strike="noStrike">
+            <a:endParaRPr b="0" lang="fr-FR" sz="3200" spc="-1" strike="noStrike">
               <a:solidFill>
                 <a:srgbClr val="000000"/>
               </a:solidFill>
@@ -406,7 +412,7 @@
       </p:grpSpPr>
       <p:sp>
         <p:nvSpPr>
-          <p:cNvPr id="35" name="PlaceHolder 1"/>
+          <p:cNvPr id="32" name="PlaceHolder 1"/>
           <p:cNvSpPr>
             <a:spLocks noGrp="1"/>
           </p:cNvSpPr>
@@ -416,8 +422,8 @@
         </p:nvSpPr>
         <p:spPr>
           <a:xfrm>
-            <a:off x="504000" y="216000"/>
-            <a:ext cx="9072000" cy="648000"/>
+            <a:off x="504000" y="226080"/>
+            <a:ext cx="9072000" cy="946440"/>
           </a:xfrm>
           <a:prstGeom prst="rect">
             <a:avLst/>
@@ -427,23 +433,23 @@
           <a:bodyPr lIns="0" rIns="0" tIns="0" bIns="0" anchor="ctr"/>
           <a:p>
             <a:pPr algn="ctr"/>
-            <a:endParaRPr b="1" lang="fr-FR" sz="3300" spc="-1" strike="noStrike">
-              <a:solidFill>
-                <a:srgbClr val="ffffff"/>
-              </a:solidFill>
-              <a:uFill>
-                <a:solidFill>
-                  <a:srgbClr val="ffffff"/>
-                </a:solidFill>
-              </a:uFill>
-              <a:latin typeface="Arial"/>
-            </a:endParaRPr>
-          </a:p>
-        </p:txBody>
-      </p:sp>
-      <p:sp>
-        <p:nvSpPr>
-          <p:cNvPr id="36" name="PlaceHolder 2"/>
+            <a:endParaRPr b="0" lang="fr-FR" sz="4400" spc="-1" strike="noStrike">
+              <a:solidFill>
+                <a:srgbClr val="000000"/>
+              </a:solidFill>
+              <a:uFill>
+                <a:solidFill>
+                  <a:srgbClr val="ffffff"/>
+                </a:solidFill>
+              </a:uFill>
+              <a:latin typeface="Arial"/>
+            </a:endParaRPr>
+          </a:p>
+        </p:txBody>
+      </p:sp>
+      <p:sp>
+        <p:nvSpPr>
+          <p:cNvPr id="33" name="PlaceHolder 2"/>
           <p:cNvSpPr>
             <a:spLocks noGrp="1"/>
           </p:cNvSpPr>
@@ -453,8 +459,8 @@
         </p:nvSpPr>
         <p:spPr>
           <a:xfrm>
-            <a:off x="504000" y="1368000"/>
-            <a:ext cx="2921040" cy="1568160"/>
+            <a:off x="504000" y="1326600"/>
+            <a:ext cx="2921040" cy="1568520"/>
           </a:xfrm>
           <a:prstGeom prst="rect">
             <a:avLst/>
@@ -465,23 +471,23 @@
             <a:normAutofit/>
           </a:bodyPr>
           <a:p>
-            <a:endParaRPr b="0" lang="fr-FR" sz="2400" spc="-1" strike="noStrike">
-              <a:solidFill>
-                <a:srgbClr val="000000"/>
-              </a:solidFill>
-              <a:uFill>
-                <a:solidFill>
-                  <a:srgbClr val="ffffff"/>
-                </a:solidFill>
-              </a:uFill>
-              <a:latin typeface="Arial"/>
-            </a:endParaRPr>
-          </a:p>
-        </p:txBody>
-      </p:sp>
-      <p:sp>
-        <p:nvSpPr>
-          <p:cNvPr id="37" name="PlaceHolder 3"/>
+            <a:endParaRPr b="0" lang="fr-FR" sz="3200" spc="-1" strike="noStrike">
+              <a:solidFill>
+                <a:srgbClr val="000000"/>
+              </a:solidFill>
+              <a:uFill>
+                <a:solidFill>
+                  <a:srgbClr val="ffffff"/>
+                </a:solidFill>
+              </a:uFill>
+              <a:latin typeface="Arial"/>
+            </a:endParaRPr>
+          </a:p>
+        </p:txBody>
+      </p:sp>
+      <p:sp>
+        <p:nvSpPr>
+          <p:cNvPr id="34" name="PlaceHolder 3"/>
           <p:cNvSpPr>
             <a:spLocks noGrp="1"/>
           </p:cNvSpPr>
@@ -491,8 +497,8 @@
         </p:nvSpPr>
         <p:spPr>
           <a:xfrm>
-            <a:off x="3571560" y="1368000"/>
-            <a:ext cx="2921040" cy="1568160"/>
+            <a:off x="3571560" y="1326600"/>
+            <a:ext cx="2921040" cy="1568520"/>
           </a:xfrm>
           <a:prstGeom prst="rect">
             <a:avLst/>
@@ -503,23 +509,23 @@
             <a:normAutofit/>
           </a:bodyPr>
           <a:p>
-            <a:endParaRPr b="0" lang="fr-FR" sz="2400" spc="-1" strike="noStrike">
-              <a:solidFill>
-                <a:srgbClr val="000000"/>
-              </a:solidFill>
-              <a:uFill>
-                <a:solidFill>
-                  <a:srgbClr val="ffffff"/>
-                </a:solidFill>
-              </a:uFill>
-              <a:latin typeface="Arial"/>
-            </a:endParaRPr>
-          </a:p>
-        </p:txBody>
-      </p:sp>
-      <p:sp>
-        <p:nvSpPr>
-          <p:cNvPr id="38" name="PlaceHolder 4"/>
+            <a:endParaRPr b="0" lang="fr-FR" sz="3200" spc="-1" strike="noStrike">
+              <a:solidFill>
+                <a:srgbClr val="000000"/>
+              </a:solidFill>
+              <a:uFill>
+                <a:solidFill>
+                  <a:srgbClr val="ffffff"/>
+                </a:solidFill>
+              </a:uFill>
+              <a:latin typeface="Arial"/>
+            </a:endParaRPr>
+          </a:p>
+        </p:txBody>
+      </p:sp>
+      <p:sp>
+        <p:nvSpPr>
+          <p:cNvPr id="35" name="PlaceHolder 4"/>
           <p:cNvSpPr>
             <a:spLocks noGrp="1"/>
           </p:cNvSpPr>
@@ -529,8 +535,8 @@
         </p:nvSpPr>
         <p:spPr>
           <a:xfrm>
-            <a:off x="6639120" y="1368000"/>
-            <a:ext cx="2921040" cy="1568160"/>
+            <a:off x="6639120" y="1326600"/>
+            <a:ext cx="2921040" cy="1568520"/>
           </a:xfrm>
           <a:prstGeom prst="rect">
             <a:avLst/>
@@ -541,23 +547,23 @@
             <a:normAutofit/>
           </a:bodyPr>
           <a:p>
-            <a:endParaRPr b="0" lang="fr-FR" sz="2400" spc="-1" strike="noStrike">
-              <a:solidFill>
-                <a:srgbClr val="000000"/>
-              </a:solidFill>
-              <a:uFill>
-                <a:solidFill>
-                  <a:srgbClr val="ffffff"/>
-                </a:solidFill>
-              </a:uFill>
-              <a:latin typeface="Arial"/>
-            </a:endParaRPr>
-          </a:p>
-        </p:txBody>
-      </p:sp>
-      <p:sp>
-        <p:nvSpPr>
-          <p:cNvPr id="39" name="PlaceHolder 5"/>
+            <a:endParaRPr b="0" lang="fr-FR" sz="3200" spc="-1" strike="noStrike">
+              <a:solidFill>
+                <a:srgbClr val="000000"/>
+              </a:solidFill>
+              <a:uFill>
+                <a:solidFill>
+                  <a:srgbClr val="ffffff"/>
+                </a:solidFill>
+              </a:uFill>
+              <a:latin typeface="Arial"/>
+            </a:endParaRPr>
+          </a:p>
+        </p:txBody>
+      </p:sp>
+      <p:sp>
+        <p:nvSpPr>
+          <p:cNvPr id="36" name="PlaceHolder 5"/>
           <p:cNvSpPr>
             <a:spLocks noGrp="1"/>
           </p:cNvSpPr>
@@ -567,8 +573,8 @@
         </p:nvSpPr>
         <p:spPr>
           <a:xfrm>
-            <a:off x="6639120" y="3085560"/>
-            <a:ext cx="2921040" cy="1568160"/>
+            <a:off x="6639120" y="3044520"/>
+            <a:ext cx="2921040" cy="1568520"/>
           </a:xfrm>
           <a:prstGeom prst="rect">
             <a:avLst/>
@@ -579,23 +585,23 @@
             <a:normAutofit/>
           </a:bodyPr>
           <a:p>
-            <a:endParaRPr b="0" lang="fr-FR" sz="2400" spc="-1" strike="noStrike">
-              <a:solidFill>
-                <a:srgbClr val="000000"/>
-              </a:solidFill>
-              <a:uFill>
-                <a:solidFill>
-                  <a:srgbClr val="ffffff"/>
-                </a:solidFill>
-              </a:uFill>
-              <a:latin typeface="Arial"/>
-            </a:endParaRPr>
-          </a:p>
-        </p:txBody>
-      </p:sp>
-      <p:sp>
-        <p:nvSpPr>
-          <p:cNvPr id="40" name="PlaceHolder 6"/>
+            <a:endParaRPr b="0" lang="fr-FR" sz="3200" spc="-1" strike="noStrike">
+              <a:solidFill>
+                <a:srgbClr val="000000"/>
+              </a:solidFill>
+              <a:uFill>
+                <a:solidFill>
+                  <a:srgbClr val="ffffff"/>
+                </a:solidFill>
+              </a:uFill>
+              <a:latin typeface="Arial"/>
+            </a:endParaRPr>
+          </a:p>
+        </p:txBody>
+      </p:sp>
+      <p:sp>
+        <p:nvSpPr>
+          <p:cNvPr id="37" name="PlaceHolder 6"/>
           <p:cNvSpPr>
             <a:spLocks noGrp="1"/>
           </p:cNvSpPr>
@@ -605,8 +611,8 @@
         </p:nvSpPr>
         <p:spPr>
           <a:xfrm>
-            <a:off x="3571560" y="3085560"/>
-            <a:ext cx="2921040" cy="1568160"/>
+            <a:off x="3571560" y="3044520"/>
+            <a:ext cx="2921040" cy="1568520"/>
           </a:xfrm>
           <a:prstGeom prst="rect">
             <a:avLst/>
@@ -617,23 +623,23 @@
             <a:normAutofit/>
           </a:bodyPr>
           <a:p>
-            <a:endParaRPr b="0" lang="fr-FR" sz="2400" spc="-1" strike="noStrike">
-              <a:solidFill>
-                <a:srgbClr val="000000"/>
-              </a:solidFill>
-              <a:uFill>
-                <a:solidFill>
-                  <a:srgbClr val="ffffff"/>
-                </a:solidFill>
-              </a:uFill>
-              <a:latin typeface="Arial"/>
-            </a:endParaRPr>
-          </a:p>
-        </p:txBody>
-      </p:sp>
-      <p:sp>
-        <p:nvSpPr>
-          <p:cNvPr id="41" name="PlaceHolder 7"/>
+            <a:endParaRPr b="0" lang="fr-FR" sz="3200" spc="-1" strike="noStrike">
+              <a:solidFill>
+                <a:srgbClr val="000000"/>
+              </a:solidFill>
+              <a:uFill>
+                <a:solidFill>
+                  <a:srgbClr val="ffffff"/>
+                </a:solidFill>
+              </a:uFill>
+              <a:latin typeface="Arial"/>
+            </a:endParaRPr>
+          </a:p>
+        </p:txBody>
+      </p:sp>
+      <p:sp>
+        <p:nvSpPr>
+          <p:cNvPr id="38" name="PlaceHolder 7"/>
           <p:cNvSpPr>
             <a:spLocks noGrp="1"/>
           </p:cNvSpPr>
@@ -643,8 +649,8 @@
         </p:nvSpPr>
         <p:spPr>
           <a:xfrm>
-            <a:off x="504000" y="3085560"/>
-            <a:ext cx="2921040" cy="1568160"/>
+            <a:off x="504000" y="3044520"/>
+            <a:ext cx="2921040" cy="1568520"/>
           </a:xfrm>
           <a:prstGeom prst="rect">
             <a:avLst/>
@@ -655,7 +661,648 @@
             <a:normAutofit/>
           </a:bodyPr>
           <a:p>
-            <a:endParaRPr b="0" lang="fr-FR" sz="2400" spc="-1" strike="noStrike">
+            <a:endParaRPr b="0" lang="fr-FR" sz="3200" spc="-1" strike="noStrike">
+              <a:solidFill>
+                <a:srgbClr val="000000"/>
+              </a:solidFill>
+              <a:uFill>
+                <a:solidFill>
+                  <a:srgbClr val="ffffff"/>
+                </a:solidFill>
+              </a:uFill>
+              <a:latin typeface="Arial"/>
+            </a:endParaRPr>
+          </a:p>
+        </p:txBody>
+      </p:sp>
+    </p:spTree>
+  </p:cSld>
+</p:sldLayout>
+</file>
+
+<file path=ppt/slideLayouts/slideLayout13.xml><?xml version="1.0" encoding="utf-8"?>
+<p:sldLayout xmlns:a="http://schemas.openxmlformats.org/drawingml/2006/main" xmlns:p="http://schemas.openxmlformats.org/presentationml/2006/main" xmlns:r="http://schemas.openxmlformats.org/officeDocument/2006/relationships" xmlns:p14="http://schemas.microsoft.com/office/powerpoint/2010/main" xmlns:p15="http://schemas.microsoft.com/office/powerpoint/2012/main" xmlns:mc="http://schemas.openxmlformats.org/markup-compatibility/2006" type="blank" preserve="1">
+  <p:cSld name="Blank Slide">
+    <p:spTree>
+      <p:nvGrpSpPr>
+        <p:cNvPr id="1" name=""/>
+        <p:cNvGrpSpPr/>
+        <p:nvPr/>
+      </p:nvGrpSpPr>
+      <p:grpSpPr>
+        <a:xfrm>
+          <a:off x="0" y="0"/>
+          <a:ext cx="0" cy="0"/>
+          <a:chOff x="0" y="0"/>
+          <a:chExt cx="0" cy="0"/>
+        </a:xfrm>
+      </p:grpSpPr>
+    </p:spTree>
+  </p:cSld>
+</p:sldLayout>
+</file>
+
+<file path=ppt/slideLayouts/slideLayout14.xml><?xml version="1.0" encoding="utf-8"?>
+<p:sldLayout xmlns:a="http://schemas.openxmlformats.org/drawingml/2006/main" xmlns:p="http://schemas.openxmlformats.org/presentationml/2006/main" xmlns:r="http://schemas.openxmlformats.org/officeDocument/2006/relationships" xmlns:p14="http://schemas.microsoft.com/office/powerpoint/2010/main" xmlns:p15="http://schemas.microsoft.com/office/powerpoint/2012/main" xmlns:mc="http://schemas.openxmlformats.org/markup-compatibility/2006" type="tx" preserve="1">
+  <p:cSld name="Title Slide">
+    <p:spTree>
+      <p:nvGrpSpPr>
+        <p:cNvPr id="1" name=""/>
+        <p:cNvGrpSpPr/>
+        <p:nvPr/>
+      </p:nvGrpSpPr>
+      <p:grpSpPr>
+        <a:xfrm>
+          <a:off x="0" y="0"/>
+          <a:ext cx="0" cy="0"/>
+          <a:chOff x="0" y="0"/>
+          <a:chExt cx="0" cy="0"/>
+        </a:xfrm>
+      </p:grpSpPr>
+      <p:sp>
+        <p:nvSpPr>
+          <p:cNvPr id="42" name="PlaceHolder 1"/>
+          <p:cNvSpPr>
+            <a:spLocks noGrp="1"/>
+          </p:cNvSpPr>
+          <p:nvPr>
+            <p:ph type="title"/>
+          </p:nvPr>
+        </p:nvSpPr>
+        <p:spPr>
+          <a:xfrm>
+            <a:off x="504000" y="226080"/>
+            <a:ext cx="9072000" cy="946440"/>
+          </a:xfrm>
+          <a:prstGeom prst="rect">
+            <a:avLst/>
+          </a:prstGeom>
+        </p:spPr>
+        <p:txBody>
+          <a:bodyPr lIns="0" rIns="0" tIns="0" bIns="0" anchor="ctr"/>
+          <a:p>
+            <a:pPr algn="ctr"/>
+            <a:endParaRPr b="0" lang="fr-FR" sz="4400" spc="-1" strike="noStrike">
+              <a:solidFill>
+                <a:srgbClr val="000000"/>
+              </a:solidFill>
+              <a:uFill>
+                <a:solidFill>
+                  <a:srgbClr val="ffffff"/>
+                </a:solidFill>
+              </a:uFill>
+              <a:latin typeface="Arial"/>
+            </a:endParaRPr>
+          </a:p>
+        </p:txBody>
+      </p:sp>
+      <p:sp>
+        <p:nvSpPr>
+          <p:cNvPr id="43" name="PlaceHolder 2"/>
+          <p:cNvSpPr>
+            <a:spLocks noGrp="1"/>
+          </p:cNvSpPr>
+          <p:nvPr>
+            <p:ph type="subTitle"/>
+          </p:nvPr>
+        </p:nvSpPr>
+        <p:spPr>
+          <a:xfrm>
+            <a:off x="504000" y="1326600"/>
+            <a:ext cx="9072000" cy="3288600"/>
+          </a:xfrm>
+          <a:prstGeom prst="rect">
+            <a:avLst/>
+          </a:prstGeom>
+        </p:spPr>
+        <p:txBody>
+          <a:bodyPr lIns="0" rIns="0" tIns="0" bIns="0" anchor="ctr"/>
+          <a:p>
+            <a:pPr algn="ctr"/>
+            <a:endParaRPr b="0" lang="fr-FR" sz="3200" spc="-1" strike="noStrike">
+              <a:solidFill>
+                <a:srgbClr val="000000"/>
+              </a:solidFill>
+              <a:uFill>
+                <a:solidFill>
+                  <a:srgbClr val="ffffff"/>
+                </a:solidFill>
+              </a:uFill>
+              <a:latin typeface="Arial"/>
+            </a:endParaRPr>
+          </a:p>
+        </p:txBody>
+      </p:sp>
+    </p:spTree>
+  </p:cSld>
+</p:sldLayout>
+</file>
+
+<file path=ppt/slideLayouts/slideLayout15.xml><?xml version="1.0" encoding="utf-8"?>
+<p:sldLayout xmlns:a="http://schemas.openxmlformats.org/drawingml/2006/main" xmlns:p="http://schemas.openxmlformats.org/presentationml/2006/main" xmlns:r="http://schemas.openxmlformats.org/officeDocument/2006/relationships" xmlns:p14="http://schemas.microsoft.com/office/powerpoint/2010/main" xmlns:p15="http://schemas.microsoft.com/office/powerpoint/2012/main" xmlns:mc="http://schemas.openxmlformats.org/markup-compatibility/2006" type="obj" preserve="1">
+  <p:cSld name="Title, Content">
+    <p:spTree>
+      <p:nvGrpSpPr>
+        <p:cNvPr id="1" name=""/>
+        <p:cNvGrpSpPr/>
+        <p:nvPr/>
+      </p:nvGrpSpPr>
+      <p:grpSpPr>
+        <a:xfrm>
+          <a:off x="0" y="0"/>
+          <a:ext cx="0" cy="0"/>
+          <a:chOff x="0" y="0"/>
+          <a:chExt cx="0" cy="0"/>
+        </a:xfrm>
+      </p:grpSpPr>
+      <p:sp>
+        <p:nvSpPr>
+          <p:cNvPr id="44" name="PlaceHolder 1"/>
+          <p:cNvSpPr>
+            <a:spLocks noGrp="1"/>
+          </p:cNvSpPr>
+          <p:nvPr>
+            <p:ph type="title"/>
+          </p:nvPr>
+        </p:nvSpPr>
+        <p:spPr>
+          <a:xfrm>
+            <a:off x="504000" y="226080"/>
+            <a:ext cx="9072000" cy="946440"/>
+          </a:xfrm>
+          <a:prstGeom prst="rect">
+            <a:avLst/>
+          </a:prstGeom>
+        </p:spPr>
+        <p:txBody>
+          <a:bodyPr lIns="0" rIns="0" tIns="0" bIns="0" anchor="ctr"/>
+          <a:p>
+            <a:pPr algn="ctr"/>
+            <a:endParaRPr b="0" lang="fr-FR" sz="4400" spc="-1" strike="noStrike">
+              <a:solidFill>
+                <a:srgbClr val="000000"/>
+              </a:solidFill>
+              <a:uFill>
+                <a:solidFill>
+                  <a:srgbClr val="ffffff"/>
+                </a:solidFill>
+              </a:uFill>
+              <a:latin typeface="Arial"/>
+            </a:endParaRPr>
+          </a:p>
+        </p:txBody>
+      </p:sp>
+      <p:sp>
+        <p:nvSpPr>
+          <p:cNvPr id="45" name="PlaceHolder 2"/>
+          <p:cNvSpPr>
+            <a:spLocks noGrp="1"/>
+          </p:cNvSpPr>
+          <p:nvPr>
+            <p:ph type="body"/>
+          </p:nvPr>
+        </p:nvSpPr>
+        <p:spPr>
+          <a:xfrm>
+            <a:off x="504000" y="1326600"/>
+            <a:ext cx="9072000" cy="3288600"/>
+          </a:xfrm>
+          <a:prstGeom prst="rect">
+            <a:avLst/>
+          </a:prstGeom>
+        </p:spPr>
+        <p:txBody>
+          <a:bodyPr lIns="0" rIns="0" tIns="0" bIns="0">
+            <a:normAutofit/>
+          </a:bodyPr>
+          <a:p>
+            <a:endParaRPr b="0" lang="fr-FR" sz="3200" spc="-1" strike="noStrike">
+              <a:solidFill>
+                <a:srgbClr val="000000"/>
+              </a:solidFill>
+              <a:uFill>
+                <a:solidFill>
+                  <a:srgbClr val="ffffff"/>
+                </a:solidFill>
+              </a:uFill>
+              <a:latin typeface="Arial"/>
+            </a:endParaRPr>
+          </a:p>
+        </p:txBody>
+      </p:sp>
+    </p:spTree>
+  </p:cSld>
+</p:sldLayout>
+</file>
+
+<file path=ppt/slideLayouts/slideLayout16.xml><?xml version="1.0" encoding="utf-8"?>
+<p:sldLayout xmlns:a="http://schemas.openxmlformats.org/drawingml/2006/main" xmlns:p="http://schemas.openxmlformats.org/presentationml/2006/main" xmlns:r="http://schemas.openxmlformats.org/officeDocument/2006/relationships" xmlns:p14="http://schemas.microsoft.com/office/powerpoint/2010/main" xmlns:p15="http://schemas.microsoft.com/office/powerpoint/2012/main" xmlns:mc="http://schemas.openxmlformats.org/markup-compatibility/2006" type="twoObj" preserve="1">
+  <p:cSld name="Title, 2 Content">
+    <p:spTree>
+      <p:nvGrpSpPr>
+        <p:cNvPr id="1" name=""/>
+        <p:cNvGrpSpPr/>
+        <p:nvPr/>
+      </p:nvGrpSpPr>
+      <p:grpSpPr>
+        <a:xfrm>
+          <a:off x="0" y="0"/>
+          <a:ext cx="0" cy="0"/>
+          <a:chOff x="0" y="0"/>
+          <a:chExt cx="0" cy="0"/>
+        </a:xfrm>
+      </p:grpSpPr>
+      <p:sp>
+        <p:nvSpPr>
+          <p:cNvPr id="46" name="PlaceHolder 1"/>
+          <p:cNvSpPr>
+            <a:spLocks noGrp="1"/>
+          </p:cNvSpPr>
+          <p:nvPr>
+            <p:ph type="title"/>
+          </p:nvPr>
+        </p:nvSpPr>
+        <p:spPr>
+          <a:xfrm>
+            <a:off x="504000" y="226080"/>
+            <a:ext cx="9072000" cy="946440"/>
+          </a:xfrm>
+          <a:prstGeom prst="rect">
+            <a:avLst/>
+          </a:prstGeom>
+        </p:spPr>
+        <p:txBody>
+          <a:bodyPr lIns="0" rIns="0" tIns="0" bIns="0" anchor="ctr"/>
+          <a:p>
+            <a:pPr algn="ctr"/>
+            <a:endParaRPr b="0" lang="fr-FR" sz="4400" spc="-1" strike="noStrike">
+              <a:solidFill>
+                <a:srgbClr val="000000"/>
+              </a:solidFill>
+              <a:uFill>
+                <a:solidFill>
+                  <a:srgbClr val="ffffff"/>
+                </a:solidFill>
+              </a:uFill>
+              <a:latin typeface="Arial"/>
+            </a:endParaRPr>
+          </a:p>
+        </p:txBody>
+      </p:sp>
+      <p:sp>
+        <p:nvSpPr>
+          <p:cNvPr id="47" name="PlaceHolder 2"/>
+          <p:cNvSpPr>
+            <a:spLocks noGrp="1"/>
+          </p:cNvSpPr>
+          <p:nvPr>
+            <p:ph type="body"/>
+          </p:nvPr>
+        </p:nvSpPr>
+        <p:spPr>
+          <a:xfrm>
+            <a:off x="504000" y="1326600"/>
+            <a:ext cx="4426920" cy="3288600"/>
+          </a:xfrm>
+          <a:prstGeom prst="rect">
+            <a:avLst/>
+          </a:prstGeom>
+        </p:spPr>
+        <p:txBody>
+          <a:bodyPr lIns="0" rIns="0" tIns="0" bIns="0">
+            <a:normAutofit/>
+          </a:bodyPr>
+          <a:p>
+            <a:endParaRPr b="0" lang="fr-FR" sz="3200" spc="-1" strike="noStrike">
+              <a:solidFill>
+                <a:srgbClr val="000000"/>
+              </a:solidFill>
+              <a:uFill>
+                <a:solidFill>
+                  <a:srgbClr val="ffffff"/>
+                </a:solidFill>
+              </a:uFill>
+              <a:latin typeface="Arial"/>
+            </a:endParaRPr>
+          </a:p>
+        </p:txBody>
+      </p:sp>
+      <p:sp>
+        <p:nvSpPr>
+          <p:cNvPr id="48" name="PlaceHolder 3"/>
+          <p:cNvSpPr>
+            <a:spLocks noGrp="1"/>
+          </p:cNvSpPr>
+          <p:nvPr>
+            <p:ph type="body"/>
+          </p:nvPr>
+        </p:nvSpPr>
+        <p:spPr>
+          <a:xfrm>
+            <a:off x="5152680" y="1326600"/>
+            <a:ext cx="4426920" cy="3288600"/>
+          </a:xfrm>
+          <a:prstGeom prst="rect">
+            <a:avLst/>
+          </a:prstGeom>
+        </p:spPr>
+        <p:txBody>
+          <a:bodyPr lIns="0" rIns="0" tIns="0" bIns="0">
+            <a:normAutofit/>
+          </a:bodyPr>
+          <a:p>
+            <a:endParaRPr b="0" lang="fr-FR" sz="3200" spc="-1" strike="noStrike">
+              <a:solidFill>
+                <a:srgbClr val="000000"/>
+              </a:solidFill>
+              <a:uFill>
+                <a:solidFill>
+                  <a:srgbClr val="ffffff"/>
+                </a:solidFill>
+              </a:uFill>
+              <a:latin typeface="Arial"/>
+            </a:endParaRPr>
+          </a:p>
+        </p:txBody>
+      </p:sp>
+    </p:spTree>
+  </p:cSld>
+</p:sldLayout>
+</file>
+
+<file path=ppt/slideLayouts/slideLayout17.xml><?xml version="1.0" encoding="utf-8"?>
+<p:sldLayout xmlns:a="http://schemas.openxmlformats.org/drawingml/2006/main" xmlns:p="http://schemas.openxmlformats.org/presentationml/2006/main" xmlns:r="http://schemas.openxmlformats.org/officeDocument/2006/relationships" xmlns:p14="http://schemas.microsoft.com/office/powerpoint/2010/main" xmlns:p15="http://schemas.microsoft.com/office/powerpoint/2012/main" xmlns:mc="http://schemas.openxmlformats.org/markup-compatibility/2006" type="titleOnly" preserve="1">
+  <p:cSld name="Title Only">
+    <p:spTree>
+      <p:nvGrpSpPr>
+        <p:cNvPr id="1" name=""/>
+        <p:cNvGrpSpPr/>
+        <p:nvPr/>
+      </p:nvGrpSpPr>
+      <p:grpSpPr>
+        <a:xfrm>
+          <a:off x="0" y="0"/>
+          <a:ext cx="0" cy="0"/>
+          <a:chOff x="0" y="0"/>
+          <a:chExt cx="0" cy="0"/>
+        </a:xfrm>
+      </p:grpSpPr>
+      <p:sp>
+        <p:nvSpPr>
+          <p:cNvPr id="49" name="PlaceHolder 1"/>
+          <p:cNvSpPr>
+            <a:spLocks noGrp="1"/>
+          </p:cNvSpPr>
+          <p:nvPr>
+            <p:ph type="title"/>
+          </p:nvPr>
+        </p:nvSpPr>
+        <p:spPr>
+          <a:xfrm>
+            <a:off x="504000" y="226080"/>
+            <a:ext cx="9072000" cy="946440"/>
+          </a:xfrm>
+          <a:prstGeom prst="rect">
+            <a:avLst/>
+          </a:prstGeom>
+        </p:spPr>
+        <p:txBody>
+          <a:bodyPr lIns="0" rIns="0" tIns="0" bIns="0" anchor="ctr"/>
+          <a:p>
+            <a:pPr algn="ctr"/>
+            <a:endParaRPr b="0" lang="fr-FR" sz="4400" spc="-1" strike="noStrike">
+              <a:solidFill>
+                <a:srgbClr val="000000"/>
+              </a:solidFill>
+              <a:uFill>
+                <a:solidFill>
+                  <a:srgbClr val="ffffff"/>
+                </a:solidFill>
+              </a:uFill>
+              <a:latin typeface="Arial"/>
+            </a:endParaRPr>
+          </a:p>
+        </p:txBody>
+      </p:sp>
+    </p:spTree>
+  </p:cSld>
+</p:sldLayout>
+</file>
+
+<file path=ppt/slideLayouts/slideLayout18.xml><?xml version="1.0" encoding="utf-8"?>
+<p:sldLayout xmlns:a="http://schemas.openxmlformats.org/drawingml/2006/main" xmlns:p="http://schemas.openxmlformats.org/presentationml/2006/main" xmlns:r="http://schemas.openxmlformats.org/officeDocument/2006/relationships" xmlns:p14="http://schemas.microsoft.com/office/powerpoint/2010/main" xmlns:p15="http://schemas.microsoft.com/office/powerpoint/2012/main" xmlns:mc="http://schemas.openxmlformats.org/markup-compatibility/2006" type="objOnly" preserve="1">
+  <p:cSld name="Centered Text">
+    <p:spTree>
+      <p:nvGrpSpPr>
+        <p:cNvPr id="1" name=""/>
+        <p:cNvGrpSpPr/>
+        <p:nvPr/>
+      </p:nvGrpSpPr>
+      <p:grpSpPr>
+        <a:xfrm>
+          <a:off x="0" y="0"/>
+          <a:ext cx="0" cy="0"/>
+          <a:chOff x="0" y="0"/>
+          <a:chExt cx="0" cy="0"/>
+        </a:xfrm>
+      </p:grpSpPr>
+      <p:sp>
+        <p:nvSpPr>
+          <p:cNvPr id="50" name="PlaceHolder 1"/>
+          <p:cNvSpPr>
+            <a:spLocks noGrp="1"/>
+          </p:cNvSpPr>
+          <p:nvPr>
+            <p:ph type="subTitle"/>
+          </p:nvPr>
+        </p:nvSpPr>
+        <p:spPr>
+          <a:xfrm>
+            <a:off x="504000" y="226080"/>
+            <a:ext cx="9072000" cy="4388400"/>
+          </a:xfrm>
+          <a:prstGeom prst="rect">
+            <a:avLst/>
+          </a:prstGeom>
+        </p:spPr>
+        <p:txBody>
+          <a:bodyPr lIns="0" rIns="0" tIns="0" bIns="0" anchor="ctr"/>
+          <a:p>
+            <a:pPr algn="ctr"/>
+            <a:endParaRPr b="0" lang="fr-FR" sz="3200" spc="-1" strike="noStrike">
+              <a:solidFill>
+                <a:srgbClr val="000000"/>
+              </a:solidFill>
+              <a:uFill>
+                <a:solidFill>
+                  <a:srgbClr val="ffffff"/>
+                </a:solidFill>
+              </a:uFill>
+              <a:latin typeface="Arial"/>
+            </a:endParaRPr>
+          </a:p>
+        </p:txBody>
+      </p:sp>
+    </p:spTree>
+  </p:cSld>
+</p:sldLayout>
+</file>
+
+<file path=ppt/slideLayouts/slideLayout19.xml><?xml version="1.0" encoding="utf-8"?>
+<p:sldLayout xmlns:a="http://schemas.openxmlformats.org/drawingml/2006/main" xmlns:p="http://schemas.openxmlformats.org/presentationml/2006/main" xmlns:r="http://schemas.openxmlformats.org/officeDocument/2006/relationships" xmlns:p14="http://schemas.microsoft.com/office/powerpoint/2010/main" xmlns:p15="http://schemas.microsoft.com/office/powerpoint/2012/main" xmlns:mc="http://schemas.openxmlformats.org/markup-compatibility/2006" type="twoObjAndObj" preserve="1">
+  <p:cSld name="Title, 2 Content and Content">
+    <p:spTree>
+      <p:nvGrpSpPr>
+        <p:cNvPr id="1" name=""/>
+        <p:cNvGrpSpPr/>
+        <p:nvPr/>
+      </p:nvGrpSpPr>
+      <p:grpSpPr>
+        <a:xfrm>
+          <a:off x="0" y="0"/>
+          <a:ext cx="0" cy="0"/>
+          <a:chOff x="0" y="0"/>
+          <a:chExt cx="0" cy="0"/>
+        </a:xfrm>
+      </p:grpSpPr>
+      <p:sp>
+        <p:nvSpPr>
+          <p:cNvPr id="51" name="PlaceHolder 1"/>
+          <p:cNvSpPr>
+            <a:spLocks noGrp="1"/>
+          </p:cNvSpPr>
+          <p:nvPr>
+            <p:ph type="title"/>
+          </p:nvPr>
+        </p:nvSpPr>
+        <p:spPr>
+          <a:xfrm>
+            <a:off x="504000" y="226080"/>
+            <a:ext cx="9072000" cy="946440"/>
+          </a:xfrm>
+          <a:prstGeom prst="rect">
+            <a:avLst/>
+          </a:prstGeom>
+        </p:spPr>
+        <p:txBody>
+          <a:bodyPr lIns="0" rIns="0" tIns="0" bIns="0" anchor="ctr"/>
+          <a:p>
+            <a:pPr algn="ctr"/>
+            <a:endParaRPr b="0" lang="fr-FR" sz="4400" spc="-1" strike="noStrike">
+              <a:solidFill>
+                <a:srgbClr val="000000"/>
+              </a:solidFill>
+              <a:uFill>
+                <a:solidFill>
+                  <a:srgbClr val="ffffff"/>
+                </a:solidFill>
+              </a:uFill>
+              <a:latin typeface="Arial"/>
+            </a:endParaRPr>
+          </a:p>
+        </p:txBody>
+      </p:sp>
+      <p:sp>
+        <p:nvSpPr>
+          <p:cNvPr id="52" name="PlaceHolder 2"/>
+          <p:cNvSpPr>
+            <a:spLocks noGrp="1"/>
+          </p:cNvSpPr>
+          <p:nvPr>
+            <p:ph type="body"/>
+          </p:nvPr>
+        </p:nvSpPr>
+        <p:spPr>
+          <a:xfrm>
+            <a:off x="504000" y="1326600"/>
+            <a:ext cx="4426920" cy="1568520"/>
+          </a:xfrm>
+          <a:prstGeom prst="rect">
+            <a:avLst/>
+          </a:prstGeom>
+        </p:spPr>
+        <p:txBody>
+          <a:bodyPr lIns="0" rIns="0" tIns="0" bIns="0">
+            <a:normAutofit/>
+          </a:bodyPr>
+          <a:p>
+            <a:endParaRPr b="0" lang="fr-FR" sz="3200" spc="-1" strike="noStrike">
+              <a:solidFill>
+                <a:srgbClr val="000000"/>
+              </a:solidFill>
+              <a:uFill>
+                <a:solidFill>
+                  <a:srgbClr val="ffffff"/>
+                </a:solidFill>
+              </a:uFill>
+              <a:latin typeface="Arial"/>
+            </a:endParaRPr>
+          </a:p>
+        </p:txBody>
+      </p:sp>
+      <p:sp>
+        <p:nvSpPr>
+          <p:cNvPr id="53" name="PlaceHolder 3"/>
+          <p:cNvSpPr>
+            <a:spLocks noGrp="1"/>
+          </p:cNvSpPr>
+          <p:nvPr>
+            <p:ph type="body"/>
+          </p:nvPr>
+        </p:nvSpPr>
+        <p:spPr>
+          <a:xfrm>
+            <a:off x="504000" y="3044520"/>
+            <a:ext cx="4426920" cy="1568520"/>
+          </a:xfrm>
+          <a:prstGeom prst="rect">
+            <a:avLst/>
+          </a:prstGeom>
+        </p:spPr>
+        <p:txBody>
+          <a:bodyPr lIns="0" rIns="0" tIns="0" bIns="0">
+            <a:normAutofit/>
+          </a:bodyPr>
+          <a:p>
+            <a:endParaRPr b="0" lang="fr-FR" sz="3200" spc="-1" strike="noStrike">
+              <a:solidFill>
+                <a:srgbClr val="000000"/>
+              </a:solidFill>
+              <a:uFill>
+                <a:solidFill>
+                  <a:srgbClr val="ffffff"/>
+                </a:solidFill>
+              </a:uFill>
+              <a:latin typeface="Arial"/>
+            </a:endParaRPr>
+          </a:p>
+        </p:txBody>
+      </p:sp>
+      <p:sp>
+        <p:nvSpPr>
+          <p:cNvPr id="54" name="PlaceHolder 4"/>
+          <p:cNvSpPr>
+            <a:spLocks noGrp="1"/>
+          </p:cNvSpPr>
+          <p:nvPr>
+            <p:ph type="body"/>
+          </p:nvPr>
+        </p:nvSpPr>
+        <p:spPr>
+          <a:xfrm>
+            <a:off x="5152680" y="1326600"/>
+            <a:ext cx="4426920" cy="3288600"/>
+          </a:xfrm>
+          <a:prstGeom prst="rect">
+            <a:avLst/>
+          </a:prstGeom>
+        </p:spPr>
+        <p:txBody>
+          <a:bodyPr lIns="0" rIns="0" tIns="0" bIns="0">
+            <a:normAutofit/>
+          </a:bodyPr>
+          <a:p>
+            <a:endParaRPr b="0" lang="fr-FR" sz="3200" spc="-1" strike="noStrike">
               <a:solidFill>
                 <a:srgbClr val="000000"/>
               </a:solidFill>
@@ -693,7 +1340,7 @@
       </p:grpSpPr>
       <p:sp>
         <p:nvSpPr>
-          <p:cNvPr id="6" name="PlaceHolder 1"/>
+          <p:cNvPr id="3" name="PlaceHolder 1"/>
           <p:cNvSpPr>
             <a:spLocks noGrp="1"/>
           </p:cNvSpPr>
@@ -703,8 +1350,8 @@
         </p:nvSpPr>
         <p:spPr>
           <a:xfrm>
-            <a:off x="504000" y="216000"/>
-            <a:ext cx="9072000" cy="648000"/>
+            <a:off x="504000" y="226080"/>
+            <a:ext cx="9072000" cy="946440"/>
           </a:xfrm>
           <a:prstGeom prst="rect">
             <a:avLst/>
@@ -714,23 +1361,23 @@
           <a:bodyPr lIns="0" rIns="0" tIns="0" bIns="0" anchor="ctr"/>
           <a:p>
             <a:pPr algn="ctr"/>
-            <a:endParaRPr b="1" lang="fr-FR" sz="3300" spc="-1" strike="noStrike">
-              <a:solidFill>
-                <a:srgbClr val="ffffff"/>
-              </a:solidFill>
-              <a:uFill>
-                <a:solidFill>
-                  <a:srgbClr val="ffffff"/>
-                </a:solidFill>
-              </a:uFill>
-              <a:latin typeface="Arial"/>
-            </a:endParaRPr>
-          </a:p>
-        </p:txBody>
-      </p:sp>
-      <p:sp>
-        <p:nvSpPr>
-          <p:cNvPr id="7" name="PlaceHolder 2"/>
+            <a:endParaRPr b="0" lang="fr-FR" sz="4400" spc="-1" strike="noStrike">
+              <a:solidFill>
+                <a:srgbClr val="000000"/>
+              </a:solidFill>
+              <a:uFill>
+                <a:solidFill>
+                  <a:srgbClr val="ffffff"/>
+                </a:solidFill>
+              </a:uFill>
+              <a:latin typeface="Arial"/>
+            </a:endParaRPr>
+          </a:p>
+        </p:txBody>
+      </p:sp>
+      <p:sp>
+        <p:nvSpPr>
+          <p:cNvPr id="4" name="PlaceHolder 2"/>
           <p:cNvSpPr>
             <a:spLocks noGrp="1"/>
           </p:cNvSpPr>
@@ -740,8 +1387,8 @@
         </p:nvSpPr>
         <p:spPr>
           <a:xfrm>
-            <a:off x="504000" y="1368000"/>
-            <a:ext cx="9072000" cy="3288240"/>
+            <a:off x="504000" y="1326600"/>
+            <a:ext cx="9072000" cy="3288600"/>
           </a:xfrm>
           <a:prstGeom prst="rect">
             <a:avLst/>
@@ -752,6 +1399,1394 @@
           <a:p>
             <a:pPr algn="ctr"/>
             <a:endParaRPr b="0" lang="fr-FR" sz="3200" spc="-1" strike="noStrike">
+              <a:solidFill>
+                <a:srgbClr val="000000"/>
+              </a:solidFill>
+              <a:uFill>
+                <a:solidFill>
+                  <a:srgbClr val="ffffff"/>
+                </a:solidFill>
+              </a:uFill>
+              <a:latin typeface="Arial"/>
+            </a:endParaRPr>
+          </a:p>
+        </p:txBody>
+      </p:sp>
+    </p:spTree>
+  </p:cSld>
+</p:sldLayout>
+</file>
+
+<file path=ppt/slideLayouts/slideLayout20.xml><?xml version="1.0" encoding="utf-8"?>
+<p:sldLayout xmlns:a="http://schemas.openxmlformats.org/drawingml/2006/main" xmlns:p="http://schemas.openxmlformats.org/presentationml/2006/main" xmlns:r="http://schemas.openxmlformats.org/officeDocument/2006/relationships" xmlns:p14="http://schemas.microsoft.com/office/powerpoint/2010/main" xmlns:p15="http://schemas.microsoft.com/office/powerpoint/2012/main" xmlns:mc="http://schemas.openxmlformats.org/markup-compatibility/2006" type="objAndTwoObj" preserve="1">
+  <p:cSld name="Title Content and 2 Content">
+    <p:spTree>
+      <p:nvGrpSpPr>
+        <p:cNvPr id="1" name=""/>
+        <p:cNvGrpSpPr/>
+        <p:nvPr/>
+      </p:nvGrpSpPr>
+      <p:grpSpPr>
+        <a:xfrm>
+          <a:off x="0" y="0"/>
+          <a:ext cx="0" cy="0"/>
+          <a:chOff x="0" y="0"/>
+          <a:chExt cx="0" cy="0"/>
+        </a:xfrm>
+      </p:grpSpPr>
+      <p:sp>
+        <p:nvSpPr>
+          <p:cNvPr id="55" name="PlaceHolder 1"/>
+          <p:cNvSpPr>
+            <a:spLocks noGrp="1"/>
+          </p:cNvSpPr>
+          <p:nvPr>
+            <p:ph type="title"/>
+          </p:nvPr>
+        </p:nvSpPr>
+        <p:spPr>
+          <a:xfrm>
+            <a:off x="504000" y="226080"/>
+            <a:ext cx="9072000" cy="946440"/>
+          </a:xfrm>
+          <a:prstGeom prst="rect">
+            <a:avLst/>
+          </a:prstGeom>
+        </p:spPr>
+        <p:txBody>
+          <a:bodyPr lIns="0" rIns="0" tIns="0" bIns="0" anchor="ctr"/>
+          <a:p>
+            <a:pPr algn="ctr"/>
+            <a:endParaRPr b="0" lang="fr-FR" sz="4400" spc="-1" strike="noStrike">
+              <a:solidFill>
+                <a:srgbClr val="000000"/>
+              </a:solidFill>
+              <a:uFill>
+                <a:solidFill>
+                  <a:srgbClr val="ffffff"/>
+                </a:solidFill>
+              </a:uFill>
+              <a:latin typeface="Arial"/>
+            </a:endParaRPr>
+          </a:p>
+        </p:txBody>
+      </p:sp>
+      <p:sp>
+        <p:nvSpPr>
+          <p:cNvPr id="56" name="PlaceHolder 2"/>
+          <p:cNvSpPr>
+            <a:spLocks noGrp="1"/>
+          </p:cNvSpPr>
+          <p:nvPr>
+            <p:ph type="body"/>
+          </p:nvPr>
+        </p:nvSpPr>
+        <p:spPr>
+          <a:xfrm>
+            <a:off x="504000" y="1326600"/>
+            <a:ext cx="4426920" cy="3288600"/>
+          </a:xfrm>
+          <a:prstGeom prst="rect">
+            <a:avLst/>
+          </a:prstGeom>
+        </p:spPr>
+        <p:txBody>
+          <a:bodyPr lIns="0" rIns="0" tIns="0" bIns="0">
+            <a:normAutofit/>
+          </a:bodyPr>
+          <a:p>
+            <a:endParaRPr b="0" lang="fr-FR" sz="3200" spc="-1" strike="noStrike">
+              <a:solidFill>
+                <a:srgbClr val="000000"/>
+              </a:solidFill>
+              <a:uFill>
+                <a:solidFill>
+                  <a:srgbClr val="ffffff"/>
+                </a:solidFill>
+              </a:uFill>
+              <a:latin typeface="Arial"/>
+            </a:endParaRPr>
+          </a:p>
+        </p:txBody>
+      </p:sp>
+      <p:sp>
+        <p:nvSpPr>
+          <p:cNvPr id="57" name="PlaceHolder 3"/>
+          <p:cNvSpPr>
+            <a:spLocks noGrp="1"/>
+          </p:cNvSpPr>
+          <p:nvPr>
+            <p:ph type="body"/>
+          </p:nvPr>
+        </p:nvSpPr>
+        <p:spPr>
+          <a:xfrm>
+            <a:off x="5152680" y="1326600"/>
+            <a:ext cx="4426920" cy="1568520"/>
+          </a:xfrm>
+          <a:prstGeom prst="rect">
+            <a:avLst/>
+          </a:prstGeom>
+        </p:spPr>
+        <p:txBody>
+          <a:bodyPr lIns="0" rIns="0" tIns="0" bIns="0">
+            <a:normAutofit/>
+          </a:bodyPr>
+          <a:p>
+            <a:endParaRPr b="0" lang="fr-FR" sz="3200" spc="-1" strike="noStrike">
+              <a:solidFill>
+                <a:srgbClr val="000000"/>
+              </a:solidFill>
+              <a:uFill>
+                <a:solidFill>
+                  <a:srgbClr val="ffffff"/>
+                </a:solidFill>
+              </a:uFill>
+              <a:latin typeface="Arial"/>
+            </a:endParaRPr>
+          </a:p>
+        </p:txBody>
+      </p:sp>
+      <p:sp>
+        <p:nvSpPr>
+          <p:cNvPr id="58" name="PlaceHolder 4"/>
+          <p:cNvSpPr>
+            <a:spLocks noGrp="1"/>
+          </p:cNvSpPr>
+          <p:nvPr>
+            <p:ph type="body"/>
+          </p:nvPr>
+        </p:nvSpPr>
+        <p:spPr>
+          <a:xfrm>
+            <a:off x="5152680" y="3044520"/>
+            <a:ext cx="4426920" cy="1568520"/>
+          </a:xfrm>
+          <a:prstGeom prst="rect">
+            <a:avLst/>
+          </a:prstGeom>
+        </p:spPr>
+        <p:txBody>
+          <a:bodyPr lIns="0" rIns="0" tIns="0" bIns="0">
+            <a:normAutofit/>
+          </a:bodyPr>
+          <a:p>
+            <a:endParaRPr b="0" lang="fr-FR" sz="3200" spc="-1" strike="noStrike">
+              <a:solidFill>
+                <a:srgbClr val="000000"/>
+              </a:solidFill>
+              <a:uFill>
+                <a:solidFill>
+                  <a:srgbClr val="ffffff"/>
+                </a:solidFill>
+              </a:uFill>
+              <a:latin typeface="Arial"/>
+            </a:endParaRPr>
+          </a:p>
+        </p:txBody>
+      </p:sp>
+    </p:spTree>
+  </p:cSld>
+</p:sldLayout>
+</file>
+
+<file path=ppt/slideLayouts/slideLayout21.xml><?xml version="1.0" encoding="utf-8"?>
+<p:sldLayout xmlns:a="http://schemas.openxmlformats.org/drawingml/2006/main" xmlns:p="http://schemas.openxmlformats.org/presentationml/2006/main" xmlns:r="http://schemas.openxmlformats.org/officeDocument/2006/relationships" xmlns:p14="http://schemas.microsoft.com/office/powerpoint/2010/main" xmlns:p15="http://schemas.microsoft.com/office/powerpoint/2012/main" xmlns:mc="http://schemas.openxmlformats.org/markup-compatibility/2006" type="twoObjOverTx" preserve="1">
+  <p:cSld name="Title, 2 Content over Content">
+    <p:spTree>
+      <p:nvGrpSpPr>
+        <p:cNvPr id="1" name=""/>
+        <p:cNvGrpSpPr/>
+        <p:nvPr/>
+      </p:nvGrpSpPr>
+      <p:grpSpPr>
+        <a:xfrm>
+          <a:off x="0" y="0"/>
+          <a:ext cx="0" cy="0"/>
+          <a:chOff x="0" y="0"/>
+          <a:chExt cx="0" cy="0"/>
+        </a:xfrm>
+      </p:grpSpPr>
+      <p:sp>
+        <p:nvSpPr>
+          <p:cNvPr id="59" name="PlaceHolder 1"/>
+          <p:cNvSpPr>
+            <a:spLocks noGrp="1"/>
+          </p:cNvSpPr>
+          <p:nvPr>
+            <p:ph type="title"/>
+          </p:nvPr>
+        </p:nvSpPr>
+        <p:spPr>
+          <a:xfrm>
+            <a:off x="504000" y="226080"/>
+            <a:ext cx="9072000" cy="946440"/>
+          </a:xfrm>
+          <a:prstGeom prst="rect">
+            <a:avLst/>
+          </a:prstGeom>
+        </p:spPr>
+        <p:txBody>
+          <a:bodyPr lIns="0" rIns="0" tIns="0" bIns="0" anchor="ctr"/>
+          <a:p>
+            <a:pPr algn="ctr"/>
+            <a:endParaRPr b="0" lang="fr-FR" sz="4400" spc="-1" strike="noStrike">
+              <a:solidFill>
+                <a:srgbClr val="000000"/>
+              </a:solidFill>
+              <a:uFill>
+                <a:solidFill>
+                  <a:srgbClr val="ffffff"/>
+                </a:solidFill>
+              </a:uFill>
+              <a:latin typeface="Arial"/>
+            </a:endParaRPr>
+          </a:p>
+        </p:txBody>
+      </p:sp>
+      <p:sp>
+        <p:nvSpPr>
+          <p:cNvPr id="60" name="PlaceHolder 2"/>
+          <p:cNvSpPr>
+            <a:spLocks noGrp="1"/>
+          </p:cNvSpPr>
+          <p:nvPr>
+            <p:ph type="body"/>
+          </p:nvPr>
+        </p:nvSpPr>
+        <p:spPr>
+          <a:xfrm>
+            <a:off x="504000" y="1326600"/>
+            <a:ext cx="4426920" cy="1568520"/>
+          </a:xfrm>
+          <a:prstGeom prst="rect">
+            <a:avLst/>
+          </a:prstGeom>
+        </p:spPr>
+        <p:txBody>
+          <a:bodyPr lIns="0" rIns="0" tIns="0" bIns="0">
+            <a:normAutofit/>
+          </a:bodyPr>
+          <a:p>
+            <a:endParaRPr b="0" lang="fr-FR" sz="3200" spc="-1" strike="noStrike">
+              <a:solidFill>
+                <a:srgbClr val="000000"/>
+              </a:solidFill>
+              <a:uFill>
+                <a:solidFill>
+                  <a:srgbClr val="ffffff"/>
+                </a:solidFill>
+              </a:uFill>
+              <a:latin typeface="Arial"/>
+            </a:endParaRPr>
+          </a:p>
+        </p:txBody>
+      </p:sp>
+      <p:sp>
+        <p:nvSpPr>
+          <p:cNvPr id="61" name="PlaceHolder 3"/>
+          <p:cNvSpPr>
+            <a:spLocks noGrp="1"/>
+          </p:cNvSpPr>
+          <p:nvPr>
+            <p:ph type="body"/>
+          </p:nvPr>
+        </p:nvSpPr>
+        <p:spPr>
+          <a:xfrm>
+            <a:off x="5152680" y="1326600"/>
+            <a:ext cx="4426920" cy="1568520"/>
+          </a:xfrm>
+          <a:prstGeom prst="rect">
+            <a:avLst/>
+          </a:prstGeom>
+        </p:spPr>
+        <p:txBody>
+          <a:bodyPr lIns="0" rIns="0" tIns="0" bIns="0">
+            <a:normAutofit/>
+          </a:bodyPr>
+          <a:p>
+            <a:endParaRPr b="0" lang="fr-FR" sz="3200" spc="-1" strike="noStrike">
+              <a:solidFill>
+                <a:srgbClr val="000000"/>
+              </a:solidFill>
+              <a:uFill>
+                <a:solidFill>
+                  <a:srgbClr val="ffffff"/>
+                </a:solidFill>
+              </a:uFill>
+              <a:latin typeface="Arial"/>
+            </a:endParaRPr>
+          </a:p>
+        </p:txBody>
+      </p:sp>
+      <p:sp>
+        <p:nvSpPr>
+          <p:cNvPr id="62" name="PlaceHolder 4"/>
+          <p:cNvSpPr>
+            <a:spLocks noGrp="1"/>
+          </p:cNvSpPr>
+          <p:nvPr>
+            <p:ph type="body"/>
+          </p:nvPr>
+        </p:nvSpPr>
+        <p:spPr>
+          <a:xfrm>
+            <a:off x="504000" y="3044520"/>
+            <a:ext cx="9072000" cy="1568520"/>
+          </a:xfrm>
+          <a:prstGeom prst="rect">
+            <a:avLst/>
+          </a:prstGeom>
+        </p:spPr>
+        <p:txBody>
+          <a:bodyPr lIns="0" rIns="0" tIns="0" bIns="0">
+            <a:normAutofit/>
+          </a:bodyPr>
+          <a:p>
+            <a:endParaRPr b="0" lang="fr-FR" sz="3200" spc="-1" strike="noStrike">
+              <a:solidFill>
+                <a:srgbClr val="000000"/>
+              </a:solidFill>
+              <a:uFill>
+                <a:solidFill>
+                  <a:srgbClr val="ffffff"/>
+                </a:solidFill>
+              </a:uFill>
+              <a:latin typeface="Arial"/>
+            </a:endParaRPr>
+          </a:p>
+        </p:txBody>
+      </p:sp>
+    </p:spTree>
+  </p:cSld>
+</p:sldLayout>
+</file>
+
+<file path=ppt/slideLayouts/slideLayout22.xml><?xml version="1.0" encoding="utf-8"?>
+<p:sldLayout xmlns:a="http://schemas.openxmlformats.org/drawingml/2006/main" xmlns:p="http://schemas.openxmlformats.org/presentationml/2006/main" xmlns:r="http://schemas.openxmlformats.org/officeDocument/2006/relationships" xmlns:p14="http://schemas.microsoft.com/office/powerpoint/2010/main" xmlns:p15="http://schemas.microsoft.com/office/powerpoint/2012/main" xmlns:mc="http://schemas.openxmlformats.org/markup-compatibility/2006" type="objOverTx" preserve="1">
+  <p:cSld name="Title, Content over Content">
+    <p:spTree>
+      <p:nvGrpSpPr>
+        <p:cNvPr id="1" name=""/>
+        <p:cNvGrpSpPr/>
+        <p:nvPr/>
+      </p:nvGrpSpPr>
+      <p:grpSpPr>
+        <a:xfrm>
+          <a:off x="0" y="0"/>
+          <a:ext cx="0" cy="0"/>
+          <a:chOff x="0" y="0"/>
+          <a:chExt cx="0" cy="0"/>
+        </a:xfrm>
+      </p:grpSpPr>
+      <p:sp>
+        <p:nvSpPr>
+          <p:cNvPr id="63" name="PlaceHolder 1"/>
+          <p:cNvSpPr>
+            <a:spLocks noGrp="1"/>
+          </p:cNvSpPr>
+          <p:nvPr>
+            <p:ph type="title"/>
+          </p:nvPr>
+        </p:nvSpPr>
+        <p:spPr>
+          <a:xfrm>
+            <a:off x="504000" y="226080"/>
+            <a:ext cx="9072000" cy="946440"/>
+          </a:xfrm>
+          <a:prstGeom prst="rect">
+            <a:avLst/>
+          </a:prstGeom>
+        </p:spPr>
+        <p:txBody>
+          <a:bodyPr lIns="0" rIns="0" tIns="0" bIns="0" anchor="ctr"/>
+          <a:p>
+            <a:pPr algn="ctr"/>
+            <a:endParaRPr b="0" lang="fr-FR" sz="4400" spc="-1" strike="noStrike">
+              <a:solidFill>
+                <a:srgbClr val="000000"/>
+              </a:solidFill>
+              <a:uFill>
+                <a:solidFill>
+                  <a:srgbClr val="ffffff"/>
+                </a:solidFill>
+              </a:uFill>
+              <a:latin typeface="Arial"/>
+            </a:endParaRPr>
+          </a:p>
+        </p:txBody>
+      </p:sp>
+      <p:sp>
+        <p:nvSpPr>
+          <p:cNvPr id="64" name="PlaceHolder 2"/>
+          <p:cNvSpPr>
+            <a:spLocks noGrp="1"/>
+          </p:cNvSpPr>
+          <p:nvPr>
+            <p:ph type="body"/>
+          </p:nvPr>
+        </p:nvSpPr>
+        <p:spPr>
+          <a:xfrm>
+            <a:off x="504000" y="1326600"/>
+            <a:ext cx="9072000" cy="1568520"/>
+          </a:xfrm>
+          <a:prstGeom prst="rect">
+            <a:avLst/>
+          </a:prstGeom>
+        </p:spPr>
+        <p:txBody>
+          <a:bodyPr lIns="0" rIns="0" tIns="0" bIns="0">
+            <a:normAutofit/>
+          </a:bodyPr>
+          <a:p>
+            <a:endParaRPr b="0" lang="fr-FR" sz="3200" spc="-1" strike="noStrike">
+              <a:solidFill>
+                <a:srgbClr val="000000"/>
+              </a:solidFill>
+              <a:uFill>
+                <a:solidFill>
+                  <a:srgbClr val="ffffff"/>
+                </a:solidFill>
+              </a:uFill>
+              <a:latin typeface="Arial"/>
+            </a:endParaRPr>
+          </a:p>
+        </p:txBody>
+      </p:sp>
+      <p:sp>
+        <p:nvSpPr>
+          <p:cNvPr id="65" name="PlaceHolder 3"/>
+          <p:cNvSpPr>
+            <a:spLocks noGrp="1"/>
+          </p:cNvSpPr>
+          <p:nvPr>
+            <p:ph type="body"/>
+          </p:nvPr>
+        </p:nvSpPr>
+        <p:spPr>
+          <a:xfrm>
+            <a:off x="504000" y="3044520"/>
+            <a:ext cx="9072000" cy="1568520"/>
+          </a:xfrm>
+          <a:prstGeom prst="rect">
+            <a:avLst/>
+          </a:prstGeom>
+        </p:spPr>
+        <p:txBody>
+          <a:bodyPr lIns="0" rIns="0" tIns="0" bIns="0">
+            <a:normAutofit/>
+          </a:bodyPr>
+          <a:p>
+            <a:endParaRPr b="0" lang="fr-FR" sz="3200" spc="-1" strike="noStrike">
+              <a:solidFill>
+                <a:srgbClr val="000000"/>
+              </a:solidFill>
+              <a:uFill>
+                <a:solidFill>
+                  <a:srgbClr val="ffffff"/>
+                </a:solidFill>
+              </a:uFill>
+              <a:latin typeface="Arial"/>
+            </a:endParaRPr>
+          </a:p>
+        </p:txBody>
+      </p:sp>
+    </p:spTree>
+  </p:cSld>
+</p:sldLayout>
+</file>
+
+<file path=ppt/slideLayouts/slideLayout23.xml><?xml version="1.0" encoding="utf-8"?>
+<p:sldLayout xmlns:a="http://schemas.openxmlformats.org/drawingml/2006/main" xmlns:p="http://schemas.openxmlformats.org/presentationml/2006/main" xmlns:r="http://schemas.openxmlformats.org/officeDocument/2006/relationships" xmlns:p14="http://schemas.microsoft.com/office/powerpoint/2010/main" xmlns:p15="http://schemas.microsoft.com/office/powerpoint/2012/main" xmlns:mc="http://schemas.openxmlformats.org/markup-compatibility/2006" type="fourObj" preserve="1">
+  <p:cSld name="Title, 4 Content">
+    <p:spTree>
+      <p:nvGrpSpPr>
+        <p:cNvPr id="1" name=""/>
+        <p:cNvGrpSpPr/>
+        <p:nvPr/>
+      </p:nvGrpSpPr>
+      <p:grpSpPr>
+        <a:xfrm>
+          <a:off x="0" y="0"/>
+          <a:ext cx="0" cy="0"/>
+          <a:chOff x="0" y="0"/>
+          <a:chExt cx="0" cy="0"/>
+        </a:xfrm>
+      </p:grpSpPr>
+      <p:sp>
+        <p:nvSpPr>
+          <p:cNvPr id="66" name="PlaceHolder 1"/>
+          <p:cNvSpPr>
+            <a:spLocks noGrp="1"/>
+          </p:cNvSpPr>
+          <p:nvPr>
+            <p:ph type="title"/>
+          </p:nvPr>
+        </p:nvSpPr>
+        <p:spPr>
+          <a:xfrm>
+            <a:off x="504000" y="226080"/>
+            <a:ext cx="9072000" cy="946440"/>
+          </a:xfrm>
+          <a:prstGeom prst="rect">
+            <a:avLst/>
+          </a:prstGeom>
+        </p:spPr>
+        <p:txBody>
+          <a:bodyPr lIns="0" rIns="0" tIns="0" bIns="0" anchor="ctr"/>
+          <a:p>
+            <a:pPr algn="ctr"/>
+            <a:endParaRPr b="0" lang="fr-FR" sz="4400" spc="-1" strike="noStrike">
+              <a:solidFill>
+                <a:srgbClr val="000000"/>
+              </a:solidFill>
+              <a:uFill>
+                <a:solidFill>
+                  <a:srgbClr val="ffffff"/>
+                </a:solidFill>
+              </a:uFill>
+              <a:latin typeface="Arial"/>
+            </a:endParaRPr>
+          </a:p>
+        </p:txBody>
+      </p:sp>
+      <p:sp>
+        <p:nvSpPr>
+          <p:cNvPr id="67" name="PlaceHolder 2"/>
+          <p:cNvSpPr>
+            <a:spLocks noGrp="1"/>
+          </p:cNvSpPr>
+          <p:nvPr>
+            <p:ph type="body"/>
+          </p:nvPr>
+        </p:nvSpPr>
+        <p:spPr>
+          <a:xfrm>
+            <a:off x="504000" y="1326600"/>
+            <a:ext cx="4426920" cy="1568520"/>
+          </a:xfrm>
+          <a:prstGeom prst="rect">
+            <a:avLst/>
+          </a:prstGeom>
+        </p:spPr>
+        <p:txBody>
+          <a:bodyPr lIns="0" rIns="0" tIns="0" bIns="0">
+            <a:normAutofit/>
+          </a:bodyPr>
+          <a:p>
+            <a:endParaRPr b="0" lang="fr-FR" sz="3200" spc="-1" strike="noStrike">
+              <a:solidFill>
+                <a:srgbClr val="000000"/>
+              </a:solidFill>
+              <a:uFill>
+                <a:solidFill>
+                  <a:srgbClr val="ffffff"/>
+                </a:solidFill>
+              </a:uFill>
+              <a:latin typeface="Arial"/>
+            </a:endParaRPr>
+          </a:p>
+        </p:txBody>
+      </p:sp>
+      <p:sp>
+        <p:nvSpPr>
+          <p:cNvPr id="68" name="PlaceHolder 3"/>
+          <p:cNvSpPr>
+            <a:spLocks noGrp="1"/>
+          </p:cNvSpPr>
+          <p:nvPr>
+            <p:ph type="body"/>
+          </p:nvPr>
+        </p:nvSpPr>
+        <p:spPr>
+          <a:xfrm>
+            <a:off x="5152680" y="1326600"/>
+            <a:ext cx="4426920" cy="1568520"/>
+          </a:xfrm>
+          <a:prstGeom prst="rect">
+            <a:avLst/>
+          </a:prstGeom>
+        </p:spPr>
+        <p:txBody>
+          <a:bodyPr lIns="0" rIns="0" tIns="0" bIns="0">
+            <a:normAutofit/>
+          </a:bodyPr>
+          <a:p>
+            <a:endParaRPr b="0" lang="fr-FR" sz="3200" spc="-1" strike="noStrike">
+              <a:solidFill>
+                <a:srgbClr val="000000"/>
+              </a:solidFill>
+              <a:uFill>
+                <a:solidFill>
+                  <a:srgbClr val="ffffff"/>
+                </a:solidFill>
+              </a:uFill>
+              <a:latin typeface="Arial"/>
+            </a:endParaRPr>
+          </a:p>
+        </p:txBody>
+      </p:sp>
+      <p:sp>
+        <p:nvSpPr>
+          <p:cNvPr id="69" name="PlaceHolder 4"/>
+          <p:cNvSpPr>
+            <a:spLocks noGrp="1"/>
+          </p:cNvSpPr>
+          <p:nvPr>
+            <p:ph type="body"/>
+          </p:nvPr>
+        </p:nvSpPr>
+        <p:spPr>
+          <a:xfrm>
+            <a:off x="5152680" y="3044520"/>
+            <a:ext cx="4426920" cy="1568520"/>
+          </a:xfrm>
+          <a:prstGeom prst="rect">
+            <a:avLst/>
+          </a:prstGeom>
+        </p:spPr>
+        <p:txBody>
+          <a:bodyPr lIns="0" rIns="0" tIns="0" bIns="0">
+            <a:normAutofit/>
+          </a:bodyPr>
+          <a:p>
+            <a:endParaRPr b="0" lang="fr-FR" sz="3200" spc="-1" strike="noStrike">
+              <a:solidFill>
+                <a:srgbClr val="000000"/>
+              </a:solidFill>
+              <a:uFill>
+                <a:solidFill>
+                  <a:srgbClr val="ffffff"/>
+                </a:solidFill>
+              </a:uFill>
+              <a:latin typeface="Arial"/>
+            </a:endParaRPr>
+          </a:p>
+        </p:txBody>
+      </p:sp>
+      <p:sp>
+        <p:nvSpPr>
+          <p:cNvPr id="70" name="PlaceHolder 5"/>
+          <p:cNvSpPr>
+            <a:spLocks noGrp="1"/>
+          </p:cNvSpPr>
+          <p:nvPr>
+            <p:ph type="body"/>
+          </p:nvPr>
+        </p:nvSpPr>
+        <p:spPr>
+          <a:xfrm>
+            <a:off x="504000" y="3044520"/>
+            <a:ext cx="4426920" cy="1568520"/>
+          </a:xfrm>
+          <a:prstGeom prst="rect">
+            <a:avLst/>
+          </a:prstGeom>
+        </p:spPr>
+        <p:txBody>
+          <a:bodyPr lIns="0" rIns="0" tIns="0" bIns="0">
+            <a:normAutofit/>
+          </a:bodyPr>
+          <a:p>
+            <a:endParaRPr b="0" lang="fr-FR" sz="3200" spc="-1" strike="noStrike">
+              <a:solidFill>
+                <a:srgbClr val="000000"/>
+              </a:solidFill>
+              <a:uFill>
+                <a:solidFill>
+                  <a:srgbClr val="ffffff"/>
+                </a:solidFill>
+              </a:uFill>
+              <a:latin typeface="Arial"/>
+            </a:endParaRPr>
+          </a:p>
+        </p:txBody>
+      </p:sp>
+    </p:spTree>
+  </p:cSld>
+</p:sldLayout>
+</file>
+
+<file path=ppt/slideLayouts/slideLayout24.xml><?xml version="1.0" encoding="utf-8"?>
+<p:sldLayout xmlns:a="http://schemas.openxmlformats.org/drawingml/2006/main" xmlns:p="http://schemas.openxmlformats.org/presentationml/2006/main" xmlns:r="http://schemas.openxmlformats.org/officeDocument/2006/relationships" xmlns:p14="http://schemas.microsoft.com/office/powerpoint/2010/main" xmlns:p15="http://schemas.microsoft.com/office/powerpoint/2012/main" xmlns:mc="http://schemas.openxmlformats.org/markup-compatibility/2006" type="blank" preserve="1">
+  <p:cSld name="Title, 6 Content">
+    <p:spTree>
+      <p:nvGrpSpPr>
+        <p:cNvPr id="1" name=""/>
+        <p:cNvGrpSpPr/>
+        <p:nvPr/>
+      </p:nvGrpSpPr>
+      <p:grpSpPr>
+        <a:xfrm>
+          <a:off x="0" y="0"/>
+          <a:ext cx="0" cy="0"/>
+          <a:chOff x="0" y="0"/>
+          <a:chExt cx="0" cy="0"/>
+        </a:xfrm>
+      </p:grpSpPr>
+      <p:sp>
+        <p:nvSpPr>
+          <p:cNvPr id="71" name="PlaceHolder 1"/>
+          <p:cNvSpPr>
+            <a:spLocks noGrp="1"/>
+          </p:cNvSpPr>
+          <p:nvPr>
+            <p:ph type="title"/>
+          </p:nvPr>
+        </p:nvSpPr>
+        <p:spPr>
+          <a:xfrm>
+            <a:off x="504000" y="226080"/>
+            <a:ext cx="9072000" cy="946440"/>
+          </a:xfrm>
+          <a:prstGeom prst="rect">
+            <a:avLst/>
+          </a:prstGeom>
+        </p:spPr>
+        <p:txBody>
+          <a:bodyPr lIns="0" rIns="0" tIns="0" bIns="0" anchor="ctr"/>
+          <a:p>
+            <a:pPr algn="ctr"/>
+            <a:endParaRPr b="0" lang="fr-FR" sz="4400" spc="-1" strike="noStrike">
+              <a:solidFill>
+                <a:srgbClr val="000000"/>
+              </a:solidFill>
+              <a:uFill>
+                <a:solidFill>
+                  <a:srgbClr val="ffffff"/>
+                </a:solidFill>
+              </a:uFill>
+              <a:latin typeface="Arial"/>
+            </a:endParaRPr>
+          </a:p>
+        </p:txBody>
+      </p:sp>
+      <p:sp>
+        <p:nvSpPr>
+          <p:cNvPr id="72" name="PlaceHolder 2"/>
+          <p:cNvSpPr>
+            <a:spLocks noGrp="1"/>
+          </p:cNvSpPr>
+          <p:nvPr>
+            <p:ph type="body"/>
+          </p:nvPr>
+        </p:nvSpPr>
+        <p:spPr>
+          <a:xfrm>
+            <a:off x="504000" y="1326600"/>
+            <a:ext cx="2921040" cy="1568520"/>
+          </a:xfrm>
+          <a:prstGeom prst="rect">
+            <a:avLst/>
+          </a:prstGeom>
+        </p:spPr>
+        <p:txBody>
+          <a:bodyPr lIns="0" rIns="0" tIns="0" bIns="0">
+            <a:normAutofit/>
+          </a:bodyPr>
+          <a:p>
+            <a:endParaRPr b="0" lang="fr-FR" sz="3200" spc="-1" strike="noStrike">
+              <a:solidFill>
+                <a:srgbClr val="000000"/>
+              </a:solidFill>
+              <a:uFill>
+                <a:solidFill>
+                  <a:srgbClr val="ffffff"/>
+                </a:solidFill>
+              </a:uFill>
+              <a:latin typeface="Arial"/>
+            </a:endParaRPr>
+          </a:p>
+        </p:txBody>
+      </p:sp>
+      <p:sp>
+        <p:nvSpPr>
+          <p:cNvPr id="73" name="PlaceHolder 3"/>
+          <p:cNvSpPr>
+            <a:spLocks noGrp="1"/>
+          </p:cNvSpPr>
+          <p:nvPr>
+            <p:ph type="body"/>
+          </p:nvPr>
+        </p:nvSpPr>
+        <p:spPr>
+          <a:xfrm>
+            <a:off x="3571560" y="1326600"/>
+            <a:ext cx="2921040" cy="1568520"/>
+          </a:xfrm>
+          <a:prstGeom prst="rect">
+            <a:avLst/>
+          </a:prstGeom>
+        </p:spPr>
+        <p:txBody>
+          <a:bodyPr lIns="0" rIns="0" tIns="0" bIns="0">
+            <a:normAutofit/>
+          </a:bodyPr>
+          <a:p>
+            <a:endParaRPr b="0" lang="fr-FR" sz="3200" spc="-1" strike="noStrike">
+              <a:solidFill>
+                <a:srgbClr val="000000"/>
+              </a:solidFill>
+              <a:uFill>
+                <a:solidFill>
+                  <a:srgbClr val="ffffff"/>
+                </a:solidFill>
+              </a:uFill>
+              <a:latin typeface="Arial"/>
+            </a:endParaRPr>
+          </a:p>
+        </p:txBody>
+      </p:sp>
+      <p:sp>
+        <p:nvSpPr>
+          <p:cNvPr id="74" name="PlaceHolder 4"/>
+          <p:cNvSpPr>
+            <a:spLocks noGrp="1"/>
+          </p:cNvSpPr>
+          <p:nvPr>
+            <p:ph type="body"/>
+          </p:nvPr>
+        </p:nvSpPr>
+        <p:spPr>
+          <a:xfrm>
+            <a:off x="6639120" y="1326600"/>
+            <a:ext cx="2921040" cy="1568520"/>
+          </a:xfrm>
+          <a:prstGeom prst="rect">
+            <a:avLst/>
+          </a:prstGeom>
+        </p:spPr>
+        <p:txBody>
+          <a:bodyPr lIns="0" rIns="0" tIns="0" bIns="0">
+            <a:normAutofit/>
+          </a:bodyPr>
+          <a:p>
+            <a:endParaRPr b="0" lang="fr-FR" sz="3200" spc="-1" strike="noStrike">
+              <a:solidFill>
+                <a:srgbClr val="000000"/>
+              </a:solidFill>
+              <a:uFill>
+                <a:solidFill>
+                  <a:srgbClr val="ffffff"/>
+                </a:solidFill>
+              </a:uFill>
+              <a:latin typeface="Arial"/>
+            </a:endParaRPr>
+          </a:p>
+        </p:txBody>
+      </p:sp>
+      <p:sp>
+        <p:nvSpPr>
+          <p:cNvPr id="75" name="PlaceHolder 5"/>
+          <p:cNvSpPr>
+            <a:spLocks noGrp="1"/>
+          </p:cNvSpPr>
+          <p:nvPr>
+            <p:ph type="body"/>
+          </p:nvPr>
+        </p:nvSpPr>
+        <p:spPr>
+          <a:xfrm>
+            <a:off x="6639120" y="3044520"/>
+            <a:ext cx="2921040" cy="1568520"/>
+          </a:xfrm>
+          <a:prstGeom prst="rect">
+            <a:avLst/>
+          </a:prstGeom>
+        </p:spPr>
+        <p:txBody>
+          <a:bodyPr lIns="0" rIns="0" tIns="0" bIns="0">
+            <a:normAutofit/>
+          </a:bodyPr>
+          <a:p>
+            <a:endParaRPr b="0" lang="fr-FR" sz="3200" spc="-1" strike="noStrike">
+              <a:solidFill>
+                <a:srgbClr val="000000"/>
+              </a:solidFill>
+              <a:uFill>
+                <a:solidFill>
+                  <a:srgbClr val="ffffff"/>
+                </a:solidFill>
+              </a:uFill>
+              <a:latin typeface="Arial"/>
+            </a:endParaRPr>
+          </a:p>
+        </p:txBody>
+      </p:sp>
+      <p:sp>
+        <p:nvSpPr>
+          <p:cNvPr id="76" name="PlaceHolder 6"/>
+          <p:cNvSpPr>
+            <a:spLocks noGrp="1"/>
+          </p:cNvSpPr>
+          <p:nvPr>
+            <p:ph type="body"/>
+          </p:nvPr>
+        </p:nvSpPr>
+        <p:spPr>
+          <a:xfrm>
+            <a:off x="3571560" y="3044520"/>
+            <a:ext cx="2921040" cy="1568520"/>
+          </a:xfrm>
+          <a:prstGeom prst="rect">
+            <a:avLst/>
+          </a:prstGeom>
+        </p:spPr>
+        <p:txBody>
+          <a:bodyPr lIns="0" rIns="0" tIns="0" bIns="0">
+            <a:normAutofit/>
+          </a:bodyPr>
+          <a:p>
+            <a:endParaRPr b="0" lang="fr-FR" sz="3200" spc="-1" strike="noStrike">
+              <a:solidFill>
+                <a:srgbClr val="000000"/>
+              </a:solidFill>
+              <a:uFill>
+                <a:solidFill>
+                  <a:srgbClr val="ffffff"/>
+                </a:solidFill>
+              </a:uFill>
+              <a:latin typeface="Arial"/>
+            </a:endParaRPr>
+          </a:p>
+        </p:txBody>
+      </p:sp>
+      <p:sp>
+        <p:nvSpPr>
+          <p:cNvPr id="77" name="PlaceHolder 7"/>
+          <p:cNvSpPr>
+            <a:spLocks noGrp="1"/>
+          </p:cNvSpPr>
+          <p:nvPr>
+            <p:ph type="body"/>
+          </p:nvPr>
+        </p:nvSpPr>
+        <p:spPr>
+          <a:xfrm>
+            <a:off x="504000" y="3044520"/>
+            <a:ext cx="2921040" cy="1568520"/>
+          </a:xfrm>
+          <a:prstGeom prst="rect">
+            <a:avLst/>
+          </a:prstGeom>
+        </p:spPr>
+        <p:txBody>
+          <a:bodyPr lIns="0" rIns="0" tIns="0" bIns="0">
+            <a:normAutofit/>
+          </a:bodyPr>
+          <a:p>
+            <a:endParaRPr b="0" lang="fr-FR" sz="3200" spc="-1" strike="noStrike">
+              <a:solidFill>
+                <a:srgbClr val="000000"/>
+              </a:solidFill>
+              <a:uFill>
+                <a:solidFill>
+                  <a:srgbClr val="ffffff"/>
+                </a:solidFill>
+              </a:uFill>
+              <a:latin typeface="Arial"/>
+            </a:endParaRPr>
+          </a:p>
+        </p:txBody>
+      </p:sp>
+    </p:spTree>
+  </p:cSld>
+</p:sldLayout>
+</file>
+
+<file path=ppt/slideLayouts/slideLayout25.xml><?xml version="1.0" encoding="utf-8"?>
+<p:sldLayout xmlns:a="http://schemas.openxmlformats.org/drawingml/2006/main" xmlns:p="http://schemas.openxmlformats.org/presentationml/2006/main" xmlns:r="http://schemas.openxmlformats.org/officeDocument/2006/relationships" xmlns:p14="http://schemas.microsoft.com/office/powerpoint/2010/main" xmlns:p15="http://schemas.microsoft.com/office/powerpoint/2012/main" xmlns:mc="http://schemas.openxmlformats.org/markup-compatibility/2006" type="blank" preserve="1">
+  <p:cSld name="Blank Slide">
+    <p:spTree>
+      <p:nvGrpSpPr>
+        <p:cNvPr id="1" name=""/>
+        <p:cNvGrpSpPr/>
+        <p:nvPr/>
+      </p:nvGrpSpPr>
+      <p:grpSpPr>
+        <a:xfrm>
+          <a:off x="0" y="0"/>
+          <a:ext cx="0" cy="0"/>
+          <a:chOff x="0" y="0"/>
+          <a:chExt cx="0" cy="0"/>
+        </a:xfrm>
+      </p:grpSpPr>
+    </p:spTree>
+  </p:cSld>
+</p:sldLayout>
+</file>
+
+<file path=ppt/slideLayouts/slideLayout26.xml><?xml version="1.0" encoding="utf-8"?>
+<p:sldLayout xmlns:a="http://schemas.openxmlformats.org/drawingml/2006/main" xmlns:p="http://schemas.openxmlformats.org/presentationml/2006/main" xmlns:r="http://schemas.openxmlformats.org/officeDocument/2006/relationships" xmlns:p14="http://schemas.microsoft.com/office/powerpoint/2010/main" xmlns:p15="http://schemas.microsoft.com/office/powerpoint/2012/main" xmlns:mc="http://schemas.openxmlformats.org/markup-compatibility/2006" type="tx" preserve="1">
+  <p:cSld name="Title Slide">
+    <p:spTree>
+      <p:nvGrpSpPr>
+        <p:cNvPr id="1" name=""/>
+        <p:cNvGrpSpPr/>
+        <p:nvPr/>
+      </p:nvGrpSpPr>
+      <p:grpSpPr>
+        <a:xfrm>
+          <a:off x="0" y="0"/>
+          <a:ext cx="0" cy="0"/>
+          <a:chOff x="0" y="0"/>
+          <a:chExt cx="0" cy="0"/>
+        </a:xfrm>
+      </p:grpSpPr>
+      <p:sp>
+        <p:nvSpPr>
+          <p:cNvPr id="81" name="PlaceHolder 1"/>
+          <p:cNvSpPr>
+            <a:spLocks noGrp="1"/>
+          </p:cNvSpPr>
+          <p:nvPr>
+            <p:ph type="title"/>
+          </p:nvPr>
+        </p:nvSpPr>
+        <p:spPr>
+          <a:xfrm>
+            <a:off x="504000" y="226080"/>
+            <a:ext cx="9072000" cy="946440"/>
+          </a:xfrm>
+          <a:prstGeom prst="rect">
+            <a:avLst/>
+          </a:prstGeom>
+        </p:spPr>
+        <p:txBody>
+          <a:bodyPr lIns="0" rIns="0" tIns="0" bIns="0" anchor="ctr"/>
+          <a:p>
+            <a:pPr algn="ctr"/>
+            <a:endParaRPr b="0" lang="fr-FR" sz="4400" spc="-1" strike="noStrike">
+              <a:solidFill>
+                <a:srgbClr val="000000"/>
+              </a:solidFill>
+              <a:uFill>
+                <a:solidFill>
+                  <a:srgbClr val="ffffff"/>
+                </a:solidFill>
+              </a:uFill>
+              <a:latin typeface="Arial"/>
+            </a:endParaRPr>
+          </a:p>
+        </p:txBody>
+      </p:sp>
+      <p:sp>
+        <p:nvSpPr>
+          <p:cNvPr id="82" name="PlaceHolder 2"/>
+          <p:cNvSpPr>
+            <a:spLocks noGrp="1"/>
+          </p:cNvSpPr>
+          <p:nvPr>
+            <p:ph type="subTitle"/>
+          </p:nvPr>
+        </p:nvSpPr>
+        <p:spPr>
+          <a:xfrm>
+            <a:off x="504000" y="1326600"/>
+            <a:ext cx="9072000" cy="3288600"/>
+          </a:xfrm>
+          <a:prstGeom prst="rect">
+            <a:avLst/>
+          </a:prstGeom>
+        </p:spPr>
+        <p:txBody>
+          <a:bodyPr lIns="0" rIns="0" tIns="0" bIns="0" anchor="ctr"/>
+          <a:p>
+            <a:pPr algn="ctr"/>
+            <a:endParaRPr b="0" lang="fr-FR" sz="3200" spc="-1" strike="noStrike">
+              <a:solidFill>
+                <a:srgbClr val="000000"/>
+              </a:solidFill>
+              <a:uFill>
+                <a:solidFill>
+                  <a:srgbClr val="ffffff"/>
+                </a:solidFill>
+              </a:uFill>
+              <a:latin typeface="Arial"/>
+            </a:endParaRPr>
+          </a:p>
+        </p:txBody>
+      </p:sp>
+    </p:spTree>
+  </p:cSld>
+</p:sldLayout>
+</file>
+
+<file path=ppt/slideLayouts/slideLayout27.xml><?xml version="1.0" encoding="utf-8"?>
+<p:sldLayout xmlns:a="http://schemas.openxmlformats.org/drawingml/2006/main" xmlns:p="http://schemas.openxmlformats.org/presentationml/2006/main" xmlns:r="http://schemas.openxmlformats.org/officeDocument/2006/relationships" xmlns:p14="http://schemas.microsoft.com/office/powerpoint/2010/main" xmlns:p15="http://schemas.microsoft.com/office/powerpoint/2012/main" xmlns:mc="http://schemas.openxmlformats.org/markup-compatibility/2006" type="obj" preserve="1">
+  <p:cSld name="Title, Content">
+    <p:spTree>
+      <p:nvGrpSpPr>
+        <p:cNvPr id="1" name=""/>
+        <p:cNvGrpSpPr/>
+        <p:nvPr/>
+      </p:nvGrpSpPr>
+      <p:grpSpPr>
+        <a:xfrm>
+          <a:off x="0" y="0"/>
+          <a:ext cx="0" cy="0"/>
+          <a:chOff x="0" y="0"/>
+          <a:chExt cx="0" cy="0"/>
+        </a:xfrm>
+      </p:grpSpPr>
+      <p:sp>
+        <p:nvSpPr>
+          <p:cNvPr id="83" name="PlaceHolder 1"/>
+          <p:cNvSpPr>
+            <a:spLocks noGrp="1"/>
+          </p:cNvSpPr>
+          <p:nvPr>
+            <p:ph type="title"/>
+          </p:nvPr>
+        </p:nvSpPr>
+        <p:spPr>
+          <a:xfrm>
+            <a:off x="504000" y="226080"/>
+            <a:ext cx="9072000" cy="946440"/>
+          </a:xfrm>
+          <a:prstGeom prst="rect">
+            <a:avLst/>
+          </a:prstGeom>
+        </p:spPr>
+        <p:txBody>
+          <a:bodyPr lIns="0" rIns="0" tIns="0" bIns="0" anchor="ctr"/>
+          <a:p>
+            <a:pPr algn="ctr"/>
+            <a:endParaRPr b="0" lang="fr-FR" sz="4400" spc="-1" strike="noStrike">
+              <a:solidFill>
+                <a:srgbClr val="000000"/>
+              </a:solidFill>
+              <a:uFill>
+                <a:solidFill>
+                  <a:srgbClr val="ffffff"/>
+                </a:solidFill>
+              </a:uFill>
+              <a:latin typeface="Arial"/>
+            </a:endParaRPr>
+          </a:p>
+        </p:txBody>
+      </p:sp>
+      <p:sp>
+        <p:nvSpPr>
+          <p:cNvPr id="84" name="PlaceHolder 2"/>
+          <p:cNvSpPr>
+            <a:spLocks noGrp="1"/>
+          </p:cNvSpPr>
+          <p:nvPr>
+            <p:ph type="body"/>
+          </p:nvPr>
+        </p:nvSpPr>
+        <p:spPr>
+          <a:xfrm>
+            <a:off x="504000" y="1326600"/>
+            <a:ext cx="9072000" cy="3288600"/>
+          </a:xfrm>
+          <a:prstGeom prst="rect">
+            <a:avLst/>
+          </a:prstGeom>
+        </p:spPr>
+        <p:txBody>
+          <a:bodyPr lIns="0" rIns="0" tIns="0" bIns="0">
+            <a:normAutofit/>
+          </a:bodyPr>
+          <a:p>
+            <a:endParaRPr b="0" lang="fr-FR" sz="3200" spc="-1" strike="noStrike">
+              <a:solidFill>
+                <a:srgbClr val="000000"/>
+              </a:solidFill>
+              <a:uFill>
+                <a:solidFill>
+                  <a:srgbClr val="ffffff"/>
+                </a:solidFill>
+              </a:uFill>
+              <a:latin typeface="Arial"/>
+            </a:endParaRPr>
+          </a:p>
+        </p:txBody>
+      </p:sp>
+    </p:spTree>
+  </p:cSld>
+</p:sldLayout>
+</file>
+
+<file path=ppt/slideLayouts/slideLayout28.xml><?xml version="1.0" encoding="utf-8"?>
+<p:sldLayout xmlns:a="http://schemas.openxmlformats.org/drawingml/2006/main" xmlns:p="http://schemas.openxmlformats.org/presentationml/2006/main" xmlns:r="http://schemas.openxmlformats.org/officeDocument/2006/relationships" xmlns:p14="http://schemas.microsoft.com/office/powerpoint/2010/main" xmlns:p15="http://schemas.microsoft.com/office/powerpoint/2012/main" xmlns:mc="http://schemas.openxmlformats.org/markup-compatibility/2006" type="twoObj" preserve="1">
+  <p:cSld name="Title, 2 Content">
+    <p:spTree>
+      <p:nvGrpSpPr>
+        <p:cNvPr id="1" name=""/>
+        <p:cNvGrpSpPr/>
+        <p:nvPr/>
+      </p:nvGrpSpPr>
+      <p:grpSpPr>
+        <a:xfrm>
+          <a:off x="0" y="0"/>
+          <a:ext cx="0" cy="0"/>
+          <a:chOff x="0" y="0"/>
+          <a:chExt cx="0" cy="0"/>
+        </a:xfrm>
+      </p:grpSpPr>
+      <p:sp>
+        <p:nvSpPr>
+          <p:cNvPr id="85" name="PlaceHolder 1"/>
+          <p:cNvSpPr>
+            <a:spLocks noGrp="1"/>
+          </p:cNvSpPr>
+          <p:nvPr>
+            <p:ph type="title"/>
+          </p:nvPr>
+        </p:nvSpPr>
+        <p:spPr>
+          <a:xfrm>
+            <a:off x="504000" y="226080"/>
+            <a:ext cx="9072000" cy="946440"/>
+          </a:xfrm>
+          <a:prstGeom prst="rect">
+            <a:avLst/>
+          </a:prstGeom>
+        </p:spPr>
+        <p:txBody>
+          <a:bodyPr lIns="0" rIns="0" tIns="0" bIns="0" anchor="ctr"/>
+          <a:p>
+            <a:pPr algn="ctr"/>
+            <a:endParaRPr b="0" lang="fr-FR" sz="4400" spc="-1" strike="noStrike">
+              <a:solidFill>
+                <a:srgbClr val="000000"/>
+              </a:solidFill>
+              <a:uFill>
+                <a:solidFill>
+                  <a:srgbClr val="ffffff"/>
+                </a:solidFill>
+              </a:uFill>
+              <a:latin typeface="Arial"/>
+            </a:endParaRPr>
+          </a:p>
+        </p:txBody>
+      </p:sp>
+      <p:sp>
+        <p:nvSpPr>
+          <p:cNvPr id="86" name="PlaceHolder 2"/>
+          <p:cNvSpPr>
+            <a:spLocks noGrp="1"/>
+          </p:cNvSpPr>
+          <p:nvPr>
+            <p:ph type="body"/>
+          </p:nvPr>
+        </p:nvSpPr>
+        <p:spPr>
+          <a:xfrm>
+            <a:off x="504000" y="1326600"/>
+            <a:ext cx="4426920" cy="3288600"/>
+          </a:xfrm>
+          <a:prstGeom prst="rect">
+            <a:avLst/>
+          </a:prstGeom>
+        </p:spPr>
+        <p:txBody>
+          <a:bodyPr lIns="0" rIns="0" tIns="0" bIns="0">
+            <a:normAutofit/>
+          </a:bodyPr>
+          <a:p>
+            <a:endParaRPr b="0" lang="fr-FR" sz="3200" spc="-1" strike="noStrike">
+              <a:solidFill>
+                <a:srgbClr val="000000"/>
+              </a:solidFill>
+              <a:uFill>
+                <a:solidFill>
+                  <a:srgbClr val="ffffff"/>
+                </a:solidFill>
+              </a:uFill>
+              <a:latin typeface="Arial"/>
+            </a:endParaRPr>
+          </a:p>
+        </p:txBody>
+      </p:sp>
+      <p:sp>
+        <p:nvSpPr>
+          <p:cNvPr id="87" name="PlaceHolder 3"/>
+          <p:cNvSpPr>
+            <a:spLocks noGrp="1"/>
+          </p:cNvSpPr>
+          <p:nvPr>
+            <p:ph type="body"/>
+          </p:nvPr>
+        </p:nvSpPr>
+        <p:spPr>
+          <a:xfrm>
+            <a:off x="5152680" y="1326600"/>
+            <a:ext cx="4426920" cy="3288600"/>
+          </a:xfrm>
+          <a:prstGeom prst="rect">
+            <a:avLst/>
+          </a:prstGeom>
+        </p:spPr>
+        <p:txBody>
+          <a:bodyPr lIns="0" rIns="0" tIns="0" bIns="0">
+            <a:normAutofit/>
+          </a:bodyPr>
+          <a:p>
+            <a:endParaRPr b="0" lang="fr-FR" sz="3200" spc="-1" strike="noStrike">
+              <a:solidFill>
+                <a:srgbClr val="000000"/>
+              </a:solidFill>
+              <a:uFill>
+                <a:solidFill>
+                  <a:srgbClr val="ffffff"/>
+                </a:solidFill>
+              </a:uFill>
+              <a:latin typeface="Arial"/>
+            </a:endParaRPr>
+          </a:p>
+        </p:txBody>
+      </p:sp>
+    </p:spTree>
+  </p:cSld>
+</p:sldLayout>
+</file>
+
+<file path=ppt/slideLayouts/slideLayout29.xml><?xml version="1.0" encoding="utf-8"?>
+<p:sldLayout xmlns:a="http://schemas.openxmlformats.org/drawingml/2006/main" xmlns:p="http://schemas.openxmlformats.org/presentationml/2006/main" xmlns:r="http://schemas.openxmlformats.org/officeDocument/2006/relationships" xmlns:p14="http://schemas.microsoft.com/office/powerpoint/2010/main" xmlns:p15="http://schemas.microsoft.com/office/powerpoint/2012/main" xmlns:mc="http://schemas.openxmlformats.org/markup-compatibility/2006" type="titleOnly" preserve="1">
+  <p:cSld name="Title Only">
+    <p:spTree>
+      <p:nvGrpSpPr>
+        <p:cNvPr id="1" name=""/>
+        <p:cNvGrpSpPr/>
+        <p:nvPr/>
+      </p:nvGrpSpPr>
+      <p:grpSpPr>
+        <a:xfrm>
+          <a:off x="0" y="0"/>
+          <a:ext cx="0" cy="0"/>
+          <a:chOff x="0" y="0"/>
+          <a:chExt cx="0" cy="0"/>
+        </a:xfrm>
+      </p:grpSpPr>
+      <p:sp>
+        <p:nvSpPr>
+          <p:cNvPr id="88" name="PlaceHolder 1"/>
+          <p:cNvSpPr>
+            <a:spLocks noGrp="1"/>
+          </p:cNvSpPr>
+          <p:nvPr>
+            <p:ph type="title"/>
+          </p:nvPr>
+        </p:nvSpPr>
+        <p:spPr>
+          <a:xfrm>
+            <a:off x="504000" y="226080"/>
+            <a:ext cx="9072000" cy="946440"/>
+          </a:xfrm>
+          <a:prstGeom prst="rect">
+            <a:avLst/>
+          </a:prstGeom>
+        </p:spPr>
+        <p:txBody>
+          <a:bodyPr lIns="0" rIns="0" tIns="0" bIns="0" anchor="ctr"/>
+          <a:p>
+            <a:pPr algn="ctr"/>
+            <a:endParaRPr b="0" lang="fr-FR" sz="4400" spc="-1" strike="noStrike">
               <a:solidFill>
                 <a:srgbClr val="000000"/>
               </a:solidFill>
@@ -789,7 +2824,7 @@
       </p:grpSpPr>
       <p:sp>
         <p:nvSpPr>
-          <p:cNvPr id="8" name="PlaceHolder 1"/>
+          <p:cNvPr id="5" name="PlaceHolder 1"/>
           <p:cNvSpPr>
             <a:spLocks noGrp="1"/>
           </p:cNvSpPr>
@@ -799,8 +2834,8 @@
         </p:nvSpPr>
         <p:spPr>
           <a:xfrm>
-            <a:off x="504000" y="216000"/>
-            <a:ext cx="9072000" cy="648000"/>
+            <a:off x="504000" y="226080"/>
+            <a:ext cx="9072000" cy="946440"/>
           </a:xfrm>
           <a:prstGeom prst="rect">
             <a:avLst/>
@@ -810,23 +2845,23 @@
           <a:bodyPr lIns="0" rIns="0" tIns="0" bIns="0" anchor="ctr"/>
           <a:p>
             <a:pPr algn="ctr"/>
-            <a:endParaRPr b="1" lang="fr-FR" sz="3300" spc="-1" strike="noStrike">
-              <a:solidFill>
-                <a:srgbClr val="ffffff"/>
-              </a:solidFill>
-              <a:uFill>
-                <a:solidFill>
-                  <a:srgbClr val="ffffff"/>
-                </a:solidFill>
-              </a:uFill>
-              <a:latin typeface="Arial"/>
-            </a:endParaRPr>
-          </a:p>
-        </p:txBody>
-      </p:sp>
-      <p:sp>
-        <p:nvSpPr>
-          <p:cNvPr id="9" name="PlaceHolder 2"/>
+            <a:endParaRPr b="0" lang="fr-FR" sz="4400" spc="-1" strike="noStrike">
+              <a:solidFill>
+                <a:srgbClr val="000000"/>
+              </a:solidFill>
+              <a:uFill>
+                <a:solidFill>
+                  <a:srgbClr val="ffffff"/>
+                </a:solidFill>
+              </a:uFill>
+              <a:latin typeface="Arial"/>
+            </a:endParaRPr>
+          </a:p>
+        </p:txBody>
+      </p:sp>
+      <p:sp>
+        <p:nvSpPr>
+          <p:cNvPr id="6" name="PlaceHolder 2"/>
           <p:cNvSpPr>
             <a:spLocks noGrp="1"/>
           </p:cNvSpPr>
@@ -836,8 +2871,8 @@
         </p:nvSpPr>
         <p:spPr>
           <a:xfrm>
-            <a:off x="504000" y="1368000"/>
-            <a:ext cx="9072000" cy="3288240"/>
+            <a:off x="504000" y="1326600"/>
+            <a:ext cx="9072000" cy="3288600"/>
           </a:xfrm>
           <a:prstGeom prst="rect">
             <a:avLst/>
@@ -848,7 +2883,1218 @@
             <a:normAutofit/>
           </a:bodyPr>
           <a:p>
-            <a:endParaRPr b="0" lang="fr-FR" sz="2400" spc="-1" strike="noStrike">
+            <a:endParaRPr b="0" lang="fr-FR" sz="3200" spc="-1" strike="noStrike">
+              <a:solidFill>
+                <a:srgbClr val="000000"/>
+              </a:solidFill>
+              <a:uFill>
+                <a:solidFill>
+                  <a:srgbClr val="ffffff"/>
+                </a:solidFill>
+              </a:uFill>
+              <a:latin typeface="Arial"/>
+            </a:endParaRPr>
+          </a:p>
+        </p:txBody>
+      </p:sp>
+    </p:spTree>
+  </p:cSld>
+</p:sldLayout>
+</file>
+
+<file path=ppt/slideLayouts/slideLayout30.xml><?xml version="1.0" encoding="utf-8"?>
+<p:sldLayout xmlns:a="http://schemas.openxmlformats.org/drawingml/2006/main" xmlns:p="http://schemas.openxmlformats.org/presentationml/2006/main" xmlns:r="http://schemas.openxmlformats.org/officeDocument/2006/relationships" xmlns:p14="http://schemas.microsoft.com/office/powerpoint/2010/main" xmlns:p15="http://schemas.microsoft.com/office/powerpoint/2012/main" xmlns:mc="http://schemas.openxmlformats.org/markup-compatibility/2006" type="objOnly" preserve="1">
+  <p:cSld name="Centered Text">
+    <p:spTree>
+      <p:nvGrpSpPr>
+        <p:cNvPr id="1" name=""/>
+        <p:cNvGrpSpPr/>
+        <p:nvPr/>
+      </p:nvGrpSpPr>
+      <p:grpSpPr>
+        <a:xfrm>
+          <a:off x="0" y="0"/>
+          <a:ext cx="0" cy="0"/>
+          <a:chOff x="0" y="0"/>
+          <a:chExt cx="0" cy="0"/>
+        </a:xfrm>
+      </p:grpSpPr>
+      <p:sp>
+        <p:nvSpPr>
+          <p:cNvPr id="89" name="PlaceHolder 1"/>
+          <p:cNvSpPr>
+            <a:spLocks noGrp="1"/>
+          </p:cNvSpPr>
+          <p:nvPr>
+            <p:ph type="subTitle"/>
+          </p:nvPr>
+        </p:nvSpPr>
+        <p:spPr>
+          <a:xfrm>
+            <a:off x="504000" y="226080"/>
+            <a:ext cx="9072000" cy="4388400"/>
+          </a:xfrm>
+          <a:prstGeom prst="rect">
+            <a:avLst/>
+          </a:prstGeom>
+        </p:spPr>
+        <p:txBody>
+          <a:bodyPr lIns="0" rIns="0" tIns="0" bIns="0" anchor="ctr"/>
+          <a:p>
+            <a:pPr algn="ctr"/>
+            <a:endParaRPr b="0" lang="fr-FR" sz="3200" spc="-1" strike="noStrike">
+              <a:solidFill>
+                <a:srgbClr val="000000"/>
+              </a:solidFill>
+              <a:uFill>
+                <a:solidFill>
+                  <a:srgbClr val="ffffff"/>
+                </a:solidFill>
+              </a:uFill>
+              <a:latin typeface="Arial"/>
+            </a:endParaRPr>
+          </a:p>
+        </p:txBody>
+      </p:sp>
+    </p:spTree>
+  </p:cSld>
+</p:sldLayout>
+</file>
+
+<file path=ppt/slideLayouts/slideLayout31.xml><?xml version="1.0" encoding="utf-8"?>
+<p:sldLayout xmlns:a="http://schemas.openxmlformats.org/drawingml/2006/main" xmlns:p="http://schemas.openxmlformats.org/presentationml/2006/main" xmlns:r="http://schemas.openxmlformats.org/officeDocument/2006/relationships" xmlns:p14="http://schemas.microsoft.com/office/powerpoint/2010/main" xmlns:p15="http://schemas.microsoft.com/office/powerpoint/2012/main" xmlns:mc="http://schemas.openxmlformats.org/markup-compatibility/2006" type="twoObjAndObj" preserve="1">
+  <p:cSld name="Title, 2 Content and Content">
+    <p:spTree>
+      <p:nvGrpSpPr>
+        <p:cNvPr id="1" name=""/>
+        <p:cNvGrpSpPr/>
+        <p:nvPr/>
+      </p:nvGrpSpPr>
+      <p:grpSpPr>
+        <a:xfrm>
+          <a:off x="0" y="0"/>
+          <a:ext cx="0" cy="0"/>
+          <a:chOff x="0" y="0"/>
+          <a:chExt cx="0" cy="0"/>
+        </a:xfrm>
+      </p:grpSpPr>
+      <p:sp>
+        <p:nvSpPr>
+          <p:cNvPr id="90" name="PlaceHolder 1"/>
+          <p:cNvSpPr>
+            <a:spLocks noGrp="1"/>
+          </p:cNvSpPr>
+          <p:nvPr>
+            <p:ph type="title"/>
+          </p:nvPr>
+        </p:nvSpPr>
+        <p:spPr>
+          <a:xfrm>
+            <a:off x="504000" y="226080"/>
+            <a:ext cx="9072000" cy="946440"/>
+          </a:xfrm>
+          <a:prstGeom prst="rect">
+            <a:avLst/>
+          </a:prstGeom>
+        </p:spPr>
+        <p:txBody>
+          <a:bodyPr lIns="0" rIns="0" tIns="0" bIns="0" anchor="ctr"/>
+          <a:p>
+            <a:pPr algn="ctr"/>
+            <a:endParaRPr b="0" lang="fr-FR" sz="4400" spc="-1" strike="noStrike">
+              <a:solidFill>
+                <a:srgbClr val="000000"/>
+              </a:solidFill>
+              <a:uFill>
+                <a:solidFill>
+                  <a:srgbClr val="ffffff"/>
+                </a:solidFill>
+              </a:uFill>
+              <a:latin typeface="Arial"/>
+            </a:endParaRPr>
+          </a:p>
+        </p:txBody>
+      </p:sp>
+      <p:sp>
+        <p:nvSpPr>
+          <p:cNvPr id="91" name="PlaceHolder 2"/>
+          <p:cNvSpPr>
+            <a:spLocks noGrp="1"/>
+          </p:cNvSpPr>
+          <p:nvPr>
+            <p:ph type="body"/>
+          </p:nvPr>
+        </p:nvSpPr>
+        <p:spPr>
+          <a:xfrm>
+            <a:off x="504000" y="1326600"/>
+            <a:ext cx="4426920" cy="1568520"/>
+          </a:xfrm>
+          <a:prstGeom prst="rect">
+            <a:avLst/>
+          </a:prstGeom>
+        </p:spPr>
+        <p:txBody>
+          <a:bodyPr lIns="0" rIns="0" tIns="0" bIns="0">
+            <a:normAutofit/>
+          </a:bodyPr>
+          <a:p>
+            <a:endParaRPr b="0" lang="fr-FR" sz="3200" spc="-1" strike="noStrike">
+              <a:solidFill>
+                <a:srgbClr val="000000"/>
+              </a:solidFill>
+              <a:uFill>
+                <a:solidFill>
+                  <a:srgbClr val="ffffff"/>
+                </a:solidFill>
+              </a:uFill>
+              <a:latin typeface="Arial"/>
+            </a:endParaRPr>
+          </a:p>
+        </p:txBody>
+      </p:sp>
+      <p:sp>
+        <p:nvSpPr>
+          <p:cNvPr id="92" name="PlaceHolder 3"/>
+          <p:cNvSpPr>
+            <a:spLocks noGrp="1"/>
+          </p:cNvSpPr>
+          <p:nvPr>
+            <p:ph type="body"/>
+          </p:nvPr>
+        </p:nvSpPr>
+        <p:spPr>
+          <a:xfrm>
+            <a:off x="504000" y="3044520"/>
+            <a:ext cx="4426920" cy="1568520"/>
+          </a:xfrm>
+          <a:prstGeom prst="rect">
+            <a:avLst/>
+          </a:prstGeom>
+        </p:spPr>
+        <p:txBody>
+          <a:bodyPr lIns="0" rIns="0" tIns="0" bIns="0">
+            <a:normAutofit/>
+          </a:bodyPr>
+          <a:p>
+            <a:endParaRPr b="0" lang="fr-FR" sz="3200" spc="-1" strike="noStrike">
+              <a:solidFill>
+                <a:srgbClr val="000000"/>
+              </a:solidFill>
+              <a:uFill>
+                <a:solidFill>
+                  <a:srgbClr val="ffffff"/>
+                </a:solidFill>
+              </a:uFill>
+              <a:latin typeface="Arial"/>
+            </a:endParaRPr>
+          </a:p>
+        </p:txBody>
+      </p:sp>
+      <p:sp>
+        <p:nvSpPr>
+          <p:cNvPr id="93" name="PlaceHolder 4"/>
+          <p:cNvSpPr>
+            <a:spLocks noGrp="1"/>
+          </p:cNvSpPr>
+          <p:nvPr>
+            <p:ph type="body"/>
+          </p:nvPr>
+        </p:nvSpPr>
+        <p:spPr>
+          <a:xfrm>
+            <a:off x="5152680" y="1326600"/>
+            <a:ext cx="4426920" cy="3288600"/>
+          </a:xfrm>
+          <a:prstGeom prst="rect">
+            <a:avLst/>
+          </a:prstGeom>
+        </p:spPr>
+        <p:txBody>
+          <a:bodyPr lIns="0" rIns="0" tIns="0" bIns="0">
+            <a:normAutofit/>
+          </a:bodyPr>
+          <a:p>
+            <a:endParaRPr b="0" lang="fr-FR" sz="3200" spc="-1" strike="noStrike">
+              <a:solidFill>
+                <a:srgbClr val="000000"/>
+              </a:solidFill>
+              <a:uFill>
+                <a:solidFill>
+                  <a:srgbClr val="ffffff"/>
+                </a:solidFill>
+              </a:uFill>
+              <a:latin typeface="Arial"/>
+            </a:endParaRPr>
+          </a:p>
+        </p:txBody>
+      </p:sp>
+    </p:spTree>
+  </p:cSld>
+</p:sldLayout>
+</file>
+
+<file path=ppt/slideLayouts/slideLayout32.xml><?xml version="1.0" encoding="utf-8"?>
+<p:sldLayout xmlns:a="http://schemas.openxmlformats.org/drawingml/2006/main" xmlns:p="http://schemas.openxmlformats.org/presentationml/2006/main" xmlns:r="http://schemas.openxmlformats.org/officeDocument/2006/relationships" xmlns:p14="http://schemas.microsoft.com/office/powerpoint/2010/main" xmlns:p15="http://schemas.microsoft.com/office/powerpoint/2012/main" xmlns:mc="http://schemas.openxmlformats.org/markup-compatibility/2006" type="objAndTwoObj" preserve="1">
+  <p:cSld name="Title Content and 2 Content">
+    <p:spTree>
+      <p:nvGrpSpPr>
+        <p:cNvPr id="1" name=""/>
+        <p:cNvGrpSpPr/>
+        <p:nvPr/>
+      </p:nvGrpSpPr>
+      <p:grpSpPr>
+        <a:xfrm>
+          <a:off x="0" y="0"/>
+          <a:ext cx="0" cy="0"/>
+          <a:chOff x="0" y="0"/>
+          <a:chExt cx="0" cy="0"/>
+        </a:xfrm>
+      </p:grpSpPr>
+      <p:sp>
+        <p:nvSpPr>
+          <p:cNvPr id="94" name="PlaceHolder 1"/>
+          <p:cNvSpPr>
+            <a:spLocks noGrp="1"/>
+          </p:cNvSpPr>
+          <p:nvPr>
+            <p:ph type="title"/>
+          </p:nvPr>
+        </p:nvSpPr>
+        <p:spPr>
+          <a:xfrm>
+            <a:off x="504000" y="226080"/>
+            <a:ext cx="9072000" cy="946440"/>
+          </a:xfrm>
+          <a:prstGeom prst="rect">
+            <a:avLst/>
+          </a:prstGeom>
+        </p:spPr>
+        <p:txBody>
+          <a:bodyPr lIns="0" rIns="0" tIns="0" bIns="0" anchor="ctr"/>
+          <a:p>
+            <a:pPr algn="ctr"/>
+            <a:endParaRPr b="0" lang="fr-FR" sz="4400" spc="-1" strike="noStrike">
+              <a:solidFill>
+                <a:srgbClr val="000000"/>
+              </a:solidFill>
+              <a:uFill>
+                <a:solidFill>
+                  <a:srgbClr val="ffffff"/>
+                </a:solidFill>
+              </a:uFill>
+              <a:latin typeface="Arial"/>
+            </a:endParaRPr>
+          </a:p>
+        </p:txBody>
+      </p:sp>
+      <p:sp>
+        <p:nvSpPr>
+          <p:cNvPr id="95" name="PlaceHolder 2"/>
+          <p:cNvSpPr>
+            <a:spLocks noGrp="1"/>
+          </p:cNvSpPr>
+          <p:nvPr>
+            <p:ph type="body"/>
+          </p:nvPr>
+        </p:nvSpPr>
+        <p:spPr>
+          <a:xfrm>
+            <a:off x="504000" y="1326600"/>
+            <a:ext cx="4426920" cy="3288600"/>
+          </a:xfrm>
+          <a:prstGeom prst="rect">
+            <a:avLst/>
+          </a:prstGeom>
+        </p:spPr>
+        <p:txBody>
+          <a:bodyPr lIns="0" rIns="0" tIns="0" bIns="0">
+            <a:normAutofit/>
+          </a:bodyPr>
+          <a:p>
+            <a:endParaRPr b="0" lang="fr-FR" sz="3200" spc="-1" strike="noStrike">
+              <a:solidFill>
+                <a:srgbClr val="000000"/>
+              </a:solidFill>
+              <a:uFill>
+                <a:solidFill>
+                  <a:srgbClr val="ffffff"/>
+                </a:solidFill>
+              </a:uFill>
+              <a:latin typeface="Arial"/>
+            </a:endParaRPr>
+          </a:p>
+        </p:txBody>
+      </p:sp>
+      <p:sp>
+        <p:nvSpPr>
+          <p:cNvPr id="96" name="PlaceHolder 3"/>
+          <p:cNvSpPr>
+            <a:spLocks noGrp="1"/>
+          </p:cNvSpPr>
+          <p:nvPr>
+            <p:ph type="body"/>
+          </p:nvPr>
+        </p:nvSpPr>
+        <p:spPr>
+          <a:xfrm>
+            <a:off x="5152680" y="1326600"/>
+            <a:ext cx="4426920" cy="1568520"/>
+          </a:xfrm>
+          <a:prstGeom prst="rect">
+            <a:avLst/>
+          </a:prstGeom>
+        </p:spPr>
+        <p:txBody>
+          <a:bodyPr lIns="0" rIns="0" tIns="0" bIns="0">
+            <a:normAutofit/>
+          </a:bodyPr>
+          <a:p>
+            <a:endParaRPr b="0" lang="fr-FR" sz="3200" spc="-1" strike="noStrike">
+              <a:solidFill>
+                <a:srgbClr val="000000"/>
+              </a:solidFill>
+              <a:uFill>
+                <a:solidFill>
+                  <a:srgbClr val="ffffff"/>
+                </a:solidFill>
+              </a:uFill>
+              <a:latin typeface="Arial"/>
+            </a:endParaRPr>
+          </a:p>
+        </p:txBody>
+      </p:sp>
+      <p:sp>
+        <p:nvSpPr>
+          <p:cNvPr id="97" name="PlaceHolder 4"/>
+          <p:cNvSpPr>
+            <a:spLocks noGrp="1"/>
+          </p:cNvSpPr>
+          <p:nvPr>
+            <p:ph type="body"/>
+          </p:nvPr>
+        </p:nvSpPr>
+        <p:spPr>
+          <a:xfrm>
+            <a:off x="5152680" y="3044520"/>
+            <a:ext cx="4426920" cy="1568520"/>
+          </a:xfrm>
+          <a:prstGeom prst="rect">
+            <a:avLst/>
+          </a:prstGeom>
+        </p:spPr>
+        <p:txBody>
+          <a:bodyPr lIns="0" rIns="0" tIns="0" bIns="0">
+            <a:normAutofit/>
+          </a:bodyPr>
+          <a:p>
+            <a:endParaRPr b="0" lang="fr-FR" sz="3200" spc="-1" strike="noStrike">
+              <a:solidFill>
+                <a:srgbClr val="000000"/>
+              </a:solidFill>
+              <a:uFill>
+                <a:solidFill>
+                  <a:srgbClr val="ffffff"/>
+                </a:solidFill>
+              </a:uFill>
+              <a:latin typeface="Arial"/>
+            </a:endParaRPr>
+          </a:p>
+        </p:txBody>
+      </p:sp>
+    </p:spTree>
+  </p:cSld>
+</p:sldLayout>
+</file>
+
+<file path=ppt/slideLayouts/slideLayout33.xml><?xml version="1.0" encoding="utf-8"?>
+<p:sldLayout xmlns:a="http://schemas.openxmlformats.org/drawingml/2006/main" xmlns:p="http://schemas.openxmlformats.org/presentationml/2006/main" xmlns:r="http://schemas.openxmlformats.org/officeDocument/2006/relationships" xmlns:p14="http://schemas.microsoft.com/office/powerpoint/2010/main" xmlns:p15="http://schemas.microsoft.com/office/powerpoint/2012/main" xmlns:mc="http://schemas.openxmlformats.org/markup-compatibility/2006" type="twoObjOverTx" preserve="1">
+  <p:cSld name="Title, 2 Content over Content">
+    <p:spTree>
+      <p:nvGrpSpPr>
+        <p:cNvPr id="1" name=""/>
+        <p:cNvGrpSpPr/>
+        <p:nvPr/>
+      </p:nvGrpSpPr>
+      <p:grpSpPr>
+        <a:xfrm>
+          <a:off x="0" y="0"/>
+          <a:ext cx="0" cy="0"/>
+          <a:chOff x="0" y="0"/>
+          <a:chExt cx="0" cy="0"/>
+        </a:xfrm>
+      </p:grpSpPr>
+      <p:sp>
+        <p:nvSpPr>
+          <p:cNvPr id="98" name="PlaceHolder 1"/>
+          <p:cNvSpPr>
+            <a:spLocks noGrp="1"/>
+          </p:cNvSpPr>
+          <p:nvPr>
+            <p:ph type="title"/>
+          </p:nvPr>
+        </p:nvSpPr>
+        <p:spPr>
+          <a:xfrm>
+            <a:off x="504000" y="226080"/>
+            <a:ext cx="9072000" cy="946440"/>
+          </a:xfrm>
+          <a:prstGeom prst="rect">
+            <a:avLst/>
+          </a:prstGeom>
+        </p:spPr>
+        <p:txBody>
+          <a:bodyPr lIns="0" rIns="0" tIns="0" bIns="0" anchor="ctr"/>
+          <a:p>
+            <a:pPr algn="ctr"/>
+            <a:endParaRPr b="0" lang="fr-FR" sz="4400" spc="-1" strike="noStrike">
+              <a:solidFill>
+                <a:srgbClr val="000000"/>
+              </a:solidFill>
+              <a:uFill>
+                <a:solidFill>
+                  <a:srgbClr val="ffffff"/>
+                </a:solidFill>
+              </a:uFill>
+              <a:latin typeface="Arial"/>
+            </a:endParaRPr>
+          </a:p>
+        </p:txBody>
+      </p:sp>
+      <p:sp>
+        <p:nvSpPr>
+          <p:cNvPr id="99" name="PlaceHolder 2"/>
+          <p:cNvSpPr>
+            <a:spLocks noGrp="1"/>
+          </p:cNvSpPr>
+          <p:nvPr>
+            <p:ph type="body"/>
+          </p:nvPr>
+        </p:nvSpPr>
+        <p:spPr>
+          <a:xfrm>
+            <a:off x="504000" y="1326600"/>
+            <a:ext cx="4426920" cy="1568520"/>
+          </a:xfrm>
+          <a:prstGeom prst="rect">
+            <a:avLst/>
+          </a:prstGeom>
+        </p:spPr>
+        <p:txBody>
+          <a:bodyPr lIns="0" rIns="0" tIns="0" bIns="0">
+            <a:normAutofit/>
+          </a:bodyPr>
+          <a:p>
+            <a:endParaRPr b="0" lang="fr-FR" sz="3200" spc="-1" strike="noStrike">
+              <a:solidFill>
+                <a:srgbClr val="000000"/>
+              </a:solidFill>
+              <a:uFill>
+                <a:solidFill>
+                  <a:srgbClr val="ffffff"/>
+                </a:solidFill>
+              </a:uFill>
+              <a:latin typeface="Arial"/>
+            </a:endParaRPr>
+          </a:p>
+        </p:txBody>
+      </p:sp>
+      <p:sp>
+        <p:nvSpPr>
+          <p:cNvPr id="100" name="PlaceHolder 3"/>
+          <p:cNvSpPr>
+            <a:spLocks noGrp="1"/>
+          </p:cNvSpPr>
+          <p:nvPr>
+            <p:ph type="body"/>
+          </p:nvPr>
+        </p:nvSpPr>
+        <p:spPr>
+          <a:xfrm>
+            <a:off x="5152680" y="1326600"/>
+            <a:ext cx="4426920" cy="1568520"/>
+          </a:xfrm>
+          <a:prstGeom prst="rect">
+            <a:avLst/>
+          </a:prstGeom>
+        </p:spPr>
+        <p:txBody>
+          <a:bodyPr lIns="0" rIns="0" tIns="0" bIns="0">
+            <a:normAutofit/>
+          </a:bodyPr>
+          <a:p>
+            <a:endParaRPr b="0" lang="fr-FR" sz="3200" spc="-1" strike="noStrike">
+              <a:solidFill>
+                <a:srgbClr val="000000"/>
+              </a:solidFill>
+              <a:uFill>
+                <a:solidFill>
+                  <a:srgbClr val="ffffff"/>
+                </a:solidFill>
+              </a:uFill>
+              <a:latin typeface="Arial"/>
+            </a:endParaRPr>
+          </a:p>
+        </p:txBody>
+      </p:sp>
+      <p:sp>
+        <p:nvSpPr>
+          <p:cNvPr id="101" name="PlaceHolder 4"/>
+          <p:cNvSpPr>
+            <a:spLocks noGrp="1"/>
+          </p:cNvSpPr>
+          <p:nvPr>
+            <p:ph type="body"/>
+          </p:nvPr>
+        </p:nvSpPr>
+        <p:spPr>
+          <a:xfrm>
+            <a:off x="504000" y="3044520"/>
+            <a:ext cx="9072000" cy="1568520"/>
+          </a:xfrm>
+          <a:prstGeom prst="rect">
+            <a:avLst/>
+          </a:prstGeom>
+        </p:spPr>
+        <p:txBody>
+          <a:bodyPr lIns="0" rIns="0" tIns="0" bIns="0">
+            <a:normAutofit/>
+          </a:bodyPr>
+          <a:p>
+            <a:endParaRPr b="0" lang="fr-FR" sz="3200" spc="-1" strike="noStrike">
+              <a:solidFill>
+                <a:srgbClr val="000000"/>
+              </a:solidFill>
+              <a:uFill>
+                <a:solidFill>
+                  <a:srgbClr val="ffffff"/>
+                </a:solidFill>
+              </a:uFill>
+              <a:latin typeface="Arial"/>
+            </a:endParaRPr>
+          </a:p>
+        </p:txBody>
+      </p:sp>
+    </p:spTree>
+  </p:cSld>
+</p:sldLayout>
+</file>
+
+<file path=ppt/slideLayouts/slideLayout34.xml><?xml version="1.0" encoding="utf-8"?>
+<p:sldLayout xmlns:a="http://schemas.openxmlformats.org/drawingml/2006/main" xmlns:p="http://schemas.openxmlformats.org/presentationml/2006/main" xmlns:r="http://schemas.openxmlformats.org/officeDocument/2006/relationships" xmlns:p14="http://schemas.microsoft.com/office/powerpoint/2010/main" xmlns:p15="http://schemas.microsoft.com/office/powerpoint/2012/main" xmlns:mc="http://schemas.openxmlformats.org/markup-compatibility/2006" type="objOverTx" preserve="1">
+  <p:cSld name="Title, Content over Content">
+    <p:spTree>
+      <p:nvGrpSpPr>
+        <p:cNvPr id="1" name=""/>
+        <p:cNvGrpSpPr/>
+        <p:nvPr/>
+      </p:nvGrpSpPr>
+      <p:grpSpPr>
+        <a:xfrm>
+          <a:off x="0" y="0"/>
+          <a:ext cx="0" cy="0"/>
+          <a:chOff x="0" y="0"/>
+          <a:chExt cx="0" cy="0"/>
+        </a:xfrm>
+      </p:grpSpPr>
+      <p:sp>
+        <p:nvSpPr>
+          <p:cNvPr id="102" name="PlaceHolder 1"/>
+          <p:cNvSpPr>
+            <a:spLocks noGrp="1"/>
+          </p:cNvSpPr>
+          <p:nvPr>
+            <p:ph type="title"/>
+          </p:nvPr>
+        </p:nvSpPr>
+        <p:spPr>
+          <a:xfrm>
+            <a:off x="504000" y="226080"/>
+            <a:ext cx="9072000" cy="946440"/>
+          </a:xfrm>
+          <a:prstGeom prst="rect">
+            <a:avLst/>
+          </a:prstGeom>
+        </p:spPr>
+        <p:txBody>
+          <a:bodyPr lIns="0" rIns="0" tIns="0" bIns="0" anchor="ctr"/>
+          <a:p>
+            <a:pPr algn="ctr"/>
+            <a:endParaRPr b="0" lang="fr-FR" sz="4400" spc="-1" strike="noStrike">
+              <a:solidFill>
+                <a:srgbClr val="000000"/>
+              </a:solidFill>
+              <a:uFill>
+                <a:solidFill>
+                  <a:srgbClr val="ffffff"/>
+                </a:solidFill>
+              </a:uFill>
+              <a:latin typeface="Arial"/>
+            </a:endParaRPr>
+          </a:p>
+        </p:txBody>
+      </p:sp>
+      <p:sp>
+        <p:nvSpPr>
+          <p:cNvPr id="103" name="PlaceHolder 2"/>
+          <p:cNvSpPr>
+            <a:spLocks noGrp="1"/>
+          </p:cNvSpPr>
+          <p:nvPr>
+            <p:ph type="body"/>
+          </p:nvPr>
+        </p:nvSpPr>
+        <p:spPr>
+          <a:xfrm>
+            <a:off x="504000" y="1326600"/>
+            <a:ext cx="9072000" cy="1568520"/>
+          </a:xfrm>
+          <a:prstGeom prst="rect">
+            <a:avLst/>
+          </a:prstGeom>
+        </p:spPr>
+        <p:txBody>
+          <a:bodyPr lIns="0" rIns="0" tIns="0" bIns="0">
+            <a:normAutofit/>
+          </a:bodyPr>
+          <a:p>
+            <a:endParaRPr b="0" lang="fr-FR" sz="3200" spc="-1" strike="noStrike">
+              <a:solidFill>
+                <a:srgbClr val="000000"/>
+              </a:solidFill>
+              <a:uFill>
+                <a:solidFill>
+                  <a:srgbClr val="ffffff"/>
+                </a:solidFill>
+              </a:uFill>
+              <a:latin typeface="Arial"/>
+            </a:endParaRPr>
+          </a:p>
+        </p:txBody>
+      </p:sp>
+      <p:sp>
+        <p:nvSpPr>
+          <p:cNvPr id="104" name="PlaceHolder 3"/>
+          <p:cNvSpPr>
+            <a:spLocks noGrp="1"/>
+          </p:cNvSpPr>
+          <p:nvPr>
+            <p:ph type="body"/>
+          </p:nvPr>
+        </p:nvSpPr>
+        <p:spPr>
+          <a:xfrm>
+            <a:off x="504000" y="3044520"/>
+            <a:ext cx="9072000" cy="1568520"/>
+          </a:xfrm>
+          <a:prstGeom prst="rect">
+            <a:avLst/>
+          </a:prstGeom>
+        </p:spPr>
+        <p:txBody>
+          <a:bodyPr lIns="0" rIns="0" tIns="0" bIns="0">
+            <a:normAutofit/>
+          </a:bodyPr>
+          <a:p>
+            <a:endParaRPr b="0" lang="fr-FR" sz="3200" spc="-1" strike="noStrike">
+              <a:solidFill>
+                <a:srgbClr val="000000"/>
+              </a:solidFill>
+              <a:uFill>
+                <a:solidFill>
+                  <a:srgbClr val="ffffff"/>
+                </a:solidFill>
+              </a:uFill>
+              <a:latin typeface="Arial"/>
+            </a:endParaRPr>
+          </a:p>
+        </p:txBody>
+      </p:sp>
+    </p:spTree>
+  </p:cSld>
+</p:sldLayout>
+</file>
+
+<file path=ppt/slideLayouts/slideLayout35.xml><?xml version="1.0" encoding="utf-8"?>
+<p:sldLayout xmlns:a="http://schemas.openxmlformats.org/drawingml/2006/main" xmlns:p="http://schemas.openxmlformats.org/presentationml/2006/main" xmlns:r="http://schemas.openxmlformats.org/officeDocument/2006/relationships" xmlns:p14="http://schemas.microsoft.com/office/powerpoint/2010/main" xmlns:p15="http://schemas.microsoft.com/office/powerpoint/2012/main" xmlns:mc="http://schemas.openxmlformats.org/markup-compatibility/2006" type="fourObj" preserve="1">
+  <p:cSld name="Title, 4 Content">
+    <p:spTree>
+      <p:nvGrpSpPr>
+        <p:cNvPr id="1" name=""/>
+        <p:cNvGrpSpPr/>
+        <p:nvPr/>
+      </p:nvGrpSpPr>
+      <p:grpSpPr>
+        <a:xfrm>
+          <a:off x="0" y="0"/>
+          <a:ext cx="0" cy="0"/>
+          <a:chOff x="0" y="0"/>
+          <a:chExt cx="0" cy="0"/>
+        </a:xfrm>
+      </p:grpSpPr>
+      <p:sp>
+        <p:nvSpPr>
+          <p:cNvPr id="105" name="PlaceHolder 1"/>
+          <p:cNvSpPr>
+            <a:spLocks noGrp="1"/>
+          </p:cNvSpPr>
+          <p:nvPr>
+            <p:ph type="title"/>
+          </p:nvPr>
+        </p:nvSpPr>
+        <p:spPr>
+          <a:xfrm>
+            <a:off x="504000" y="226080"/>
+            <a:ext cx="9072000" cy="946440"/>
+          </a:xfrm>
+          <a:prstGeom prst="rect">
+            <a:avLst/>
+          </a:prstGeom>
+        </p:spPr>
+        <p:txBody>
+          <a:bodyPr lIns="0" rIns="0" tIns="0" bIns="0" anchor="ctr"/>
+          <a:p>
+            <a:pPr algn="ctr"/>
+            <a:endParaRPr b="0" lang="fr-FR" sz="4400" spc="-1" strike="noStrike">
+              <a:solidFill>
+                <a:srgbClr val="000000"/>
+              </a:solidFill>
+              <a:uFill>
+                <a:solidFill>
+                  <a:srgbClr val="ffffff"/>
+                </a:solidFill>
+              </a:uFill>
+              <a:latin typeface="Arial"/>
+            </a:endParaRPr>
+          </a:p>
+        </p:txBody>
+      </p:sp>
+      <p:sp>
+        <p:nvSpPr>
+          <p:cNvPr id="106" name="PlaceHolder 2"/>
+          <p:cNvSpPr>
+            <a:spLocks noGrp="1"/>
+          </p:cNvSpPr>
+          <p:nvPr>
+            <p:ph type="body"/>
+          </p:nvPr>
+        </p:nvSpPr>
+        <p:spPr>
+          <a:xfrm>
+            <a:off x="504000" y="1326600"/>
+            <a:ext cx="4426920" cy="1568520"/>
+          </a:xfrm>
+          <a:prstGeom prst="rect">
+            <a:avLst/>
+          </a:prstGeom>
+        </p:spPr>
+        <p:txBody>
+          <a:bodyPr lIns="0" rIns="0" tIns="0" bIns="0">
+            <a:normAutofit/>
+          </a:bodyPr>
+          <a:p>
+            <a:endParaRPr b="0" lang="fr-FR" sz="3200" spc="-1" strike="noStrike">
+              <a:solidFill>
+                <a:srgbClr val="000000"/>
+              </a:solidFill>
+              <a:uFill>
+                <a:solidFill>
+                  <a:srgbClr val="ffffff"/>
+                </a:solidFill>
+              </a:uFill>
+              <a:latin typeface="Arial"/>
+            </a:endParaRPr>
+          </a:p>
+        </p:txBody>
+      </p:sp>
+      <p:sp>
+        <p:nvSpPr>
+          <p:cNvPr id="107" name="PlaceHolder 3"/>
+          <p:cNvSpPr>
+            <a:spLocks noGrp="1"/>
+          </p:cNvSpPr>
+          <p:nvPr>
+            <p:ph type="body"/>
+          </p:nvPr>
+        </p:nvSpPr>
+        <p:spPr>
+          <a:xfrm>
+            <a:off x="5152680" y="1326600"/>
+            <a:ext cx="4426920" cy="1568520"/>
+          </a:xfrm>
+          <a:prstGeom prst="rect">
+            <a:avLst/>
+          </a:prstGeom>
+        </p:spPr>
+        <p:txBody>
+          <a:bodyPr lIns="0" rIns="0" tIns="0" bIns="0">
+            <a:normAutofit/>
+          </a:bodyPr>
+          <a:p>
+            <a:endParaRPr b="0" lang="fr-FR" sz="3200" spc="-1" strike="noStrike">
+              <a:solidFill>
+                <a:srgbClr val="000000"/>
+              </a:solidFill>
+              <a:uFill>
+                <a:solidFill>
+                  <a:srgbClr val="ffffff"/>
+                </a:solidFill>
+              </a:uFill>
+              <a:latin typeface="Arial"/>
+            </a:endParaRPr>
+          </a:p>
+        </p:txBody>
+      </p:sp>
+      <p:sp>
+        <p:nvSpPr>
+          <p:cNvPr id="108" name="PlaceHolder 4"/>
+          <p:cNvSpPr>
+            <a:spLocks noGrp="1"/>
+          </p:cNvSpPr>
+          <p:nvPr>
+            <p:ph type="body"/>
+          </p:nvPr>
+        </p:nvSpPr>
+        <p:spPr>
+          <a:xfrm>
+            <a:off x="5152680" y="3044520"/>
+            <a:ext cx="4426920" cy="1568520"/>
+          </a:xfrm>
+          <a:prstGeom prst="rect">
+            <a:avLst/>
+          </a:prstGeom>
+        </p:spPr>
+        <p:txBody>
+          <a:bodyPr lIns="0" rIns="0" tIns="0" bIns="0">
+            <a:normAutofit/>
+          </a:bodyPr>
+          <a:p>
+            <a:endParaRPr b="0" lang="fr-FR" sz="3200" spc="-1" strike="noStrike">
+              <a:solidFill>
+                <a:srgbClr val="000000"/>
+              </a:solidFill>
+              <a:uFill>
+                <a:solidFill>
+                  <a:srgbClr val="ffffff"/>
+                </a:solidFill>
+              </a:uFill>
+              <a:latin typeface="Arial"/>
+            </a:endParaRPr>
+          </a:p>
+        </p:txBody>
+      </p:sp>
+      <p:sp>
+        <p:nvSpPr>
+          <p:cNvPr id="109" name="PlaceHolder 5"/>
+          <p:cNvSpPr>
+            <a:spLocks noGrp="1"/>
+          </p:cNvSpPr>
+          <p:nvPr>
+            <p:ph type="body"/>
+          </p:nvPr>
+        </p:nvSpPr>
+        <p:spPr>
+          <a:xfrm>
+            <a:off x="504000" y="3044520"/>
+            <a:ext cx="4426920" cy="1568520"/>
+          </a:xfrm>
+          <a:prstGeom prst="rect">
+            <a:avLst/>
+          </a:prstGeom>
+        </p:spPr>
+        <p:txBody>
+          <a:bodyPr lIns="0" rIns="0" tIns="0" bIns="0">
+            <a:normAutofit/>
+          </a:bodyPr>
+          <a:p>
+            <a:endParaRPr b="0" lang="fr-FR" sz="3200" spc="-1" strike="noStrike">
+              <a:solidFill>
+                <a:srgbClr val="000000"/>
+              </a:solidFill>
+              <a:uFill>
+                <a:solidFill>
+                  <a:srgbClr val="ffffff"/>
+                </a:solidFill>
+              </a:uFill>
+              <a:latin typeface="Arial"/>
+            </a:endParaRPr>
+          </a:p>
+        </p:txBody>
+      </p:sp>
+    </p:spTree>
+  </p:cSld>
+</p:sldLayout>
+</file>
+
+<file path=ppt/slideLayouts/slideLayout36.xml><?xml version="1.0" encoding="utf-8"?>
+<p:sldLayout xmlns:a="http://schemas.openxmlformats.org/drawingml/2006/main" xmlns:p="http://schemas.openxmlformats.org/presentationml/2006/main" xmlns:r="http://schemas.openxmlformats.org/officeDocument/2006/relationships" xmlns:p14="http://schemas.microsoft.com/office/powerpoint/2010/main" xmlns:p15="http://schemas.microsoft.com/office/powerpoint/2012/main" xmlns:mc="http://schemas.openxmlformats.org/markup-compatibility/2006" type="blank" preserve="1">
+  <p:cSld name="Title, 6 Content">
+    <p:spTree>
+      <p:nvGrpSpPr>
+        <p:cNvPr id="1" name=""/>
+        <p:cNvGrpSpPr/>
+        <p:nvPr/>
+      </p:nvGrpSpPr>
+      <p:grpSpPr>
+        <a:xfrm>
+          <a:off x="0" y="0"/>
+          <a:ext cx="0" cy="0"/>
+          <a:chOff x="0" y="0"/>
+          <a:chExt cx="0" cy="0"/>
+        </a:xfrm>
+      </p:grpSpPr>
+      <p:sp>
+        <p:nvSpPr>
+          <p:cNvPr id="110" name="PlaceHolder 1"/>
+          <p:cNvSpPr>
+            <a:spLocks noGrp="1"/>
+          </p:cNvSpPr>
+          <p:nvPr>
+            <p:ph type="title"/>
+          </p:nvPr>
+        </p:nvSpPr>
+        <p:spPr>
+          <a:xfrm>
+            <a:off x="504000" y="226080"/>
+            <a:ext cx="9072000" cy="946440"/>
+          </a:xfrm>
+          <a:prstGeom prst="rect">
+            <a:avLst/>
+          </a:prstGeom>
+        </p:spPr>
+        <p:txBody>
+          <a:bodyPr lIns="0" rIns="0" tIns="0" bIns="0" anchor="ctr"/>
+          <a:p>
+            <a:pPr algn="ctr"/>
+            <a:endParaRPr b="0" lang="fr-FR" sz="4400" spc="-1" strike="noStrike">
+              <a:solidFill>
+                <a:srgbClr val="000000"/>
+              </a:solidFill>
+              <a:uFill>
+                <a:solidFill>
+                  <a:srgbClr val="ffffff"/>
+                </a:solidFill>
+              </a:uFill>
+              <a:latin typeface="Arial"/>
+            </a:endParaRPr>
+          </a:p>
+        </p:txBody>
+      </p:sp>
+      <p:sp>
+        <p:nvSpPr>
+          <p:cNvPr id="111" name="PlaceHolder 2"/>
+          <p:cNvSpPr>
+            <a:spLocks noGrp="1"/>
+          </p:cNvSpPr>
+          <p:nvPr>
+            <p:ph type="body"/>
+          </p:nvPr>
+        </p:nvSpPr>
+        <p:spPr>
+          <a:xfrm>
+            <a:off x="504000" y="1326600"/>
+            <a:ext cx="2921040" cy="1568520"/>
+          </a:xfrm>
+          <a:prstGeom prst="rect">
+            <a:avLst/>
+          </a:prstGeom>
+        </p:spPr>
+        <p:txBody>
+          <a:bodyPr lIns="0" rIns="0" tIns="0" bIns="0">
+            <a:normAutofit/>
+          </a:bodyPr>
+          <a:p>
+            <a:endParaRPr b="0" lang="fr-FR" sz="3200" spc="-1" strike="noStrike">
+              <a:solidFill>
+                <a:srgbClr val="000000"/>
+              </a:solidFill>
+              <a:uFill>
+                <a:solidFill>
+                  <a:srgbClr val="ffffff"/>
+                </a:solidFill>
+              </a:uFill>
+              <a:latin typeface="Arial"/>
+            </a:endParaRPr>
+          </a:p>
+        </p:txBody>
+      </p:sp>
+      <p:sp>
+        <p:nvSpPr>
+          <p:cNvPr id="112" name="PlaceHolder 3"/>
+          <p:cNvSpPr>
+            <a:spLocks noGrp="1"/>
+          </p:cNvSpPr>
+          <p:nvPr>
+            <p:ph type="body"/>
+          </p:nvPr>
+        </p:nvSpPr>
+        <p:spPr>
+          <a:xfrm>
+            <a:off x="3571560" y="1326600"/>
+            <a:ext cx="2921040" cy="1568520"/>
+          </a:xfrm>
+          <a:prstGeom prst="rect">
+            <a:avLst/>
+          </a:prstGeom>
+        </p:spPr>
+        <p:txBody>
+          <a:bodyPr lIns="0" rIns="0" tIns="0" bIns="0">
+            <a:normAutofit/>
+          </a:bodyPr>
+          <a:p>
+            <a:endParaRPr b="0" lang="fr-FR" sz="3200" spc="-1" strike="noStrike">
+              <a:solidFill>
+                <a:srgbClr val="000000"/>
+              </a:solidFill>
+              <a:uFill>
+                <a:solidFill>
+                  <a:srgbClr val="ffffff"/>
+                </a:solidFill>
+              </a:uFill>
+              <a:latin typeface="Arial"/>
+            </a:endParaRPr>
+          </a:p>
+        </p:txBody>
+      </p:sp>
+      <p:sp>
+        <p:nvSpPr>
+          <p:cNvPr id="113" name="PlaceHolder 4"/>
+          <p:cNvSpPr>
+            <a:spLocks noGrp="1"/>
+          </p:cNvSpPr>
+          <p:nvPr>
+            <p:ph type="body"/>
+          </p:nvPr>
+        </p:nvSpPr>
+        <p:spPr>
+          <a:xfrm>
+            <a:off x="6639120" y="1326600"/>
+            <a:ext cx="2921040" cy="1568520"/>
+          </a:xfrm>
+          <a:prstGeom prst="rect">
+            <a:avLst/>
+          </a:prstGeom>
+        </p:spPr>
+        <p:txBody>
+          <a:bodyPr lIns="0" rIns="0" tIns="0" bIns="0">
+            <a:normAutofit/>
+          </a:bodyPr>
+          <a:p>
+            <a:endParaRPr b="0" lang="fr-FR" sz="3200" spc="-1" strike="noStrike">
+              <a:solidFill>
+                <a:srgbClr val="000000"/>
+              </a:solidFill>
+              <a:uFill>
+                <a:solidFill>
+                  <a:srgbClr val="ffffff"/>
+                </a:solidFill>
+              </a:uFill>
+              <a:latin typeface="Arial"/>
+            </a:endParaRPr>
+          </a:p>
+        </p:txBody>
+      </p:sp>
+      <p:sp>
+        <p:nvSpPr>
+          <p:cNvPr id="114" name="PlaceHolder 5"/>
+          <p:cNvSpPr>
+            <a:spLocks noGrp="1"/>
+          </p:cNvSpPr>
+          <p:nvPr>
+            <p:ph type="body"/>
+          </p:nvPr>
+        </p:nvSpPr>
+        <p:spPr>
+          <a:xfrm>
+            <a:off x="6639120" y="3044520"/>
+            <a:ext cx="2921040" cy="1568520"/>
+          </a:xfrm>
+          <a:prstGeom prst="rect">
+            <a:avLst/>
+          </a:prstGeom>
+        </p:spPr>
+        <p:txBody>
+          <a:bodyPr lIns="0" rIns="0" tIns="0" bIns="0">
+            <a:normAutofit/>
+          </a:bodyPr>
+          <a:p>
+            <a:endParaRPr b="0" lang="fr-FR" sz="3200" spc="-1" strike="noStrike">
+              <a:solidFill>
+                <a:srgbClr val="000000"/>
+              </a:solidFill>
+              <a:uFill>
+                <a:solidFill>
+                  <a:srgbClr val="ffffff"/>
+                </a:solidFill>
+              </a:uFill>
+              <a:latin typeface="Arial"/>
+            </a:endParaRPr>
+          </a:p>
+        </p:txBody>
+      </p:sp>
+      <p:sp>
+        <p:nvSpPr>
+          <p:cNvPr id="115" name="PlaceHolder 6"/>
+          <p:cNvSpPr>
+            <a:spLocks noGrp="1"/>
+          </p:cNvSpPr>
+          <p:nvPr>
+            <p:ph type="body"/>
+          </p:nvPr>
+        </p:nvSpPr>
+        <p:spPr>
+          <a:xfrm>
+            <a:off x="3571560" y="3044520"/>
+            <a:ext cx="2921040" cy="1568520"/>
+          </a:xfrm>
+          <a:prstGeom prst="rect">
+            <a:avLst/>
+          </a:prstGeom>
+        </p:spPr>
+        <p:txBody>
+          <a:bodyPr lIns="0" rIns="0" tIns="0" bIns="0">
+            <a:normAutofit/>
+          </a:bodyPr>
+          <a:p>
+            <a:endParaRPr b="0" lang="fr-FR" sz="3200" spc="-1" strike="noStrike">
+              <a:solidFill>
+                <a:srgbClr val="000000"/>
+              </a:solidFill>
+              <a:uFill>
+                <a:solidFill>
+                  <a:srgbClr val="ffffff"/>
+                </a:solidFill>
+              </a:uFill>
+              <a:latin typeface="Arial"/>
+            </a:endParaRPr>
+          </a:p>
+        </p:txBody>
+      </p:sp>
+      <p:sp>
+        <p:nvSpPr>
+          <p:cNvPr id="116" name="PlaceHolder 7"/>
+          <p:cNvSpPr>
+            <a:spLocks noGrp="1"/>
+          </p:cNvSpPr>
+          <p:nvPr>
+            <p:ph type="body"/>
+          </p:nvPr>
+        </p:nvSpPr>
+        <p:spPr>
+          <a:xfrm>
+            <a:off x="504000" y="3044520"/>
+            <a:ext cx="2921040" cy="1568520"/>
+          </a:xfrm>
+          <a:prstGeom prst="rect">
+            <a:avLst/>
+          </a:prstGeom>
+        </p:spPr>
+        <p:txBody>
+          <a:bodyPr lIns="0" rIns="0" tIns="0" bIns="0">
+            <a:normAutofit/>
+          </a:bodyPr>
+          <a:p>
+            <a:endParaRPr b="0" lang="fr-FR" sz="3200" spc="-1" strike="noStrike">
               <a:solidFill>
                 <a:srgbClr val="000000"/>
               </a:solidFill>
@@ -886,7 +4132,7 @@
       </p:grpSpPr>
       <p:sp>
         <p:nvSpPr>
-          <p:cNvPr id="10" name="PlaceHolder 1"/>
+          <p:cNvPr id="7" name="PlaceHolder 1"/>
           <p:cNvSpPr>
             <a:spLocks noGrp="1"/>
           </p:cNvSpPr>
@@ -896,8 +4142,8 @@
         </p:nvSpPr>
         <p:spPr>
           <a:xfrm>
-            <a:off x="504000" y="216000"/>
-            <a:ext cx="9072000" cy="648000"/>
+            <a:off x="504000" y="226080"/>
+            <a:ext cx="9072000" cy="946440"/>
           </a:xfrm>
           <a:prstGeom prst="rect">
             <a:avLst/>
@@ -907,23 +4153,23 @@
           <a:bodyPr lIns="0" rIns="0" tIns="0" bIns="0" anchor="ctr"/>
           <a:p>
             <a:pPr algn="ctr"/>
-            <a:endParaRPr b="1" lang="fr-FR" sz="3300" spc="-1" strike="noStrike">
-              <a:solidFill>
-                <a:srgbClr val="ffffff"/>
-              </a:solidFill>
-              <a:uFill>
-                <a:solidFill>
-                  <a:srgbClr val="ffffff"/>
-                </a:solidFill>
-              </a:uFill>
-              <a:latin typeface="Arial"/>
-            </a:endParaRPr>
-          </a:p>
-        </p:txBody>
-      </p:sp>
-      <p:sp>
-        <p:nvSpPr>
-          <p:cNvPr id="11" name="PlaceHolder 2"/>
+            <a:endParaRPr b="0" lang="fr-FR" sz="4400" spc="-1" strike="noStrike">
+              <a:solidFill>
+                <a:srgbClr val="000000"/>
+              </a:solidFill>
+              <a:uFill>
+                <a:solidFill>
+                  <a:srgbClr val="ffffff"/>
+                </a:solidFill>
+              </a:uFill>
+              <a:latin typeface="Arial"/>
+            </a:endParaRPr>
+          </a:p>
+        </p:txBody>
+      </p:sp>
+      <p:sp>
+        <p:nvSpPr>
+          <p:cNvPr id="8" name="PlaceHolder 2"/>
           <p:cNvSpPr>
             <a:spLocks noGrp="1"/>
           </p:cNvSpPr>
@@ -933,8 +4179,8 @@
         </p:nvSpPr>
         <p:spPr>
           <a:xfrm>
-            <a:off x="504000" y="1368000"/>
-            <a:ext cx="4426920" cy="3288240"/>
+            <a:off x="504000" y="1326600"/>
+            <a:ext cx="4426920" cy="3288600"/>
           </a:xfrm>
           <a:prstGeom prst="rect">
             <a:avLst/>
@@ -945,23 +4191,23 @@
             <a:normAutofit/>
           </a:bodyPr>
           <a:p>
-            <a:endParaRPr b="0" lang="fr-FR" sz="2400" spc="-1" strike="noStrike">
-              <a:solidFill>
-                <a:srgbClr val="000000"/>
-              </a:solidFill>
-              <a:uFill>
-                <a:solidFill>
-                  <a:srgbClr val="ffffff"/>
-                </a:solidFill>
-              </a:uFill>
-              <a:latin typeface="Arial"/>
-            </a:endParaRPr>
-          </a:p>
-        </p:txBody>
-      </p:sp>
-      <p:sp>
-        <p:nvSpPr>
-          <p:cNvPr id="12" name="PlaceHolder 3"/>
+            <a:endParaRPr b="0" lang="fr-FR" sz="3200" spc="-1" strike="noStrike">
+              <a:solidFill>
+                <a:srgbClr val="000000"/>
+              </a:solidFill>
+              <a:uFill>
+                <a:solidFill>
+                  <a:srgbClr val="ffffff"/>
+                </a:solidFill>
+              </a:uFill>
+              <a:latin typeface="Arial"/>
+            </a:endParaRPr>
+          </a:p>
+        </p:txBody>
+      </p:sp>
+      <p:sp>
+        <p:nvSpPr>
+          <p:cNvPr id="9" name="PlaceHolder 3"/>
           <p:cNvSpPr>
             <a:spLocks noGrp="1"/>
           </p:cNvSpPr>
@@ -971,8 +4217,8 @@
         </p:nvSpPr>
         <p:spPr>
           <a:xfrm>
-            <a:off x="5152680" y="1368000"/>
-            <a:ext cx="4426920" cy="3288240"/>
+            <a:off x="5152680" y="1326600"/>
+            <a:ext cx="4426920" cy="3288600"/>
           </a:xfrm>
           <a:prstGeom prst="rect">
             <a:avLst/>
@@ -983,7 +4229,7 @@
             <a:normAutofit/>
           </a:bodyPr>
           <a:p>
-            <a:endParaRPr b="0" lang="fr-FR" sz="2400" spc="-1" strike="noStrike">
+            <a:endParaRPr b="0" lang="fr-FR" sz="3200" spc="-1" strike="noStrike">
               <a:solidFill>
                 <a:srgbClr val="000000"/>
               </a:solidFill>
@@ -1021,7 +4267,7 @@
       </p:grpSpPr>
       <p:sp>
         <p:nvSpPr>
-          <p:cNvPr id="13" name="PlaceHolder 1"/>
+          <p:cNvPr id="10" name="PlaceHolder 1"/>
           <p:cNvSpPr>
             <a:spLocks noGrp="1"/>
           </p:cNvSpPr>
@@ -1031,8 +4277,8 @@
         </p:nvSpPr>
         <p:spPr>
           <a:xfrm>
-            <a:off x="504000" y="216000"/>
-            <a:ext cx="9072000" cy="648000"/>
+            <a:off x="504000" y="226080"/>
+            <a:ext cx="9072000" cy="946440"/>
           </a:xfrm>
           <a:prstGeom prst="rect">
             <a:avLst/>
@@ -1042,9 +4288,9 @@
           <a:bodyPr lIns="0" rIns="0" tIns="0" bIns="0" anchor="ctr"/>
           <a:p>
             <a:pPr algn="ctr"/>
-            <a:endParaRPr b="1" lang="fr-FR" sz="3300" spc="-1" strike="noStrike">
-              <a:solidFill>
-                <a:srgbClr val="ffffff"/>
+            <a:endParaRPr b="0" lang="fr-FR" sz="4400" spc="-1" strike="noStrike">
+              <a:solidFill>
+                <a:srgbClr val="000000"/>
               </a:solidFill>
               <a:uFill>
                 <a:solidFill>
@@ -1080,7 +4326,7 @@
       </p:grpSpPr>
       <p:sp>
         <p:nvSpPr>
-          <p:cNvPr id="14" name="PlaceHolder 1"/>
+          <p:cNvPr id="11" name="PlaceHolder 1"/>
           <p:cNvSpPr>
             <a:spLocks noGrp="1"/>
           </p:cNvSpPr>
@@ -1090,8 +4336,8 @@
         </p:nvSpPr>
         <p:spPr>
           <a:xfrm>
-            <a:off x="504000" y="216000"/>
-            <a:ext cx="9072000" cy="3004920"/>
+            <a:off x="504000" y="226080"/>
+            <a:ext cx="9072000" cy="4388400"/>
           </a:xfrm>
           <a:prstGeom prst="rect">
             <a:avLst/>
@@ -1139,7 +4385,7 @@
       </p:grpSpPr>
       <p:sp>
         <p:nvSpPr>
-          <p:cNvPr id="15" name="PlaceHolder 1"/>
+          <p:cNvPr id="12" name="PlaceHolder 1"/>
           <p:cNvSpPr>
             <a:spLocks noGrp="1"/>
           </p:cNvSpPr>
@@ -1149,8 +4395,8 @@
         </p:nvSpPr>
         <p:spPr>
           <a:xfrm>
-            <a:off x="504000" y="216000"/>
-            <a:ext cx="9072000" cy="648000"/>
+            <a:off x="504000" y="226080"/>
+            <a:ext cx="9072000" cy="946440"/>
           </a:xfrm>
           <a:prstGeom prst="rect">
             <a:avLst/>
@@ -1160,23 +4406,23 @@
           <a:bodyPr lIns="0" rIns="0" tIns="0" bIns="0" anchor="ctr"/>
           <a:p>
             <a:pPr algn="ctr"/>
-            <a:endParaRPr b="1" lang="fr-FR" sz="3300" spc="-1" strike="noStrike">
-              <a:solidFill>
-                <a:srgbClr val="ffffff"/>
-              </a:solidFill>
-              <a:uFill>
-                <a:solidFill>
-                  <a:srgbClr val="ffffff"/>
-                </a:solidFill>
-              </a:uFill>
-              <a:latin typeface="Arial"/>
-            </a:endParaRPr>
-          </a:p>
-        </p:txBody>
-      </p:sp>
-      <p:sp>
-        <p:nvSpPr>
-          <p:cNvPr id="16" name="PlaceHolder 2"/>
+            <a:endParaRPr b="0" lang="fr-FR" sz="4400" spc="-1" strike="noStrike">
+              <a:solidFill>
+                <a:srgbClr val="000000"/>
+              </a:solidFill>
+              <a:uFill>
+                <a:solidFill>
+                  <a:srgbClr val="ffffff"/>
+                </a:solidFill>
+              </a:uFill>
+              <a:latin typeface="Arial"/>
+            </a:endParaRPr>
+          </a:p>
+        </p:txBody>
+      </p:sp>
+      <p:sp>
+        <p:nvSpPr>
+          <p:cNvPr id="13" name="PlaceHolder 2"/>
           <p:cNvSpPr>
             <a:spLocks noGrp="1"/>
           </p:cNvSpPr>
@@ -1186,8 +4432,8 @@
         </p:nvSpPr>
         <p:spPr>
           <a:xfrm>
-            <a:off x="504000" y="1368000"/>
-            <a:ext cx="4426920" cy="1568160"/>
+            <a:off x="504000" y="1326600"/>
+            <a:ext cx="4426920" cy="1568520"/>
           </a:xfrm>
           <a:prstGeom prst="rect">
             <a:avLst/>
@@ -1198,23 +4444,23 @@
             <a:normAutofit/>
           </a:bodyPr>
           <a:p>
-            <a:endParaRPr b="0" lang="fr-FR" sz="2400" spc="-1" strike="noStrike">
-              <a:solidFill>
-                <a:srgbClr val="000000"/>
-              </a:solidFill>
-              <a:uFill>
-                <a:solidFill>
-                  <a:srgbClr val="ffffff"/>
-                </a:solidFill>
-              </a:uFill>
-              <a:latin typeface="Arial"/>
-            </a:endParaRPr>
-          </a:p>
-        </p:txBody>
-      </p:sp>
-      <p:sp>
-        <p:nvSpPr>
-          <p:cNvPr id="17" name="PlaceHolder 3"/>
+            <a:endParaRPr b="0" lang="fr-FR" sz="3200" spc="-1" strike="noStrike">
+              <a:solidFill>
+                <a:srgbClr val="000000"/>
+              </a:solidFill>
+              <a:uFill>
+                <a:solidFill>
+                  <a:srgbClr val="ffffff"/>
+                </a:solidFill>
+              </a:uFill>
+              <a:latin typeface="Arial"/>
+            </a:endParaRPr>
+          </a:p>
+        </p:txBody>
+      </p:sp>
+      <p:sp>
+        <p:nvSpPr>
+          <p:cNvPr id="14" name="PlaceHolder 3"/>
           <p:cNvSpPr>
             <a:spLocks noGrp="1"/>
           </p:cNvSpPr>
@@ -1224,8 +4470,8 @@
         </p:nvSpPr>
         <p:spPr>
           <a:xfrm>
-            <a:off x="504000" y="3085560"/>
-            <a:ext cx="4426920" cy="1568160"/>
+            <a:off x="504000" y="3044520"/>
+            <a:ext cx="4426920" cy="1568520"/>
           </a:xfrm>
           <a:prstGeom prst="rect">
             <a:avLst/>
@@ -1236,23 +4482,23 @@
             <a:normAutofit/>
           </a:bodyPr>
           <a:p>
-            <a:endParaRPr b="0" lang="fr-FR" sz="2400" spc="-1" strike="noStrike">
-              <a:solidFill>
-                <a:srgbClr val="000000"/>
-              </a:solidFill>
-              <a:uFill>
-                <a:solidFill>
-                  <a:srgbClr val="ffffff"/>
-                </a:solidFill>
-              </a:uFill>
-              <a:latin typeface="Arial"/>
-            </a:endParaRPr>
-          </a:p>
-        </p:txBody>
-      </p:sp>
-      <p:sp>
-        <p:nvSpPr>
-          <p:cNvPr id="18" name="PlaceHolder 4"/>
+            <a:endParaRPr b="0" lang="fr-FR" sz="3200" spc="-1" strike="noStrike">
+              <a:solidFill>
+                <a:srgbClr val="000000"/>
+              </a:solidFill>
+              <a:uFill>
+                <a:solidFill>
+                  <a:srgbClr val="ffffff"/>
+                </a:solidFill>
+              </a:uFill>
+              <a:latin typeface="Arial"/>
+            </a:endParaRPr>
+          </a:p>
+        </p:txBody>
+      </p:sp>
+      <p:sp>
+        <p:nvSpPr>
+          <p:cNvPr id="15" name="PlaceHolder 4"/>
           <p:cNvSpPr>
             <a:spLocks noGrp="1"/>
           </p:cNvSpPr>
@@ -1262,8 +4508,8 @@
         </p:nvSpPr>
         <p:spPr>
           <a:xfrm>
-            <a:off x="5152680" y="1368000"/>
-            <a:ext cx="4426920" cy="3288240"/>
+            <a:off x="5152680" y="1326600"/>
+            <a:ext cx="4426920" cy="3288600"/>
           </a:xfrm>
           <a:prstGeom prst="rect">
             <a:avLst/>
@@ -1274,7 +4520,7 @@
             <a:normAutofit/>
           </a:bodyPr>
           <a:p>
-            <a:endParaRPr b="0" lang="fr-FR" sz="2400" spc="-1" strike="noStrike">
+            <a:endParaRPr b="0" lang="fr-FR" sz="3200" spc="-1" strike="noStrike">
               <a:solidFill>
                 <a:srgbClr val="000000"/>
               </a:solidFill>
@@ -1312,7 +4558,7 @@
       </p:grpSpPr>
       <p:sp>
         <p:nvSpPr>
-          <p:cNvPr id="19" name="PlaceHolder 1"/>
+          <p:cNvPr id="16" name="PlaceHolder 1"/>
           <p:cNvSpPr>
             <a:spLocks noGrp="1"/>
           </p:cNvSpPr>
@@ -1322,8 +4568,8 @@
         </p:nvSpPr>
         <p:spPr>
           <a:xfrm>
-            <a:off x="504000" y="216000"/>
-            <a:ext cx="9072000" cy="648000"/>
+            <a:off x="504000" y="226080"/>
+            <a:ext cx="9072000" cy="946440"/>
           </a:xfrm>
           <a:prstGeom prst="rect">
             <a:avLst/>
@@ -1333,23 +4579,23 @@
           <a:bodyPr lIns="0" rIns="0" tIns="0" bIns="0" anchor="ctr"/>
           <a:p>
             <a:pPr algn="ctr"/>
-            <a:endParaRPr b="1" lang="fr-FR" sz="3300" spc="-1" strike="noStrike">
-              <a:solidFill>
-                <a:srgbClr val="ffffff"/>
-              </a:solidFill>
-              <a:uFill>
-                <a:solidFill>
-                  <a:srgbClr val="ffffff"/>
-                </a:solidFill>
-              </a:uFill>
-              <a:latin typeface="Arial"/>
-            </a:endParaRPr>
-          </a:p>
-        </p:txBody>
-      </p:sp>
-      <p:sp>
-        <p:nvSpPr>
-          <p:cNvPr id="20" name="PlaceHolder 2"/>
+            <a:endParaRPr b="0" lang="fr-FR" sz="4400" spc="-1" strike="noStrike">
+              <a:solidFill>
+                <a:srgbClr val="000000"/>
+              </a:solidFill>
+              <a:uFill>
+                <a:solidFill>
+                  <a:srgbClr val="ffffff"/>
+                </a:solidFill>
+              </a:uFill>
+              <a:latin typeface="Arial"/>
+            </a:endParaRPr>
+          </a:p>
+        </p:txBody>
+      </p:sp>
+      <p:sp>
+        <p:nvSpPr>
+          <p:cNvPr id="17" name="PlaceHolder 2"/>
           <p:cNvSpPr>
             <a:spLocks noGrp="1"/>
           </p:cNvSpPr>
@@ -1359,8 +4605,8 @@
         </p:nvSpPr>
         <p:spPr>
           <a:xfrm>
-            <a:off x="504000" y="1368000"/>
-            <a:ext cx="4426920" cy="3288240"/>
+            <a:off x="504000" y="1326600"/>
+            <a:ext cx="4426920" cy="3288600"/>
           </a:xfrm>
           <a:prstGeom prst="rect">
             <a:avLst/>
@@ -1371,23 +4617,23 @@
             <a:normAutofit/>
           </a:bodyPr>
           <a:p>
-            <a:endParaRPr b="0" lang="fr-FR" sz="2400" spc="-1" strike="noStrike">
-              <a:solidFill>
-                <a:srgbClr val="000000"/>
-              </a:solidFill>
-              <a:uFill>
-                <a:solidFill>
-                  <a:srgbClr val="ffffff"/>
-                </a:solidFill>
-              </a:uFill>
-              <a:latin typeface="Arial"/>
-            </a:endParaRPr>
-          </a:p>
-        </p:txBody>
-      </p:sp>
-      <p:sp>
-        <p:nvSpPr>
-          <p:cNvPr id="21" name="PlaceHolder 3"/>
+            <a:endParaRPr b="0" lang="fr-FR" sz="3200" spc="-1" strike="noStrike">
+              <a:solidFill>
+                <a:srgbClr val="000000"/>
+              </a:solidFill>
+              <a:uFill>
+                <a:solidFill>
+                  <a:srgbClr val="ffffff"/>
+                </a:solidFill>
+              </a:uFill>
+              <a:latin typeface="Arial"/>
+            </a:endParaRPr>
+          </a:p>
+        </p:txBody>
+      </p:sp>
+      <p:sp>
+        <p:nvSpPr>
+          <p:cNvPr id="18" name="PlaceHolder 3"/>
           <p:cNvSpPr>
             <a:spLocks noGrp="1"/>
           </p:cNvSpPr>
@@ -1397,8 +4643,8 @@
         </p:nvSpPr>
         <p:spPr>
           <a:xfrm>
-            <a:off x="5152680" y="1368000"/>
-            <a:ext cx="4426920" cy="1568160"/>
+            <a:off x="5152680" y="1326600"/>
+            <a:ext cx="4426920" cy="1568520"/>
           </a:xfrm>
           <a:prstGeom prst="rect">
             <a:avLst/>
@@ -1409,23 +4655,23 @@
             <a:normAutofit/>
           </a:bodyPr>
           <a:p>
-            <a:endParaRPr b="0" lang="fr-FR" sz="2400" spc="-1" strike="noStrike">
-              <a:solidFill>
-                <a:srgbClr val="000000"/>
-              </a:solidFill>
-              <a:uFill>
-                <a:solidFill>
-                  <a:srgbClr val="ffffff"/>
-                </a:solidFill>
-              </a:uFill>
-              <a:latin typeface="Arial"/>
-            </a:endParaRPr>
-          </a:p>
-        </p:txBody>
-      </p:sp>
-      <p:sp>
-        <p:nvSpPr>
-          <p:cNvPr id="22" name="PlaceHolder 4"/>
+            <a:endParaRPr b="0" lang="fr-FR" sz="3200" spc="-1" strike="noStrike">
+              <a:solidFill>
+                <a:srgbClr val="000000"/>
+              </a:solidFill>
+              <a:uFill>
+                <a:solidFill>
+                  <a:srgbClr val="ffffff"/>
+                </a:solidFill>
+              </a:uFill>
+              <a:latin typeface="Arial"/>
+            </a:endParaRPr>
+          </a:p>
+        </p:txBody>
+      </p:sp>
+      <p:sp>
+        <p:nvSpPr>
+          <p:cNvPr id="19" name="PlaceHolder 4"/>
           <p:cNvSpPr>
             <a:spLocks noGrp="1"/>
           </p:cNvSpPr>
@@ -1435,8 +4681,8 @@
         </p:nvSpPr>
         <p:spPr>
           <a:xfrm>
-            <a:off x="5152680" y="3085560"/>
-            <a:ext cx="4426920" cy="1568160"/>
+            <a:off x="5152680" y="3044520"/>
+            <a:ext cx="4426920" cy="1568520"/>
           </a:xfrm>
           <a:prstGeom prst="rect">
             <a:avLst/>
@@ -1447,7 +4693,7 @@
             <a:normAutofit/>
           </a:bodyPr>
           <a:p>
-            <a:endParaRPr b="0" lang="fr-FR" sz="2400" spc="-1" strike="noStrike">
+            <a:endParaRPr b="0" lang="fr-FR" sz="3200" spc="-1" strike="noStrike">
               <a:solidFill>
                 <a:srgbClr val="000000"/>
               </a:solidFill>
@@ -1485,7 +4731,7 @@
       </p:grpSpPr>
       <p:sp>
         <p:nvSpPr>
-          <p:cNvPr id="23" name="PlaceHolder 1"/>
+          <p:cNvPr id="20" name="PlaceHolder 1"/>
           <p:cNvSpPr>
             <a:spLocks noGrp="1"/>
           </p:cNvSpPr>
@@ -1495,8 +4741,8 @@
         </p:nvSpPr>
         <p:spPr>
           <a:xfrm>
-            <a:off x="504000" y="216000"/>
-            <a:ext cx="9072000" cy="648000"/>
+            <a:off x="504000" y="226080"/>
+            <a:ext cx="9072000" cy="946440"/>
           </a:xfrm>
           <a:prstGeom prst="rect">
             <a:avLst/>
@@ -1506,23 +4752,23 @@
           <a:bodyPr lIns="0" rIns="0" tIns="0" bIns="0" anchor="ctr"/>
           <a:p>
             <a:pPr algn="ctr"/>
-            <a:endParaRPr b="1" lang="fr-FR" sz="3300" spc="-1" strike="noStrike">
-              <a:solidFill>
-                <a:srgbClr val="ffffff"/>
-              </a:solidFill>
-              <a:uFill>
-                <a:solidFill>
-                  <a:srgbClr val="ffffff"/>
-                </a:solidFill>
-              </a:uFill>
-              <a:latin typeface="Arial"/>
-            </a:endParaRPr>
-          </a:p>
-        </p:txBody>
-      </p:sp>
-      <p:sp>
-        <p:nvSpPr>
-          <p:cNvPr id="24" name="PlaceHolder 2"/>
+            <a:endParaRPr b="0" lang="fr-FR" sz="4400" spc="-1" strike="noStrike">
+              <a:solidFill>
+                <a:srgbClr val="000000"/>
+              </a:solidFill>
+              <a:uFill>
+                <a:solidFill>
+                  <a:srgbClr val="ffffff"/>
+                </a:solidFill>
+              </a:uFill>
+              <a:latin typeface="Arial"/>
+            </a:endParaRPr>
+          </a:p>
+        </p:txBody>
+      </p:sp>
+      <p:sp>
+        <p:nvSpPr>
+          <p:cNvPr id="21" name="PlaceHolder 2"/>
           <p:cNvSpPr>
             <a:spLocks noGrp="1"/>
           </p:cNvSpPr>
@@ -1532,8 +4778,8 @@
         </p:nvSpPr>
         <p:spPr>
           <a:xfrm>
-            <a:off x="504000" y="1368000"/>
-            <a:ext cx="4426920" cy="1568160"/>
+            <a:off x="504000" y="1326600"/>
+            <a:ext cx="4426920" cy="1568520"/>
           </a:xfrm>
           <a:prstGeom prst="rect">
             <a:avLst/>
@@ -1544,23 +4790,23 @@
             <a:normAutofit/>
           </a:bodyPr>
           <a:p>
-            <a:endParaRPr b="0" lang="fr-FR" sz="2400" spc="-1" strike="noStrike">
-              <a:solidFill>
-                <a:srgbClr val="000000"/>
-              </a:solidFill>
-              <a:uFill>
-                <a:solidFill>
-                  <a:srgbClr val="ffffff"/>
-                </a:solidFill>
-              </a:uFill>
-              <a:latin typeface="Arial"/>
-            </a:endParaRPr>
-          </a:p>
-        </p:txBody>
-      </p:sp>
-      <p:sp>
-        <p:nvSpPr>
-          <p:cNvPr id="25" name="PlaceHolder 3"/>
+            <a:endParaRPr b="0" lang="fr-FR" sz="3200" spc="-1" strike="noStrike">
+              <a:solidFill>
+                <a:srgbClr val="000000"/>
+              </a:solidFill>
+              <a:uFill>
+                <a:solidFill>
+                  <a:srgbClr val="ffffff"/>
+                </a:solidFill>
+              </a:uFill>
+              <a:latin typeface="Arial"/>
+            </a:endParaRPr>
+          </a:p>
+        </p:txBody>
+      </p:sp>
+      <p:sp>
+        <p:nvSpPr>
+          <p:cNvPr id="22" name="PlaceHolder 3"/>
           <p:cNvSpPr>
             <a:spLocks noGrp="1"/>
           </p:cNvSpPr>
@@ -1570,8 +4816,8 @@
         </p:nvSpPr>
         <p:spPr>
           <a:xfrm>
-            <a:off x="5152680" y="1368000"/>
-            <a:ext cx="4426920" cy="1568160"/>
+            <a:off x="5152680" y="1326600"/>
+            <a:ext cx="4426920" cy="1568520"/>
           </a:xfrm>
           <a:prstGeom prst="rect">
             <a:avLst/>
@@ -1582,23 +4828,23 @@
             <a:normAutofit/>
           </a:bodyPr>
           <a:p>
-            <a:endParaRPr b="0" lang="fr-FR" sz="2400" spc="-1" strike="noStrike">
-              <a:solidFill>
-                <a:srgbClr val="000000"/>
-              </a:solidFill>
-              <a:uFill>
-                <a:solidFill>
-                  <a:srgbClr val="ffffff"/>
-                </a:solidFill>
-              </a:uFill>
-              <a:latin typeface="Arial"/>
-            </a:endParaRPr>
-          </a:p>
-        </p:txBody>
-      </p:sp>
-      <p:sp>
-        <p:nvSpPr>
-          <p:cNvPr id="26" name="PlaceHolder 4"/>
+            <a:endParaRPr b="0" lang="fr-FR" sz="3200" spc="-1" strike="noStrike">
+              <a:solidFill>
+                <a:srgbClr val="000000"/>
+              </a:solidFill>
+              <a:uFill>
+                <a:solidFill>
+                  <a:srgbClr val="ffffff"/>
+                </a:solidFill>
+              </a:uFill>
+              <a:latin typeface="Arial"/>
+            </a:endParaRPr>
+          </a:p>
+        </p:txBody>
+      </p:sp>
+      <p:sp>
+        <p:nvSpPr>
+          <p:cNvPr id="23" name="PlaceHolder 4"/>
           <p:cNvSpPr>
             <a:spLocks noGrp="1"/>
           </p:cNvSpPr>
@@ -1608,8 +4854,8 @@
         </p:nvSpPr>
         <p:spPr>
           <a:xfrm>
-            <a:off x="504000" y="3085560"/>
-            <a:ext cx="9072000" cy="1568160"/>
+            <a:off x="504000" y="3044520"/>
+            <a:ext cx="9072000" cy="1568520"/>
           </a:xfrm>
           <a:prstGeom prst="rect">
             <a:avLst/>
@@ -1620,7 +4866,7 @@
             <a:normAutofit/>
           </a:bodyPr>
           <a:p>
-            <a:endParaRPr b="0" lang="fr-FR" sz="2400" spc="-1" strike="noStrike">
+            <a:endParaRPr b="0" lang="fr-FR" sz="3200" spc="-1" strike="noStrike">
               <a:solidFill>
                 <a:srgbClr val="000000"/>
               </a:solidFill>
@@ -1679,7 +4925,7 @@
         <p:spPr>
           <a:xfrm>
             <a:off x="360" y="360"/>
-            <a:ext cx="10078920" cy="5673240"/>
+            <a:ext cx="10077840" cy="5672160"/>
           </a:xfrm>
           <a:prstGeom prst="rect">
             <a:avLst/>
@@ -1701,8 +4947,8 @@
         </p:nvSpPr>
         <p:spPr>
           <a:xfrm>
-            <a:off x="504000" y="216000"/>
-            <a:ext cx="9072000" cy="648000"/>
+            <a:off x="504000" y="226080"/>
+            <a:ext cx="9072000" cy="946440"/>
           </a:xfrm>
           <a:prstGeom prst="rect">
             <a:avLst/>
@@ -1713,9 +4959,9 @@
           <a:p>
             <a:pPr algn="ctr"/>
             <a:r>
-              <a:rPr b="1" lang="fr-FR" sz="3300" spc="-1" strike="noStrike">
-                <a:solidFill>
-                  <a:srgbClr val="ffffff"/>
+              <a:rPr b="0" lang="fr-FR" sz="4400" spc="-1" strike="noStrike">
+                <a:solidFill>
+                  <a:srgbClr val="000000"/>
                 </a:solidFill>
                 <a:uFill>
                   <a:solidFill>
@@ -1726,9 +4972,9 @@
               </a:rPr>
               <a:t>Cliquez pour éditer le format du texte-titre</a:t>
             </a:r>
-            <a:endParaRPr b="1" lang="fr-FR" sz="3300" spc="-1" strike="noStrike">
-              <a:solidFill>
-                <a:srgbClr val="ffffff"/>
+            <a:endParaRPr b="0" lang="fr-FR" sz="4400" spc="-1" strike="noStrike">
+              <a:solidFill>
+                <a:srgbClr val="000000"/>
               </a:solidFill>
               <a:uFill>
                 <a:solidFill>
@@ -1752,8 +4998,8 @@
         </p:nvSpPr>
         <p:spPr>
           <a:xfrm>
-            <a:off x="504000" y="1368000"/>
-            <a:ext cx="9072000" cy="3288240"/>
+            <a:off x="504000" y="1326600"/>
+            <a:ext cx="9072000" cy="3288600"/>
           </a:xfrm>
           <a:prstGeom prst="rect">
             <a:avLst/>
@@ -1765,18 +5011,18 @@
           </a:bodyPr>
           <a:p>
             <a:pPr marL="432000" indent="-324000">
-              <a:spcAft>
-                <a:spcPts val="1060"/>
-              </a:spcAft>
+              <a:spcBef>
+                <a:spcPts val="1417"/>
+              </a:spcBef>
               <a:buClr>
-                <a:srgbClr val="006600"/>
+                <a:srgbClr val="000000"/>
               </a:buClr>
               <a:buSzPct val="45000"/>
               <a:buFont typeface="Wingdings" charset="2"/>
               <a:buChar char=""/>
             </a:pPr>
             <a:r>
-              <a:rPr b="0" lang="fr-FR" sz="2400" spc="-1" strike="noStrike">
+              <a:rPr b="0" lang="fr-FR" sz="3200" spc="-1" strike="noStrike">
                 <a:solidFill>
                   <a:srgbClr val="000000"/>
                 </a:solidFill>
@@ -1789,7 +5035,7 @@
               </a:rPr>
               <a:t>Cliquez pour éditer le format du plan de texte</a:t>
             </a:r>
-            <a:endParaRPr b="0" lang="fr-FR" sz="2400" spc="-1" strike="noStrike">
+            <a:endParaRPr b="0" lang="fr-FR" sz="3200" spc="-1" strike="noStrike">
               <a:solidFill>
                 <a:srgbClr val="000000"/>
               </a:solidFill>
@@ -1803,18 +5049,18 @@
           </a:p>
           <a:p>
             <a:pPr lvl="1" marL="864000" indent="-324000">
-              <a:spcAft>
-                <a:spcPts val="848"/>
-              </a:spcAft>
+              <a:spcBef>
+                <a:spcPts val="1134"/>
+              </a:spcBef>
               <a:buClr>
-                <a:srgbClr val="006600"/>
+                <a:srgbClr val="000000"/>
               </a:buClr>
               <a:buSzPct val="75000"/>
               <a:buFont typeface="Symbol" charset="2"/>
               <a:buChar char=""/>
             </a:pPr>
             <a:r>
-              <a:rPr b="0" lang="fr-FR" sz="2090" spc="-1" strike="noStrike">
+              <a:rPr b="0" lang="fr-FR" sz="2800" spc="-1" strike="noStrike">
                 <a:solidFill>
                   <a:srgbClr val="000000"/>
                 </a:solidFill>
@@ -1827,7 +5073,7 @@
               </a:rPr>
               <a:t>Second niveau de plan</a:t>
             </a:r>
-            <a:endParaRPr b="0" lang="fr-FR" sz="2090" spc="-1" strike="noStrike">
+            <a:endParaRPr b="0" lang="fr-FR" sz="2800" spc="-1" strike="noStrike">
               <a:solidFill>
                 <a:srgbClr val="000000"/>
               </a:solidFill>
@@ -1841,18 +5087,18 @@
           </a:p>
           <a:p>
             <a:pPr lvl="2" marL="1296000" indent="-288000">
-              <a:spcAft>
-                <a:spcPts val="632"/>
-              </a:spcAft>
+              <a:spcBef>
+                <a:spcPts val="850"/>
+              </a:spcBef>
               <a:buClr>
-                <a:srgbClr val="006600"/>
+                <a:srgbClr val="000000"/>
               </a:buClr>
               <a:buSzPct val="45000"/>
               <a:buFont typeface="Wingdings" charset="2"/>
               <a:buChar char=""/>
             </a:pPr>
             <a:r>
-              <a:rPr b="0" lang="fr-FR" sz="1800" spc="-1" strike="noStrike">
+              <a:rPr b="0" lang="fr-FR" sz="2400" spc="-1" strike="noStrike">
                 <a:solidFill>
                   <a:srgbClr val="000000"/>
                 </a:solidFill>
@@ -1865,7 +5111,7 @@
               </a:rPr>
               <a:t>Troisième niveau de plan</a:t>
             </a:r>
-            <a:endParaRPr b="0" lang="fr-FR" sz="1800" spc="-1" strike="noStrike">
+            <a:endParaRPr b="0" lang="fr-FR" sz="2400" spc="-1" strike="noStrike">
               <a:solidFill>
                 <a:srgbClr val="000000"/>
               </a:solidFill>
@@ -1879,18 +5125,18 @@
           </a:p>
           <a:p>
             <a:pPr lvl="3" marL="1728000" indent="-216000">
-              <a:spcAft>
-                <a:spcPts val="422"/>
-              </a:spcAft>
+              <a:spcBef>
+                <a:spcPts val="567"/>
+              </a:spcBef>
               <a:buClr>
-                <a:srgbClr val="006600"/>
+                <a:srgbClr val="000000"/>
               </a:buClr>
               <a:buSzPct val="75000"/>
               <a:buFont typeface="Symbol" charset="2"/>
               <a:buChar char=""/>
             </a:pPr>
             <a:r>
-              <a:rPr b="0" lang="fr-FR" sz="1500" spc="-1" strike="noStrike">
+              <a:rPr b="0" lang="fr-FR" sz="2000" spc="-1" strike="noStrike">
                 <a:solidFill>
                   <a:srgbClr val="000000"/>
                 </a:solidFill>
@@ -1903,7 +5149,7 @@
               </a:rPr>
               <a:t>Quatrième niveau de plan</a:t>
             </a:r>
-            <a:endParaRPr b="0" lang="fr-FR" sz="1500" spc="-1" strike="noStrike">
+            <a:endParaRPr b="0" lang="fr-FR" sz="2000" spc="-1" strike="noStrike">
               <a:solidFill>
                 <a:srgbClr val="000000"/>
               </a:solidFill>
@@ -1917,18 +5163,18 @@
           </a:p>
           <a:p>
             <a:pPr lvl="4" marL="2160000" indent="-216000">
-              <a:spcAft>
-                <a:spcPts val="210"/>
-              </a:spcAft>
+              <a:spcBef>
+                <a:spcPts val="283"/>
+              </a:spcBef>
               <a:buClr>
-                <a:srgbClr val="006600"/>
+                <a:srgbClr val="000000"/>
               </a:buClr>
               <a:buSzPct val="45000"/>
               <a:buFont typeface="Wingdings" charset="2"/>
               <a:buChar char=""/>
             </a:pPr>
             <a:r>
-              <a:rPr b="0" lang="fr-FR" sz="1500" spc="-1" strike="noStrike">
+              <a:rPr b="0" lang="fr-FR" sz="2000" spc="-1" strike="noStrike">
                 <a:solidFill>
                   <a:srgbClr val="000000"/>
                 </a:solidFill>
@@ -1941,7 +5187,7 @@
               </a:rPr>
               <a:t>Cinquième niveau de plan</a:t>
             </a:r>
-            <a:endParaRPr b="0" lang="fr-FR" sz="1500" spc="-1" strike="noStrike">
+            <a:endParaRPr b="0" lang="fr-FR" sz="2000" spc="-1" strike="noStrike">
               <a:solidFill>
                 <a:srgbClr val="000000"/>
               </a:solidFill>
@@ -1955,18 +5201,18 @@
           </a:p>
           <a:p>
             <a:pPr lvl="5" marL="2592000" indent="-216000">
-              <a:spcAft>
-                <a:spcPts val="210"/>
-              </a:spcAft>
+              <a:spcBef>
+                <a:spcPts val="283"/>
+              </a:spcBef>
               <a:buClr>
-                <a:srgbClr val="006600"/>
+                <a:srgbClr val="000000"/>
               </a:buClr>
               <a:buSzPct val="45000"/>
               <a:buFont typeface="Wingdings" charset="2"/>
               <a:buChar char=""/>
             </a:pPr>
             <a:r>
-              <a:rPr b="0" lang="fr-FR" sz="1500" spc="-1" strike="noStrike">
+              <a:rPr b="0" lang="fr-FR" sz="2000" spc="-1" strike="noStrike">
                 <a:solidFill>
                   <a:srgbClr val="000000"/>
                 </a:solidFill>
@@ -1979,7 +5225,7 @@
               </a:rPr>
               <a:t>Sixième niveau de plan</a:t>
             </a:r>
-            <a:endParaRPr b="0" lang="fr-FR" sz="1500" spc="-1" strike="noStrike">
+            <a:endParaRPr b="0" lang="fr-FR" sz="2000" spc="-1" strike="noStrike">
               <a:solidFill>
                 <a:srgbClr val="000000"/>
               </a:solidFill>
@@ -1993,18 +5239,18 @@
           </a:p>
           <a:p>
             <a:pPr lvl="6" marL="3024000" indent="-216000">
-              <a:spcAft>
-                <a:spcPts val="210"/>
-              </a:spcAft>
+              <a:spcBef>
+                <a:spcPts val="283"/>
+              </a:spcBef>
               <a:buClr>
-                <a:srgbClr val="006600"/>
+                <a:srgbClr val="000000"/>
               </a:buClr>
               <a:buSzPct val="45000"/>
               <a:buFont typeface="Wingdings" charset="2"/>
               <a:buChar char=""/>
             </a:pPr>
             <a:r>
-              <a:rPr b="0" lang="fr-FR" sz="1500" spc="-1" strike="noStrike">
+              <a:rPr b="0" lang="fr-FR" sz="2000" spc="-1" strike="noStrike">
                 <a:solidFill>
                   <a:srgbClr val="000000"/>
                 </a:solidFill>
@@ -2017,159 +5263,7 @@
               </a:rPr>
               <a:t>Septième niveau de plan</a:t>
             </a:r>
-            <a:endParaRPr b="0" lang="fr-FR" sz="1500" spc="-1" strike="noStrike">
-              <a:solidFill>
-                <a:srgbClr val="000000"/>
-              </a:solidFill>
-              <a:uFill>
-                <a:solidFill>
-                  <a:srgbClr val="ffffff"/>
-                </a:solidFill>
-              </a:uFill>
-              <a:latin typeface="Arial"/>
-            </a:endParaRPr>
-          </a:p>
-        </p:txBody>
-      </p:sp>
-      <p:sp>
-        <p:nvSpPr>
-          <p:cNvPr id="3" name="PlaceHolder 3"/>
-          <p:cNvSpPr>
-            <a:spLocks noGrp="1"/>
-          </p:cNvSpPr>
-          <p:nvPr>
-            <p:ph type="dt"/>
-          </p:nvPr>
-        </p:nvSpPr>
-        <p:spPr>
-          <a:xfrm>
-            <a:off x="504000" y="5164920"/>
-            <a:ext cx="2348280" cy="390960"/>
-          </a:xfrm>
-          <a:prstGeom prst="rect">
-            <a:avLst/>
-          </a:prstGeom>
-        </p:spPr>
-        <p:txBody>
-          <a:bodyPr lIns="0" rIns="0" tIns="0" bIns="0"/>
-          <a:p>
-            <a:r>
-              <a:rPr b="0" lang="fr-FR" sz="1400" spc="-1" strike="noStrike">
-                <a:solidFill>
-                  <a:srgbClr val="000000"/>
-                </a:solidFill>
-                <a:uFill>
-                  <a:solidFill>
-                    <a:srgbClr val="ffffff"/>
-                  </a:solidFill>
-                </a:uFill>
-                <a:latin typeface="Arial"/>
-              </a:rPr>
-              <a:t> </a:t>
-            </a:r>
-            <a:endParaRPr b="0" lang="fr-FR" sz="1400" spc="-1" strike="noStrike">
-              <a:solidFill>
-                <a:srgbClr val="000000"/>
-              </a:solidFill>
-              <a:uFill>
-                <a:solidFill>
-                  <a:srgbClr val="ffffff"/>
-                </a:solidFill>
-              </a:uFill>
-              <a:latin typeface="Arial"/>
-            </a:endParaRPr>
-          </a:p>
-        </p:txBody>
-      </p:sp>
-      <p:sp>
-        <p:nvSpPr>
-          <p:cNvPr id="4" name="PlaceHolder 4"/>
-          <p:cNvSpPr>
-            <a:spLocks noGrp="1"/>
-          </p:cNvSpPr>
-          <p:nvPr>
-            <p:ph type="ftr"/>
-          </p:nvPr>
-        </p:nvSpPr>
-        <p:spPr>
-          <a:xfrm>
-            <a:off x="3447000" y="5164920"/>
-            <a:ext cx="3195000" cy="390960"/>
-          </a:xfrm>
-          <a:prstGeom prst="rect">
-            <a:avLst/>
-          </a:prstGeom>
-        </p:spPr>
-        <p:txBody>
-          <a:bodyPr lIns="0" rIns="0" tIns="0" bIns="0"/>
-          <a:p>
-            <a:pPr algn="ctr"/>
-            <a:r>
-              <a:rPr b="0" lang="fr-FR" sz="1400" spc="-1" strike="noStrike">
-                <a:solidFill>
-                  <a:srgbClr val="000000"/>
-                </a:solidFill>
-                <a:uFill>
-                  <a:solidFill>
-                    <a:srgbClr val="ffffff"/>
-                  </a:solidFill>
-                </a:uFill>
-                <a:latin typeface="Arial"/>
-              </a:rPr>
-              <a:t> </a:t>
-            </a:r>
-            <a:endParaRPr b="0" lang="fr-FR" sz="1400" spc="-1" strike="noStrike">
-              <a:solidFill>
-                <a:srgbClr val="000000"/>
-              </a:solidFill>
-              <a:uFill>
-                <a:solidFill>
-                  <a:srgbClr val="ffffff"/>
-                </a:solidFill>
-              </a:uFill>
-              <a:latin typeface="Arial"/>
-            </a:endParaRPr>
-          </a:p>
-        </p:txBody>
-      </p:sp>
-      <p:sp>
-        <p:nvSpPr>
-          <p:cNvPr id="5" name="PlaceHolder 5"/>
-          <p:cNvSpPr>
-            <a:spLocks noGrp="1"/>
-          </p:cNvSpPr>
-          <p:nvPr>
-            <p:ph type="sldNum"/>
-          </p:nvPr>
-        </p:nvSpPr>
-        <p:spPr>
-          <a:xfrm>
-            <a:off x="7227000" y="5164920"/>
-            <a:ext cx="2348280" cy="390960"/>
-          </a:xfrm>
-          <a:prstGeom prst="rect">
-            <a:avLst/>
-          </a:prstGeom>
-        </p:spPr>
-        <p:txBody>
-          <a:bodyPr lIns="0" rIns="0" tIns="0" bIns="0"/>
-          <a:p>
-            <a:pPr algn="r"/>
-            <a:fld id="{84DC0192-5A1E-499D-A688-4F6F87963F3E}" type="slidenum">
-              <a:rPr b="0" lang="fr-FR" sz="1400" spc="-1" strike="noStrike">
-                <a:solidFill>
-                  <a:srgbClr val="000000"/>
-                </a:solidFill>
-                <a:uFill>
-                  <a:solidFill>
-                    <a:srgbClr val="ffffff"/>
-                  </a:solidFill>
-                </a:uFill>
-                <a:latin typeface="Arial"/>
-              </a:rPr>
-              <a:t>4</a:t>
-            </a:fld>
-            <a:endParaRPr b="0" lang="fr-FR" sz="1400" spc="-1" strike="noStrike">
+            <a:endParaRPr b="0" lang="fr-FR" sz="2000" spc="-1" strike="noStrike">
               <a:solidFill>
                 <a:srgbClr val="000000"/>
               </a:solidFill>
@@ -2199,6 +5293,829 @@
     <p:sldLayoutId id="2147483658" r:id="rId13"/>
     <p:sldLayoutId id="2147483659" r:id="rId14"/>
     <p:sldLayoutId id="2147483660" r:id="rId15"/>
+  </p:sldLayoutIdLst>
+</p:sldMaster>
+</file>
+
+<file path=ppt/slideMasters/slideMaster2.xml><?xml version="1.0" encoding="utf-8"?>
+<p:sldMaster xmlns:a="http://schemas.openxmlformats.org/drawingml/2006/main" xmlns:p="http://schemas.openxmlformats.org/presentationml/2006/main" xmlns:r="http://schemas.openxmlformats.org/officeDocument/2006/relationships" xmlns:p14="http://schemas.microsoft.com/office/powerpoint/2010/main" xmlns:p15="http://schemas.microsoft.com/office/powerpoint/2012/main" xmlns:mc="http://schemas.openxmlformats.org/markup-compatibility/2006">
+  <p:cSld>
+    <p:bg>
+      <p:bgPr>
+        <a:blipFill>
+          <a:blip r:embed="rId2"/>
+          <a:stretch>
+            <a:fillRect/>
+          </a:stretch>
+        </a:blipFill>
+      </p:bgPr>
+    </p:bg>
+    <p:spTree>
+      <p:nvGrpSpPr>
+        <p:cNvPr id="1" name=""/>
+        <p:cNvGrpSpPr/>
+        <p:nvPr/>
+      </p:nvGrpSpPr>
+      <p:grpSpPr>
+        <a:xfrm>
+          <a:off x="0" y="0"/>
+          <a:ext cx="0" cy="0"/>
+          <a:chOff x="0" y="0"/>
+          <a:chExt cx="0" cy="0"/>
+        </a:xfrm>
+      </p:grpSpPr>
+      <p:pic>
+        <p:nvPicPr>
+          <p:cNvPr id="39" name="" descr=""/>
+          <p:cNvPicPr/>
+          <p:nvPr/>
+        </p:nvPicPr>
+        <p:blipFill>
+          <a:blip r:embed="rId3"/>
+          <a:stretch/>
+        </p:blipFill>
+        <p:spPr>
+          <a:xfrm>
+            <a:off x="360" y="360"/>
+            <a:ext cx="10077840" cy="5672160"/>
+          </a:xfrm>
+          <a:prstGeom prst="rect">
+            <a:avLst/>
+          </a:prstGeom>
+          <a:ln>
+            <a:noFill/>
+          </a:ln>
+        </p:spPr>
+      </p:pic>
+      <p:sp>
+        <p:nvSpPr>
+          <p:cNvPr id="40" name="PlaceHolder 1"/>
+          <p:cNvSpPr>
+            <a:spLocks noGrp="1"/>
+          </p:cNvSpPr>
+          <p:nvPr>
+            <p:ph type="title"/>
+          </p:nvPr>
+        </p:nvSpPr>
+        <p:spPr>
+          <a:xfrm>
+            <a:off x="504000" y="226080"/>
+            <a:ext cx="9072000" cy="946440"/>
+          </a:xfrm>
+          <a:prstGeom prst="rect">
+            <a:avLst/>
+          </a:prstGeom>
+        </p:spPr>
+        <p:txBody>
+          <a:bodyPr lIns="0" rIns="0" tIns="0" bIns="0" anchor="ctr"/>
+          <a:p>
+            <a:pPr algn="ctr"/>
+            <a:r>
+              <a:rPr b="0" lang="fr-FR" sz="4400" spc="-1" strike="noStrike">
+                <a:solidFill>
+                  <a:srgbClr val="000000"/>
+                </a:solidFill>
+                <a:uFill>
+                  <a:solidFill>
+                    <a:srgbClr val="ffffff"/>
+                  </a:solidFill>
+                </a:uFill>
+                <a:latin typeface="Arial"/>
+              </a:rPr>
+              <a:t>Cliquez pour éditer le format du texte-titre</a:t>
+            </a:r>
+            <a:endParaRPr b="0" lang="fr-FR" sz="4400" spc="-1" strike="noStrike">
+              <a:solidFill>
+                <a:srgbClr val="000000"/>
+              </a:solidFill>
+              <a:uFill>
+                <a:solidFill>
+                  <a:srgbClr val="ffffff"/>
+                </a:solidFill>
+              </a:uFill>
+              <a:latin typeface="Arial"/>
+            </a:endParaRPr>
+          </a:p>
+        </p:txBody>
+      </p:sp>
+      <p:sp>
+        <p:nvSpPr>
+          <p:cNvPr id="41" name="PlaceHolder 2"/>
+          <p:cNvSpPr>
+            <a:spLocks noGrp="1"/>
+          </p:cNvSpPr>
+          <p:nvPr>
+            <p:ph type="body"/>
+          </p:nvPr>
+        </p:nvSpPr>
+        <p:spPr>
+          <a:xfrm>
+            <a:off x="504000" y="1326600"/>
+            <a:ext cx="9072000" cy="3288600"/>
+          </a:xfrm>
+          <a:prstGeom prst="rect">
+            <a:avLst/>
+          </a:prstGeom>
+        </p:spPr>
+        <p:txBody>
+          <a:bodyPr lIns="0" rIns="0" tIns="0" bIns="0">
+            <a:normAutofit/>
+          </a:bodyPr>
+          <a:p>
+            <a:pPr marL="432000" indent="-324000">
+              <a:spcBef>
+                <a:spcPts val="1417"/>
+              </a:spcBef>
+              <a:buClr>
+                <a:srgbClr val="000000"/>
+              </a:buClr>
+              <a:buSzPct val="45000"/>
+              <a:buFont typeface="Wingdings" charset="2"/>
+              <a:buChar char=""/>
+            </a:pPr>
+            <a:r>
+              <a:rPr b="0" lang="fr-FR" sz="3200" spc="-1" strike="noStrike">
+                <a:solidFill>
+                  <a:srgbClr val="000000"/>
+                </a:solidFill>
+                <a:uFill>
+                  <a:solidFill>
+                    <a:srgbClr val="ffffff"/>
+                  </a:solidFill>
+                </a:uFill>
+                <a:latin typeface="Arial"/>
+              </a:rPr>
+              <a:t>Cliquez pour éditer le format du plan de texte</a:t>
+            </a:r>
+            <a:endParaRPr b="0" lang="fr-FR" sz="3200" spc="-1" strike="noStrike">
+              <a:solidFill>
+                <a:srgbClr val="000000"/>
+              </a:solidFill>
+              <a:uFill>
+                <a:solidFill>
+                  <a:srgbClr val="ffffff"/>
+                </a:solidFill>
+              </a:uFill>
+              <a:latin typeface="Arial"/>
+            </a:endParaRPr>
+          </a:p>
+          <a:p>
+            <a:pPr lvl="1" marL="864000" indent="-324000">
+              <a:spcBef>
+                <a:spcPts val="1134"/>
+              </a:spcBef>
+              <a:buClr>
+                <a:srgbClr val="000000"/>
+              </a:buClr>
+              <a:buSzPct val="75000"/>
+              <a:buFont typeface="Symbol" charset="2"/>
+              <a:buChar char=""/>
+            </a:pPr>
+            <a:r>
+              <a:rPr b="0" lang="fr-FR" sz="2800" spc="-1" strike="noStrike">
+                <a:solidFill>
+                  <a:srgbClr val="000000"/>
+                </a:solidFill>
+                <a:uFill>
+                  <a:solidFill>
+                    <a:srgbClr val="ffffff"/>
+                  </a:solidFill>
+                </a:uFill>
+                <a:latin typeface="Arial"/>
+              </a:rPr>
+              <a:t>Second niveau de plan</a:t>
+            </a:r>
+            <a:endParaRPr b="0" lang="fr-FR" sz="2800" spc="-1" strike="noStrike">
+              <a:solidFill>
+                <a:srgbClr val="000000"/>
+              </a:solidFill>
+              <a:uFill>
+                <a:solidFill>
+                  <a:srgbClr val="ffffff"/>
+                </a:solidFill>
+              </a:uFill>
+              <a:latin typeface="Arial"/>
+            </a:endParaRPr>
+          </a:p>
+          <a:p>
+            <a:pPr lvl="2" marL="1296000" indent="-288000">
+              <a:spcBef>
+                <a:spcPts val="850"/>
+              </a:spcBef>
+              <a:buClr>
+                <a:srgbClr val="000000"/>
+              </a:buClr>
+              <a:buSzPct val="45000"/>
+              <a:buFont typeface="Wingdings" charset="2"/>
+              <a:buChar char=""/>
+            </a:pPr>
+            <a:r>
+              <a:rPr b="0" lang="fr-FR" sz="2400" spc="-1" strike="noStrike">
+                <a:solidFill>
+                  <a:srgbClr val="000000"/>
+                </a:solidFill>
+                <a:uFill>
+                  <a:solidFill>
+                    <a:srgbClr val="ffffff"/>
+                  </a:solidFill>
+                </a:uFill>
+                <a:latin typeface="Arial"/>
+              </a:rPr>
+              <a:t>Troisième niveau de plan</a:t>
+            </a:r>
+            <a:endParaRPr b="0" lang="fr-FR" sz="2400" spc="-1" strike="noStrike">
+              <a:solidFill>
+                <a:srgbClr val="000000"/>
+              </a:solidFill>
+              <a:uFill>
+                <a:solidFill>
+                  <a:srgbClr val="ffffff"/>
+                </a:solidFill>
+              </a:uFill>
+              <a:latin typeface="Arial"/>
+            </a:endParaRPr>
+          </a:p>
+          <a:p>
+            <a:pPr lvl="3" marL="1728000" indent="-216000">
+              <a:spcBef>
+                <a:spcPts val="567"/>
+              </a:spcBef>
+              <a:buClr>
+                <a:srgbClr val="000000"/>
+              </a:buClr>
+              <a:buSzPct val="75000"/>
+              <a:buFont typeface="Symbol" charset="2"/>
+              <a:buChar char=""/>
+            </a:pPr>
+            <a:r>
+              <a:rPr b="0" lang="fr-FR" sz="2000" spc="-1" strike="noStrike">
+                <a:solidFill>
+                  <a:srgbClr val="000000"/>
+                </a:solidFill>
+                <a:uFill>
+                  <a:solidFill>
+                    <a:srgbClr val="ffffff"/>
+                  </a:solidFill>
+                </a:uFill>
+                <a:latin typeface="Arial"/>
+              </a:rPr>
+              <a:t>Quatrième niveau de plan</a:t>
+            </a:r>
+            <a:endParaRPr b="0" lang="fr-FR" sz="2000" spc="-1" strike="noStrike">
+              <a:solidFill>
+                <a:srgbClr val="000000"/>
+              </a:solidFill>
+              <a:uFill>
+                <a:solidFill>
+                  <a:srgbClr val="ffffff"/>
+                </a:solidFill>
+              </a:uFill>
+              <a:latin typeface="Arial"/>
+            </a:endParaRPr>
+          </a:p>
+          <a:p>
+            <a:pPr lvl="4" marL="2160000" indent="-216000">
+              <a:spcBef>
+                <a:spcPts val="283"/>
+              </a:spcBef>
+              <a:buClr>
+                <a:srgbClr val="000000"/>
+              </a:buClr>
+              <a:buSzPct val="45000"/>
+              <a:buFont typeface="Wingdings" charset="2"/>
+              <a:buChar char=""/>
+            </a:pPr>
+            <a:r>
+              <a:rPr b="0" lang="fr-FR" sz="2000" spc="-1" strike="noStrike">
+                <a:solidFill>
+                  <a:srgbClr val="000000"/>
+                </a:solidFill>
+                <a:uFill>
+                  <a:solidFill>
+                    <a:srgbClr val="ffffff"/>
+                  </a:solidFill>
+                </a:uFill>
+                <a:latin typeface="Arial"/>
+              </a:rPr>
+              <a:t>Cinquième niveau de plan</a:t>
+            </a:r>
+            <a:endParaRPr b="0" lang="fr-FR" sz="2000" spc="-1" strike="noStrike">
+              <a:solidFill>
+                <a:srgbClr val="000000"/>
+              </a:solidFill>
+              <a:uFill>
+                <a:solidFill>
+                  <a:srgbClr val="ffffff"/>
+                </a:solidFill>
+              </a:uFill>
+              <a:latin typeface="Arial"/>
+            </a:endParaRPr>
+          </a:p>
+          <a:p>
+            <a:pPr lvl="5" marL="2592000" indent="-216000">
+              <a:spcBef>
+                <a:spcPts val="283"/>
+              </a:spcBef>
+              <a:buClr>
+                <a:srgbClr val="000000"/>
+              </a:buClr>
+              <a:buSzPct val="45000"/>
+              <a:buFont typeface="Wingdings" charset="2"/>
+              <a:buChar char=""/>
+            </a:pPr>
+            <a:r>
+              <a:rPr b="0" lang="fr-FR" sz="2000" spc="-1" strike="noStrike">
+                <a:solidFill>
+                  <a:srgbClr val="000000"/>
+                </a:solidFill>
+                <a:uFill>
+                  <a:solidFill>
+                    <a:srgbClr val="ffffff"/>
+                  </a:solidFill>
+                </a:uFill>
+                <a:latin typeface="Arial"/>
+              </a:rPr>
+              <a:t>Sixième niveau de plan</a:t>
+            </a:r>
+            <a:endParaRPr b="0" lang="fr-FR" sz="2000" spc="-1" strike="noStrike">
+              <a:solidFill>
+                <a:srgbClr val="000000"/>
+              </a:solidFill>
+              <a:uFill>
+                <a:solidFill>
+                  <a:srgbClr val="ffffff"/>
+                </a:solidFill>
+              </a:uFill>
+              <a:latin typeface="Arial"/>
+            </a:endParaRPr>
+          </a:p>
+          <a:p>
+            <a:pPr lvl="6" marL="3024000" indent="-216000">
+              <a:spcBef>
+                <a:spcPts val="283"/>
+              </a:spcBef>
+              <a:buClr>
+                <a:srgbClr val="000000"/>
+              </a:buClr>
+              <a:buSzPct val="45000"/>
+              <a:buFont typeface="Wingdings" charset="2"/>
+              <a:buChar char=""/>
+            </a:pPr>
+            <a:r>
+              <a:rPr b="0" lang="fr-FR" sz="2000" spc="-1" strike="noStrike">
+                <a:solidFill>
+                  <a:srgbClr val="000000"/>
+                </a:solidFill>
+                <a:uFill>
+                  <a:solidFill>
+                    <a:srgbClr val="ffffff"/>
+                  </a:solidFill>
+                </a:uFill>
+                <a:latin typeface="Arial"/>
+              </a:rPr>
+              <a:t>Septième niveau de plan</a:t>
+            </a:r>
+            <a:endParaRPr b="0" lang="fr-FR" sz="2000" spc="-1" strike="noStrike">
+              <a:solidFill>
+                <a:srgbClr val="000000"/>
+              </a:solidFill>
+              <a:uFill>
+                <a:solidFill>
+                  <a:srgbClr val="ffffff"/>
+                </a:solidFill>
+              </a:uFill>
+              <a:latin typeface="Arial"/>
+            </a:endParaRPr>
+          </a:p>
+        </p:txBody>
+      </p:sp>
+    </p:spTree>
+  </p:cSld>
+  <p:clrMap bg1="lt1" bg2="lt2" tx1="dk1" tx2="dk2" accent1="accent1" accent2="accent2" accent3="accent3" accent4="accent4" accent5="accent5" accent6="accent6" hlink="hlink" folHlink="folHlink"/>
+  <p:sldLayoutIdLst>
+    <p:sldLayoutId id="2147483662" r:id="rId4"/>
+    <p:sldLayoutId id="2147483663" r:id="rId5"/>
+    <p:sldLayoutId id="2147483664" r:id="rId6"/>
+    <p:sldLayoutId id="2147483665" r:id="rId7"/>
+    <p:sldLayoutId id="2147483666" r:id="rId8"/>
+    <p:sldLayoutId id="2147483667" r:id="rId9"/>
+    <p:sldLayoutId id="2147483668" r:id="rId10"/>
+    <p:sldLayoutId id="2147483669" r:id="rId11"/>
+    <p:sldLayoutId id="2147483670" r:id="rId12"/>
+    <p:sldLayoutId id="2147483671" r:id="rId13"/>
+    <p:sldLayoutId id="2147483672" r:id="rId14"/>
+    <p:sldLayoutId id="2147483673" r:id="rId15"/>
+  </p:sldLayoutIdLst>
+</p:sldMaster>
+</file>
+
+<file path=ppt/slideMasters/slideMaster3.xml><?xml version="1.0" encoding="utf-8"?>
+<p:sldMaster xmlns:a="http://schemas.openxmlformats.org/drawingml/2006/main" xmlns:p="http://schemas.openxmlformats.org/presentationml/2006/main" xmlns:r="http://schemas.openxmlformats.org/officeDocument/2006/relationships" xmlns:p14="http://schemas.microsoft.com/office/powerpoint/2010/main" xmlns:p15="http://schemas.microsoft.com/office/powerpoint/2012/main" xmlns:mc="http://schemas.openxmlformats.org/markup-compatibility/2006">
+  <p:cSld>
+    <p:bg>
+      <p:bgPr>
+        <a:blipFill>
+          <a:blip r:embed="rId2"/>
+          <a:stretch>
+            <a:fillRect/>
+          </a:stretch>
+        </a:blipFill>
+      </p:bgPr>
+    </p:bg>
+    <p:spTree>
+      <p:nvGrpSpPr>
+        <p:cNvPr id="1" name=""/>
+        <p:cNvGrpSpPr/>
+        <p:nvPr/>
+      </p:nvGrpSpPr>
+      <p:grpSpPr>
+        <a:xfrm>
+          <a:off x="0" y="0"/>
+          <a:ext cx="0" cy="0"/>
+          <a:chOff x="0" y="0"/>
+          <a:chExt cx="0" cy="0"/>
+        </a:xfrm>
+      </p:grpSpPr>
+      <p:pic>
+        <p:nvPicPr>
+          <p:cNvPr id="78" name="" descr=""/>
+          <p:cNvPicPr/>
+          <p:nvPr/>
+        </p:nvPicPr>
+        <p:blipFill>
+          <a:blip r:embed="rId3"/>
+          <a:stretch/>
+        </p:blipFill>
+        <p:spPr>
+          <a:xfrm>
+            <a:off x="360" y="360"/>
+            <a:ext cx="10077840" cy="5672160"/>
+          </a:xfrm>
+          <a:prstGeom prst="rect">
+            <a:avLst/>
+          </a:prstGeom>
+          <a:ln>
+            <a:noFill/>
+          </a:ln>
+        </p:spPr>
+      </p:pic>
+      <p:sp>
+        <p:nvSpPr>
+          <p:cNvPr id="79" name="PlaceHolder 1"/>
+          <p:cNvSpPr>
+            <a:spLocks noGrp="1"/>
+          </p:cNvSpPr>
+          <p:nvPr>
+            <p:ph type="title"/>
+          </p:nvPr>
+        </p:nvSpPr>
+        <p:spPr>
+          <a:xfrm>
+            <a:off x="504000" y="226080"/>
+            <a:ext cx="9071640" cy="946080"/>
+          </a:xfrm>
+          <a:prstGeom prst="rect">
+            <a:avLst/>
+          </a:prstGeom>
+        </p:spPr>
+        <p:txBody>
+          <a:bodyPr lIns="0" rIns="0" tIns="0" bIns="0" anchor="ctr"/>
+          <a:p>
+            <a:r>
+              <a:rPr b="0" lang="fr-FR" sz="1800" spc="-1" strike="noStrike">
+                <a:solidFill>
+                  <a:srgbClr val="000000"/>
+                </a:solidFill>
+                <a:uFill>
+                  <a:solidFill>
+                    <a:srgbClr val="ffffff"/>
+                  </a:solidFill>
+                </a:uFill>
+                <a:latin typeface="Arial"/>
+              </a:rPr>
+              <a:t>Cliquez pour éditer le format du texte-titre</a:t>
+            </a:r>
+            <a:endParaRPr b="0" lang="fr-FR" sz="1800" spc="-1" strike="noStrike">
+              <a:solidFill>
+                <a:srgbClr val="000000"/>
+              </a:solidFill>
+              <a:uFill>
+                <a:solidFill>
+                  <a:srgbClr val="ffffff"/>
+                </a:solidFill>
+              </a:uFill>
+              <a:latin typeface="Arial"/>
+            </a:endParaRPr>
+          </a:p>
+        </p:txBody>
+      </p:sp>
+      <p:sp>
+        <p:nvSpPr>
+          <p:cNvPr id="80" name="PlaceHolder 2"/>
+          <p:cNvSpPr>
+            <a:spLocks noGrp="1"/>
+          </p:cNvSpPr>
+          <p:nvPr>
+            <p:ph type="body"/>
+          </p:nvPr>
+        </p:nvSpPr>
+        <p:spPr>
+          <a:xfrm>
+            <a:off x="504000" y="1326600"/>
+            <a:ext cx="9072000" cy="3288600"/>
+          </a:xfrm>
+          <a:prstGeom prst="rect">
+            <a:avLst/>
+          </a:prstGeom>
+        </p:spPr>
+        <p:txBody>
+          <a:bodyPr lIns="0" rIns="0" tIns="0" bIns="0">
+            <a:normAutofit/>
+          </a:bodyPr>
+          <a:p>
+            <a:pPr marL="432000" indent="-324000">
+              <a:spcBef>
+                <a:spcPts val="1417"/>
+              </a:spcBef>
+              <a:buClr>
+                <a:srgbClr val="000000"/>
+              </a:buClr>
+              <a:buSzPct val="45000"/>
+              <a:buFont typeface="Wingdings" charset="2"/>
+              <a:buChar char=""/>
+            </a:pPr>
+            <a:r>
+              <a:rPr b="0" lang="fr-FR" sz="3200" spc="-1" strike="noStrike">
+                <a:solidFill>
+                  <a:srgbClr val="000000"/>
+                </a:solidFill>
+                <a:uFill>
+                  <a:solidFill>
+                    <a:srgbClr val="ffffff"/>
+                  </a:solidFill>
+                </a:uFill>
+                <a:latin typeface="Arial"/>
+              </a:rPr>
+              <a:t>Cliquez pour éditer le format du plan de texte</a:t>
+            </a:r>
+            <a:endParaRPr b="0" lang="fr-FR" sz="3200" spc="-1" strike="noStrike">
+              <a:solidFill>
+                <a:srgbClr val="000000"/>
+              </a:solidFill>
+              <a:uFill>
+                <a:solidFill>
+                  <a:srgbClr val="ffffff"/>
+                </a:solidFill>
+              </a:uFill>
+              <a:latin typeface="Arial"/>
+            </a:endParaRPr>
+          </a:p>
+          <a:p>
+            <a:pPr lvl="1" marL="864000" indent="-324000">
+              <a:spcBef>
+                <a:spcPts val="1134"/>
+              </a:spcBef>
+              <a:buClr>
+                <a:srgbClr val="000000"/>
+              </a:buClr>
+              <a:buSzPct val="75000"/>
+              <a:buFont typeface="Symbol" charset="2"/>
+              <a:buChar char=""/>
+            </a:pPr>
+            <a:r>
+              <a:rPr b="0" lang="fr-FR" sz="2800" spc="-1" strike="noStrike">
+                <a:solidFill>
+                  <a:srgbClr val="000000"/>
+                </a:solidFill>
+                <a:uFill>
+                  <a:solidFill>
+                    <a:srgbClr val="ffffff"/>
+                  </a:solidFill>
+                </a:uFill>
+                <a:latin typeface="Arial"/>
+              </a:rPr>
+              <a:t>Second niveau de plan</a:t>
+            </a:r>
+            <a:endParaRPr b="0" lang="fr-FR" sz="2800" spc="-1" strike="noStrike">
+              <a:solidFill>
+                <a:srgbClr val="000000"/>
+              </a:solidFill>
+              <a:uFill>
+                <a:solidFill>
+                  <a:srgbClr val="ffffff"/>
+                </a:solidFill>
+              </a:uFill>
+              <a:latin typeface="Arial"/>
+            </a:endParaRPr>
+          </a:p>
+          <a:p>
+            <a:pPr lvl="2" marL="1296000" indent="-288000">
+              <a:spcBef>
+                <a:spcPts val="850"/>
+              </a:spcBef>
+              <a:buClr>
+                <a:srgbClr val="000000"/>
+              </a:buClr>
+              <a:buSzPct val="45000"/>
+              <a:buFont typeface="Wingdings" charset="2"/>
+              <a:buChar char=""/>
+            </a:pPr>
+            <a:r>
+              <a:rPr b="0" lang="fr-FR" sz="2400" spc="-1" strike="noStrike">
+                <a:solidFill>
+                  <a:srgbClr val="000000"/>
+                </a:solidFill>
+                <a:uFill>
+                  <a:solidFill>
+                    <a:srgbClr val="ffffff"/>
+                  </a:solidFill>
+                </a:uFill>
+                <a:latin typeface="Arial"/>
+              </a:rPr>
+              <a:t>Troisième niveau de plan</a:t>
+            </a:r>
+            <a:endParaRPr b="0" lang="fr-FR" sz="2400" spc="-1" strike="noStrike">
+              <a:solidFill>
+                <a:srgbClr val="000000"/>
+              </a:solidFill>
+              <a:uFill>
+                <a:solidFill>
+                  <a:srgbClr val="ffffff"/>
+                </a:solidFill>
+              </a:uFill>
+              <a:latin typeface="Arial"/>
+            </a:endParaRPr>
+          </a:p>
+          <a:p>
+            <a:pPr lvl="3" marL="1728000" indent="-216000">
+              <a:spcBef>
+                <a:spcPts val="567"/>
+              </a:spcBef>
+              <a:buClr>
+                <a:srgbClr val="000000"/>
+              </a:buClr>
+              <a:buSzPct val="75000"/>
+              <a:buFont typeface="Symbol" charset="2"/>
+              <a:buChar char=""/>
+            </a:pPr>
+            <a:r>
+              <a:rPr b="0" lang="fr-FR" sz="2000" spc="-1" strike="noStrike">
+                <a:solidFill>
+                  <a:srgbClr val="000000"/>
+                </a:solidFill>
+                <a:uFill>
+                  <a:solidFill>
+                    <a:srgbClr val="ffffff"/>
+                  </a:solidFill>
+                </a:uFill>
+                <a:latin typeface="Arial"/>
+              </a:rPr>
+              <a:t>Quatrième niveau de plan</a:t>
+            </a:r>
+            <a:endParaRPr b="0" lang="fr-FR" sz="2000" spc="-1" strike="noStrike">
+              <a:solidFill>
+                <a:srgbClr val="000000"/>
+              </a:solidFill>
+              <a:uFill>
+                <a:solidFill>
+                  <a:srgbClr val="ffffff"/>
+                </a:solidFill>
+              </a:uFill>
+              <a:latin typeface="Arial"/>
+            </a:endParaRPr>
+          </a:p>
+          <a:p>
+            <a:pPr lvl="4" marL="2160000" indent="-216000">
+              <a:spcBef>
+                <a:spcPts val="283"/>
+              </a:spcBef>
+              <a:buClr>
+                <a:srgbClr val="000000"/>
+              </a:buClr>
+              <a:buSzPct val="45000"/>
+              <a:buFont typeface="Wingdings" charset="2"/>
+              <a:buChar char=""/>
+            </a:pPr>
+            <a:r>
+              <a:rPr b="0" lang="fr-FR" sz="2000" spc="-1" strike="noStrike">
+                <a:solidFill>
+                  <a:srgbClr val="000000"/>
+                </a:solidFill>
+                <a:uFill>
+                  <a:solidFill>
+                    <a:srgbClr val="ffffff"/>
+                  </a:solidFill>
+                </a:uFill>
+                <a:latin typeface="Arial"/>
+              </a:rPr>
+              <a:t>Cinquième niveau de plan</a:t>
+            </a:r>
+            <a:endParaRPr b="0" lang="fr-FR" sz="2000" spc="-1" strike="noStrike">
+              <a:solidFill>
+                <a:srgbClr val="000000"/>
+              </a:solidFill>
+              <a:uFill>
+                <a:solidFill>
+                  <a:srgbClr val="ffffff"/>
+                </a:solidFill>
+              </a:uFill>
+              <a:latin typeface="Arial"/>
+            </a:endParaRPr>
+          </a:p>
+          <a:p>
+            <a:pPr lvl="5" marL="2592000" indent="-216000">
+              <a:spcBef>
+                <a:spcPts val="283"/>
+              </a:spcBef>
+              <a:buClr>
+                <a:srgbClr val="000000"/>
+              </a:buClr>
+              <a:buSzPct val="45000"/>
+              <a:buFont typeface="Wingdings" charset="2"/>
+              <a:buChar char=""/>
+            </a:pPr>
+            <a:r>
+              <a:rPr b="0" lang="fr-FR" sz="2000" spc="-1" strike="noStrike">
+                <a:solidFill>
+                  <a:srgbClr val="000000"/>
+                </a:solidFill>
+                <a:uFill>
+                  <a:solidFill>
+                    <a:srgbClr val="ffffff"/>
+                  </a:solidFill>
+                </a:uFill>
+                <a:latin typeface="Arial"/>
+              </a:rPr>
+              <a:t>Sixième niveau de plan</a:t>
+            </a:r>
+            <a:endParaRPr b="0" lang="fr-FR" sz="2000" spc="-1" strike="noStrike">
+              <a:solidFill>
+                <a:srgbClr val="000000"/>
+              </a:solidFill>
+              <a:uFill>
+                <a:solidFill>
+                  <a:srgbClr val="ffffff"/>
+                </a:solidFill>
+              </a:uFill>
+              <a:latin typeface="Arial"/>
+            </a:endParaRPr>
+          </a:p>
+          <a:p>
+            <a:pPr lvl="6" marL="3024000" indent="-216000">
+              <a:spcBef>
+                <a:spcPts val="283"/>
+              </a:spcBef>
+              <a:buClr>
+                <a:srgbClr val="000000"/>
+              </a:buClr>
+              <a:buSzPct val="45000"/>
+              <a:buFont typeface="Wingdings" charset="2"/>
+              <a:buChar char=""/>
+            </a:pPr>
+            <a:r>
+              <a:rPr b="0" lang="fr-FR" sz="2000" spc="-1" strike="noStrike">
+                <a:solidFill>
+                  <a:srgbClr val="000000"/>
+                </a:solidFill>
+                <a:uFill>
+                  <a:solidFill>
+                    <a:srgbClr val="ffffff"/>
+                  </a:solidFill>
+                </a:uFill>
+                <a:latin typeface="Arial"/>
+              </a:rPr>
+              <a:t>Septième niveau de plan</a:t>
+            </a:r>
+            <a:endParaRPr b="0" lang="fr-FR" sz="2000" spc="-1" strike="noStrike">
+              <a:solidFill>
+                <a:srgbClr val="000000"/>
+              </a:solidFill>
+              <a:uFill>
+                <a:solidFill>
+                  <a:srgbClr val="ffffff"/>
+                </a:solidFill>
+              </a:uFill>
+              <a:latin typeface="Arial"/>
+            </a:endParaRPr>
+          </a:p>
+        </p:txBody>
+      </p:sp>
+    </p:spTree>
+  </p:cSld>
+  <p:clrMap bg1="lt1" bg2="lt2" tx1="dk1" tx2="dk2" accent1="accent1" accent2="accent2" accent3="accent3" accent4="accent4" accent5="accent5" accent6="accent6" hlink="hlink" folHlink="folHlink"/>
+  <p:sldLayoutIdLst>
+    <p:sldLayoutId id="2147483675" r:id="rId4"/>
+    <p:sldLayoutId id="2147483676" r:id="rId5"/>
+    <p:sldLayoutId id="2147483677" r:id="rId6"/>
+    <p:sldLayoutId id="2147483678" r:id="rId7"/>
+    <p:sldLayoutId id="2147483679" r:id="rId8"/>
+    <p:sldLayoutId id="2147483680" r:id="rId9"/>
+    <p:sldLayoutId id="2147483681" r:id="rId10"/>
+    <p:sldLayoutId id="2147483682" r:id="rId11"/>
+    <p:sldLayoutId id="2147483683" r:id="rId12"/>
+    <p:sldLayoutId id="2147483684" r:id="rId13"/>
+    <p:sldLayoutId id="2147483685" r:id="rId14"/>
+    <p:sldLayoutId id="2147483686" r:id="rId15"/>
   </p:sldLayoutIdLst>
 </p:sldMaster>
 </file>
@@ -2222,14 +6139,14 @@
       </p:grpSpPr>
       <p:sp>
         <p:nvSpPr>
-          <p:cNvPr id="42" name="TextShape 1"/>
-          <p:cNvSpPr txBox="1"/>
+          <p:cNvPr id="117" name="CustomShape 1"/>
+          <p:cNvSpPr/>
           <p:nvPr/>
         </p:nvSpPr>
         <p:spPr>
           <a:xfrm>
             <a:off x="504000" y="-383760"/>
-            <a:ext cx="9072000" cy="5182920"/>
+            <a:ext cx="9070920" cy="5181840"/>
           </a:xfrm>
           <a:prstGeom prst="rect">
             <a:avLst/>
@@ -2239,80 +6156,110 @@
             <a:noFill/>
           </a:ln>
         </p:spPr>
+        <p:style>
+          <a:lnRef idx="0"/>
+          <a:fillRef idx="0"/>
+          <a:effectRef idx="0"/>
+          <a:fontRef idx="minor"/>
+        </p:style>
         <p:txBody>
           <a:bodyPr lIns="0" rIns="0" tIns="0" bIns="0" anchor="ctr"/>
           <a:p>
-            <a:pPr algn="ctr"/>
-            <a:endParaRPr b="0" lang="fr-FR" sz="3200" spc="-1" strike="noStrike">
-              <a:solidFill>
-                <a:srgbClr val="000000"/>
-              </a:solidFill>
-              <a:uFill>
-                <a:solidFill>
-                  <a:srgbClr val="ffffff"/>
-                </a:solidFill>
-              </a:uFill>
-              <a:latin typeface="Arial"/>
-            </a:endParaRPr>
-          </a:p>
-          <a:p>
-            <a:pPr algn="ctr"/>
-            <a:endParaRPr b="0" lang="fr-FR" sz="3200" spc="-1" strike="noStrike">
-              <a:solidFill>
-                <a:srgbClr val="000000"/>
-              </a:solidFill>
-              <a:uFill>
-                <a:solidFill>
-                  <a:srgbClr val="ffffff"/>
-                </a:solidFill>
-              </a:uFill>
-              <a:latin typeface="Arial"/>
-            </a:endParaRPr>
-          </a:p>
-          <a:p>
-            <a:pPr algn="ctr"/>
-            <a:endParaRPr b="0" lang="fr-FR" sz="3200" spc="-1" strike="noStrike">
-              <a:solidFill>
-                <a:srgbClr val="000000"/>
-              </a:solidFill>
-              <a:uFill>
-                <a:solidFill>
-                  <a:srgbClr val="ffffff"/>
-                </a:solidFill>
-              </a:uFill>
-              <a:latin typeface="Arial"/>
-            </a:endParaRPr>
-          </a:p>
-          <a:p>
-            <a:pPr algn="ctr"/>
-            <a:endParaRPr b="0" lang="fr-FR" sz="3200" spc="-1" strike="noStrike">
-              <a:solidFill>
-                <a:srgbClr val="000000"/>
-              </a:solidFill>
-              <a:uFill>
-                <a:solidFill>
-                  <a:srgbClr val="ffffff"/>
-                </a:solidFill>
-              </a:uFill>
-              <a:latin typeface="Arial"/>
-            </a:endParaRPr>
-          </a:p>
-          <a:p>
-            <a:pPr algn="ctr"/>
-            <a:endParaRPr b="0" lang="fr-FR" sz="3200" spc="-1" strike="noStrike">
-              <a:solidFill>
-                <a:srgbClr val="000000"/>
-              </a:solidFill>
-              <a:uFill>
-                <a:solidFill>
-                  <a:srgbClr val="ffffff"/>
-                </a:solidFill>
-              </a:uFill>
-              <a:latin typeface="Arial"/>
-            </a:endParaRPr>
-          </a:p>
-          <a:p>
-            <a:pPr algn="ctr"/>
+            <a:pPr algn="ctr">
+              <a:lnSpc>
+                <a:spcPct val="100000"/>
+              </a:lnSpc>
+            </a:pPr>
+            <a:endParaRPr b="0" lang="fr-FR" sz="1800" spc="-1" strike="noStrike">
+              <a:solidFill>
+                <a:srgbClr val="000000"/>
+              </a:solidFill>
+              <a:uFill>
+                <a:solidFill>
+                  <a:srgbClr val="ffffff"/>
+                </a:solidFill>
+              </a:uFill>
+              <a:latin typeface="Arial"/>
+            </a:endParaRPr>
+          </a:p>
+          <a:p>
+            <a:pPr algn="ctr">
+              <a:lnSpc>
+                <a:spcPct val="100000"/>
+              </a:lnSpc>
+            </a:pPr>
+            <a:endParaRPr b="0" lang="fr-FR" sz="1800" spc="-1" strike="noStrike">
+              <a:solidFill>
+                <a:srgbClr val="000000"/>
+              </a:solidFill>
+              <a:uFill>
+                <a:solidFill>
+                  <a:srgbClr val="ffffff"/>
+                </a:solidFill>
+              </a:uFill>
+              <a:latin typeface="Arial"/>
+            </a:endParaRPr>
+          </a:p>
+          <a:p>
+            <a:pPr algn="ctr">
+              <a:lnSpc>
+                <a:spcPct val="100000"/>
+              </a:lnSpc>
+            </a:pPr>
+            <a:endParaRPr b="0" lang="fr-FR" sz="1800" spc="-1" strike="noStrike">
+              <a:solidFill>
+                <a:srgbClr val="000000"/>
+              </a:solidFill>
+              <a:uFill>
+                <a:solidFill>
+                  <a:srgbClr val="ffffff"/>
+                </a:solidFill>
+              </a:uFill>
+              <a:latin typeface="Arial"/>
+            </a:endParaRPr>
+          </a:p>
+          <a:p>
+            <a:pPr algn="ctr">
+              <a:lnSpc>
+                <a:spcPct val="100000"/>
+              </a:lnSpc>
+            </a:pPr>
+            <a:endParaRPr b="0" lang="fr-FR" sz="1800" spc="-1" strike="noStrike">
+              <a:solidFill>
+                <a:srgbClr val="000000"/>
+              </a:solidFill>
+              <a:uFill>
+                <a:solidFill>
+                  <a:srgbClr val="ffffff"/>
+                </a:solidFill>
+              </a:uFill>
+              <a:latin typeface="Arial"/>
+            </a:endParaRPr>
+          </a:p>
+          <a:p>
+            <a:pPr algn="ctr">
+              <a:lnSpc>
+                <a:spcPct val="100000"/>
+              </a:lnSpc>
+            </a:pPr>
+            <a:endParaRPr b="0" lang="fr-FR" sz="1800" spc="-1" strike="noStrike">
+              <a:solidFill>
+                <a:srgbClr val="000000"/>
+              </a:solidFill>
+              <a:uFill>
+                <a:solidFill>
+                  <a:srgbClr val="ffffff"/>
+                </a:solidFill>
+              </a:uFill>
+              <a:latin typeface="Arial"/>
+            </a:endParaRPr>
+          </a:p>
+          <a:p>
+            <a:pPr algn="ctr">
+              <a:lnSpc>
+                <a:spcPct val="100000"/>
+              </a:lnSpc>
+            </a:pPr>
             <a:r>
               <a:rPr b="0" lang="fr-FR" sz="3200" spc="-1" strike="noStrike">
                 <a:solidFill>
@@ -2324,6 +6271,7 @@
                   </a:solidFill>
                 </a:uFill>
                 <a:latin typeface="Arial"/>
+                <a:ea typeface="DejaVu Sans"/>
               </a:rPr>
               <a:t>Application multi-platformes de supervision d’un système informatique</a:t>
             </a:r>
@@ -2340,7 +6288,11 @@
             </a:endParaRPr>
           </a:p>
           <a:p>
-            <a:pPr algn="ctr"/>
+            <a:pPr algn="ctr">
+              <a:lnSpc>
+                <a:spcPct val="100000"/>
+              </a:lnSpc>
+            </a:pPr>
             <a:endParaRPr b="0" lang="fr-FR" sz="3200" spc="-1" strike="noStrike">
               <a:solidFill>
                 <a:srgbClr val="000000"/>
@@ -2354,7 +6306,11 @@
             </a:endParaRPr>
           </a:p>
           <a:p>
-            <a:pPr algn="ctr"/>
+            <a:pPr algn="ctr">
+              <a:lnSpc>
+                <a:spcPct val="100000"/>
+              </a:lnSpc>
+            </a:pPr>
             <a:r>
               <a:rPr b="1" lang="fr-FR" sz="2200" spc="-1" strike="noStrike">
                 <a:solidFill>
@@ -2366,6 +6322,7 @@
                   </a:solidFill>
                 </a:uFill>
                 <a:latin typeface="Arial"/>
+                <a:ea typeface="DejaVu Sans"/>
               </a:rPr>
               <a:t>Équipe BYGMOPS :</a:t>
             </a:r>
@@ -2380,6 +6337,7 @@
                   </a:solidFill>
                 </a:uFill>
                 <a:latin typeface="Arial"/>
+                <a:ea typeface="DejaVu Sans"/>
               </a:rPr>
               <a:t>  Garry Bernard, Yohan Garzotto  Alexandre Minaret, Gwendal Orinel, Olga Petit, Alexandre Seguin. </a:t>
             </a:r>
@@ -2396,7 +6354,11 @@
             </a:endParaRPr>
           </a:p>
           <a:p>
-            <a:pPr algn="ctr"/>
+            <a:pPr algn="ctr">
+              <a:lnSpc>
+                <a:spcPct val="100000"/>
+              </a:lnSpc>
+            </a:pPr>
             <a:endParaRPr b="0" lang="fr-FR" sz="2200" spc="-1" strike="noStrike">
               <a:solidFill>
                 <a:srgbClr val="000000"/>
@@ -2410,7 +6372,11 @@
             </a:endParaRPr>
           </a:p>
           <a:p>
-            <a:pPr algn="ctr"/>
+            <a:pPr algn="ctr">
+              <a:lnSpc>
+                <a:spcPct val="100000"/>
+              </a:lnSpc>
+            </a:pPr>
             <a:endParaRPr b="0" lang="fr-FR" sz="2200" spc="-1" strike="noStrike">
               <a:solidFill>
                 <a:srgbClr val="000000"/>
@@ -2427,7 +6393,7 @@
       </p:sp>
       <p:pic>
         <p:nvPicPr>
-          <p:cNvPr id="43" name="" descr=""/>
+          <p:cNvPr id="118" name="" descr=""/>
           <p:cNvPicPr/>
           <p:nvPr/>
         </p:nvPicPr>
@@ -2438,7 +6404,7 @@
         <p:spPr>
           <a:xfrm>
             <a:off x="365760" y="4555440"/>
-            <a:ext cx="1866240" cy="700560"/>
+            <a:ext cx="1865160" cy="699480"/>
           </a:xfrm>
           <a:prstGeom prst="rect">
             <a:avLst/>
@@ -2457,6 +6423,649 @@
           <p:childTnLst>
             <p:seq>
               <p:cTn id="2" nodeType="mainSeq"/>
+              <p:prevCondLst>
+                <p:cond delay="0" evt="onPrev">
+                  <p:tgtEl>
+                    <p:sldTgt/>
+                  </p:tgtEl>
+                </p:cond>
+              </p:prevCondLst>
+              <p:nextCondLst>
+                <p:cond delay="0" evt="onNext">
+                  <p:tgtEl>
+                    <p:sldTgt/>
+                  </p:tgtEl>
+                </p:cond>
+              </p:nextCondLst>
+            </p:seq>
+          </p:childTnLst>
+        </p:cTn>
+      </p:par>
+    </p:tnLst>
+  </p:timing>
+</p:sld>
+</file>
+
+<file path=ppt/slides/slide10.xml><?xml version="1.0" encoding="utf-8"?>
+<p:sld xmlns:a="http://schemas.openxmlformats.org/drawingml/2006/main" xmlns:p="http://schemas.openxmlformats.org/presentationml/2006/main" xmlns:r="http://schemas.openxmlformats.org/officeDocument/2006/relationships" xmlns:p14="http://schemas.microsoft.com/office/powerpoint/2010/main" xmlns:p15="http://schemas.microsoft.com/office/powerpoint/2012/main" xmlns:mc="http://schemas.openxmlformats.org/markup-compatibility/2006">
+  <p:cSld>
+    <p:spTree>
+      <p:nvGrpSpPr>
+        <p:cNvPr id="1" name=""/>
+        <p:cNvGrpSpPr/>
+        <p:nvPr/>
+      </p:nvGrpSpPr>
+      <p:grpSpPr>
+        <a:xfrm>
+          <a:off x="0" y="0"/>
+          <a:ext cx="0" cy="0"/>
+          <a:chOff x="0" y="0"/>
+          <a:chExt cx="0" cy="0"/>
+        </a:xfrm>
+      </p:grpSpPr>
+      <p:sp>
+        <p:nvSpPr>
+          <p:cNvPr id="141" name="CustomShape 1"/>
+          <p:cNvSpPr/>
+          <p:nvPr/>
+        </p:nvSpPr>
+        <p:spPr>
+          <a:xfrm>
+            <a:off x="504000" y="216000"/>
+            <a:ext cx="9070920" cy="646920"/>
+          </a:xfrm>
+          <a:prstGeom prst="rect">
+            <a:avLst/>
+          </a:prstGeom>
+          <a:noFill/>
+          <a:ln>
+            <a:noFill/>
+          </a:ln>
+        </p:spPr>
+        <p:style>
+          <a:lnRef idx="0"/>
+          <a:fillRef idx="0"/>
+          <a:effectRef idx="0"/>
+          <a:fontRef idx="minor"/>
+        </p:style>
+        <p:txBody>
+          <a:bodyPr lIns="0" rIns="0" tIns="0" bIns="0" anchor="ctr"/>
+          <a:p>
+            <a:pPr algn="ctr">
+              <a:lnSpc>
+                <a:spcPct val="100000"/>
+              </a:lnSpc>
+            </a:pPr>
+            <a:r>
+              <a:rPr b="1" lang="fr-FR" sz="3300" spc="-1" strike="noStrike">
+                <a:solidFill>
+                  <a:srgbClr val="ffffff"/>
+                </a:solidFill>
+                <a:uFill>
+                  <a:solidFill>
+                    <a:srgbClr val="ffffff"/>
+                  </a:solidFill>
+                </a:uFill>
+                <a:latin typeface="Arial"/>
+                <a:ea typeface="DejaVu Sans"/>
+              </a:rPr>
+              <a:t>Schéma Infrastructure Cacti Reborn</a:t>
+            </a:r>
+            <a:endParaRPr b="0" lang="fr-FR" sz="3300" spc="-1" strike="noStrike">
+              <a:solidFill>
+                <a:srgbClr val="000000"/>
+              </a:solidFill>
+              <a:uFill>
+                <a:solidFill>
+                  <a:srgbClr val="ffffff"/>
+                </a:solidFill>
+              </a:uFill>
+              <a:latin typeface="Arial"/>
+            </a:endParaRPr>
+          </a:p>
+        </p:txBody>
+      </p:sp>
+      <p:pic>
+        <p:nvPicPr>
+          <p:cNvPr id="142" name="" descr=""/>
+          <p:cNvPicPr/>
+          <p:nvPr/>
+        </p:nvPicPr>
+        <p:blipFill>
+          <a:blip r:embed="rId1"/>
+          <a:stretch/>
+        </p:blipFill>
+        <p:spPr>
+          <a:xfrm>
+            <a:off x="161640" y="4881960"/>
+            <a:ext cx="1433160" cy="537480"/>
+          </a:xfrm>
+          <a:prstGeom prst="rect">
+            <a:avLst/>
+          </a:prstGeom>
+          <a:ln>
+            <a:noFill/>
+          </a:ln>
+        </p:spPr>
+      </p:pic>
+      <p:pic>
+        <p:nvPicPr>
+          <p:cNvPr id="143" name="" descr=""/>
+          <p:cNvPicPr/>
+          <p:nvPr/>
+        </p:nvPicPr>
+        <p:blipFill>
+          <a:blip r:embed="rId2"/>
+          <a:stretch/>
+        </p:blipFill>
+        <p:spPr>
+          <a:xfrm>
+            <a:off x="2088000" y="996120"/>
+            <a:ext cx="6431400" cy="4546800"/>
+          </a:xfrm>
+          <a:prstGeom prst="rect">
+            <a:avLst/>
+          </a:prstGeom>
+          <a:ln>
+            <a:noFill/>
+          </a:ln>
+        </p:spPr>
+      </p:pic>
+    </p:spTree>
+  </p:cSld>
+  <p:timing>
+    <p:tnLst>
+      <p:par>
+        <p:cTn id="19" dur="indefinite" restart="never" nodeType="tmRoot">
+          <p:childTnLst>
+            <p:seq>
+              <p:cTn id="20" nodeType="mainSeq"/>
+              <p:prevCondLst>
+                <p:cond delay="0" evt="onPrev">
+                  <p:tgtEl>
+                    <p:sldTgt/>
+                  </p:tgtEl>
+                </p:cond>
+              </p:prevCondLst>
+              <p:nextCondLst>
+                <p:cond delay="0" evt="onNext">
+                  <p:tgtEl>
+                    <p:sldTgt/>
+                  </p:tgtEl>
+                </p:cond>
+              </p:nextCondLst>
+            </p:seq>
+          </p:childTnLst>
+        </p:cTn>
+      </p:par>
+    </p:tnLst>
+  </p:timing>
+</p:sld>
+</file>
+
+<file path=ppt/slides/slide11.xml><?xml version="1.0" encoding="utf-8"?>
+<p:sld xmlns:a="http://schemas.openxmlformats.org/drawingml/2006/main" xmlns:p="http://schemas.openxmlformats.org/presentationml/2006/main" xmlns:r="http://schemas.openxmlformats.org/officeDocument/2006/relationships" xmlns:p14="http://schemas.microsoft.com/office/powerpoint/2010/main" xmlns:p15="http://schemas.microsoft.com/office/powerpoint/2012/main" xmlns:mc="http://schemas.openxmlformats.org/markup-compatibility/2006">
+  <p:cSld>
+    <p:spTree>
+      <p:nvGrpSpPr>
+        <p:cNvPr id="1" name=""/>
+        <p:cNvGrpSpPr/>
+        <p:nvPr/>
+      </p:nvGrpSpPr>
+      <p:grpSpPr>
+        <a:xfrm>
+          <a:off x="0" y="0"/>
+          <a:ext cx="0" cy="0"/>
+          <a:chOff x="0" y="0"/>
+          <a:chExt cx="0" cy="0"/>
+        </a:xfrm>
+      </p:grpSpPr>
+      <p:sp>
+        <p:nvSpPr>
+          <p:cNvPr id="144" name="CustomShape 1"/>
+          <p:cNvSpPr/>
+          <p:nvPr/>
+        </p:nvSpPr>
+        <p:spPr>
+          <a:xfrm>
+            <a:off x="504000" y="216000"/>
+            <a:ext cx="9070920" cy="646920"/>
+          </a:xfrm>
+          <a:prstGeom prst="rect">
+            <a:avLst/>
+          </a:prstGeom>
+          <a:noFill/>
+          <a:ln>
+            <a:noFill/>
+          </a:ln>
+        </p:spPr>
+        <p:style>
+          <a:lnRef idx="0"/>
+          <a:fillRef idx="0"/>
+          <a:effectRef idx="0"/>
+          <a:fontRef idx="minor"/>
+        </p:style>
+        <p:txBody>
+          <a:bodyPr lIns="0" rIns="0" tIns="0" bIns="0" anchor="ctr"/>
+          <a:p>
+            <a:pPr marL="216000" indent="-215280" algn="ctr">
+              <a:lnSpc>
+                <a:spcPct val="100000"/>
+              </a:lnSpc>
+              <a:buClr>
+                <a:srgbClr val="000000"/>
+              </a:buClr>
+              <a:buSzPct val="45000"/>
+              <a:buFont typeface="Wingdings" charset="2"/>
+              <a:buChar char=""/>
+            </a:pPr>
+            <a:r>
+              <a:rPr b="1" lang="fr-FR" sz="3300" spc="-1" strike="noStrike">
+                <a:solidFill>
+                  <a:srgbClr val="ffffff"/>
+                </a:solidFill>
+                <a:uFill>
+                  <a:solidFill>
+                    <a:srgbClr val="ffffff"/>
+                  </a:solidFill>
+                </a:uFill>
+                <a:latin typeface="Arial"/>
+                <a:ea typeface="DejaVu Sans"/>
+              </a:rPr>
+              <a:t>Solutions développés</a:t>
+            </a:r>
+            <a:endParaRPr b="0" lang="fr-FR" sz="3300" spc="-1" strike="noStrike">
+              <a:solidFill>
+                <a:srgbClr val="000000"/>
+              </a:solidFill>
+              <a:uFill>
+                <a:solidFill>
+                  <a:srgbClr val="ffffff"/>
+                </a:solidFill>
+              </a:uFill>
+              <a:latin typeface="Arial"/>
+            </a:endParaRPr>
+          </a:p>
+        </p:txBody>
+      </p:sp>
+      <p:sp>
+        <p:nvSpPr>
+          <p:cNvPr id="145" name="CustomShape 2"/>
+          <p:cNvSpPr/>
+          <p:nvPr/>
+        </p:nvSpPr>
+        <p:spPr>
+          <a:xfrm>
+            <a:off x="1863000" y="1383120"/>
+            <a:ext cx="9070920" cy="3287160"/>
+          </a:xfrm>
+          <a:prstGeom prst="rect">
+            <a:avLst/>
+          </a:prstGeom>
+          <a:noFill/>
+          <a:ln>
+            <a:noFill/>
+          </a:ln>
+        </p:spPr>
+        <p:style>
+          <a:lnRef idx="0"/>
+          <a:fillRef idx="0"/>
+          <a:effectRef idx="0"/>
+          <a:fontRef idx="minor"/>
+        </p:style>
+        <p:txBody>
+          <a:bodyPr lIns="0" rIns="0" tIns="0" bIns="0">
+            <a:normAutofit/>
+          </a:bodyPr>
+          <a:p>
+            <a:pPr>
+              <a:lnSpc>
+                <a:spcPct val="100000"/>
+              </a:lnSpc>
+              <a:spcAft>
+                <a:spcPts val="1060"/>
+              </a:spcAft>
+            </a:pPr>
+            <a:endParaRPr b="0" lang="fr-FR" sz="1800" spc="-1" strike="noStrike">
+              <a:solidFill>
+                <a:srgbClr val="000000"/>
+              </a:solidFill>
+              <a:uFill>
+                <a:solidFill>
+                  <a:srgbClr val="ffffff"/>
+                </a:solidFill>
+              </a:uFill>
+              <a:latin typeface="Arial"/>
+            </a:endParaRPr>
+          </a:p>
+          <a:p>
+            <a:pPr marL="432000" indent="-322920">
+              <a:lnSpc>
+                <a:spcPct val="100000"/>
+              </a:lnSpc>
+              <a:spcAft>
+                <a:spcPts val="1060"/>
+              </a:spcAft>
+              <a:buClr>
+                <a:srgbClr val="006600"/>
+              </a:buClr>
+              <a:buSzPct val="45000"/>
+              <a:buFont typeface="Wingdings" charset="2"/>
+              <a:buChar char=""/>
+            </a:pPr>
+            <a:r>
+              <a:rPr b="1" lang="fr-FR" sz="2400" spc="-1" strike="noStrike">
+                <a:solidFill>
+                  <a:srgbClr val="004000"/>
+                </a:solidFill>
+                <a:uFill>
+                  <a:solidFill>
+                    <a:srgbClr val="ffffff"/>
+                  </a:solidFill>
+                </a:uFill>
+                <a:latin typeface="Arial"/>
+                <a:ea typeface="DejaVu Sans"/>
+              </a:rPr>
+              <a:t>Cacti  Reborn application Web</a:t>
+            </a:r>
+            <a:endParaRPr b="0" lang="fr-FR" sz="2400" spc="-1" strike="noStrike">
+              <a:solidFill>
+                <a:srgbClr val="000000"/>
+              </a:solidFill>
+              <a:uFill>
+                <a:solidFill>
+                  <a:srgbClr val="ffffff"/>
+                </a:solidFill>
+              </a:uFill>
+              <a:latin typeface="Arial"/>
+            </a:endParaRPr>
+          </a:p>
+          <a:p>
+            <a:pPr marL="432000" indent="-322920">
+              <a:lnSpc>
+                <a:spcPct val="100000"/>
+              </a:lnSpc>
+              <a:spcAft>
+                <a:spcPts val="1060"/>
+              </a:spcAft>
+              <a:buClr>
+                <a:srgbClr val="006600"/>
+              </a:buClr>
+              <a:buSzPct val="45000"/>
+              <a:buFont typeface="Wingdings" charset="2"/>
+              <a:buChar char=""/>
+            </a:pPr>
+            <a:r>
+              <a:rPr b="1" lang="fr-FR" sz="2400" spc="-1" strike="noStrike">
+                <a:solidFill>
+                  <a:srgbClr val="004000"/>
+                </a:solidFill>
+                <a:uFill>
+                  <a:solidFill>
+                    <a:srgbClr val="ffffff"/>
+                  </a:solidFill>
+                </a:uFill>
+                <a:latin typeface="Arial"/>
+                <a:ea typeface="DejaVu Sans"/>
+              </a:rPr>
+              <a:t>Cacti Reborn application Android</a:t>
+            </a:r>
+            <a:endParaRPr b="0" lang="fr-FR" sz="2400" spc="-1" strike="noStrike">
+              <a:solidFill>
+                <a:srgbClr val="000000"/>
+              </a:solidFill>
+              <a:uFill>
+                <a:solidFill>
+                  <a:srgbClr val="ffffff"/>
+                </a:solidFill>
+              </a:uFill>
+              <a:latin typeface="Arial"/>
+            </a:endParaRPr>
+          </a:p>
+          <a:p>
+            <a:pPr>
+              <a:lnSpc>
+                <a:spcPct val="100000"/>
+              </a:lnSpc>
+              <a:spcAft>
+                <a:spcPts val="1060"/>
+              </a:spcAft>
+            </a:pPr>
+            <a:endParaRPr b="0" lang="fr-FR" sz="2400" spc="-1" strike="noStrike">
+              <a:solidFill>
+                <a:srgbClr val="000000"/>
+              </a:solidFill>
+              <a:uFill>
+                <a:solidFill>
+                  <a:srgbClr val="ffffff"/>
+                </a:solidFill>
+              </a:uFill>
+              <a:latin typeface="Arial"/>
+            </a:endParaRPr>
+          </a:p>
+        </p:txBody>
+      </p:sp>
+      <p:pic>
+        <p:nvPicPr>
+          <p:cNvPr id="146" name="" descr=""/>
+          <p:cNvPicPr/>
+          <p:nvPr/>
+        </p:nvPicPr>
+        <p:blipFill>
+          <a:blip r:embed="rId1"/>
+          <a:stretch/>
+        </p:blipFill>
+        <p:spPr>
+          <a:xfrm>
+            <a:off x="270360" y="4881960"/>
+            <a:ext cx="1433160" cy="537480"/>
+          </a:xfrm>
+          <a:prstGeom prst="rect">
+            <a:avLst/>
+          </a:prstGeom>
+          <a:ln>
+            <a:noFill/>
+          </a:ln>
+        </p:spPr>
+      </p:pic>
+      <p:pic>
+        <p:nvPicPr>
+          <p:cNvPr id="147" name="" descr=""/>
+          <p:cNvPicPr/>
+          <p:nvPr/>
+        </p:nvPicPr>
+        <p:blipFill>
+          <a:blip r:embed="rId2"/>
+          <a:stretch/>
+        </p:blipFill>
+        <p:spPr>
+          <a:xfrm>
+            <a:off x="144000" y="1524960"/>
+            <a:ext cx="1743120" cy="1743120"/>
+          </a:xfrm>
+          <a:prstGeom prst="rect">
+            <a:avLst/>
+          </a:prstGeom>
+          <a:ln>
+            <a:noFill/>
+          </a:ln>
+        </p:spPr>
+      </p:pic>
+    </p:spTree>
+  </p:cSld>
+  <p:timing>
+    <p:tnLst>
+      <p:par>
+        <p:cTn id="21" dur="indefinite" restart="never" nodeType="tmRoot">
+          <p:childTnLst>
+            <p:seq>
+              <p:cTn id="22" nodeType="mainSeq"/>
+              <p:prevCondLst>
+                <p:cond delay="0" evt="onPrev">
+                  <p:tgtEl>
+                    <p:sldTgt/>
+                  </p:tgtEl>
+                </p:cond>
+              </p:prevCondLst>
+              <p:nextCondLst>
+                <p:cond delay="0" evt="onNext">
+                  <p:tgtEl>
+                    <p:sldTgt/>
+                  </p:tgtEl>
+                </p:cond>
+              </p:nextCondLst>
+            </p:seq>
+          </p:childTnLst>
+        </p:cTn>
+      </p:par>
+    </p:tnLst>
+  </p:timing>
+</p:sld>
+</file>
+
+<file path=ppt/slides/slide12.xml><?xml version="1.0" encoding="utf-8"?>
+<p:sld xmlns:a="http://schemas.openxmlformats.org/drawingml/2006/main" xmlns:p="http://schemas.openxmlformats.org/presentationml/2006/main" xmlns:r="http://schemas.openxmlformats.org/officeDocument/2006/relationships" xmlns:p14="http://schemas.microsoft.com/office/powerpoint/2010/main" xmlns:p15="http://schemas.microsoft.com/office/powerpoint/2012/main" xmlns:mc="http://schemas.openxmlformats.org/markup-compatibility/2006">
+  <p:cSld>
+    <p:spTree>
+      <p:nvGrpSpPr>
+        <p:cNvPr id="1" name=""/>
+        <p:cNvGrpSpPr/>
+        <p:nvPr/>
+      </p:nvGrpSpPr>
+      <p:grpSpPr>
+        <a:xfrm>
+          <a:off x="0" y="0"/>
+          <a:ext cx="0" cy="0"/>
+          <a:chOff x="0" y="0"/>
+          <a:chExt cx="0" cy="0"/>
+        </a:xfrm>
+      </p:grpSpPr>
+      <p:sp>
+        <p:nvSpPr>
+          <p:cNvPr id="148" name="CustomShape 1"/>
+          <p:cNvSpPr/>
+          <p:nvPr/>
+        </p:nvSpPr>
+        <p:spPr>
+          <a:xfrm>
+            <a:off x="504000" y="216000"/>
+            <a:ext cx="9070920" cy="646920"/>
+          </a:xfrm>
+          <a:prstGeom prst="rect">
+            <a:avLst/>
+          </a:prstGeom>
+          <a:noFill/>
+          <a:ln>
+            <a:noFill/>
+          </a:ln>
+        </p:spPr>
+        <p:style>
+          <a:lnRef idx="0"/>
+          <a:fillRef idx="0"/>
+          <a:effectRef idx="0"/>
+          <a:fontRef idx="minor"/>
+        </p:style>
+        <p:txBody>
+          <a:bodyPr lIns="0" rIns="0" tIns="0" bIns="0" anchor="ctr"/>
+          <a:p>
+            <a:pPr marL="216000" indent="-215280" algn="ctr">
+              <a:lnSpc>
+                <a:spcPct val="100000"/>
+              </a:lnSpc>
+              <a:buClr>
+                <a:srgbClr val="000000"/>
+              </a:buClr>
+              <a:buSzPct val="45000"/>
+              <a:buFont typeface="Wingdings" charset="2"/>
+              <a:buChar char=""/>
+            </a:pPr>
+            <a:r>
+              <a:rPr b="1" lang="fr-FR" sz="3300" spc="-1" strike="noStrike">
+                <a:solidFill>
+                  <a:srgbClr val="ffffff"/>
+                </a:solidFill>
+                <a:uFill>
+                  <a:solidFill>
+                    <a:srgbClr val="ffffff"/>
+                  </a:solidFill>
+                </a:uFill>
+                <a:latin typeface="Arial"/>
+                <a:ea typeface="DejaVu Sans"/>
+              </a:rPr>
+              <a:t>Conclusions</a:t>
+            </a:r>
+            <a:endParaRPr b="0" lang="fr-FR" sz="3300" spc="-1" strike="noStrike">
+              <a:solidFill>
+                <a:srgbClr val="000000"/>
+              </a:solidFill>
+              <a:uFill>
+                <a:solidFill>
+                  <a:srgbClr val="ffffff"/>
+                </a:solidFill>
+              </a:uFill>
+              <a:latin typeface="Arial"/>
+            </a:endParaRPr>
+          </a:p>
+        </p:txBody>
+      </p:sp>
+      <p:sp>
+        <p:nvSpPr>
+          <p:cNvPr id="149" name="CustomShape 2"/>
+          <p:cNvSpPr/>
+          <p:nvPr/>
+        </p:nvSpPr>
+        <p:spPr>
+          <a:xfrm>
+            <a:off x="504000" y="1368000"/>
+            <a:ext cx="9070920" cy="3287160"/>
+          </a:xfrm>
+          <a:prstGeom prst="rect">
+            <a:avLst/>
+          </a:prstGeom>
+          <a:noFill/>
+          <a:ln>
+            <a:noFill/>
+          </a:ln>
+        </p:spPr>
+        <p:style>
+          <a:lnRef idx="0"/>
+          <a:fillRef idx="0"/>
+          <a:effectRef idx="0"/>
+          <a:fontRef idx="minor"/>
+        </p:style>
+      </p:sp>
+      <p:pic>
+        <p:nvPicPr>
+          <p:cNvPr id="150" name="" descr=""/>
+          <p:cNvPicPr/>
+          <p:nvPr/>
+        </p:nvPicPr>
+        <p:blipFill>
+          <a:blip r:embed="rId1"/>
+          <a:stretch/>
+        </p:blipFill>
+        <p:spPr>
+          <a:xfrm>
+            <a:off x="270360" y="4881960"/>
+            <a:ext cx="1433160" cy="537480"/>
+          </a:xfrm>
+          <a:prstGeom prst="rect">
+            <a:avLst/>
+          </a:prstGeom>
+          <a:ln>
+            <a:noFill/>
+          </a:ln>
+        </p:spPr>
+      </p:pic>
+    </p:spTree>
+  </p:cSld>
+  <p:timing>
+    <p:tnLst>
+      <p:par>
+        <p:cTn id="23" dur="indefinite" restart="never" nodeType="tmRoot">
+          <p:childTnLst>
+            <p:seq>
+              <p:cTn id="24" nodeType="mainSeq"/>
               <p:prevCondLst>
                 <p:cond delay="0" evt="onPrev">
                   <p:tgtEl>
@@ -2499,14 +7108,14 @@
       </p:grpSpPr>
       <p:sp>
         <p:nvSpPr>
-          <p:cNvPr id="44" name="TextShape 1"/>
-          <p:cNvSpPr txBox="1"/>
+          <p:cNvPr id="119" name="CustomShape 1"/>
+          <p:cNvSpPr/>
           <p:nvPr/>
         </p:nvSpPr>
         <p:spPr>
           <a:xfrm>
             <a:off x="504000" y="216000"/>
-            <a:ext cx="9072000" cy="648000"/>
+            <a:ext cx="9070920" cy="646920"/>
           </a:xfrm>
           <a:prstGeom prst="rect">
             <a:avLst/>
@@ -2516,10 +7125,20 @@
             <a:noFill/>
           </a:ln>
         </p:spPr>
+        <p:style>
+          <a:lnRef idx="0"/>
+          <a:fillRef idx="0"/>
+          <a:effectRef idx="0"/>
+          <a:fontRef idx="minor"/>
+        </p:style>
         <p:txBody>
           <a:bodyPr lIns="0" rIns="0" tIns="0" bIns="0" anchor="ctr"/>
           <a:p>
-            <a:pPr algn="ctr"/>
+            <a:pPr algn="ctr">
+              <a:lnSpc>
+                <a:spcPct val="100000"/>
+              </a:lnSpc>
+            </a:pPr>
             <a:r>
               <a:rPr b="1" lang="fr-FR" sz="3300" spc="-1" strike="noStrike">
                 <a:solidFill>
@@ -2531,33 +7150,34 @@
                   </a:solidFill>
                 </a:uFill>
                 <a:latin typeface="Arial"/>
+                <a:ea typeface="DejaVu Sans"/>
               </a:rPr>
               <a:t>Table de matières</a:t>
             </a:r>
-            <a:endParaRPr b="1" lang="fr-FR" sz="3300" spc="-1" strike="noStrike">
-              <a:solidFill>
-                <a:srgbClr val="ffffff"/>
-              </a:solidFill>
-              <a:uFill>
-                <a:solidFill>
-                  <a:srgbClr val="ffffff"/>
-                </a:solidFill>
-              </a:uFill>
-              <a:latin typeface="Arial"/>
-            </a:endParaRPr>
-          </a:p>
-        </p:txBody>
-      </p:sp>
-      <p:sp>
-        <p:nvSpPr>
-          <p:cNvPr id="45" name="TextShape 2"/>
-          <p:cNvSpPr txBox="1"/>
+            <a:endParaRPr b="0" lang="fr-FR" sz="3300" spc="-1" strike="noStrike">
+              <a:solidFill>
+                <a:srgbClr val="000000"/>
+              </a:solidFill>
+              <a:uFill>
+                <a:solidFill>
+                  <a:srgbClr val="ffffff"/>
+                </a:solidFill>
+              </a:uFill>
+              <a:latin typeface="Arial"/>
+            </a:endParaRPr>
+          </a:p>
+        </p:txBody>
+      </p:sp>
+      <p:sp>
+        <p:nvSpPr>
+          <p:cNvPr id="120" name="CustomShape 2"/>
+          <p:cNvSpPr/>
           <p:nvPr/>
         </p:nvSpPr>
         <p:spPr>
           <a:xfrm>
             <a:off x="504000" y="1368000"/>
-            <a:ext cx="9072000" cy="3288240"/>
+            <a:ext cx="9070920" cy="3287160"/>
           </a:xfrm>
           <a:prstGeom prst="rect">
             <a:avLst/>
@@ -2567,17 +7187,47 @@
             <a:noFill/>
           </a:ln>
         </p:spPr>
+        <p:style>
+          <a:lnRef idx="0"/>
+          <a:fillRef idx="0"/>
+          <a:effectRef idx="0"/>
+          <a:fontRef idx="minor"/>
+        </p:style>
         <p:txBody>
           <a:bodyPr lIns="0" rIns="0" tIns="0" bIns="0">
             <a:normAutofit/>
           </a:bodyPr>
           <a:p>
-            <a:pPr marL="432000" indent="-324000">
+            <a:pPr>
+              <a:lnSpc>
+                <a:spcPct val="100000"/>
+              </a:lnSpc>
+              <a:spcAft>
+                <a:spcPts val="1060"/>
+              </a:spcAft>
+            </a:pPr>
+            <a:endParaRPr b="0" lang="fr-FR" sz="1800" spc="-1" strike="noStrike">
+              <a:solidFill>
+                <a:srgbClr val="000000"/>
+              </a:solidFill>
+              <a:uFill>
+                <a:solidFill>
+                  <a:srgbClr val="ffffff"/>
+                </a:solidFill>
+              </a:uFill>
+              <a:latin typeface="Arial"/>
+            </a:endParaRPr>
+          </a:p>
+          <a:p>
+            <a:pPr lvl="3" marL="864000" indent="-215280">
+              <a:lnSpc>
+                <a:spcPct val="100000"/>
+              </a:lnSpc>
               <a:spcAft>
                 <a:spcPts val="1060"/>
               </a:spcAft>
               <a:buClr>
-                <a:srgbClr val="006600"/>
+                <a:srgbClr val="000000"/>
               </a:buClr>
               <a:buSzPct val="45000"/>
               <a:buFont typeface="Wingdings" charset="2"/>
@@ -2594,33 +7244,10 @@
                   </a:solidFill>
                 </a:uFill>
                 <a:latin typeface="Arial"/>
+                <a:ea typeface="DejaVu Sans"/>
               </a:rPr>
-              <a:t>Cahier des charges</a:t>
+              <a:t> </a:t>
             </a:r>
-            <a:endParaRPr b="0" lang="fr-FR" sz="2400" spc="-1" strike="noStrike">
-              <a:solidFill>
-                <a:srgbClr val="000000"/>
-              </a:solidFill>
-              <a:uFill>
-                <a:solidFill>
-                  <a:srgbClr val="ffffff"/>
-                </a:solidFill>
-              </a:uFill>
-              <a:latin typeface="Arial"/>
-            </a:endParaRPr>
-          </a:p>
-          <a:p>
-            <a:pPr marL="432000" indent="-324000">
-              <a:spcAft>
-                <a:spcPts val="1060"/>
-              </a:spcAft>
-              <a:buClr>
-                <a:srgbClr val="006600"/>
-              </a:buClr>
-              <a:buSzPct val="45000"/>
-              <a:buFont typeface="Wingdings" charset="2"/>
-              <a:buChar char=""/>
-            </a:pPr>
             <a:r>
               <a:rPr b="0" lang="fr-FR" sz="2400" spc="-1" strike="noStrike">
                 <a:solidFill>
@@ -2632,8 +7259,9 @@
                   </a:solidFill>
                 </a:uFill>
                 <a:latin typeface="Arial"/>
+                <a:ea typeface="DejaVu Sans"/>
               </a:rPr>
-              <a:t>Organisation du projet</a:t>
+              <a:t>Cahier des charges</a:t>
             </a:r>
             <a:endParaRPr b="0" lang="fr-FR" sz="2400" spc="-1" strike="noStrike">
               <a:solidFill>
@@ -2648,16 +7276,13 @@
             </a:endParaRPr>
           </a:p>
           <a:p>
-            <a:pPr marL="432000" indent="-324000">
+            <a:pPr>
+              <a:lnSpc>
+                <a:spcPct val="100000"/>
+              </a:lnSpc>
               <a:spcAft>
                 <a:spcPts val="1060"/>
               </a:spcAft>
-              <a:buClr>
-                <a:srgbClr val="006600"/>
-              </a:buClr>
-              <a:buSzPct val="45000"/>
-              <a:buFont typeface="Wingdings" charset="2"/>
-              <a:buChar char=""/>
             </a:pPr>
             <a:r>
               <a:rPr b="0" lang="fr-FR" sz="2400" spc="-1" strike="noStrike">
@@ -2670,33 +7295,10 @@
                   </a:solidFill>
                 </a:uFill>
                 <a:latin typeface="Arial"/>
+                <a:ea typeface="DejaVu Sans"/>
               </a:rPr>
-              <a:t>Architecture globale</a:t>
+              <a:t>	</a:t>
             </a:r>
-            <a:endParaRPr b="0" lang="fr-FR" sz="2400" spc="-1" strike="noStrike">
-              <a:solidFill>
-                <a:srgbClr val="000000"/>
-              </a:solidFill>
-              <a:uFill>
-                <a:solidFill>
-                  <a:srgbClr val="ffffff"/>
-                </a:solidFill>
-              </a:uFill>
-              <a:latin typeface="Arial"/>
-            </a:endParaRPr>
-          </a:p>
-          <a:p>
-            <a:pPr marL="432000" indent="-324000">
-              <a:spcAft>
-                <a:spcPts val="1060"/>
-              </a:spcAft>
-              <a:buClr>
-                <a:srgbClr val="006600"/>
-              </a:buClr>
-              <a:buSzPct val="45000"/>
-              <a:buFont typeface="Wingdings" charset="2"/>
-              <a:buChar char=""/>
-            </a:pPr>
             <a:r>
               <a:rPr b="0" lang="fr-FR" sz="2400" spc="-1" strike="noStrike">
                 <a:solidFill>
@@ -2708,33 +7310,10 @@
                   </a:solidFill>
                 </a:uFill>
                 <a:latin typeface="Arial"/>
+                <a:ea typeface="DejaVu Sans"/>
               </a:rPr>
-              <a:t>Solutions développés</a:t>
+              <a:t>	</a:t>
             </a:r>
-            <a:endParaRPr b="0" lang="fr-FR" sz="2400" spc="-1" strike="noStrike">
-              <a:solidFill>
-                <a:srgbClr val="000000"/>
-              </a:solidFill>
-              <a:uFill>
-                <a:solidFill>
-                  <a:srgbClr val="ffffff"/>
-                </a:solidFill>
-              </a:uFill>
-              <a:latin typeface="Arial"/>
-            </a:endParaRPr>
-          </a:p>
-          <a:p>
-            <a:pPr marL="432000" indent="-324000">
-              <a:spcAft>
-                <a:spcPts val="1060"/>
-              </a:spcAft>
-              <a:buClr>
-                <a:srgbClr val="006600"/>
-              </a:buClr>
-              <a:buSzPct val="45000"/>
-              <a:buFont typeface="Wingdings" charset="2"/>
-              <a:buChar char=""/>
-            </a:pPr>
             <a:r>
               <a:rPr b="0" lang="fr-FR" sz="2400" spc="-1" strike="noStrike">
                 <a:solidFill>
@@ -2746,6 +7325,265 @@
                   </a:solidFill>
                 </a:uFill>
                 <a:latin typeface="Arial"/>
+                <a:ea typeface="DejaVu Sans"/>
+              </a:rPr>
+              <a:t> </a:t>
+            </a:r>
+            <a:r>
+              <a:rPr b="0" lang="fr-FR" sz="2400" spc="-1" strike="noStrike">
+                <a:solidFill>
+                  <a:srgbClr val="000000"/>
+                </a:solidFill>
+                <a:uFill>
+                  <a:solidFill>
+                    <a:srgbClr val="ffffff"/>
+                  </a:solidFill>
+                </a:uFill>
+                <a:latin typeface="Arial"/>
+                <a:ea typeface="DejaVu Sans"/>
+              </a:rPr>
+              <a:t>Organisation du projet</a:t>
+            </a:r>
+            <a:endParaRPr b="0" lang="fr-FR" sz="2400" spc="-1" strike="noStrike">
+              <a:solidFill>
+                <a:srgbClr val="000000"/>
+              </a:solidFill>
+              <a:uFill>
+                <a:solidFill>
+                  <a:srgbClr val="ffffff"/>
+                </a:solidFill>
+              </a:uFill>
+              <a:latin typeface="Arial"/>
+            </a:endParaRPr>
+          </a:p>
+          <a:p>
+            <a:pPr>
+              <a:lnSpc>
+                <a:spcPct val="100000"/>
+              </a:lnSpc>
+              <a:spcAft>
+                <a:spcPts val="1060"/>
+              </a:spcAft>
+            </a:pPr>
+            <a:r>
+              <a:rPr b="0" lang="fr-FR" sz="2400" spc="-1" strike="noStrike">
+                <a:solidFill>
+                  <a:srgbClr val="000000"/>
+                </a:solidFill>
+                <a:uFill>
+                  <a:solidFill>
+                    <a:srgbClr val="ffffff"/>
+                  </a:solidFill>
+                </a:uFill>
+                <a:latin typeface="Arial"/>
+                <a:ea typeface="DejaVu Sans"/>
+              </a:rPr>
+              <a:t>	</a:t>
+            </a:r>
+            <a:r>
+              <a:rPr b="0" lang="fr-FR" sz="2400" spc="-1" strike="noStrike">
+                <a:solidFill>
+                  <a:srgbClr val="000000"/>
+                </a:solidFill>
+                <a:uFill>
+                  <a:solidFill>
+                    <a:srgbClr val="ffffff"/>
+                  </a:solidFill>
+                </a:uFill>
+                <a:latin typeface="Arial"/>
+                <a:ea typeface="DejaVu Sans"/>
+              </a:rPr>
+              <a:t>	</a:t>
+            </a:r>
+            <a:r>
+              <a:rPr b="0" lang="fr-FR" sz="2400" spc="-1" strike="noStrike">
+                <a:solidFill>
+                  <a:srgbClr val="000000"/>
+                </a:solidFill>
+                <a:uFill>
+                  <a:solidFill>
+                    <a:srgbClr val="ffffff"/>
+                  </a:solidFill>
+                </a:uFill>
+                <a:latin typeface="Arial"/>
+                <a:ea typeface="DejaVu Sans"/>
+              </a:rPr>
+              <a:t> </a:t>
+            </a:r>
+            <a:r>
+              <a:rPr b="0" lang="fr-FR" sz="2400" spc="-1" strike="noStrike">
+                <a:solidFill>
+                  <a:srgbClr val="000000"/>
+                </a:solidFill>
+                <a:uFill>
+                  <a:solidFill>
+                    <a:srgbClr val="ffffff"/>
+                  </a:solidFill>
+                </a:uFill>
+                <a:latin typeface="Arial"/>
+                <a:ea typeface="DejaVu Sans"/>
+              </a:rPr>
+              <a:t>Architecture globale</a:t>
+            </a:r>
+            <a:endParaRPr b="0" lang="fr-FR" sz="2400" spc="-1" strike="noStrike">
+              <a:solidFill>
+                <a:srgbClr val="000000"/>
+              </a:solidFill>
+              <a:uFill>
+                <a:solidFill>
+                  <a:srgbClr val="ffffff"/>
+                </a:solidFill>
+              </a:uFill>
+              <a:latin typeface="Arial"/>
+            </a:endParaRPr>
+          </a:p>
+          <a:p>
+            <a:pPr>
+              <a:lnSpc>
+                <a:spcPct val="100000"/>
+              </a:lnSpc>
+              <a:spcAft>
+                <a:spcPts val="1060"/>
+              </a:spcAft>
+            </a:pPr>
+            <a:r>
+              <a:rPr b="0" lang="fr-FR" sz="2400" spc="-1" strike="noStrike">
+                <a:solidFill>
+                  <a:srgbClr val="000000"/>
+                </a:solidFill>
+                <a:uFill>
+                  <a:solidFill>
+                    <a:srgbClr val="ffffff"/>
+                  </a:solidFill>
+                </a:uFill>
+                <a:latin typeface="Arial"/>
+                <a:ea typeface="DejaVu Sans"/>
+              </a:rPr>
+              <a:t>	</a:t>
+            </a:r>
+            <a:r>
+              <a:rPr b="0" lang="fr-FR" sz="2400" spc="-1" strike="noStrike">
+                <a:solidFill>
+                  <a:srgbClr val="000000"/>
+                </a:solidFill>
+                <a:uFill>
+                  <a:solidFill>
+                    <a:srgbClr val="ffffff"/>
+                  </a:solidFill>
+                </a:uFill>
+                <a:latin typeface="Arial"/>
+                <a:ea typeface="DejaVu Sans"/>
+              </a:rPr>
+              <a:t>	</a:t>
+            </a:r>
+            <a:r>
+              <a:rPr b="0" lang="fr-FR" sz="2400" spc="-1" strike="noStrike">
+                <a:solidFill>
+                  <a:srgbClr val="000000"/>
+                </a:solidFill>
+                <a:uFill>
+                  <a:solidFill>
+                    <a:srgbClr val="ffffff"/>
+                  </a:solidFill>
+                </a:uFill>
+                <a:latin typeface="Arial"/>
+                <a:ea typeface="DejaVu Sans"/>
+              </a:rPr>
+              <a:t> </a:t>
+            </a:r>
+            <a:r>
+              <a:rPr b="0" lang="fr-FR" sz="2400" spc="-1" strike="noStrike">
+                <a:solidFill>
+                  <a:srgbClr val="000000"/>
+                </a:solidFill>
+                <a:uFill>
+                  <a:solidFill>
+                    <a:srgbClr val="ffffff"/>
+                  </a:solidFill>
+                </a:uFill>
+                <a:latin typeface="Arial"/>
+                <a:ea typeface="DejaVu Sans"/>
+              </a:rPr>
+              <a:t>Solutions développés</a:t>
+            </a:r>
+            <a:endParaRPr b="0" lang="fr-FR" sz="2400" spc="-1" strike="noStrike">
+              <a:solidFill>
+                <a:srgbClr val="000000"/>
+              </a:solidFill>
+              <a:uFill>
+                <a:solidFill>
+                  <a:srgbClr val="ffffff"/>
+                </a:solidFill>
+              </a:uFill>
+              <a:latin typeface="Arial"/>
+            </a:endParaRPr>
+          </a:p>
+          <a:p>
+            <a:pPr>
+              <a:lnSpc>
+                <a:spcPct val="100000"/>
+              </a:lnSpc>
+              <a:spcAft>
+                <a:spcPts val="1060"/>
+              </a:spcAft>
+            </a:pPr>
+            <a:r>
+              <a:rPr b="0" lang="fr-FR" sz="2400" spc="-1" strike="noStrike">
+                <a:solidFill>
+                  <a:srgbClr val="000000"/>
+                </a:solidFill>
+                <a:uFill>
+                  <a:solidFill>
+                    <a:srgbClr val="ffffff"/>
+                  </a:solidFill>
+                </a:uFill>
+                <a:latin typeface="Arial"/>
+                <a:ea typeface="DejaVu Sans"/>
+              </a:rPr>
+              <a:t>	</a:t>
+            </a:r>
+            <a:r>
+              <a:rPr b="0" lang="fr-FR" sz="2400" spc="-1" strike="noStrike">
+                <a:solidFill>
+                  <a:srgbClr val="000000"/>
+                </a:solidFill>
+                <a:uFill>
+                  <a:solidFill>
+                    <a:srgbClr val="ffffff"/>
+                  </a:solidFill>
+                </a:uFill>
+                <a:latin typeface="Arial"/>
+                <a:ea typeface="DejaVu Sans"/>
+              </a:rPr>
+              <a:t>	</a:t>
+            </a:r>
+            <a:r>
+              <a:rPr b="0" lang="fr-FR" sz="2400" spc="-1" strike="noStrike">
+                <a:solidFill>
+                  <a:srgbClr val="000000"/>
+                </a:solidFill>
+                <a:uFill>
+                  <a:solidFill>
+                    <a:srgbClr val="ffffff"/>
+                  </a:solidFill>
+                </a:uFill>
+                <a:latin typeface="Arial"/>
+                <a:ea typeface="DejaVu Sans"/>
+              </a:rPr>
+              <a:t> </a:t>
+            </a:r>
+            <a:r>
+              <a:rPr b="0" lang="fr-FR" sz="2400" spc="-1" strike="noStrike">
+                <a:solidFill>
+                  <a:srgbClr val="000000"/>
+                </a:solidFill>
+                <a:uFill>
+                  <a:solidFill>
+                    <a:srgbClr val="ffffff"/>
+                  </a:solidFill>
+                </a:uFill>
+                <a:latin typeface="Arial"/>
+                <a:ea typeface="DejaVu Sans"/>
               </a:rPr>
               <a:t>Conclusions</a:t>
             </a:r>
@@ -2765,7 +7603,7 @@
       </p:sp>
       <p:pic>
         <p:nvPicPr>
-          <p:cNvPr id="46" name="" descr=""/>
+          <p:cNvPr id="121" name="" descr=""/>
           <p:cNvPicPr/>
           <p:nvPr/>
         </p:nvPicPr>
@@ -2776,7 +7614,7 @@
         <p:spPr>
           <a:xfrm>
             <a:off x="270360" y="4881960"/>
-            <a:ext cx="1434240" cy="538560"/>
+            <a:ext cx="1433160" cy="537480"/>
           </a:xfrm>
           <a:prstGeom prst="rect">
             <a:avLst/>
@@ -2837,14 +7675,14 @@
       </p:grpSpPr>
       <p:sp>
         <p:nvSpPr>
-          <p:cNvPr id="47" name="TextShape 1"/>
-          <p:cNvSpPr txBox="1"/>
+          <p:cNvPr id="122" name="CustomShape 1"/>
+          <p:cNvSpPr/>
           <p:nvPr/>
         </p:nvSpPr>
         <p:spPr>
           <a:xfrm>
             <a:off x="504000" y="216000"/>
-            <a:ext cx="9072000" cy="648000"/>
+            <a:ext cx="9070920" cy="646920"/>
           </a:xfrm>
           <a:prstGeom prst="rect">
             <a:avLst/>
@@ -2854,10 +7692,19 @@
             <a:noFill/>
           </a:ln>
         </p:spPr>
+        <p:style>
+          <a:lnRef idx="0"/>
+          <a:fillRef idx="0"/>
+          <a:effectRef idx="0"/>
+          <a:fontRef idx="minor"/>
+        </p:style>
         <p:txBody>
           <a:bodyPr lIns="0" rIns="0" tIns="0" bIns="0" anchor="ctr"/>
           <a:p>
-            <a:pPr algn="ctr">
+            <a:pPr marL="216000" indent="-215280" algn="ctr">
+              <a:lnSpc>
+                <a:spcPct val="100000"/>
+              </a:lnSpc>
               <a:buClr>
                 <a:srgbClr val="000000"/>
               </a:buClr>
@@ -2876,33 +7723,34 @@
                   </a:solidFill>
                 </a:uFill>
                 <a:latin typeface="Arial"/>
+                <a:ea typeface="DejaVu Sans"/>
               </a:rPr>
               <a:t>Cahier des charges</a:t>
             </a:r>
-            <a:endParaRPr b="1" lang="fr-FR" sz="3300" spc="-1" strike="noStrike">
-              <a:solidFill>
-                <a:srgbClr val="ffffff"/>
-              </a:solidFill>
-              <a:uFill>
-                <a:solidFill>
-                  <a:srgbClr val="ffffff"/>
-                </a:solidFill>
-              </a:uFill>
-              <a:latin typeface="Arial"/>
-            </a:endParaRPr>
-          </a:p>
-        </p:txBody>
-      </p:sp>
-      <p:sp>
-        <p:nvSpPr>
-          <p:cNvPr id="48" name="TextShape 2"/>
-          <p:cNvSpPr txBox="1"/>
+            <a:endParaRPr b="0" lang="fr-FR" sz="3300" spc="-1" strike="noStrike">
+              <a:solidFill>
+                <a:srgbClr val="000000"/>
+              </a:solidFill>
+              <a:uFill>
+                <a:solidFill>
+                  <a:srgbClr val="ffffff"/>
+                </a:solidFill>
+              </a:uFill>
+              <a:latin typeface="Arial"/>
+            </a:endParaRPr>
+          </a:p>
+        </p:txBody>
+      </p:sp>
+      <p:sp>
+        <p:nvSpPr>
+          <p:cNvPr id="123" name="CustomShape 2"/>
+          <p:cNvSpPr/>
           <p:nvPr/>
         </p:nvSpPr>
         <p:spPr>
           <a:xfrm>
             <a:off x="576000" y="1008000"/>
-            <a:ext cx="9072000" cy="3288240"/>
+            <a:ext cx="9070920" cy="3287160"/>
           </a:xfrm>
           <a:prstGeom prst="rect">
             <a:avLst/>
@@ -2912,36 +7760,42 @@
             <a:noFill/>
           </a:ln>
         </p:spPr>
+        <p:style>
+          <a:lnRef idx="0"/>
+          <a:fillRef idx="0"/>
+          <a:effectRef idx="0"/>
+          <a:fontRef idx="minor"/>
+        </p:style>
         <p:txBody>
           <a:bodyPr lIns="0" rIns="0" tIns="0" bIns="0">
             <a:normAutofit/>
           </a:bodyPr>
           <a:p>
-            <a:pPr marL="432000" indent="-324000">
+            <a:pPr>
+              <a:lnSpc>
+                <a:spcPct val="100000"/>
+              </a:lnSpc>
               <a:spcAft>
                 <a:spcPts val="1060"/>
               </a:spcAft>
-              <a:buClr>
-                <a:srgbClr val="006600"/>
-              </a:buClr>
-              <a:buSzPct val="45000"/>
-              <a:buFont typeface="Wingdings" charset="2"/>
-              <a:buChar char=""/>
             </a:pPr>
-            <a:endParaRPr b="0" lang="fr-FR" sz="2400" spc="-1" strike="noStrike">
-              <a:solidFill>
-                <a:srgbClr val="000000"/>
-              </a:solidFill>
-              <a:uFill>
-                <a:solidFill>
-                  <a:srgbClr val="ffffff"/>
-                </a:solidFill>
-              </a:uFill>
-              <a:latin typeface="Arial"/>
-            </a:endParaRPr>
-          </a:p>
-          <a:p>
-            <a:pPr marL="432000" indent="-324000">
+            <a:endParaRPr b="0" lang="fr-FR" sz="1800" spc="-1" strike="noStrike">
+              <a:solidFill>
+                <a:srgbClr val="000000"/>
+              </a:solidFill>
+              <a:uFill>
+                <a:solidFill>
+                  <a:srgbClr val="ffffff"/>
+                </a:solidFill>
+              </a:uFill>
+              <a:latin typeface="Arial"/>
+            </a:endParaRPr>
+          </a:p>
+          <a:p>
+            <a:pPr marL="432000" indent="-322920">
+              <a:lnSpc>
+                <a:spcPct val="100000"/>
+              </a:lnSpc>
               <a:spcAft>
                 <a:spcPts val="1060"/>
               </a:spcAft>
@@ -2963,6 +7817,7 @@
                   </a:solidFill>
                 </a:uFill>
                 <a:latin typeface="Arial"/>
+                <a:ea typeface="DejaVu Sans"/>
               </a:rPr>
               <a:t>Interface client : </a:t>
             </a:r>
@@ -2977,6 +7832,7 @@
                   </a:solidFill>
                 </a:uFill>
                 <a:latin typeface="Arial"/>
+                <a:ea typeface="DejaVu Sans"/>
               </a:rPr>
               <a:t>Portail Web (Application php), Mobile (Application Android), Application riche (Java Swing)</a:t>
             </a:r>
@@ -2993,7 +7849,10 @@
             </a:endParaRPr>
           </a:p>
           <a:p>
-            <a:pPr marL="432000" indent="-324000">
+            <a:pPr marL="432000" indent="-322920">
+              <a:lnSpc>
+                <a:spcPct val="100000"/>
+              </a:lnSpc>
               <a:spcAft>
                 <a:spcPts val="1060"/>
               </a:spcAft>
@@ -3015,6 +7874,7 @@
                   </a:solidFill>
                 </a:uFill>
                 <a:latin typeface="Arial"/>
+                <a:ea typeface="DejaVu Sans"/>
               </a:rPr>
               <a:t>Plateforme applicative :   </a:t>
             </a:r>
@@ -3029,6 +7889,7 @@
                   </a:solidFill>
                 </a:uFill>
                 <a:latin typeface="Arial"/>
+                <a:ea typeface="DejaVu Sans"/>
               </a:rPr>
               <a:t>Windows, Linux, Android</a:t>
             </a:r>
@@ -3045,7 +7906,10 @@
             </a:endParaRPr>
           </a:p>
           <a:p>
-            <a:pPr marL="432000" indent="-324000">
+            <a:pPr marL="432000" indent="-322920">
+              <a:lnSpc>
+                <a:spcPct val="100000"/>
+              </a:lnSpc>
               <a:spcAft>
                 <a:spcPts val="1060"/>
               </a:spcAft>
@@ -3067,6 +7931,7 @@
                   </a:solidFill>
                 </a:uFill>
                 <a:latin typeface="Arial"/>
+                <a:ea typeface="DejaVu Sans"/>
               </a:rPr>
               <a:t>Fonctionnalités attendus :</a:t>
             </a:r>
@@ -3083,7 +7948,10 @@
             </a:endParaRPr>
           </a:p>
           <a:p>
-            <a:pPr lvl="3" marL="1728000" indent="-216000">
+            <a:pPr lvl="3" marL="1728000" indent="-214920">
+              <a:lnSpc>
+                <a:spcPct val="100000"/>
+              </a:lnSpc>
               <a:spcAft>
                 <a:spcPts val="422"/>
               </a:spcAft>
@@ -3091,7 +7959,7 @@
                 <a:srgbClr val="006600"/>
               </a:buClr>
               <a:buSzPct val="75000"/>
-              <a:buFont typeface="Symbol" charset="2"/>
+              <a:buFont typeface="Symbol"/>
               <a:buChar char=""/>
             </a:pPr>
             <a:r>
@@ -3105,6 +7973,7 @@
                   </a:solidFill>
                 </a:uFill>
                 <a:latin typeface="Arial"/>
+                <a:ea typeface="DejaVu Sans"/>
               </a:rPr>
               <a:t>Se connecter avec un profil utilisateur simple ou administrateur ;</a:t>
             </a:r>
@@ -3121,7 +7990,10 @@
             </a:endParaRPr>
           </a:p>
           <a:p>
-            <a:pPr lvl="3" marL="1728000" indent="-216000">
+            <a:pPr lvl="3" marL="1728000" indent="-214920">
+              <a:lnSpc>
+                <a:spcPct val="100000"/>
+              </a:lnSpc>
               <a:spcAft>
                 <a:spcPts val="422"/>
               </a:spcAft>
@@ -3129,7 +8001,7 @@
                 <a:srgbClr val="006600"/>
               </a:buClr>
               <a:buSzPct val="75000"/>
-              <a:buFont typeface="Symbol" charset="2"/>
+              <a:buFont typeface="Symbol"/>
               <a:buChar char=""/>
             </a:pPr>
             <a:r>
@@ -3143,6 +8015,7 @@
                   </a:solidFill>
                 </a:uFill>
                 <a:latin typeface="Arial"/>
+                <a:ea typeface="DejaVu Sans"/>
               </a:rPr>
               <a:t>Visualiser la liste des processus actifs du système choisie</a:t>
             </a:r>
@@ -3159,7 +8032,10 @@
             </a:endParaRPr>
           </a:p>
           <a:p>
-            <a:pPr lvl="3" marL="1728000" indent="-216000">
+            <a:pPr lvl="3" marL="1728000" indent="-214920">
+              <a:lnSpc>
+                <a:spcPct val="100000"/>
+              </a:lnSpc>
               <a:spcAft>
                 <a:spcPts val="422"/>
               </a:spcAft>
@@ -3167,7 +8043,7 @@
                 <a:srgbClr val="006600"/>
               </a:buClr>
               <a:buSzPct val="75000"/>
-              <a:buFont typeface="Symbol" charset="2"/>
+              <a:buFont typeface="Symbol"/>
               <a:buChar char=""/>
             </a:pPr>
             <a:r>
@@ -3181,6 +8057,7 @@
                   </a:solidFill>
                 </a:uFill>
                 <a:latin typeface="Arial"/>
+                <a:ea typeface="DejaVu Sans"/>
               </a:rPr>
               <a:t>Visualiser la liste des ressources mémoires utilisées ;</a:t>
             </a:r>
@@ -3197,7 +8074,10 @@
             </a:endParaRPr>
           </a:p>
           <a:p>
-            <a:pPr lvl="3" marL="1728000" indent="-216000">
+            <a:pPr lvl="3" marL="1728000" indent="-214920">
+              <a:lnSpc>
+                <a:spcPct val="100000"/>
+              </a:lnSpc>
               <a:spcAft>
                 <a:spcPts val="422"/>
               </a:spcAft>
@@ -3205,7 +8085,7 @@
                 <a:srgbClr val="006600"/>
               </a:buClr>
               <a:buSzPct val="75000"/>
-              <a:buFont typeface="Symbol" charset="2"/>
+              <a:buFont typeface="Symbol"/>
               <a:buChar char=""/>
             </a:pPr>
             <a:r>
@@ -3219,6 +8099,7 @@
                   </a:solidFill>
                 </a:uFill>
                 <a:latin typeface="Arial"/>
+                <a:ea typeface="DejaVu Sans"/>
               </a:rPr>
               <a:t>Arrêter et redémarrer un processus loguer en tant qu’administrateur ;</a:t>
             </a:r>
@@ -3235,7 +8116,10 @@
             </a:endParaRPr>
           </a:p>
           <a:p>
-            <a:pPr lvl="3" marL="1728000" indent="-216000">
+            <a:pPr lvl="3" marL="1728000" indent="-214920">
+              <a:lnSpc>
+                <a:spcPct val="100000"/>
+              </a:lnSpc>
               <a:spcAft>
                 <a:spcPts val="422"/>
               </a:spcAft>
@@ -3243,7 +8127,7 @@
                 <a:srgbClr val="006600"/>
               </a:buClr>
               <a:buSzPct val="75000"/>
-              <a:buFont typeface="Symbol" charset="2"/>
+              <a:buFont typeface="Symbol"/>
               <a:buChar char=""/>
             </a:pPr>
             <a:r>
@@ -3257,6 +8141,7 @@
                   </a:solidFill>
                 </a:uFill>
                 <a:latin typeface="Arial"/>
+                <a:ea typeface="DejaVu Sans"/>
               </a:rPr>
               <a:t>Alerter l’administrateur par mail, lorsqu’un processus ne tourne plus ou que la mémoire a atteint un pourcentage d’utilisation trop élevé.</a:t>
             </a:r>
@@ -3273,16 +8158,13 @@
             </a:endParaRPr>
           </a:p>
           <a:p>
-            <a:pPr marL="432000" indent="-324000">
+            <a:pPr>
+              <a:lnSpc>
+                <a:spcPct val="100000"/>
+              </a:lnSpc>
               <a:spcAft>
                 <a:spcPts val="1060"/>
               </a:spcAft>
-              <a:buClr>
-                <a:srgbClr val="006600"/>
-              </a:buClr>
-              <a:buSzPct val="45000"/>
-              <a:buFont typeface="Wingdings" charset="2"/>
-              <a:buChar char=""/>
             </a:pPr>
             <a:endParaRPr b="0" lang="fr-FR" sz="1800" spc="-1" strike="noStrike">
               <a:solidFill>
@@ -3300,7 +8182,7 @@
       </p:sp>
       <p:pic>
         <p:nvPicPr>
-          <p:cNvPr id="49" name="" descr=""/>
+          <p:cNvPr id="124" name="" descr=""/>
           <p:cNvPicPr/>
           <p:nvPr/>
         </p:nvPicPr>
@@ -3311,7 +8193,7 @@
         <p:spPr>
           <a:xfrm>
             <a:off x="270360" y="4881960"/>
-            <a:ext cx="1434240" cy="538560"/>
+            <a:ext cx="1433160" cy="537480"/>
           </a:xfrm>
           <a:prstGeom prst="rect">
             <a:avLst/>
@@ -3372,14 +8254,14 @@
       </p:grpSpPr>
       <p:sp>
         <p:nvSpPr>
-          <p:cNvPr id="50" name="TextShape 1"/>
-          <p:cNvSpPr txBox="1"/>
+          <p:cNvPr id="125" name="CustomShape 1"/>
+          <p:cNvSpPr/>
           <p:nvPr/>
         </p:nvSpPr>
         <p:spPr>
           <a:xfrm>
             <a:off x="504000" y="216000"/>
-            <a:ext cx="9072000" cy="648000"/>
+            <a:ext cx="9070920" cy="646920"/>
           </a:xfrm>
           <a:prstGeom prst="rect">
             <a:avLst/>
@@ -3389,10 +8271,19 @@
             <a:noFill/>
           </a:ln>
         </p:spPr>
+        <p:style>
+          <a:lnRef idx="0"/>
+          <a:fillRef idx="0"/>
+          <a:effectRef idx="0"/>
+          <a:fontRef idx="minor"/>
+        </p:style>
         <p:txBody>
           <a:bodyPr lIns="0" rIns="0" tIns="0" bIns="0" anchor="ctr"/>
           <a:p>
-            <a:pPr algn="ctr">
+            <a:pPr marL="216000" indent="-215280" algn="ctr">
+              <a:lnSpc>
+                <a:spcPct val="100000"/>
+              </a:lnSpc>
               <a:buClr>
                 <a:srgbClr val="000000"/>
               </a:buClr>
@@ -3411,33 +8302,34 @@
                   </a:solidFill>
                 </a:uFill>
                 <a:latin typeface="Arial"/>
+                <a:ea typeface="DejaVu Sans"/>
               </a:rPr>
               <a:t>Organisation du projet</a:t>
             </a:r>
-            <a:endParaRPr b="1" lang="fr-FR" sz="3300" spc="-1" strike="noStrike">
-              <a:solidFill>
-                <a:srgbClr val="ffffff"/>
-              </a:solidFill>
-              <a:uFill>
-                <a:solidFill>
-                  <a:srgbClr val="ffffff"/>
-                </a:solidFill>
-              </a:uFill>
-              <a:latin typeface="Arial"/>
-            </a:endParaRPr>
-          </a:p>
-        </p:txBody>
-      </p:sp>
-      <p:sp>
-        <p:nvSpPr>
-          <p:cNvPr id="51" name="TextShape 2"/>
-          <p:cNvSpPr txBox="1"/>
+            <a:endParaRPr b="0" lang="fr-FR" sz="3300" spc="-1" strike="noStrike">
+              <a:solidFill>
+                <a:srgbClr val="000000"/>
+              </a:solidFill>
+              <a:uFill>
+                <a:solidFill>
+                  <a:srgbClr val="ffffff"/>
+                </a:solidFill>
+              </a:uFill>
+              <a:latin typeface="Arial"/>
+            </a:endParaRPr>
+          </a:p>
+        </p:txBody>
+      </p:sp>
+      <p:sp>
+        <p:nvSpPr>
+          <p:cNvPr id="126" name="CustomShape 2"/>
+          <p:cNvSpPr/>
           <p:nvPr/>
         </p:nvSpPr>
         <p:spPr>
           <a:xfrm>
             <a:off x="504000" y="1368000"/>
-            <a:ext cx="9072000" cy="3288240"/>
+            <a:ext cx="9070920" cy="3287160"/>
           </a:xfrm>
           <a:prstGeom prst="rect">
             <a:avLst/>
@@ -3447,12 +8339,21 @@
             <a:noFill/>
           </a:ln>
         </p:spPr>
+        <p:style>
+          <a:lnRef idx="0"/>
+          <a:fillRef idx="0"/>
+          <a:effectRef idx="0"/>
+          <a:fontRef idx="minor"/>
+        </p:style>
         <p:txBody>
           <a:bodyPr lIns="0" rIns="0" tIns="0" bIns="0">
             <a:normAutofit/>
           </a:bodyPr>
           <a:p>
-            <a:pPr marL="432000" indent="-324000">
+            <a:pPr marL="432000" indent="-322920">
+              <a:lnSpc>
+                <a:spcPct val="100000"/>
+              </a:lnSpc>
               <a:spcAft>
                 <a:spcPts val="1060"/>
               </a:spcAft>
@@ -3474,6 +8375,7 @@
                   </a:solidFill>
                 </a:uFill>
                 <a:latin typeface="Arial"/>
+                <a:ea typeface="DejaVu Sans"/>
               </a:rPr>
               <a:t>Implémentation de la méthode Scrum : </a:t>
             </a:r>
@@ -3490,7 +8392,10 @@
             </a:endParaRPr>
           </a:p>
           <a:p>
-            <a:pPr marL="432000" indent="-324000">
+            <a:pPr marL="432000" indent="-322920">
+              <a:lnSpc>
+                <a:spcPct val="100000"/>
+              </a:lnSpc>
               <a:spcAft>
                 <a:spcPts val="1060"/>
               </a:spcAft>
@@ -3512,6 +8417,7 @@
                   </a:solidFill>
                 </a:uFill>
                 <a:latin typeface="Arial"/>
+                <a:ea typeface="DejaVu Sans"/>
               </a:rPr>
               <a:t>Choix de Scrum Master et product Owner toutes les semaines</a:t>
             </a:r>
@@ -3528,16 +8434,13 @@
             </a:endParaRPr>
           </a:p>
           <a:p>
-            <a:pPr marL="432000" indent="-324000">
+            <a:pPr>
+              <a:lnSpc>
+                <a:spcPct val="100000"/>
+              </a:lnSpc>
               <a:spcAft>
                 <a:spcPts val="1060"/>
               </a:spcAft>
-              <a:buClr>
-                <a:srgbClr val="006600"/>
-              </a:buClr>
-              <a:buSzPct val="45000"/>
-              <a:buFont typeface="Wingdings" charset="2"/>
-              <a:buChar char=""/>
             </a:pPr>
             <a:endParaRPr b="0" lang="fr-FR" sz="1800" spc="-1" strike="noStrike">
               <a:solidFill>
@@ -3552,7 +8455,10 @@
             </a:endParaRPr>
           </a:p>
           <a:p>
-            <a:pPr marL="432000" indent="-324000">
+            <a:pPr marL="432000" indent="-322920">
+              <a:lnSpc>
+                <a:spcPct val="100000"/>
+              </a:lnSpc>
               <a:spcAft>
                 <a:spcPts val="1060"/>
               </a:spcAft>
@@ -3574,6 +8480,7 @@
                   </a:solidFill>
                 </a:uFill>
                 <a:latin typeface="Arial"/>
+                <a:ea typeface="DejaVu Sans"/>
               </a:rPr>
               <a:t>Organisation et partage des taches :  </a:t>
             </a:r>
@@ -3590,16 +8497,13 @@
             </a:endParaRPr>
           </a:p>
           <a:p>
-            <a:pPr marL="432000" indent="-324000">
+            <a:pPr>
+              <a:lnSpc>
+                <a:spcPct val="100000"/>
+              </a:lnSpc>
               <a:spcAft>
                 <a:spcPts val="1060"/>
               </a:spcAft>
-              <a:buClr>
-                <a:srgbClr val="006600"/>
-              </a:buClr>
-              <a:buSzPct val="45000"/>
-              <a:buFont typeface="Wingdings" charset="2"/>
-              <a:buChar char=""/>
             </a:pPr>
             <a:endParaRPr b="0" lang="fr-FR" sz="2400" spc="-1" strike="noStrike">
               <a:solidFill>
@@ -3614,7 +8518,10 @@
             </a:endParaRPr>
           </a:p>
           <a:p>
-            <a:pPr marL="432000" indent="-324000">
+            <a:pPr marL="432000" indent="-322920">
+              <a:lnSpc>
+                <a:spcPct val="100000"/>
+              </a:lnSpc>
               <a:spcAft>
                 <a:spcPts val="1060"/>
               </a:spcAft>
@@ -3636,6 +8543,7 @@
                   </a:solidFill>
                 </a:uFill>
                 <a:latin typeface="Arial"/>
+                <a:ea typeface="DejaVu Sans"/>
               </a:rPr>
               <a:t>Dépôt des fichiers :</a:t>
             </a:r>
@@ -3655,7 +8563,7 @@
       </p:sp>
       <p:pic>
         <p:nvPicPr>
-          <p:cNvPr id="52" name="" descr=""/>
+          <p:cNvPr id="127" name="" descr=""/>
           <p:cNvPicPr/>
           <p:nvPr/>
         </p:nvPicPr>
@@ -3666,7 +8574,7 @@
         <p:spPr>
           <a:xfrm>
             <a:off x="3778560" y="3395160"/>
-            <a:ext cx="2297160" cy="945720"/>
+            <a:ext cx="2296080" cy="944640"/>
           </a:xfrm>
           <a:prstGeom prst="rect">
             <a:avLst/>
@@ -3678,7 +8586,7 @@
       </p:pic>
       <p:pic>
         <p:nvPicPr>
-          <p:cNvPr id="53" name="" descr=""/>
+          <p:cNvPr id="128" name="" descr=""/>
           <p:cNvPicPr/>
           <p:nvPr/>
         </p:nvPicPr>
@@ -3689,7 +8597,7 @@
         <p:spPr>
           <a:xfrm>
             <a:off x="6105960" y="2376000"/>
-            <a:ext cx="2085480" cy="907920"/>
+            <a:ext cx="2084400" cy="906840"/>
           </a:xfrm>
           <a:prstGeom prst="rect">
             <a:avLst/>
@@ -3701,7 +8609,7 @@
       </p:pic>
       <p:pic>
         <p:nvPicPr>
-          <p:cNvPr id="54" name="" descr=""/>
+          <p:cNvPr id="129" name="" descr=""/>
           <p:cNvPicPr/>
           <p:nvPr/>
         </p:nvPicPr>
@@ -3712,7 +8620,7 @@
         <p:spPr>
           <a:xfrm>
             <a:off x="270360" y="4881960"/>
-            <a:ext cx="1434240" cy="538560"/>
+            <a:ext cx="1433160" cy="537480"/>
           </a:xfrm>
           <a:prstGeom prst="rect">
             <a:avLst/>
@@ -3773,14 +8681,14 @@
       </p:grpSpPr>
       <p:sp>
         <p:nvSpPr>
-          <p:cNvPr id="55" name="TextShape 1"/>
-          <p:cNvSpPr txBox="1"/>
+          <p:cNvPr id="130" name="CustomShape 1"/>
+          <p:cNvSpPr/>
           <p:nvPr/>
         </p:nvSpPr>
         <p:spPr>
           <a:xfrm>
             <a:off x="504000" y="216000"/>
-            <a:ext cx="9072000" cy="648000"/>
+            <a:ext cx="9070920" cy="646920"/>
           </a:xfrm>
           <a:prstGeom prst="rect">
             <a:avLst/>
@@ -3790,10 +8698,19 @@
             <a:noFill/>
           </a:ln>
         </p:spPr>
+        <p:style>
+          <a:lnRef idx="0"/>
+          <a:fillRef idx="0"/>
+          <a:effectRef idx="0"/>
+          <a:fontRef idx="minor"/>
+        </p:style>
         <p:txBody>
           <a:bodyPr lIns="0" rIns="0" tIns="0" bIns="0" anchor="ctr"/>
           <a:p>
-            <a:pPr algn="ctr">
+            <a:pPr marL="216000" indent="-215280" algn="ctr">
+              <a:lnSpc>
+                <a:spcPct val="100000"/>
+              </a:lnSpc>
               <a:buClr>
                 <a:srgbClr val="000000"/>
               </a:buClr>
@@ -3812,12 +8729,13 @@
                   </a:solidFill>
                 </a:uFill>
                 <a:latin typeface="Arial"/>
+                <a:ea typeface="DejaVu Sans"/>
               </a:rPr>
               <a:t>Architecture globale</a:t>
             </a:r>
-            <a:endParaRPr b="1" lang="fr-FR" sz="3300" spc="-1" strike="noStrike">
-              <a:solidFill>
-                <a:srgbClr val="ffffff"/>
+            <a:endParaRPr b="0" lang="fr-FR" sz="3300" spc="-1" strike="noStrike">
+              <a:solidFill>
+                <a:srgbClr val="000000"/>
               </a:solidFill>
               <a:uFill>
                 <a:solidFill>
@@ -3831,7 +8749,7 @@
       </p:sp>
       <p:pic>
         <p:nvPicPr>
-          <p:cNvPr id="56" name="" descr=""/>
+          <p:cNvPr id="131" name="" descr=""/>
           <p:cNvPicPr/>
           <p:nvPr/>
         </p:nvPicPr>
@@ -3842,7 +8760,7 @@
         <p:spPr>
           <a:xfrm>
             <a:off x="1076400" y="1032480"/>
-            <a:ext cx="8133840" cy="4590720"/>
+            <a:ext cx="8132760" cy="4589640"/>
           </a:xfrm>
           <a:prstGeom prst="rect">
             <a:avLst/>
@@ -3854,7 +8772,7 @@
       </p:pic>
       <p:pic>
         <p:nvPicPr>
-          <p:cNvPr id="57" name="" descr=""/>
+          <p:cNvPr id="132" name="" descr=""/>
           <p:cNvPicPr/>
           <p:nvPr/>
         </p:nvPicPr>
@@ -3865,7 +8783,7 @@
         <p:spPr>
           <a:xfrm>
             <a:off x="270360" y="4881960"/>
-            <a:ext cx="1434240" cy="538560"/>
+            <a:ext cx="1433160" cy="537480"/>
           </a:xfrm>
           <a:prstGeom prst="rect">
             <a:avLst/>
@@ -3924,16 +8842,39 @@
           <a:chExt cx="0" cy="0"/>
         </a:xfrm>
       </p:grpSpPr>
-      <p:sp>
-        <p:nvSpPr>
-          <p:cNvPr id="58" name="TextShape 1"/>
-          <p:cNvSpPr txBox="1"/>
+      <p:pic>
+        <p:nvPicPr>
+          <p:cNvPr id="133" name="" descr=""/>
+          <p:cNvPicPr/>
           <p:nvPr/>
-        </p:nvSpPr>
-        <p:spPr>
-          <a:xfrm>
-            <a:off x="504000" y="216000"/>
-            <a:ext cx="9072000" cy="648000"/>
+        </p:nvPicPr>
+        <p:blipFill>
+          <a:blip r:embed="rId1"/>
+          <a:stretch/>
+        </p:blipFill>
+        <p:spPr>
+          <a:xfrm>
+            <a:off x="1380240" y="968040"/>
+            <a:ext cx="7044840" cy="4561920"/>
+          </a:xfrm>
+          <a:prstGeom prst="rect">
+            <a:avLst/>
+          </a:prstGeom>
+          <a:ln>
+            <a:noFill/>
+          </a:ln>
+        </p:spPr>
+      </p:pic>
+      <p:sp>
+        <p:nvSpPr>
+          <p:cNvPr id="134" name="CustomShape 1"/>
+          <p:cNvSpPr/>
+          <p:nvPr/>
+        </p:nvSpPr>
+        <p:spPr>
+          <a:xfrm>
+            <a:off x="504000" y="72000"/>
+            <a:ext cx="9071640" cy="946080"/>
           </a:xfrm>
           <a:prstGeom prst="rect">
             <a:avLst/>
@@ -3943,14 +8884,24 @@
             <a:noFill/>
           </a:ln>
         </p:spPr>
+        <p:style>
+          <a:lnRef idx="0"/>
+          <a:fillRef idx="0"/>
+          <a:effectRef idx="0"/>
+          <a:fontRef idx="minor"/>
+        </p:style>
         <p:txBody>
           <a:bodyPr lIns="0" rIns="0" tIns="0" bIns="0" anchor="ctr"/>
           <a:p>
-            <a:pPr algn="ctr"/>
+            <a:pPr algn="ctr">
+              <a:lnSpc>
+                <a:spcPct val="100000"/>
+              </a:lnSpc>
+            </a:pPr>
             <a:r>
-              <a:rPr b="1" lang="fr-FR" sz="3300" spc="-1" strike="noStrike">
-                <a:solidFill>
-                  <a:srgbClr val="ffffff"/>
+              <a:rPr b="0" lang="fr-FR" sz="4400" spc="-1" strike="noStrike">
+                <a:solidFill>
+                  <a:srgbClr val="000000"/>
                 </a:solidFill>
                 <a:uFill>
                   <a:solidFill>
@@ -3959,68 +8910,22 @@
                 </a:uFill>
                 <a:latin typeface="Arial"/>
               </a:rPr>
-              <a:t>Schéma Infrastructure Cacti Reborn</a:t>
+              <a:t>Cacti origine</a:t>
             </a:r>
-            <a:endParaRPr b="1" lang="fr-FR" sz="3300" spc="-1" strike="noStrike">
-              <a:solidFill>
-                <a:srgbClr val="ffffff"/>
-              </a:solidFill>
-              <a:uFill>
-                <a:solidFill>
-                  <a:srgbClr val="ffffff"/>
-                </a:solidFill>
-              </a:uFill>
-              <a:latin typeface="Arial"/>
-            </a:endParaRPr>
-          </a:p>
-        </p:txBody>
-      </p:sp>
-      <p:pic>
-        <p:nvPicPr>
-          <p:cNvPr id="59" name="" descr=""/>
-          <p:cNvPicPr/>
-          <p:nvPr/>
-        </p:nvPicPr>
-        <p:blipFill>
-          <a:blip r:embed="rId1"/>
-          <a:stretch/>
-        </p:blipFill>
-        <p:spPr>
-          <a:xfrm>
-            <a:off x="161640" y="4881960"/>
-            <a:ext cx="1434240" cy="538560"/>
-          </a:xfrm>
-          <a:prstGeom prst="rect">
-            <a:avLst/>
-          </a:prstGeom>
-          <a:ln>
-            <a:noFill/>
-          </a:ln>
-        </p:spPr>
-      </p:pic>
-      <p:pic>
-        <p:nvPicPr>
-          <p:cNvPr id="60" name="" descr=""/>
-          <p:cNvPicPr/>
-          <p:nvPr/>
-        </p:nvPicPr>
-        <p:blipFill>
-          <a:blip r:embed="rId2"/>
-          <a:stretch/>
-        </p:blipFill>
-        <p:spPr>
-          <a:xfrm>
-            <a:off x="2088000" y="996120"/>
-            <a:ext cx="6432480" cy="4547880"/>
-          </a:xfrm>
-          <a:prstGeom prst="rect">
-            <a:avLst/>
-          </a:prstGeom>
-          <a:ln>
-            <a:noFill/>
-          </a:ln>
-        </p:spPr>
-      </p:pic>
+            <a:endParaRPr b="0" lang="fr-FR" sz="4400" spc="-1" strike="noStrike">
+              <a:solidFill>
+                <a:srgbClr val="000000"/>
+              </a:solidFill>
+              <a:uFill>
+                <a:solidFill>
+                  <a:srgbClr val="ffffff"/>
+                </a:solidFill>
+              </a:uFill>
+              <a:latin typeface="Arial"/>
+            </a:endParaRPr>
+          </a:p>
+        </p:txBody>
+      </p:sp>
     </p:spTree>
   </p:cSld>
   <p:timing>
@@ -4072,14 +8977,14 @@
       </p:grpSpPr>
       <p:sp>
         <p:nvSpPr>
-          <p:cNvPr id="61" name="TextShape 1"/>
-          <p:cNvSpPr txBox="1"/>
+          <p:cNvPr id="135" name="CustomShape 1"/>
+          <p:cNvSpPr/>
           <p:nvPr/>
         </p:nvSpPr>
         <p:spPr>
           <a:xfrm>
             <a:off x="504000" y="216000"/>
-            <a:ext cx="9072000" cy="648000"/>
+            <a:ext cx="9070920" cy="646920"/>
           </a:xfrm>
           <a:prstGeom prst="rect">
             <a:avLst/>
@@ -4089,21 +8994,24 @@
             <a:noFill/>
           </a:ln>
         </p:spPr>
+        <p:style>
+          <a:lnRef idx="0"/>
+          <a:fillRef idx="0"/>
+          <a:effectRef idx="0"/>
+          <a:fontRef idx="minor"/>
+        </p:style>
         <p:txBody>
           <a:bodyPr lIns="0" rIns="0" tIns="0" bIns="0" anchor="ctr"/>
           <a:p>
             <a:pPr algn="ctr">
-              <a:buClr>
-                <a:srgbClr val="000000"/>
-              </a:buClr>
-              <a:buSzPct val="45000"/>
-              <a:buFont typeface="Wingdings" charset="2"/>
-              <a:buChar char=""/>
+              <a:lnSpc>
+                <a:spcPct val="100000"/>
+              </a:lnSpc>
             </a:pPr>
             <a:r>
-              <a:rPr b="1" lang="fr-FR" sz="3300" spc="-1" strike="noStrike">
-                <a:solidFill>
-                  <a:srgbClr val="ffffff"/>
+              <a:rPr b="0" lang="fr-FR" sz="4400" spc="-1" strike="noStrike">
+                <a:solidFill>
+                  <a:srgbClr val="000000"/>
                 </a:solidFill>
                 <a:uFill>
                   <a:solidFill>
@@ -4111,159 +9019,11 @@
                   </a:solidFill>
                 </a:uFill>
                 <a:latin typeface="Arial"/>
+                <a:ea typeface="DejaVu Sans"/>
               </a:rPr>
-              <a:t>Solutions développés</a:t>
+              <a:t>Application développée</a:t>
             </a:r>
-            <a:endParaRPr b="1" lang="fr-FR" sz="3300" spc="-1" strike="noStrike">
-              <a:solidFill>
-                <a:srgbClr val="ffffff"/>
-              </a:solidFill>
-              <a:uFill>
-                <a:solidFill>
-                  <a:srgbClr val="ffffff"/>
-                </a:solidFill>
-              </a:uFill>
-              <a:latin typeface="Arial"/>
-            </a:endParaRPr>
-          </a:p>
-        </p:txBody>
-      </p:sp>
-      <p:sp>
-        <p:nvSpPr>
-          <p:cNvPr id="62" name="TextShape 2"/>
-          <p:cNvSpPr txBox="1"/>
-          <p:nvPr/>
-        </p:nvSpPr>
-        <p:spPr>
-          <a:xfrm>
-            <a:off x="504000" y="1368000"/>
-            <a:ext cx="9072000" cy="3288240"/>
-          </a:xfrm>
-          <a:prstGeom prst="rect">
-            <a:avLst/>
-          </a:prstGeom>
-          <a:noFill/>
-          <a:ln>
-            <a:noFill/>
-          </a:ln>
-        </p:spPr>
-        <p:txBody>
-          <a:bodyPr lIns="0" rIns="0" tIns="0" bIns="0">
-            <a:normAutofit/>
-          </a:bodyPr>
-          <a:p>
-            <a:pPr marL="432000" indent="-324000">
-              <a:spcAft>
-                <a:spcPts val="1060"/>
-              </a:spcAft>
-              <a:buClr>
-                <a:srgbClr val="006600"/>
-              </a:buClr>
-              <a:buSzPct val="45000"/>
-              <a:buFont typeface="Wingdings" charset="2"/>
-              <a:buChar char=""/>
-            </a:pPr>
-            <a:endParaRPr b="0" lang="fr-FR" sz="2400" spc="-1" strike="noStrike">
-              <a:solidFill>
-                <a:srgbClr val="000000"/>
-              </a:solidFill>
-              <a:uFill>
-                <a:solidFill>
-                  <a:srgbClr val="ffffff"/>
-                </a:solidFill>
-              </a:uFill>
-              <a:latin typeface="Arial"/>
-            </a:endParaRPr>
-          </a:p>
-          <a:p>
-            <a:pPr marL="432000" indent="-324000">
-              <a:spcAft>
-                <a:spcPts val="1060"/>
-              </a:spcAft>
-              <a:buClr>
-                <a:srgbClr val="006600"/>
-              </a:buClr>
-              <a:buSzPct val="45000"/>
-              <a:buFont typeface="Wingdings" charset="2"/>
-              <a:buChar char=""/>
-            </a:pPr>
-            <a:r>
-              <a:rPr b="0" lang="fr-FR" sz="2400" spc="-1" strike="noStrike">
-                <a:solidFill>
-                  <a:srgbClr val="000000"/>
-                </a:solidFill>
-                <a:uFill>
-                  <a:solidFill>
-                    <a:srgbClr val="ffffff"/>
-                  </a:solidFill>
-                </a:uFill>
-                <a:latin typeface="Arial"/>
-              </a:rPr>
-              <a:t>Cacti  Reborn Web</a:t>
-            </a:r>
-            <a:endParaRPr b="0" lang="fr-FR" sz="2400" spc="-1" strike="noStrike">
-              <a:solidFill>
-                <a:srgbClr val="000000"/>
-              </a:solidFill>
-              <a:uFill>
-                <a:solidFill>
-                  <a:srgbClr val="ffffff"/>
-                </a:solidFill>
-              </a:uFill>
-              <a:latin typeface="Arial"/>
-            </a:endParaRPr>
-          </a:p>
-          <a:p>
-            <a:pPr marL="432000" indent="-324000">
-              <a:spcAft>
-                <a:spcPts val="1060"/>
-              </a:spcAft>
-              <a:buClr>
-                <a:srgbClr val="006600"/>
-              </a:buClr>
-              <a:buSzPct val="45000"/>
-              <a:buFont typeface="Wingdings" charset="2"/>
-              <a:buChar char=""/>
-            </a:pPr>
-            <a:r>
-              <a:rPr b="0" lang="fr-FR" sz="2400" spc="-1" strike="noStrike">
-                <a:solidFill>
-                  <a:srgbClr val="000000"/>
-                </a:solidFill>
-                <a:uFill>
-                  <a:solidFill>
-                    <a:srgbClr val="ffffff"/>
-                  </a:solidFill>
-                </a:uFill>
-                <a:latin typeface="Arial"/>
-              </a:rPr>
-              <a:t>Cacti Reborn Android</a:t>
-            </a:r>
-            <a:endParaRPr b="0" lang="fr-FR" sz="2400" spc="-1" strike="noStrike">
-              <a:solidFill>
-                <a:srgbClr val="000000"/>
-              </a:solidFill>
-              <a:uFill>
-                <a:solidFill>
-                  <a:srgbClr val="ffffff"/>
-                </a:solidFill>
-              </a:uFill>
-              <a:latin typeface="Arial"/>
-            </a:endParaRPr>
-          </a:p>
-          <a:p>
-            <a:pPr marL="432000" indent="-324000">
-              <a:spcAft>
-                <a:spcPts val="1060"/>
-              </a:spcAft>
-              <a:buClr>
-                <a:srgbClr val="006600"/>
-              </a:buClr>
-              <a:buSzPct val="45000"/>
-              <a:buFont typeface="Wingdings" charset="2"/>
-              <a:buChar char=""/>
-            </a:pPr>
-            <a:endParaRPr b="0" lang="fr-FR" sz="2400" spc="-1" strike="noStrike">
+            <a:endParaRPr b="0" lang="fr-FR" sz="4400" spc="-1" strike="noStrike">
               <a:solidFill>
                 <a:srgbClr val="000000"/>
               </a:solidFill>
@@ -4279,7 +9039,7 @@
       </p:sp>
       <p:pic>
         <p:nvPicPr>
-          <p:cNvPr id="63" name="" descr=""/>
+          <p:cNvPr id="136" name="" descr=""/>
           <p:cNvPicPr/>
           <p:nvPr/>
         </p:nvPicPr>
@@ -4289,8 +9049,8 @@
         </p:blipFill>
         <p:spPr>
           <a:xfrm>
-            <a:off x="270360" y="4881960"/>
-            <a:ext cx="1434240" cy="538560"/>
+            <a:off x="1150560" y="1171440"/>
+            <a:ext cx="7948440" cy="3796560"/>
           </a:xfrm>
           <a:prstGeom prst="rect">
             <a:avLst/>
@@ -4351,14 +9111,14 @@
       </p:grpSpPr>
       <p:sp>
         <p:nvSpPr>
-          <p:cNvPr id="64" name="TextShape 1"/>
-          <p:cNvSpPr txBox="1"/>
+          <p:cNvPr id="137" name="CustomShape 1"/>
+          <p:cNvSpPr/>
           <p:nvPr/>
         </p:nvSpPr>
         <p:spPr>
           <a:xfrm>
             <a:off x="504000" y="216000"/>
-            <a:ext cx="9072000" cy="648000"/>
+            <a:ext cx="9070920" cy="646920"/>
           </a:xfrm>
           <a:prstGeom prst="rect">
             <a:avLst/>
@@ -4368,21 +9128,24 @@
             <a:noFill/>
           </a:ln>
         </p:spPr>
+        <p:style>
+          <a:lnRef idx="0"/>
+          <a:fillRef idx="0"/>
+          <a:effectRef idx="0"/>
+          <a:fontRef idx="minor"/>
+        </p:style>
         <p:txBody>
           <a:bodyPr lIns="0" rIns="0" tIns="0" bIns="0" anchor="ctr"/>
           <a:p>
             <a:pPr algn="ctr">
-              <a:buClr>
-                <a:srgbClr val="000000"/>
-              </a:buClr>
-              <a:buSzPct val="45000"/>
-              <a:buFont typeface="Wingdings" charset="2"/>
-              <a:buChar char=""/>
+              <a:lnSpc>
+                <a:spcPct val="100000"/>
+              </a:lnSpc>
             </a:pPr>
             <a:r>
-              <a:rPr b="1" lang="fr-FR" sz="3300" spc="-1" strike="noStrike">
-                <a:solidFill>
-                  <a:srgbClr val="ffffff"/>
+              <a:rPr b="0" lang="fr-FR" sz="4400" spc="-1" strike="noStrike">
+                <a:solidFill>
+                  <a:srgbClr val="000000"/>
                 </a:solidFill>
                 <a:uFill>
                   <a:solidFill>
@@ -4390,48 +9153,11 @@
                   </a:solidFill>
                 </a:uFill>
                 <a:latin typeface="Arial"/>
+                <a:ea typeface="DejaVu Sans"/>
               </a:rPr>
-              <a:t>Conclusions</a:t>
+              <a:t>Application développée</a:t>
             </a:r>
-            <a:endParaRPr b="1" lang="fr-FR" sz="3300" spc="-1" strike="noStrike">
-              <a:solidFill>
-                <a:srgbClr val="ffffff"/>
-              </a:solidFill>
-              <a:uFill>
-                <a:solidFill>
-                  <a:srgbClr val="ffffff"/>
-                </a:solidFill>
-              </a:uFill>
-              <a:latin typeface="Arial"/>
-            </a:endParaRPr>
-          </a:p>
-        </p:txBody>
-      </p:sp>
-      <p:sp>
-        <p:nvSpPr>
-          <p:cNvPr id="65" name="TextShape 2"/>
-          <p:cNvSpPr txBox="1"/>
-          <p:nvPr/>
-        </p:nvSpPr>
-        <p:spPr>
-          <a:xfrm>
-            <a:off x="504000" y="1368000"/>
-            <a:ext cx="9072000" cy="3288240"/>
-          </a:xfrm>
-          <a:prstGeom prst="rect">
-            <a:avLst/>
-          </a:prstGeom>
-          <a:noFill/>
-          <a:ln>
-            <a:noFill/>
-          </a:ln>
-        </p:spPr>
-        <p:txBody>
-          <a:bodyPr lIns="0" rIns="0" tIns="0" bIns="0">
-            <a:normAutofit/>
-          </a:bodyPr>
-          <a:p>
-            <a:endParaRPr b="0" lang="fr-FR" sz="2400" spc="-1" strike="noStrike">
+            <a:endParaRPr b="0" lang="fr-FR" sz="4400" spc="-1" strike="noStrike">
               <a:solidFill>
                 <a:srgbClr val="000000"/>
               </a:solidFill>
@@ -4447,7 +9173,7 @@
       </p:sp>
       <p:pic>
         <p:nvPicPr>
-          <p:cNvPr id="66" name="" descr=""/>
+          <p:cNvPr id="138" name="" descr=""/>
           <p:cNvPicPr/>
           <p:nvPr/>
         </p:nvPicPr>
@@ -4457,8 +9183,8 @@
         </p:blipFill>
         <p:spPr>
           <a:xfrm>
-            <a:off x="270360" y="4881960"/>
-            <a:ext cx="1434240" cy="538560"/>
+            <a:off x="924120" y="1197000"/>
+            <a:ext cx="8499240" cy="4157280"/>
           </a:xfrm>
           <a:prstGeom prst="rect">
             <a:avLst/>
@@ -4477,6 +9203,140 @@
           <p:childTnLst>
             <p:seq>
               <p:cTn id="16" nodeType="mainSeq"/>
+              <p:prevCondLst>
+                <p:cond delay="0" evt="onPrev">
+                  <p:tgtEl>
+                    <p:sldTgt/>
+                  </p:tgtEl>
+                </p:cond>
+              </p:prevCondLst>
+              <p:nextCondLst>
+                <p:cond delay="0" evt="onNext">
+                  <p:tgtEl>
+                    <p:sldTgt/>
+                  </p:tgtEl>
+                </p:cond>
+              </p:nextCondLst>
+            </p:seq>
+          </p:childTnLst>
+        </p:cTn>
+      </p:par>
+    </p:tnLst>
+  </p:timing>
+</p:sld>
+</file>
+
+<file path=ppt/slides/slide9.xml><?xml version="1.0" encoding="utf-8"?>
+<p:sld xmlns:a="http://schemas.openxmlformats.org/drawingml/2006/main" xmlns:p="http://schemas.openxmlformats.org/presentationml/2006/main" xmlns:r="http://schemas.openxmlformats.org/officeDocument/2006/relationships" xmlns:p14="http://schemas.microsoft.com/office/powerpoint/2010/main" xmlns:p15="http://schemas.microsoft.com/office/powerpoint/2012/main" xmlns:mc="http://schemas.openxmlformats.org/markup-compatibility/2006">
+  <p:cSld>
+    <p:spTree>
+      <p:nvGrpSpPr>
+        <p:cNvPr id="1" name=""/>
+        <p:cNvGrpSpPr/>
+        <p:nvPr/>
+      </p:nvGrpSpPr>
+      <p:grpSpPr>
+        <a:xfrm>
+          <a:off x="0" y="0"/>
+          <a:ext cx="0" cy="0"/>
+          <a:chOff x="0" y="0"/>
+          <a:chExt cx="0" cy="0"/>
+        </a:xfrm>
+      </p:grpSpPr>
+      <p:sp>
+        <p:nvSpPr>
+          <p:cNvPr id="139" name="CustomShape 1"/>
+          <p:cNvSpPr/>
+          <p:nvPr/>
+        </p:nvSpPr>
+        <p:spPr>
+          <a:xfrm>
+            <a:off x="504000" y="216000"/>
+            <a:ext cx="9070920" cy="646920"/>
+          </a:xfrm>
+          <a:prstGeom prst="rect">
+            <a:avLst/>
+          </a:prstGeom>
+          <a:noFill/>
+          <a:ln>
+            <a:noFill/>
+          </a:ln>
+        </p:spPr>
+        <p:style>
+          <a:lnRef idx="0"/>
+          <a:fillRef idx="0"/>
+          <a:effectRef idx="0"/>
+          <a:fontRef idx="minor"/>
+        </p:style>
+        <p:txBody>
+          <a:bodyPr lIns="0" rIns="0" tIns="0" bIns="0" anchor="ctr"/>
+          <a:p>
+            <a:pPr algn="ctr">
+              <a:lnSpc>
+                <a:spcPct val="100000"/>
+              </a:lnSpc>
+            </a:pPr>
+            <a:r>
+              <a:rPr b="0" lang="fr-FR" sz="4400" spc="-1" strike="noStrike">
+                <a:solidFill>
+                  <a:srgbClr val="000000"/>
+                </a:solidFill>
+                <a:uFill>
+                  <a:solidFill>
+                    <a:srgbClr val="ffffff"/>
+                  </a:solidFill>
+                </a:uFill>
+                <a:latin typeface="Arial"/>
+                <a:ea typeface="DejaVu Sans"/>
+              </a:rPr>
+              <a:t>Application développée</a:t>
+            </a:r>
+            <a:endParaRPr b="0" lang="fr-FR" sz="4400" spc="-1" strike="noStrike">
+              <a:solidFill>
+                <a:srgbClr val="000000"/>
+              </a:solidFill>
+              <a:uFill>
+                <a:solidFill>
+                  <a:srgbClr val="ffffff"/>
+                </a:solidFill>
+              </a:uFill>
+              <a:latin typeface="Arial"/>
+            </a:endParaRPr>
+          </a:p>
+        </p:txBody>
+      </p:sp>
+      <p:pic>
+        <p:nvPicPr>
+          <p:cNvPr id="140" name="" descr=""/>
+          <p:cNvPicPr/>
+          <p:nvPr/>
+        </p:nvPicPr>
+        <p:blipFill>
+          <a:blip r:embed="rId1"/>
+          <a:stretch/>
+        </p:blipFill>
+        <p:spPr>
+          <a:xfrm>
+            <a:off x="783000" y="1277640"/>
+            <a:ext cx="8407440" cy="3861720"/>
+          </a:xfrm>
+          <a:prstGeom prst="rect">
+            <a:avLst/>
+          </a:prstGeom>
+          <a:ln>
+            <a:noFill/>
+          </a:ln>
+        </p:spPr>
+      </p:pic>
+    </p:spTree>
+  </p:cSld>
+  <p:timing>
+    <p:tnLst>
+      <p:par>
+        <p:cTn id="17" dur="indefinite" restart="never" nodeType="tmRoot">
+          <p:childTnLst>
+            <p:seq>
+              <p:cTn id="18" nodeType="mainSeq"/>
               <p:prevCondLst>
                 <p:cond delay="0" evt="onPrev">
                   <p:tgtEl>
@@ -4721,4 +9581,450 @@
     </a:fmtScheme>
   </a:themeElements>
 </a:theme>
+</file>
+
+<file path=ppt/theme/theme2.xml><?xml version="1.0" encoding="utf-8"?>
+<a:theme xmlns:a="http://schemas.openxmlformats.org/drawingml/2006/main" name="Office Theme">
+  <a:themeElements>
+    <a:clrScheme name="Office">
+      <a:dk1>
+        <a:sysClr val="windowText" lastClr="000000"/>
+      </a:dk1>
+      <a:lt1>
+        <a:sysClr val="window" lastClr="FFFFFF"/>
+      </a:lt1>
+      <a:dk2>
+        <a:srgbClr val="1F497D"/>
+      </a:dk2>
+      <a:lt2>
+        <a:srgbClr val="EEECE1"/>
+      </a:lt2>
+      <a:accent1>
+        <a:srgbClr val="4F81BD"/>
+      </a:accent1>
+      <a:accent2>
+        <a:srgbClr val="C0504D"/>
+      </a:accent2>
+      <a:accent3>
+        <a:srgbClr val="9BBB59"/>
+      </a:accent3>
+      <a:accent4>
+        <a:srgbClr val="8064A2"/>
+      </a:accent4>
+      <a:accent5>
+        <a:srgbClr val="4BACC6"/>
+      </a:accent5>
+      <a:accent6>
+        <a:srgbClr val="F79646"/>
+      </a:accent6>
+      <a:hlink>
+        <a:srgbClr val="0000FF"/>
+      </a:hlink>
+      <a:folHlink>
+        <a:srgbClr val="800080"/>
+      </a:folHlink>
+    </a:clrScheme>
+    <a:fontScheme name="Office">
+      <a:majorFont>
+        <a:latin typeface="Arial"/>
+        <a:ea typeface="DejaVu Sans"/>
+        <a:cs typeface="DejaVu Sans"/>
+      </a:majorFont>
+      <a:minorFont>
+        <a:latin typeface="Arial"/>
+        <a:ea typeface="DejaVu Sans"/>
+        <a:cs typeface="DejaVu Sans"/>
+      </a:minorFont>
+    </a:fontScheme>
+    <a:fmtScheme name="Office">
+      <a:fillStyleLst>
+        <a:solidFill>
+          <a:schemeClr val="phClr"/>
+        </a:solidFill>
+        <a:gradFill rotWithShape="1">
+          <a:gsLst>
+            <a:gs pos="0">
+              <a:schemeClr val="phClr">
+                <a:tint val="50000"/>
+                <a:satMod val="300000"/>
+              </a:schemeClr>
+            </a:gs>
+            <a:gs pos="35000">
+              <a:schemeClr val="phClr">
+                <a:tint val="37000"/>
+                <a:satMod val="300000"/>
+              </a:schemeClr>
+            </a:gs>
+            <a:gs pos="100000">
+              <a:schemeClr val="phClr">
+                <a:tint val="15000"/>
+                <a:satMod val="350000"/>
+              </a:schemeClr>
+            </a:gs>
+          </a:gsLst>
+          <a:lin ang="16200000" scaled="1"/>
+        </a:gradFill>
+        <a:gradFill rotWithShape="1">
+          <a:gsLst>
+            <a:gs pos="0">
+              <a:schemeClr val="phClr">
+                <a:shade val="51000"/>
+                <a:satMod val="130000"/>
+              </a:schemeClr>
+            </a:gs>
+            <a:gs pos="80000">
+              <a:schemeClr val="phClr">
+                <a:shade val="93000"/>
+                <a:satMod val="130000"/>
+              </a:schemeClr>
+            </a:gs>
+            <a:gs pos="100000">
+              <a:schemeClr val="phClr">
+                <a:shade val="94000"/>
+                <a:satMod val="135000"/>
+              </a:schemeClr>
+            </a:gs>
+          </a:gsLst>
+          <a:lin ang="16200000" scaled="0"/>
+        </a:gradFill>
+      </a:fillStyleLst>
+      <a:lnStyleLst>
+        <a:ln w="9525" cap="flat" cmpd="sng" algn="ctr">
+          <a:solidFill>
+            <a:schemeClr val="phClr">
+              <a:shade val="95000"/>
+              <a:satMod val="105000"/>
+            </a:schemeClr>
+          </a:solidFill>
+          <a:prstDash val="solid"/>
+        </a:ln>
+        <a:ln w="25400" cap="flat" cmpd="sng" algn="ctr">
+          <a:solidFill>
+            <a:schemeClr val="phClr"/>
+          </a:solidFill>
+          <a:prstDash val="solid"/>
+        </a:ln>
+        <a:ln w="38100" cap="flat" cmpd="sng" algn="ctr">
+          <a:solidFill>
+            <a:schemeClr val="phClr"/>
+          </a:solidFill>
+          <a:prstDash val="solid"/>
+        </a:ln>
+      </a:lnStyleLst>
+      <a:effectStyleLst>
+        <a:effectStyle>
+          <a:effectLst>
+            <a:outerShdw blurRad="40000" dist="20000" dir="5400000" rotWithShape="0">
+              <a:srgbClr val="000000">
+                <a:alpha val="38000"/>
+              </a:srgbClr>
+            </a:outerShdw>
+          </a:effectLst>
+        </a:effectStyle>
+        <a:effectStyle>
+          <a:effectLst>
+            <a:outerShdw blurRad="40000" dist="23000" dir="5400000" rotWithShape="0">
+              <a:srgbClr val="000000">
+                <a:alpha val="35000"/>
+              </a:srgbClr>
+            </a:outerShdw>
+          </a:effectLst>
+        </a:effectStyle>
+        <a:effectStyle>
+          <a:effectLst>
+            <a:outerShdw blurRad="40000" dist="23000" dir="5400000" rotWithShape="0">
+              <a:srgbClr val="000000">
+                <a:alpha val="35000"/>
+              </a:srgbClr>
+            </a:outerShdw>
+          </a:effectLst>
+          <a:scene3d>
+            <a:camera prst="orthographicFront">
+              <a:rot lat="0" lon="0" rev="0"/>
+            </a:camera>
+            <a:lightRig rig="threePt" dir="t">
+              <a:rot lat="0" lon="0" rev="1200000"/>
+            </a:lightRig>
+          </a:scene3d>
+          <a:sp3d>
+            <a:bevelT w="63500" h="25400"/>
+          </a:sp3d>
+        </a:effectStyle>
+      </a:effectStyleLst>
+      <a:bgFillStyleLst>
+        <a:solidFill>
+          <a:schemeClr val="phClr"/>
+        </a:solidFill>
+        <a:gradFill rotWithShape="1">
+          <a:gsLst>
+            <a:gs pos="0">
+              <a:schemeClr val="phClr">
+                <a:tint val="40000"/>
+                <a:satMod val="350000"/>
+              </a:schemeClr>
+            </a:gs>
+            <a:gs pos="40000">
+              <a:schemeClr val="phClr">
+                <a:tint val="45000"/>
+                <a:shade val="99000"/>
+                <a:satMod val="350000"/>
+              </a:schemeClr>
+            </a:gs>
+            <a:gs pos="100000">
+              <a:schemeClr val="phClr">
+                <a:shade val="20000"/>
+                <a:satMod val="255000"/>
+              </a:schemeClr>
+            </a:gs>
+          </a:gsLst>
+          <a:path path="circle">
+            <a:fillToRect l="50000" t="-80000" r="50000" b="180000"/>
+          </a:path>
+        </a:gradFill>
+        <a:gradFill rotWithShape="1">
+          <a:gsLst>
+            <a:gs pos="0">
+              <a:schemeClr val="phClr">
+                <a:tint val="80000"/>
+                <a:satMod val="300000"/>
+              </a:schemeClr>
+            </a:gs>
+            <a:gs pos="100000">
+              <a:schemeClr val="phClr">
+                <a:shade val="30000"/>
+                <a:satMod val="200000"/>
+              </a:schemeClr>
+            </a:gs>
+          </a:gsLst>
+          <a:path path="circle">
+            <a:fillToRect l="50000" t="50000" r="50000" b="50000"/>
+          </a:path>
+        </a:gradFill>
+      </a:bgFillStyleLst>
+    </a:fmtScheme>
+  </a:themeElements>
+</a:theme>
+</file>
+
+<file path=ppt/theme/theme3.xml><?xml version="1.0" encoding="utf-8"?>
+<a:theme xmlns:a="http://schemas.openxmlformats.org/drawingml/2006/main" name="Office Theme">
+  <a:themeElements>
+    <a:clrScheme name="Office">
+      <a:dk1>
+        <a:sysClr val="windowText" lastClr="000000"/>
+      </a:dk1>
+      <a:lt1>
+        <a:sysClr val="window" lastClr="FFFFFF"/>
+      </a:lt1>
+      <a:dk2>
+        <a:srgbClr val="1F497D"/>
+      </a:dk2>
+      <a:lt2>
+        <a:srgbClr val="EEECE1"/>
+      </a:lt2>
+      <a:accent1>
+        <a:srgbClr val="4F81BD"/>
+      </a:accent1>
+      <a:accent2>
+        <a:srgbClr val="C0504D"/>
+      </a:accent2>
+      <a:accent3>
+        <a:srgbClr val="9BBB59"/>
+      </a:accent3>
+      <a:accent4>
+        <a:srgbClr val="8064A2"/>
+      </a:accent4>
+      <a:accent5>
+        <a:srgbClr val="4BACC6"/>
+      </a:accent5>
+      <a:accent6>
+        <a:srgbClr val="F79646"/>
+      </a:accent6>
+      <a:hlink>
+        <a:srgbClr val="0000FF"/>
+      </a:hlink>
+      <a:folHlink>
+        <a:srgbClr val="800080"/>
+      </a:folHlink>
+    </a:clrScheme>
+    <a:fontScheme name="Office">
+      <a:majorFont>
+        <a:latin typeface="Arial"/>
+        <a:ea typeface="DejaVu Sans"/>
+        <a:cs typeface="DejaVu Sans"/>
+      </a:majorFont>
+      <a:minorFont>
+        <a:latin typeface="Arial"/>
+        <a:ea typeface="DejaVu Sans"/>
+        <a:cs typeface="DejaVu Sans"/>
+      </a:minorFont>
+    </a:fontScheme>
+    <a:fmtScheme name="Office">
+      <a:fillStyleLst>
+        <a:solidFill>
+          <a:schemeClr val="phClr"/>
+        </a:solidFill>
+        <a:gradFill rotWithShape="1">
+          <a:gsLst>
+            <a:gs pos="0">
+              <a:schemeClr val="phClr">
+                <a:tint val="50000"/>
+                <a:satMod val="300000"/>
+              </a:schemeClr>
+            </a:gs>
+            <a:gs pos="35000">
+              <a:schemeClr val="phClr">
+                <a:tint val="37000"/>
+                <a:satMod val="300000"/>
+              </a:schemeClr>
+            </a:gs>
+            <a:gs pos="100000">
+              <a:schemeClr val="phClr">
+                <a:tint val="15000"/>
+                <a:satMod val="350000"/>
+              </a:schemeClr>
+            </a:gs>
+          </a:gsLst>
+          <a:lin ang="16200000" scaled="1"/>
+        </a:gradFill>
+        <a:gradFill rotWithShape="1">
+          <a:gsLst>
+            <a:gs pos="0">
+              <a:schemeClr val="phClr">
+                <a:shade val="51000"/>
+                <a:satMod val="130000"/>
+              </a:schemeClr>
+            </a:gs>
+            <a:gs pos="80000">
+              <a:schemeClr val="phClr">
+                <a:shade val="93000"/>
+                <a:satMod val="130000"/>
+              </a:schemeClr>
+            </a:gs>
+            <a:gs pos="100000">
+              <a:schemeClr val="phClr">
+                <a:shade val="94000"/>
+                <a:satMod val="135000"/>
+              </a:schemeClr>
+            </a:gs>
+          </a:gsLst>
+          <a:lin ang="16200000" scaled="0"/>
+        </a:gradFill>
+      </a:fillStyleLst>
+      <a:lnStyleLst>
+        <a:ln w="9525" cap="flat" cmpd="sng" algn="ctr">
+          <a:solidFill>
+            <a:schemeClr val="phClr">
+              <a:shade val="95000"/>
+              <a:satMod val="105000"/>
+            </a:schemeClr>
+          </a:solidFill>
+          <a:prstDash val="solid"/>
+        </a:ln>
+        <a:ln w="25400" cap="flat" cmpd="sng" algn="ctr">
+          <a:solidFill>
+            <a:schemeClr val="phClr"/>
+          </a:solidFill>
+          <a:prstDash val="solid"/>
+        </a:ln>
+        <a:ln w="38100" cap="flat" cmpd="sng" algn="ctr">
+          <a:solidFill>
+            <a:schemeClr val="phClr"/>
+          </a:solidFill>
+          <a:prstDash val="solid"/>
+        </a:ln>
+      </a:lnStyleLst>
+      <a:effectStyleLst>
+        <a:effectStyle>
+          <a:effectLst>
+            <a:outerShdw blurRad="40000" dist="20000" dir="5400000" rotWithShape="0">
+              <a:srgbClr val="000000">
+                <a:alpha val="38000"/>
+              </a:srgbClr>
+            </a:outerShdw>
+          </a:effectLst>
+        </a:effectStyle>
+        <a:effectStyle>
+          <a:effectLst>
+            <a:outerShdw blurRad="40000" dist="23000" dir="5400000" rotWithShape="0">
+              <a:srgbClr val="000000">
+                <a:alpha val="35000"/>
+              </a:srgbClr>
+            </a:outerShdw>
+          </a:effectLst>
+        </a:effectStyle>
+        <a:effectStyle>
+          <a:effectLst>
+            <a:outerShdw blurRad="40000" dist="23000" dir="5400000" rotWithShape="0">
+              <a:srgbClr val="000000">
+                <a:alpha val="35000"/>
+              </a:srgbClr>
+            </a:outerShdw>
+          </a:effectLst>
+          <a:scene3d>
+            <a:camera prst="orthographicFront">
+              <a:rot lat="0" lon="0" rev="0"/>
+            </a:camera>
+            <a:lightRig rig="threePt" dir="t">
+              <a:rot lat="0" lon="0" rev="1200000"/>
+            </a:lightRig>
+          </a:scene3d>
+          <a:sp3d>
+            <a:bevelT w="63500" h="25400"/>
+          </a:sp3d>
+        </a:effectStyle>
+      </a:effectStyleLst>
+      <a:bgFillStyleLst>
+        <a:solidFill>
+          <a:schemeClr val="phClr"/>
+        </a:solidFill>
+        <a:gradFill rotWithShape="1">
+          <a:gsLst>
+            <a:gs pos="0">
+              <a:schemeClr val="phClr">
+                <a:tint val="40000"/>
+                <a:satMod val="350000"/>
+              </a:schemeClr>
+            </a:gs>
+            <a:gs pos="40000">
+              <a:schemeClr val="phClr">
+                <a:tint val="45000"/>
+                <a:shade val="99000"/>
+                <a:satMod val="350000"/>
+              </a:schemeClr>
+            </a:gs>
+            <a:gs pos="100000">
+              <a:schemeClr val="phClr">
+                <a:shade val="20000"/>
+                <a:satMod val="255000"/>
+              </a:schemeClr>
+            </a:gs>
+          </a:gsLst>
+          <a:path path="circle">
+            <a:fillToRect l="50000" t="-80000" r="50000" b="180000"/>
+          </a:path>
+        </a:gradFill>
+        <a:gradFill rotWithShape="1">
+          <a:gsLst>
+            <a:gs pos="0">
+              <a:schemeClr val="phClr">
+                <a:tint val="80000"/>
+                <a:satMod val="300000"/>
+              </a:schemeClr>
+            </a:gs>
+            <a:gs pos="100000">
+              <a:schemeClr val="phClr">
+                <a:shade val="30000"/>
+                <a:satMod val="200000"/>
+              </a:schemeClr>
+            </a:gs>
+          </a:gsLst>
+          <a:path path="circle">
+            <a:fillToRect l="50000" t="50000" r="50000" b="50000"/>
+          </a:path>
+        </a:gradFill>
+      </a:bgFillStyleLst>
+    </a:fmtScheme>
+  </a:themeElements>
+</a:theme>
 </file>
--- a/Powerpoint.pptx
+++ b/Powerpoint.pptx
@@ -7,7 +7,7 @@
     <p:sldMasterId id="2147483674" r:id="rId3"/>
   </p:sldMasterIdLst>
   <p:notesMasterIdLst>
-    <p:notesMasterId r:id="rId17"/>
+    <p:notesMasterId r:id="rId18"/>
   </p:notesMasterIdLst>
   <p:sldIdLst>
     <p:sldId id="256" r:id="rId4"/>
@@ -20,9 +20,10 @@
     <p:sldId id="262" r:id="rId11"/>
     <p:sldId id="263" r:id="rId12"/>
     <p:sldId id="264" r:id="rId13"/>
-    <p:sldId id="265" r:id="rId14"/>
-    <p:sldId id="266" r:id="rId15"/>
-    <p:sldId id="267" r:id="rId16"/>
+    <p:sldId id="269" r:id="rId14"/>
+    <p:sldId id="265" r:id="rId15"/>
+    <p:sldId id="266" r:id="rId16"/>
+    <p:sldId id="267" r:id="rId17"/>
   </p:sldIdLst>
   <p:sldSz cx="10080625" cy="5670550"/>
   <p:notesSz cx="7559675" cy="10691813"/>
@@ -121,6 +122,11 @@
       </a:defRPr>
     </a:lvl9pPr>
   </p:defaultTextStyle>
+  <p:extLst>
+    <p:ext uri="{EFAFB233-063F-42B5-8137-9DF3F51BA10A}">
+      <p15:sldGuideLst xmlns:p15="http://schemas.microsoft.com/office/powerpoint/2012/main"/>
+    </p:ext>
+  </p:extLst>
 </p:presentation>
 </file>
 
@@ -7982,7 +7988,7 @@
       </p:grpSpPr>
       <p:sp>
         <p:nvSpPr>
-          <p:cNvPr id="141" name="CustomShape 1"/>
+          <p:cNvPr id="139" name="CustomShape 1"/>
           <p:cNvSpPr/>
           <p:nvPr/>
         </p:nvSpPr>
@@ -8021,9 +8027,9 @@
               </a:lnSpc>
             </a:pPr>
             <a:r>
-              <a:rPr lang="fr-FR" sz="3300" b="1" strike="noStrike" spc="-1">
-                <a:solidFill>
-                  <a:srgbClr val="FFFFFF"/>
+              <a:rPr lang="fr-FR" sz="4400" b="0" strike="noStrike" spc="-1">
+                <a:solidFill>
+                  <a:srgbClr val="000000"/>
                 </a:solidFill>
                 <a:uFill>
                   <a:solidFill>
@@ -8033,86 +8039,63 @@
                 <a:latin typeface="Arial"/>
                 <a:ea typeface="DejaVu Sans"/>
               </a:rPr>
-              <a:t>Schéma Infrastructure Cacti Reborn</a:t>
+              <a:t>Application développée</a:t>
             </a:r>
-            <a:endParaRPr lang="fr-FR" sz="3300" b="0" strike="noStrike" spc="-1">
-              <a:solidFill>
-                <a:srgbClr val="000000"/>
-              </a:solidFill>
-              <a:uFill>
-                <a:solidFill>
-                  <a:srgbClr val="FFFFFF"/>
-                </a:solidFill>
-              </a:uFill>
-              <a:latin typeface="Arial"/>
-            </a:endParaRPr>
-          </a:p>
-        </p:txBody>
-      </p:sp>
-      <p:pic>
-        <p:nvPicPr>
-          <p:cNvPr id="143" name="Image 142"/>
-          <p:cNvPicPr/>
-          <p:nvPr/>
-        </p:nvPicPr>
-        <p:blipFill>
-          <a:blip r:embed="rId2"/>
-          <a:stretch/>
-        </p:blipFill>
-        <p:spPr>
-          <a:xfrm>
-            <a:off x="2088000" y="996120"/>
-            <a:ext cx="6431400" cy="4546800"/>
-          </a:xfrm>
-          <a:prstGeom prst="rect">
-            <a:avLst/>
-          </a:prstGeom>
-          <a:ln>
-            <a:noFill/>
-          </a:ln>
-        </p:spPr>
-      </p:pic>
-      <p:pic>
-        <p:nvPicPr>
-          <p:cNvPr id="5" name="Image 4">
+            <a:endParaRPr lang="fr-FR" sz="4400" b="0" strike="noStrike" spc="-1">
+              <a:solidFill>
+                <a:srgbClr val="000000"/>
+              </a:solidFill>
+              <a:uFill>
+                <a:solidFill>
+                  <a:srgbClr val="FFFFFF"/>
+                </a:solidFill>
+              </a:uFill>
+              <a:latin typeface="Arial"/>
+            </a:endParaRPr>
+          </a:p>
+        </p:txBody>
+      </p:sp>
+      <p:sp>
+        <p:nvSpPr>
+          <p:cNvPr id="4" name="ZoneTexte 3">
             <a:extLst>
               <a:ext uri="{FF2B5EF4-FFF2-40B4-BE49-F238E27FC236}">
-                <a16:creationId xmlns:a16="http://schemas.microsoft.com/office/drawing/2014/main" id="{60AE399E-18D5-42B0-ACA5-45201EEB4BBB}"/>
+                <a16:creationId xmlns:a16="http://schemas.microsoft.com/office/drawing/2014/main" id="{83B51D2C-BE1A-43B4-8C18-0B472339AD92}"/>
               </a:ext>
             </a:extLst>
           </p:cNvPr>
-          <p:cNvPicPr/>
+          <p:cNvSpPr txBox="1"/>
           <p:nvPr/>
-        </p:nvPicPr>
-        <p:blipFill>
-          <a:blip r:embed="rId3">
-            <a:clrChange>
-              <a:clrFrom>
-                <a:srgbClr val="FFFFFF"/>
-              </a:clrFrom>
-              <a:clrTo>
-                <a:srgbClr val="FFFFFF">
-                  <a:alpha val="0"/>
-                </a:srgbClr>
-              </a:clrTo>
-            </a:clrChange>
-          </a:blip>
-          <a:stretch/>
-        </p:blipFill>
-        <p:spPr>
-          <a:xfrm>
-            <a:off x="270360" y="4881960"/>
-            <a:ext cx="1433160" cy="537480"/>
-          </a:xfrm>
-          <a:prstGeom prst="rect">
-            <a:avLst/>
-          </a:prstGeom>
-          <a:ln>
-            <a:noFill/>
-          </a:ln>
-        </p:spPr>
-      </p:pic>
+        </p:nvSpPr>
+        <p:spPr>
+          <a:xfrm>
+            <a:off x="3364212" y="2650609"/>
+            <a:ext cx="3352200" cy="369332"/>
+          </a:xfrm>
+          <a:prstGeom prst="rect">
+            <a:avLst/>
+          </a:prstGeom>
+          <a:noFill/>
+        </p:spPr>
+        <p:txBody>
+          <a:bodyPr wrap="none" rtlCol="0">
+            <a:spAutoFit/>
+          </a:bodyPr>
+          <a:lstStyle/>
+          <a:p>
+            <a:r>
+              <a:rPr lang="fr-FR" dirty="0"/>
+              <a:t>Screenshot application Android</a:t>
+            </a:r>
+          </a:p>
+        </p:txBody>
+      </p:sp>
     </p:spTree>
+    <p:extLst>
+      <p:ext uri="{BB962C8B-B14F-4D97-AF65-F5344CB8AC3E}">
+        <p14:creationId xmlns:p14="http://schemas.microsoft.com/office/powerpoint/2010/main" val="2107725748"/>
+      </p:ext>
+    </p:extLst>
   </p:cSld>
   <p:clrMapOvr>
     <a:masterClrMapping/>
@@ -8166,7 +8149,7 @@
       </p:grpSpPr>
       <p:sp>
         <p:nvSpPr>
-          <p:cNvPr id="144" name="CustomShape 1"/>
+          <p:cNvPr id="141" name="CustomShape 1"/>
           <p:cNvSpPr/>
           <p:nvPr/>
         </p:nvSpPr>
@@ -8199,17 +8182,13 @@
           <a:bodyPr lIns="0" tIns="0" rIns="0" bIns="0" anchor="ctr"/>
           <a:lstStyle/>
           <a:p>
-            <a:pPr marL="720" algn="ctr">
+            <a:pPr algn="ctr">
               <a:lnSpc>
                 <a:spcPct val="100000"/>
               </a:lnSpc>
-              <a:buClr>
-                <a:srgbClr val="000000"/>
-              </a:buClr>
-              <a:buSzPct val="45000"/>
             </a:pPr>
             <a:r>
-              <a:rPr lang="fr-FR" sz="3300" b="1" strike="noStrike" spc="-1" dirty="0">
+              <a:rPr lang="fr-FR" sz="3300" b="1" strike="noStrike" spc="-1">
                 <a:solidFill>
                   <a:srgbClr val="FFFFFF"/>
                 </a:solidFill>
@@ -8221,173 +8200,9 @@
                 <a:latin typeface="Arial"/>
                 <a:ea typeface="DejaVu Sans"/>
               </a:rPr>
-              <a:t>Solutions développés</a:t>
+              <a:t>Schéma Infrastructure Cacti Reborn</a:t>
             </a:r>
-            <a:endParaRPr lang="fr-FR" sz="3300" b="0" strike="noStrike" spc="-1" dirty="0">
-              <a:solidFill>
-                <a:srgbClr val="000000"/>
-              </a:solidFill>
-              <a:uFill>
-                <a:solidFill>
-                  <a:srgbClr val="FFFFFF"/>
-                </a:solidFill>
-              </a:uFill>
-              <a:latin typeface="Arial"/>
-            </a:endParaRPr>
-          </a:p>
-        </p:txBody>
-      </p:sp>
-      <p:sp>
-        <p:nvSpPr>
-          <p:cNvPr id="145" name="CustomShape 2"/>
-          <p:cNvSpPr/>
-          <p:nvPr/>
-        </p:nvSpPr>
-        <p:spPr>
-          <a:xfrm>
-            <a:off x="1863000" y="1383120"/>
-            <a:ext cx="9070920" cy="3287160"/>
-          </a:xfrm>
-          <a:prstGeom prst="rect">
-            <a:avLst/>
-          </a:prstGeom>
-          <a:noFill/>
-          <a:ln>
-            <a:noFill/>
-          </a:ln>
-        </p:spPr>
-        <p:style>
-          <a:lnRef idx="0">
-            <a:scrgbClr r="0" g="0" b="0"/>
-          </a:lnRef>
-          <a:fillRef idx="0">
-            <a:scrgbClr r="0" g="0" b="0"/>
-          </a:fillRef>
-          <a:effectRef idx="0">
-            <a:scrgbClr r="0" g="0" b="0"/>
-          </a:effectRef>
-          <a:fontRef idx="minor"/>
-        </p:style>
-        <p:txBody>
-          <a:bodyPr lIns="0" tIns="0" rIns="0" bIns="0">
-            <a:normAutofit/>
-          </a:bodyPr>
-          <a:lstStyle/>
-          <a:p>
-            <a:pPr>
-              <a:lnSpc>
-                <a:spcPct val="100000"/>
-              </a:lnSpc>
-              <a:spcAft>
-                <a:spcPts val="1060"/>
-              </a:spcAft>
-            </a:pPr>
-            <a:endParaRPr lang="fr-FR" sz="1800" b="0" strike="noStrike" spc="-1">
-              <a:solidFill>
-                <a:srgbClr val="000000"/>
-              </a:solidFill>
-              <a:uFill>
-                <a:solidFill>
-                  <a:srgbClr val="FFFFFF"/>
-                </a:solidFill>
-              </a:uFill>
-              <a:latin typeface="Arial"/>
-            </a:endParaRPr>
-          </a:p>
-          <a:p>
-            <a:pPr marL="432000" indent="-322920">
-              <a:lnSpc>
-                <a:spcPct val="100000"/>
-              </a:lnSpc>
-              <a:spcAft>
-                <a:spcPts val="1060"/>
-              </a:spcAft>
-              <a:buClr>
-                <a:srgbClr val="006600"/>
-              </a:buClr>
-              <a:buSzPct val="45000"/>
-              <a:buFont typeface="Wingdings" charset="2"/>
-              <a:buChar char=""/>
-            </a:pPr>
-            <a:r>
-              <a:rPr lang="fr-FR" sz="2400" b="1" strike="noStrike" spc="-1">
-                <a:solidFill>
-                  <a:srgbClr val="004000"/>
-                </a:solidFill>
-                <a:uFill>
-                  <a:solidFill>
-                    <a:srgbClr val="FFFFFF"/>
-                  </a:solidFill>
-                </a:uFill>
-                <a:latin typeface="Arial"/>
-                <a:ea typeface="DejaVu Sans"/>
-              </a:rPr>
-              <a:t>Cacti  Reborn application Web</a:t>
-            </a:r>
-            <a:endParaRPr lang="fr-FR" sz="2400" b="0" strike="noStrike" spc="-1">
-              <a:solidFill>
-                <a:srgbClr val="000000"/>
-              </a:solidFill>
-              <a:uFill>
-                <a:solidFill>
-                  <a:srgbClr val="FFFFFF"/>
-                </a:solidFill>
-              </a:uFill>
-              <a:latin typeface="Arial"/>
-            </a:endParaRPr>
-          </a:p>
-          <a:p>
-            <a:pPr marL="432000" indent="-322920">
-              <a:lnSpc>
-                <a:spcPct val="100000"/>
-              </a:lnSpc>
-              <a:spcAft>
-                <a:spcPts val="1060"/>
-              </a:spcAft>
-              <a:buClr>
-                <a:srgbClr val="006600"/>
-              </a:buClr>
-              <a:buSzPct val="45000"/>
-              <a:buFont typeface="Wingdings" charset="2"/>
-              <a:buChar char=""/>
-            </a:pPr>
-            <a:r>
-              <a:rPr lang="fr-FR" sz="2400" b="1" strike="noStrike" spc="-1">
-                <a:solidFill>
-                  <a:srgbClr val="004000"/>
-                </a:solidFill>
-                <a:uFill>
-                  <a:solidFill>
-                    <a:srgbClr val="FFFFFF"/>
-                  </a:solidFill>
-                </a:uFill>
-                <a:latin typeface="Arial"/>
-                <a:ea typeface="DejaVu Sans"/>
-              </a:rPr>
-              <a:t>Cacti Reborn application Android</a:t>
-            </a:r>
-            <a:endParaRPr lang="fr-FR" sz="2400" b="0" strike="noStrike" spc="-1">
-              <a:solidFill>
-                <a:srgbClr val="000000"/>
-              </a:solidFill>
-              <a:uFill>
-                <a:solidFill>
-                  <a:srgbClr val="FFFFFF"/>
-                </a:solidFill>
-              </a:uFill>
-              <a:latin typeface="Arial"/>
-            </a:endParaRPr>
-          </a:p>
-          <a:p>
-            <a:pPr>
-              <a:lnSpc>
-                <a:spcPct val="100000"/>
-              </a:lnSpc>
-              <a:spcAft>
-                <a:spcPts val="1060"/>
-              </a:spcAft>
-            </a:pPr>
-            <a:endParaRPr lang="fr-FR" sz="2400" b="0" strike="noStrike" spc="-1">
+            <a:endParaRPr lang="fr-FR" sz="3300" b="0" strike="noStrike" spc="-1">
               <a:solidFill>
                 <a:srgbClr val="000000"/>
               </a:solidFill>
@@ -8403,7 +8218,7 @@
       </p:sp>
       <p:pic>
         <p:nvPicPr>
-          <p:cNvPr id="147" name="Image 146"/>
+          <p:cNvPr id="143" name="Image 142"/>
           <p:cNvPicPr/>
           <p:nvPr/>
         </p:nvPicPr>
@@ -8413,8 +8228,8 @@
         </p:blipFill>
         <p:spPr>
           <a:xfrm>
-            <a:off x="144000" y="1524960"/>
-            <a:ext cx="1743120" cy="1743120"/>
+            <a:off x="-1" y="0"/>
+            <a:ext cx="10080625" cy="5670550"/>
           </a:xfrm>
           <a:prstGeom prst="rect">
             <a:avLst/>
@@ -8426,10 +8241,10 @@
       </p:pic>
       <p:pic>
         <p:nvPicPr>
-          <p:cNvPr id="6" name="Image 5">
+          <p:cNvPr id="5" name="Image 4">
             <a:extLst>
               <a:ext uri="{FF2B5EF4-FFF2-40B4-BE49-F238E27FC236}">
-                <a16:creationId xmlns:a16="http://schemas.microsoft.com/office/drawing/2014/main" id="{FA9918F5-D2DC-4E4A-B572-C68E77EC2F69}"/>
+                <a16:creationId xmlns:a16="http://schemas.microsoft.com/office/drawing/2014/main" id="{60AE399E-18D5-42B0-ACA5-45201EEB4BBB}"/>
               </a:ext>
             </a:extLst>
           </p:cNvPr>
@@ -8500,6 +8315,502 @@
 </file>
 
 <file path=ppt/slides/slide13.xml><?xml version="1.0" encoding="utf-8"?>
+<p:sld xmlns:a="http://schemas.openxmlformats.org/drawingml/2006/main" xmlns:r="http://schemas.openxmlformats.org/officeDocument/2006/relationships" xmlns:p="http://schemas.openxmlformats.org/presentationml/2006/main">
+  <p:cSld>
+    <p:spTree>
+      <p:nvGrpSpPr>
+        <p:cNvPr id="1" name=""/>
+        <p:cNvGrpSpPr/>
+        <p:nvPr/>
+      </p:nvGrpSpPr>
+      <p:grpSpPr>
+        <a:xfrm>
+          <a:off x="0" y="0"/>
+          <a:ext cx="0" cy="0"/>
+          <a:chOff x="0" y="0"/>
+          <a:chExt cx="0" cy="0"/>
+        </a:xfrm>
+      </p:grpSpPr>
+      <p:sp>
+        <p:nvSpPr>
+          <p:cNvPr id="144" name="CustomShape 1"/>
+          <p:cNvSpPr/>
+          <p:nvPr/>
+        </p:nvSpPr>
+        <p:spPr>
+          <a:xfrm>
+            <a:off x="504000" y="216000"/>
+            <a:ext cx="9070920" cy="646920"/>
+          </a:xfrm>
+          <a:prstGeom prst="rect">
+            <a:avLst/>
+          </a:prstGeom>
+          <a:noFill/>
+          <a:ln>
+            <a:noFill/>
+          </a:ln>
+        </p:spPr>
+        <p:style>
+          <a:lnRef idx="0">
+            <a:scrgbClr r="0" g="0" b="0"/>
+          </a:lnRef>
+          <a:fillRef idx="0">
+            <a:scrgbClr r="0" g="0" b="0"/>
+          </a:fillRef>
+          <a:effectRef idx="0">
+            <a:scrgbClr r="0" g="0" b="0"/>
+          </a:effectRef>
+          <a:fontRef idx="minor"/>
+        </p:style>
+        <p:txBody>
+          <a:bodyPr lIns="0" tIns="0" rIns="0" bIns="0" anchor="ctr"/>
+          <a:lstStyle/>
+          <a:p>
+            <a:pPr marL="720" algn="ctr">
+              <a:lnSpc>
+                <a:spcPct val="100000"/>
+              </a:lnSpc>
+              <a:buClr>
+                <a:srgbClr val="000000"/>
+              </a:buClr>
+              <a:buSzPct val="45000"/>
+            </a:pPr>
+            <a:r>
+              <a:rPr lang="fr-FR" sz="3300" b="1" strike="noStrike" spc="-1" dirty="0">
+                <a:solidFill>
+                  <a:srgbClr val="FFFFFF"/>
+                </a:solidFill>
+                <a:uFill>
+                  <a:solidFill>
+                    <a:srgbClr val="FFFFFF"/>
+                  </a:solidFill>
+                </a:uFill>
+                <a:latin typeface="Arial"/>
+                <a:ea typeface="DejaVu Sans"/>
+              </a:rPr>
+              <a:t>Solutions développés</a:t>
+            </a:r>
+            <a:endParaRPr lang="fr-FR" sz="3300" b="0" strike="noStrike" spc="-1" dirty="0">
+              <a:solidFill>
+                <a:srgbClr val="000000"/>
+              </a:solidFill>
+              <a:uFill>
+                <a:solidFill>
+                  <a:srgbClr val="FFFFFF"/>
+                </a:solidFill>
+              </a:uFill>
+              <a:latin typeface="Arial"/>
+            </a:endParaRPr>
+          </a:p>
+        </p:txBody>
+      </p:sp>
+      <p:sp>
+        <p:nvSpPr>
+          <p:cNvPr id="145" name="CustomShape 2"/>
+          <p:cNvSpPr/>
+          <p:nvPr/>
+        </p:nvSpPr>
+        <p:spPr>
+          <a:xfrm>
+            <a:off x="1863000" y="1383120"/>
+            <a:ext cx="6637262" cy="3287160"/>
+          </a:xfrm>
+          <a:prstGeom prst="rect">
+            <a:avLst/>
+          </a:prstGeom>
+          <a:noFill/>
+          <a:ln>
+            <a:noFill/>
+          </a:ln>
+        </p:spPr>
+        <p:style>
+          <a:lnRef idx="0">
+            <a:scrgbClr r="0" g="0" b="0"/>
+          </a:lnRef>
+          <a:fillRef idx="0">
+            <a:scrgbClr r="0" g="0" b="0"/>
+          </a:fillRef>
+          <a:effectRef idx="0">
+            <a:scrgbClr r="0" g="0" b="0"/>
+          </a:effectRef>
+          <a:fontRef idx="minor"/>
+        </p:style>
+        <p:txBody>
+          <a:bodyPr lIns="0" tIns="0" rIns="0" bIns="0">
+            <a:normAutofit/>
+          </a:bodyPr>
+          <a:lstStyle/>
+          <a:p>
+            <a:pPr>
+              <a:lnSpc>
+                <a:spcPct val="100000"/>
+              </a:lnSpc>
+              <a:spcAft>
+                <a:spcPts val="1060"/>
+              </a:spcAft>
+            </a:pPr>
+            <a:endParaRPr lang="fr-FR" sz="1800" b="0" strike="noStrike" spc="-1" dirty="0">
+              <a:solidFill>
+                <a:srgbClr val="000000"/>
+              </a:solidFill>
+              <a:uFill>
+                <a:solidFill>
+                  <a:srgbClr val="FFFFFF"/>
+                </a:solidFill>
+              </a:uFill>
+              <a:latin typeface="Arial"/>
+            </a:endParaRPr>
+          </a:p>
+          <a:p>
+            <a:pPr marL="432000" indent="-322920">
+              <a:lnSpc>
+                <a:spcPct val="100000"/>
+              </a:lnSpc>
+              <a:spcAft>
+                <a:spcPts val="1060"/>
+              </a:spcAft>
+              <a:buClr>
+                <a:srgbClr val="006600"/>
+              </a:buClr>
+              <a:buSzPct val="45000"/>
+              <a:buFont typeface="Wingdings" charset="2"/>
+              <a:buChar char=""/>
+            </a:pPr>
+            <a:r>
+              <a:rPr lang="fr-FR" sz="2400" b="1" strike="noStrike" spc="-1" dirty="0" err="1">
+                <a:solidFill>
+                  <a:srgbClr val="004000"/>
+                </a:solidFill>
+                <a:uFill>
+                  <a:solidFill>
+                    <a:srgbClr val="FFFFFF"/>
+                  </a:solidFill>
+                </a:uFill>
+                <a:latin typeface="Arial"/>
+                <a:ea typeface="DejaVu Sans"/>
+              </a:rPr>
+              <a:t>Cacti</a:t>
+            </a:r>
+            <a:r>
+              <a:rPr lang="fr-FR" sz="2400" b="1" strike="noStrike" spc="-1" dirty="0">
+                <a:solidFill>
+                  <a:srgbClr val="004000"/>
+                </a:solidFill>
+                <a:uFill>
+                  <a:solidFill>
+                    <a:srgbClr val="FFFFFF"/>
+                  </a:solidFill>
+                </a:uFill>
+                <a:latin typeface="Arial"/>
+                <a:ea typeface="DejaVu Sans"/>
+              </a:rPr>
+              <a:t>  </a:t>
+            </a:r>
+            <a:r>
+              <a:rPr lang="fr-FR" sz="2400" b="1" strike="noStrike" spc="-1" dirty="0" err="1">
+                <a:solidFill>
+                  <a:srgbClr val="004000"/>
+                </a:solidFill>
+                <a:uFill>
+                  <a:solidFill>
+                    <a:srgbClr val="FFFFFF"/>
+                  </a:solidFill>
+                </a:uFill>
+                <a:latin typeface="Arial"/>
+                <a:ea typeface="DejaVu Sans"/>
+              </a:rPr>
+              <a:t>Reborn</a:t>
+            </a:r>
+            <a:r>
+              <a:rPr lang="fr-FR" sz="2400" b="1" strike="noStrike" spc="-1" dirty="0">
+                <a:solidFill>
+                  <a:srgbClr val="004000"/>
+                </a:solidFill>
+                <a:uFill>
+                  <a:solidFill>
+                    <a:srgbClr val="FFFFFF"/>
+                  </a:solidFill>
+                </a:uFill>
+                <a:latin typeface="Arial"/>
+                <a:ea typeface="DejaVu Sans"/>
+              </a:rPr>
+              <a:t> application Web</a:t>
+            </a:r>
+          </a:p>
+          <a:p>
+            <a:pPr marL="889200" lvl="1">
+              <a:spcAft>
+                <a:spcPts val="1060"/>
+              </a:spcAft>
+              <a:buClr>
+                <a:srgbClr val="006600"/>
+              </a:buClr>
+              <a:buSzPct val="45000"/>
+              <a:buFont typeface="Wingdings" charset="2"/>
+              <a:buChar char=""/>
+            </a:pPr>
+            <a:r>
+              <a:rPr lang="fr-FR" sz="1200" b="1" spc="-1" dirty="0">
+                <a:solidFill>
+                  <a:srgbClr val="004000"/>
+                </a:solidFill>
+                <a:uFill>
+                  <a:solidFill>
+                    <a:srgbClr val="FFFFFF"/>
+                  </a:solidFill>
+                </a:uFill>
+                <a:latin typeface="Arial"/>
+              </a:rPr>
+              <a:t>Notification d’alerte</a:t>
+            </a:r>
+          </a:p>
+          <a:p>
+            <a:pPr marL="889200" lvl="1">
+              <a:spcAft>
+                <a:spcPts val="1060"/>
+              </a:spcAft>
+              <a:buClr>
+                <a:srgbClr val="006600"/>
+              </a:buClr>
+              <a:buSzPct val="45000"/>
+              <a:buFont typeface="Wingdings" charset="2"/>
+              <a:buChar char=""/>
+            </a:pPr>
+            <a:r>
+              <a:rPr lang="fr-FR" sz="1200" b="1" strike="noStrike" spc="-1" dirty="0">
+                <a:solidFill>
+                  <a:srgbClr val="004000"/>
+                </a:solidFill>
+                <a:uFill>
+                  <a:solidFill>
+                    <a:srgbClr val="FFFFFF"/>
+                  </a:solidFill>
+                </a:uFill>
+                <a:latin typeface="Arial"/>
+              </a:rPr>
+              <a:t>Multi équipements</a:t>
+            </a:r>
+            <a:endParaRPr lang="fr-FR" sz="1200" b="0" strike="noStrike" spc="-1" dirty="0">
+              <a:solidFill>
+                <a:srgbClr val="000000"/>
+              </a:solidFill>
+              <a:uFill>
+                <a:solidFill>
+                  <a:srgbClr val="FFFFFF"/>
+                </a:solidFill>
+              </a:uFill>
+              <a:latin typeface="Arial"/>
+            </a:endParaRPr>
+          </a:p>
+          <a:p>
+            <a:pPr marL="432000" indent="-322920">
+              <a:lnSpc>
+                <a:spcPct val="100000"/>
+              </a:lnSpc>
+              <a:spcAft>
+                <a:spcPts val="1060"/>
+              </a:spcAft>
+              <a:buClr>
+                <a:srgbClr val="006600"/>
+              </a:buClr>
+              <a:buSzPct val="45000"/>
+              <a:buFont typeface="Wingdings" charset="2"/>
+              <a:buChar char=""/>
+            </a:pPr>
+            <a:r>
+              <a:rPr lang="fr-FR" sz="2400" b="1" strike="noStrike" spc="-1" dirty="0" err="1">
+                <a:solidFill>
+                  <a:srgbClr val="004000"/>
+                </a:solidFill>
+                <a:uFill>
+                  <a:solidFill>
+                    <a:srgbClr val="FFFFFF"/>
+                  </a:solidFill>
+                </a:uFill>
+                <a:latin typeface="Arial"/>
+                <a:ea typeface="DejaVu Sans"/>
+              </a:rPr>
+              <a:t>Cacti</a:t>
+            </a:r>
+            <a:r>
+              <a:rPr lang="fr-FR" sz="2400" b="1" strike="noStrike" spc="-1" dirty="0">
+                <a:solidFill>
+                  <a:srgbClr val="004000"/>
+                </a:solidFill>
+                <a:uFill>
+                  <a:solidFill>
+                    <a:srgbClr val="FFFFFF"/>
+                  </a:solidFill>
+                </a:uFill>
+                <a:latin typeface="Arial"/>
+                <a:ea typeface="DejaVu Sans"/>
+              </a:rPr>
+              <a:t> </a:t>
+            </a:r>
+            <a:r>
+              <a:rPr lang="fr-FR" sz="2400" b="1" strike="noStrike" spc="-1" dirty="0" err="1">
+                <a:solidFill>
+                  <a:srgbClr val="004000"/>
+                </a:solidFill>
+                <a:uFill>
+                  <a:solidFill>
+                    <a:srgbClr val="FFFFFF"/>
+                  </a:solidFill>
+                </a:uFill>
+                <a:latin typeface="Arial"/>
+                <a:ea typeface="DejaVu Sans"/>
+              </a:rPr>
+              <a:t>Reborn</a:t>
+            </a:r>
+            <a:r>
+              <a:rPr lang="fr-FR" sz="2400" b="1" strike="noStrike" spc="-1" dirty="0">
+                <a:solidFill>
+                  <a:srgbClr val="004000"/>
+                </a:solidFill>
+                <a:uFill>
+                  <a:solidFill>
+                    <a:srgbClr val="FFFFFF"/>
+                  </a:solidFill>
+                </a:uFill>
+                <a:latin typeface="Arial"/>
+                <a:ea typeface="DejaVu Sans"/>
+              </a:rPr>
+              <a:t> application Android</a:t>
+            </a:r>
+            <a:endParaRPr lang="fr-FR" sz="2400" b="0" strike="noStrike" spc="-1" dirty="0">
+              <a:solidFill>
+                <a:srgbClr val="000000"/>
+              </a:solidFill>
+              <a:uFill>
+                <a:solidFill>
+                  <a:srgbClr val="FFFFFF"/>
+                </a:solidFill>
+              </a:uFill>
+              <a:latin typeface="Arial"/>
+            </a:endParaRPr>
+          </a:p>
+          <a:p>
+            <a:pPr>
+              <a:lnSpc>
+                <a:spcPct val="100000"/>
+              </a:lnSpc>
+              <a:spcAft>
+                <a:spcPts val="1060"/>
+              </a:spcAft>
+            </a:pPr>
+            <a:endParaRPr lang="fr-FR" sz="2400" b="0" strike="noStrike" spc="-1" dirty="0">
+              <a:solidFill>
+                <a:srgbClr val="000000"/>
+              </a:solidFill>
+              <a:uFill>
+                <a:solidFill>
+                  <a:srgbClr val="FFFFFF"/>
+                </a:solidFill>
+              </a:uFill>
+              <a:latin typeface="Arial"/>
+            </a:endParaRPr>
+          </a:p>
+        </p:txBody>
+      </p:sp>
+      <p:pic>
+        <p:nvPicPr>
+          <p:cNvPr id="147" name="Image 146"/>
+          <p:cNvPicPr/>
+          <p:nvPr/>
+        </p:nvPicPr>
+        <p:blipFill>
+          <a:blip r:embed="rId2"/>
+          <a:stretch/>
+        </p:blipFill>
+        <p:spPr>
+          <a:xfrm>
+            <a:off x="144000" y="1524960"/>
+            <a:ext cx="1743120" cy="1743120"/>
+          </a:xfrm>
+          <a:prstGeom prst="rect">
+            <a:avLst/>
+          </a:prstGeom>
+          <a:ln>
+            <a:noFill/>
+          </a:ln>
+        </p:spPr>
+      </p:pic>
+      <p:pic>
+        <p:nvPicPr>
+          <p:cNvPr id="6" name="Image 5">
+            <a:extLst>
+              <a:ext uri="{FF2B5EF4-FFF2-40B4-BE49-F238E27FC236}">
+                <a16:creationId xmlns:a16="http://schemas.microsoft.com/office/drawing/2014/main" id="{FA9918F5-D2DC-4E4A-B572-C68E77EC2F69}"/>
+              </a:ext>
+            </a:extLst>
+          </p:cNvPr>
+          <p:cNvPicPr/>
+          <p:nvPr/>
+        </p:nvPicPr>
+        <p:blipFill>
+          <a:blip r:embed="rId3">
+            <a:clrChange>
+              <a:clrFrom>
+                <a:srgbClr val="FFFFFF"/>
+              </a:clrFrom>
+              <a:clrTo>
+                <a:srgbClr val="FFFFFF">
+                  <a:alpha val="0"/>
+                </a:srgbClr>
+              </a:clrTo>
+            </a:clrChange>
+          </a:blip>
+          <a:stretch/>
+        </p:blipFill>
+        <p:spPr>
+          <a:xfrm>
+            <a:off x="270360" y="4881960"/>
+            <a:ext cx="1433160" cy="537480"/>
+          </a:xfrm>
+          <a:prstGeom prst="rect">
+            <a:avLst/>
+          </a:prstGeom>
+          <a:ln>
+            <a:noFill/>
+          </a:ln>
+        </p:spPr>
+      </p:pic>
+    </p:spTree>
+  </p:cSld>
+  <p:clrMapOvr>
+    <a:masterClrMapping/>
+  </p:clrMapOvr>
+  <p:timing>
+    <p:tnLst>
+      <p:par>
+        <p:cTn id="1" dur="indefinite" restart="never" nodeType="tmRoot">
+          <p:childTnLst>
+            <p:seq>
+              <p:cTn id="2" nodeType="mainSeq"/>
+              <p:prevCondLst>
+                <p:cond evt="onPrev" delay="0">
+                  <p:tgtEl>
+                    <p:sldTgt/>
+                  </p:tgtEl>
+                </p:cond>
+              </p:prevCondLst>
+              <p:nextCondLst>
+                <p:cond evt="onNext" delay="0">
+                  <p:tgtEl>
+                    <p:sldTgt/>
+                  </p:tgtEl>
+                </p:cond>
+              </p:nextCondLst>
+            </p:seq>
+          </p:childTnLst>
+        </p:cTn>
+      </p:par>
+    </p:tnLst>
+  </p:timing>
+</p:sld>
+</file>
+
+<file path=ppt/slides/slide14.xml><?xml version="1.0" encoding="utf-8"?>
 <p:sld xmlns:a="http://schemas.openxmlformats.org/drawingml/2006/main" xmlns:r="http://schemas.openxmlformats.org/officeDocument/2006/relationships" xmlns:p="http://schemas.openxmlformats.org/presentationml/2006/main">
   <p:cSld>
     <p:spTree>
@@ -10761,6 +11072,48 @@
               </a:rPr>
               <a:t>Cacti origine</a:t>
             </a:r>
+          </a:p>
+        </p:txBody>
+      </p:sp>
+      <p:sp>
+        <p:nvSpPr>
+          <p:cNvPr id="4" name="ZoneTexte 3">
+            <a:extLst>
+              <a:ext uri="{FF2B5EF4-FFF2-40B4-BE49-F238E27FC236}">
+                <a16:creationId xmlns:a16="http://schemas.microsoft.com/office/drawing/2014/main" id="{F6CA47C2-4A37-4A80-943A-E730695826B6}"/>
+              </a:ext>
+            </a:extLst>
+          </p:cNvPr>
+          <p:cNvSpPr txBox="1"/>
+          <p:nvPr/>
+        </p:nvSpPr>
+        <p:spPr>
+          <a:xfrm>
+            <a:off x="365759" y="1185361"/>
+            <a:ext cx="646331" cy="400110"/>
+          </a:xfrm>
+          <a:prstGeom prst="rect">
+            <a:avLst/>
+          </a:prstGeom>
+          <a:noFill/>
+        </p:spPr>
+        <p:txBody>
+          <a:bodyPr wrap="none" rtlCol="0">
+            <a:spAutoFit/>
+          </a:bodyPr>
+          <a:lstStyle/>
+          <a:p>
+            <a:r>
+              <a:rPr lang="fr-FR" sz="2000" dirty="0">
+                <a:latin typeface="Adobe Arabic" panose="02040503050201020203" pitchFamily="18" charset="-78"/>
+                <a:cs typeface="Adobe Arabic" panose="02040503050201020203" pitchFamily="18" charset="-78"/>
+              </a:rPr>
+              <a:t>Avant</a:t>
+            </a:r>
+            <a:endParaRPr lang="fr-FR" dirty="0">
+              <a:latin typeface="Adobe Arabic" panose="02040503050201020203" pitchFamily="18" charset="-78"/>
+              <a:cs typeface="Adobe Arabic" panose="02040503050201020203" pitchFamily="18" charset="-78"/>
+            </a:endParaRPr>
           </a:p>
         </p:txBody>
       </p:sp>

--- a/Powerpoint.pptx
+++ b/Powerpoint.pptx
@@ -7,7 +7,7 @@
     <p:sldMasterId id="2147483674" r:id="rId3"/>
   </p:sldMasterIdLst>
   <p:notesMasterIdLst>
-    <p:notesMasterId r:id="rId18"/>
+    <p:notesMasterId r:id="rId17"/>
   </p:notesMasterIdLst>
   <p:sldIdLst>
     <p:sldId id="256" r:id="rId4"/>
@@ -16,14 +16,13 @@
     <p:sldId id="259" r:id="rId7"/>
     <p:sldId id="268" r:id="rId8"/>
     <p:sldId id="260" r:id="rId9"/>
-    <p:sldId id="261" r:id="rId10"/>
-    <p:sldId id="262" r:id="rId11"/>
-    <p:sldId id="263" r:id="rId12"/>
-    <p:sldId id="264" r:id="rId13"/>
-    <p:sldId id="269" r:id="rId14"/>
-    <p:sldId id="265" r:id="rId15"/>
-    <p:sldId id="266" r:id="rId16"/>
-    <p:sldId id="267" r:id="rId17"/>
+    <p:sldId id="270" r:id="rId10"/>
+    <p:sldId id="261" r:id="rId11"/>
+    <p:sldId id="272" r:id="rId12"/>
+    <p:sldId id="269" r:id="rId13"/>
+    <p:sldId id="265" r:id="rId14"/>
+    <p:sldId id="266" r:id="rId15"/>
+    <p:sldId id="267" r:id="rId16"/>
   </p:sldIdLst>
   <p:sldSz cx="10080625" cy="5670550"/>
   <p:notesSz cx="7559675" cy="10691813"/>
@@ -134,6 +133,4130 @@
 <p1510:revInfo xmlns:a="http://schemas.openxmlformats.org/drawingml/2006/main" xmlns:r="http://schemas.openxmlformats.org/officeDocument/2006/relationships" xmlns:p1510="http://schemas.microsoft.com/office/powerpoint/2015/10/main"/>
 </file>
 
+<file path=ppt/diagrams/colors1.xml><?xml version="1.0" encoding="utf-8"?>
+<dgm:colorsDef xmlns:dgm="http://schemas.openxmlformats.org/drawingml/2006/diagram" xmlns:a="http://schemas.openxmlformats.org/drawingml/2006/main" uniqueId="urn:microsoft.com/office/officeart/2005/8/colors/colorful3">
+  <dgm:title val=""/>
+  <dgm:desc val=""/>
+  <dgm:catLst>
+    <dgm:cat type="colorful" pri="10300"/>
+  </dgm:catLst>
+  <dgm:styleLbl name="node0">
+    <dgm:fillClrLst meth="repeat">
+      <a:schemeClr val="accent2"/>
+    </dgm:fillClrLst>
+    <dgm:linClrLst meth="repeat">
+      <a:schemeClr val="lt1"/>
+    </dgm:linClrLst>
+    <dgm:effectClrLst/>
+    <dgm:txLinClrLst/>
+    <dgm:txFillClrLst/>
+    <dgm:txEffectClrLst/>
+  </dgm:styleLbl>
+  <dgm:styleLbl name="node1">
+    <dgm:fillClrLst>
+      <a:schemeClr val="accent3"/>
+      <a:schemeClr val="accent4"/>
+    </dgm:fillClrLst>
+    <dgm:linClrLst meth="repeat">
+      <a:schemeClr val="lt1"/>
+    </dgm:linClrLst>
+    <dgm:effectClrLst/>
+    <dgm:txLinClrLst/>
+    <dgm:txFillClrLst/>
+    <dgm:txEffectClrLst/>
+  </dgm:styleLbl>
+  <dgm:styleLbl name="alignNode1">
+    <dgm:fillClrLst>
+      <a:schemeClr val="accent3"/>
+      <a:schemeClr val="accent4"/>
+    </dgm:fillClrLst>
+    <dgm:linClrLst>
+      <a:schemeClr val="accent3"/>
+      <a:schemeClr val="accent4"/>
+    </dgm:linClrLst>
+    <dgm:effectClrLst/>
+    <dgm:txLinClrLst/>
+    <dgm:txFillClrLst/>
+    <dgm:txEffectClrLst/>
+  </dgm:styleLbl>
+  <dgm:styleLbl name="lnNode1">
+    <dgm:fillClrLst>
+      <a:schemeClr val="accent3"/>
+      <a:schemeClr val="accent4"/>
+    </dgm:fillClrLst>
+    <dgm:linClrLst meth="repeat">
+      <a:schemeClr val="lt1"/>
+    </dgm:linClrLst>
+    <dgm:effectClrLst/>
+    <dgm:txLinClrLst/>
+    <dgm:txFillClrLst/>
+    <dgm:txEffectClrLst/>
+  </dgm:styleLbl>
+  <dgm:styleLbl name="vennNode1">
+    <dgm:fillClrLst>
+      <a:schemeClr val="accent3">
+        <a:alpha val="50000"/>
+      </a:schemeClr>
+      <a:schemeClr val="accent4">
+        <a:alpha val="50000"/>
+      </a:schemeClr>
+    </dgm:fillClrLst>
+    <dgm:linClrLst meth="repeat">
+      <a:schemeClr val="lt1"/>
+    </dgm:linClrLst>
+    <dgm:effectClrLst/>
+    <dgm:txLinClrLst/>
+    <dgm:txFillClrLst/>
+    <dgm:txEffectClrLst/>
+  </dgm:styleLbl>
+  <dgm:styleLbl name="node2">
+    <dgm:fillClrLst>
+      <a:schemeClr val="accent4"/>
+    </dgm:fillClrLst>
+    <dgm:linClrLst meth="repeat">
+      <a:schemeClr val="lt1"/>
+    </dgm:linClrLst>
+    <dgm:effectClrLst/>
+    <dgm:txLinClrLst/>
+    <dgm:txFillClrLst/>
+    <dgm:txEffectClrLst/>
+  </dgm:styleLbl>
+  <dgm:styleLbl name="node3">
+    <dgm:fillClrLst>
+      <a:schemeClr val="accent5"/>
+    </dgm:fillClrLst>
+    <dgm:linClrLst meth="repeat">
+      <a:schemeClr val="lt1"/>
+    </dgm:linClrLst>
+    <dgm:effectClrLst/>
+    <dgm:txLinClrLst/>
+    <dgm:txFillClrLst/>
+    <dgm:txEffectClrLst/>
+  </dgm:styleLbl>
+  <dgm:styleLbl name="node4">
+    <dgm:fillClrLst>
+      <a:schemeClr val="accent6"/>
+    </dgm:fillClrLst>
+    <dgm:linClrLst meth="repeat">
+      <a:schemeClr val="lt1"/>
+    </dgm:linClrLst>
+    <dgm:effectClrLst/>
+    <dgm:txLinClrLst/>
+    <dgm:txFillClrLst/>
+    <dgm:txEffectClrLst/>
+  </dgm:styleLbl>
+  <dgm:styleLbl name="fgImgPlace1">
+    <dgm:fillClrLst>
+      <a:schemeClr val="accent3">
+        <a:tint val="50000"/>
+      </a:schemeClr>
+      <a:schemeClr val="accent4">
+        <a:tint val="50000"/>
+      </a:schemeClr>
+    </dgm:fillClrLst>
+    <dgm:linClrLst meth="repeat">
+      <a:schemeClr val="lt1"/>
+    </dgm:linClrLst>
+    <dgm:effectClrLst/>
+    <dgm:txLinClrLst/>
+    <dgm:txFillClrLst meth="repeat">
+      <a:schemeClr val="lt1"/>
+    </dgm:txFillClrLst>
+    <dgm:txEffectClrLst/>
+  </dgm:styleLbl>
+  <dgm:styleLbl name="alignImgPlace1">
+    <dgm:fillClrLst>
+      <a:schemeClr val="accent3">
+        <a:tint val="50000"/>
+      </a:schemeClr>
+      <a:schemeClr val="accent4">
+        <a:tint val="20000"/>
+      </a:schemeClr>
+    </dgm:fillClrLst>
+    <dgm:linClrLst meth="repeat">
+      <a:schemeClr val="lt1"/>
+    </dgm:linClrLst>
+    <dgm:effectClrLst/>
+    <dgm:txLinClrLst/>
+    <dgm:txFillClrLst meth="repeat">
+      <a:schemeClr val="lt1"/>
+    </dgm:txFillClrLst>
+    <dgm:txEffectClrLst/>
+  </dgm:styleLbl>
+  <dgm:styleLbl name="bgImgPlace1">
+    <dgm:fillClrLst>
+      <a:schemeClr val="accent3">
+        <a:tint val="50000"/>
+      </a:schemeClr>
+      <a:schemeClr val="accent4">
+        <a:tint val="20000"/>
+      </a:schemeClr>
+    </dgm:fillClrLst>
+    <dgm:linClrLst meth="repeat">
+      <a:schemeClr val="lt1"/>
+    </dgm:linClrLst>
+    <dgm:effectClrLst/>
+    <dgm:txLinClrLst/>
+    <dgm:txFillClrLst meth="repeat">
+      <a:schemeClr val="lt1"/>
+    </dgm:txFillClrLst>
+    <dgm:txEffectClrLst/>
+  </dgm:styleLbl>
+  <dgm:styleLbl name="sibTrans2D1">
+    <dgm:fillClrLst>
+      <a:schemeClr val="accent3"/>
+      <a:schemeClr val="accent4"/>
+    </dgm:fillClrLst>
+    <dgm:linClrLst meth="repeat">
+      <a:schemeClr val="lt1"/>
+    </dgm:linClrLst>
+    <dgm:effectClrLst/>
+    <dgm:txLinClrLst/>
+    <dgm:txFillClrLst/>
+    <dgm:txEffectClrLst/>
+  </dgm:styleLbl>
+  <dgm:styleLbl name="fgSibTrans2D1">
+    <dgm:fillClrLst>
+      <a:schemeClr val="accent3"/>
+      <a:schemeClr val="accent4"/>
+    </dgm:fillClrLst>
+    <dgm:linClrLst meth="repeat">
+      <a:schemeClr val="lt1"/>
+    </dgm:linClrLst>
+    <dgm:effectClrLst/>
+    <dgm:txLinClrLst/>
+    <dgm:txFillClrLst meth="repeat">
+      <a:schemeClr val="lt1"/>
+    </dgm:txFillClrLst>
+    <dgm:txEffectClrLst/>
+  </dgm:styleLbl>
+  <dgm:styleLbl name="bgSibTrans2D1">
+    <dgm:fillClrLst>
+      <a:schemeClr val="accent3"/>
+      <a:schemeClr val="accent4"/>
+    </dgm:fillClrLst>
+    <dgm:linClrLst meth="repeat">
+      <a:schemeClr val="lt1"/>
+    </dgm:linClrLst>
+    <dgm:effectClrLst/>
+    <dgm:txLinClrLst/>
+    <dgm:txFillClrLst meth="repeat">
+      <a:schemeClr val="lt1"/>
+    </dgm:txFillClrLst>
+    <dgm:txEffectClrLst/>
+  </dgm:styleLbl>
+  <dgm:styleLbl name="sibTrans1D1">
+    <dgm:fillClrLst/>
+    <dgm:linClrLst>
+      <a:schemeClr val="accent3"/>
+      <a:schemeClr val="accent4"/>
+    </dgm:linClrLst>
+    <dgm:effectClrLst/>
+    <dgm:txLinClrLst/>
+    <dgm:txFillClrLst meth="repeat">
+      <a:schemeClr val="tx1"/>
+    </dgm:txFillClrLst>
+    <dgm:txEffectClrLst/>
+  </dgm:styleLbl>
+  <dgm:styleLbl name="callout">
+    <dgm:fillClrLst meth="repeat">
+      <a:schemeClr val="accent3"/>
+    </dgm:fillClrLst>
+    <dgm:linClrLst meth="repeat">
+      <a:schemeClr val="accent3">
+        <a:tint val="50000"/>
+      </a:schemeClr>
+    </dgm:linClrLst>
+    <dgm:effectClrLst/>
+    <dgm:txLinClrLst/>
+    <dgm:txFillClrLst meth="repeat">
+      <a:schemeClr val="tx1"/>
+    </dgm:txFillClrLst>
+    <dgm:txEffectClrLst/>
+  </dgm:styleLbl>
+  <dgm:styleLbl name="asst0">
+    <dgm:fillClrLst meth="repeat">
+      <a:schemeClr val="accent3"/>
+    </dgm:fillClrLst>
+    <dgm:linClrLst meth="repeat">
+      <a:schemeClr val="lt1">
+        <a:shade val="80000"/>
+      </a:schemeClr>
+    </dgm:linClrLst>
+    <dgm:effectClrLst/>
+    <dgm:txLinClrLst/>
+    <dgm:txFillClrLst/>
+    <dgm:txEffectClrLst/>
+  </dgm:styleLbl>
+  <dgm:styleLbl name="asst1">
+    <dgm:fillClrLst meth="repeat">
+      <a:schemeClr val="accent4"/>
+    </dgm:fillClrLst>
+    <dgm:linClrLst meth="repeat">
+      <a:schemeClr val="lt1">
+        <a:shade val="80000"/>
+      </a:schemeClr>
+    </dgm:linClrLst>
+    <dgm:effectClrLst/>
+    <dgm:txLinClrLst/>
+    <dgm:txFillClrLst/>
+    <dgm:txEffectClrLst/>
+  </dgm:styleLbl>
+  <dgm:styleLbl name="asst2">
+    <dgm:fillClrLst>
+      <a:schemeClr val="accent5"/>
+    </dgm:fillClrLst>
+    <dgm:linClrLst meth="repeat">
+      <a:schemeClr val="lt1"/>
+    </dgm:linClrLst>
+    <dgm:effectClrLst/>
+    <dgm:txLinClrLst/>
+    <dgm:txFillClrLst/>
+    <dgm:txEffectClrLst/>
+  </dgm:styleLbl>
+  <dgm:styleLbl name="asst3">
+    <dgm:fillClrLst>
+      <a:schemeClr val="accent6"/>
+    </dgm:fillClrLst>
+    <dgm:linClrLst meth="repeat">
+      <a:schemeClr val="lt1"/>
+    </dgm:linClrLst>
+    <dgm:effectClrLst/>
+    <dgm:txLinClrLst/>
+    <dgm:txFillClrLst/>
+    <dgm:txEffectClrLst/>
+  </dgm:styleLbl>
+  <dgm:styleLbl name="asst4">
+    <dgm:fillClrLst>
+      <a:schemeClr val="accent1"/>
+    </dgm:fillClrLst>
+    <dgm:linClrLst meth="repeat">
+      <a:schemeClr val="lt1"/>
+    </dgm:linClrLst>
+    <dgm:effectClrLst/>
+    <dgm:txLinClrLst/>
+    <dgm:txFillClrLst/>
+    <dgm:txEffectClrLst/>
+  </dgm:styleLbl>
+  <dgm:styleLbl name="parChTrans2D1">
+    <dgm:fillClrLst meth="repeat">
+      <a:schemeClr val="accent2"/>
+    </dgm:fillClrLst>
+    <dgm:linClrLst meth="repeat">
+      <a:schemeClr val="lt1"/>
+    </dgm:linClrLst>
+    <dgm:effectClrLst/>
+    <dgm:txLinClrLst/>
+    <dgm:txFillClrLst meth="repeat">
+      <a:schemeClr val="lt1"/>
+    </dgm:txFillClrLst>
+    <dgm:txEffectClrLst/>
+  </dgm:styleLbl>
+  <dgm:styleLbl name="parChTrans2D2">
+    <dgm:fillClrLst meth="repeat">
+      <a:schemeClr val="accent3"/>
+    </dgm:fillClrLst>
+    <dgm:linClrLst meth="repeat">
+      <a:schemeClr val="lt1"/>
+    </dgm:linClrLst>
+    <dgm:effectClrLst/>
+    <dgm:txLinClrLst/>
+    <dgm:txFillClrLst/>
+    <dgm:txEffectClrLst/>
+  </dgm:styleLbl>
+  <dgm:styleLbl name="parChTrans2D3">
+    <dgm:fillClrLst meth="repeat">
+      <a:schemeClr val="accent4"/>
+    </dgm:fillClrLst>
+    <dgm:linClrLst meth="repeat">
+      <a:schemeClr val="lt1"/>
+    </dgm:linClrLst>
+    <dgm:effectClrLst/>
+    <dgm:txLinClrLst/>
+    <dgm:txFillClrLst/>
+    <dgm:txEffectClrLst/>
+  </dgm:styleLbl>
+  <dgm:styleLbl name="parChTrans2D4">
+    <dgm:fillClrLst meth="repeat">
+      <a:schemeClr val="accent5"/>
+    </dgm:fillClrLst>
+    <dgm:linClrLst meth="repeat">
+      <a:schemeClr val="lt1"/>
+    </dgm:linClrLst>
+    <dgm:effectClrLst/>
+    <dgm:txLinClrLst/>
+    <dgm:txFillClrLst meth="repeat">
+      <a:schemeClr val="lt1"/>
+    </dgm:txFillClrLst>
+    <dgm:txEffectClrLst/>
+  </dgm:styleLbl>
+  <dgm:styleLbl name="parChTrans1D1">
+    <dgm:fillClrLst meth="repeat">
+      <a:schemeClr val="accent3"/>
+    </dgm:fillClrLst>
+    <dgm:linClrLst meth="repeat">
+      <a:schemeClr val="accent3"/>
+    </dgm:linClrLst>
+    <dgm:effectClrLst/>
+    <dgm:txLinClrLst/>
+    <dgm:txFillClrLst meth="repeat">
+      <a:schemeClr val="tx1"/>
+    </dgm:txFillClrLst>
+    <dgm:txEffectClrLst/>
+  </dgm:styleLbl>
+  <dgm:styleLbl name="parChTrans1D2">
+    <dgm:fillClrLst meth="repeat">
+      <a:schemeClr val="accent2">
+        <a:tint val="90000"/>
+      </a:schemeClr>
+    </dgm:fillClrLst>
+    <dgm:linClrLst meth="repeat">
+      <a:schemeClr val="accent4"/>
+    </dgm:linClrLst>
+    <dgm:effectClrLst/>
+    <dgm:txLinClrLst/>
+    <dgm:txFillClrLst meth="repeat">
+      <a:schemeClr val="tx1"/>
+    </dgm:txFillClrLst>
+    <dgm:txEffectClrLst/>
+  </dgm:styleLbl>
+  <dgm:styleLbl name="parChTrans1D3">
+    <dgm:fillClrLst meth="repeat">
+      <a:schemeClr val="accent2">
+        <a:tint val="70000"/>
+      </a:schemeClr>
+    </dgm:fillClrLst>
+    <dgm:linClrLst meth="repeat">
+      <a:schemeClr val="accent5"/>
+    </dgm:linClrLst>
+    <dgm:effectClrLst/>
+    <dgm:txLinClrLst/>
+    <dgm:txFillClrLst meth="repeat">
+      <a:schemeClr val="tx1"/>
+    </dgm:txFillClrLst>
+    <dgm:txEffectClrLst/>
+  </dgm:styleLbl>
+  <dgm:styleLbl name="parChTrans1D4">
+    <dgm:fillClrLst meth="repeat">
+      <a:schemeClr val="accent6">
+        <a:tint val="50000"/>
+      </a:schemeClr>
+    </dgm:fillClrLst>
+    <dgm:linClrLst meth="repeat">
+      <a:schemeClr val="accent6"/>
+    </dgm:linClrLst>
+    <dgm:effectClrLst/>
+    <dgm:txLinClrLst/>
+    <dgm:txFillClrLst meth="repeat">
+      <a:schemeClr val="tx1"/>
+    </dgm:txFillClrLst>
+    <dgm:txEffectClrLst/>
+  </dgm:styleLbl>
+  <dgm:styleLbl name="fgAcc1">
+    <dgm:fillClrLst meth="repeat">
+      <a:schemeClr val="lt1">
+        <a:alpha val="90000"/>
+      </a:schemeClr>
+    </dgm:fillClrLst>
+    <dgm:linClrLst>
+      <a:schemeClr val="accent3"/>
+      <a:schemeClr val="accent4"/>
+    </dgm:linClrLst>
+    <dgm:effectClrLst/>
+    <dgm:txLinClrLst/>
+    <dgm:txFillClrLst meth="repeat">
+      <a:schemeClr val="dk1"/>
+    </dgm:txFillClrLst>
+    <dgm:txEffectClrLst/>
+  </dgm:styleLbl>
+  <dgm:styleLbl name="conFgAcc1">
+    <dgm:fillClrLst meth="repeat">
+      <a:schemeClr val="lt1">
+        <a:alpha val="90000"/>
+      </a:schemeClr>
+    </dgm:fillClrLst>
+    <dgm:linClrLst>
+      <a:schemeClr val="accent3"/>
+      <a:schemeClr val="accent4"/>
+    </dgm:linClrLst>
+    <dgm:effectClrLst/>
+    <dgm:txLinClrLst/>
+    <dgm:txFillClrLst meth="repeat">
+      <a:schemeClr val="dk1"/>
+    </dgm:txFillClrLst>
+    <dgm:txEffectClrLst/>
+  </dgm:styleLbl>
+  <dgm:styleLbl name="alignAcc1">
+    <dgm:fillClrLst meth="repeat">
+      <a:schemeClr val="lt1">
+        <a:alpha val="90000"/>
+      </a:schemeClr>
+    </dgm:fillClrLst>
+    <dgm:linClrLst>
+      <a:schemeClr val="accent3"/>
+      <a:schemeClr val="accent4"/>
+    </dgm:linClrLst>
+    <dgm:effectClrLst/>
+    <dgm:txLinClrLst/>
+    <dgm:txFillClrLst meth="repeat">
+      <a:schemeClr val="dk1"/>
+    </dgm:txFillClrLst>
+    <dgm:txEffectClrLst/>
+  </dgm:styleLbl>
+  <dgm:styleLbl name="trAlignAcc1">
+    <dgm:fillClrLst meth="repeat">
+      <a:schemeClr val="lt1">
+        <a:alpha val="40000"/>
+      </a:schemeClr>
+    </dgm:fillClrLst>
+    <dgm:linClrLst meth="repeat">
+      <a:schemeClr val="accent2"/>
+    </dgm:linClrLst>
+    <dgm:effectClrLst/>
+    <dgm:txLinClrLst/>
+    <dgm:txFillClrLst meth="repeat">
+      <a:schemeClr val="dk1"/>
+    </dgm:txFillClrLst>
+    <dgm:txEffectClrLst/>
+  </dgm:styleLbl>
+  <dgm:styleLbl name="bgAcc1">
+    <dgm:fillClrLst meth="repeat">
+      <a:schemeClr val="lt1">
+        <a:alpha val="90000"/>
+      </a:schemeClr>
+    </dgm:fillClrLst>
+    <dgm:linClrLst>
+      <a:schemeClr val="accent3"/>
+      <a:schemeClr val="accent4"/>
+    </dgm:linClrLst>
+    <dgm:effectClrLst/>
+    <dgm:txLinClrLst/>
+    <dgm:txFillClrLst meth="repeat">
+      <a:schemeClr val="dk1"/>
+    </dgm:txFillClrLst>
+    <dgm:txEffectClrLst/>
+  </dgm:styleLbl>
+  <dgm:styleLbl name="solidFgAcc1">
+    <dgm:fillClrLst meth="repeat">
+      <a:schemeClr val="lt1"/>
+    </dgm:fillClrLst>
+    <dgm:linClrLst>
+      <a:schemeClr val="accent3"/>
+      <a:schemeClr val="accent4"/>
+    </dgm:linClrLst>
+    <dgm:effectClrLst/>
+    <dgm:txLinClrLst/>
+    <dgm:txFillClrLst meth="repeat">
+      <a:schemeClr val="dk1"/>
+    </dgm:txFillClrLst>
+    <dgm:txEffectClrLst/>
+  </dgm:styleLbl>
+  <dgm:styleLbl name="solidAlignAcc1">
+    <dgm:fillClrLst meth="repeat">
+      <a:schemeClr val="lt1"/>
+    </dgm:fillClrLst>
+    <dgm:linClrLst>
+      <a:schemeClr val="accent3"/>
+      <a:schemeClr val="accent4"/>
+    </dgm:linClrLst>
+    <dgm:effectClrLst/>
+    <dgm:txLinClrLst/>
+    <dgm:txFillClrLst meth="repeat">
+      <a:schemeClr val="dk1"/>
+    </dgm:txFillClrLst>
+    <dgm:txEffectClrLst/>
+  </dgm:styleLbl>
+  <dgm:styleLbl name="solidBgAcc1">
+    <dgm:fillClrLst meth="repeat">
+      <a:schemeClr val="lt1"/>
+    </dgm:fillClrLst>
+    <dgm:linClrLst>
+      <a:schemeClr val="accent3"/>
+      <a:schemeClr val="accent4"/>
+    </dgm:linClrLst>
+    <dgm:effectClrLst/>
+    <dgm:txLinClrLst/>
+    <dgm:txFillClrLst meth="repeat">
+      <a:schemeClr val="dk1"/>
+    </dgm:txFillClrLst>
+    <dgm:txEffectClrLst/>
+  </dgm:styleLbl>
+  <dgm:styleLbl name="fgAccFollowNode1">
+    <dgm:fillClrLst>
+      <a:schemeClr val="accent3">
+        <a:tint val="40000"/>
+        <a:alpha val="90000"/>
+      </a:schemeClr>
+      <a:schemeClr val="accent4">
+        <a:tint val="40000"/>
+        <a:alpha val="90000"/>
+      </a:schemeClr>
+    </dgm:fillClrLst>
+    <dgm:linClrLst>
+      <a:schemeClr val="accent3">
+        <a:tint val="40000"/>
+        <a:alpha val="90000"/>
+      </a:schemeClr>
+      <a:schemeClr val="accent4">
+        <a:tint val="40000"/>
+        <a:alpha val="90000"/>
+      </a:schemeClr>
+    </dgm:linClrLst>
+    <dgm:effectClrLst/>
+    <dgm:txLinClrLst/>
+    <dgm:txFillClrLst meth="repeat">
+      <a:schemeClr val="dk1"/>
+    </dgm:txFillClrLst>
+    <dgm:txEffectClrLst/>
+  </dgm:styleLbl>
+  <dgm:styleLbl name="alignAccFollowNode1">
+    <dgm:fillClrLst>
+      <a:schemeClr val="accent3">
+        <a:tint val="40000"/>
+        <a:alpha val="90000"/>
+      </a:schemeClr>
+      <a:schemeClr val="accent4">
+        <a:tint val="40000"/>
+        <a:alpha val="90000"/>
+      </a:schemeClr>
+    </dgm:fillClrLst>
+    <dgm:linClrLst>
+      <a:schemeClr val="accent3">
+        <a:tint val="40000"/>
+        <a:alpha val="90000"/>
+      </a:schemeClr>
+      <a:schemeClr val="accent4">
+        <a:tint val="40000"/>
+        <a:alpha val="90000"/>
+      </a:schemeClr>
+    </dgm:linClrLst>
+    <dgm:effectClrLst/>
+    <dgm:txLinClrLst/>
+    <dgm:txFillClrLst meth="repeat">
+      <a:schemeClr val="dk1"/>
+    </dgm:txFillClrLst>
+    <dgm:txEffectClrLst/>
+  </dgm:styleLbl>
+  <dgm:styleLbl name="bgAccFollowNode1">
+    <dgm:fillClrLst>
+      <a:schemeClr val="accent3">
+        <a:tint val="40000"/>
+        <a:alpha val="90000"/>
+      </a:schemeClr>
+      <a:schemeClr val="accent4">
+        <a:tint val="40000"/>
+        <a:alpha val="90000"/>
+      </a:schemeClr>
+    </dgm:fillClrLst>
+    <dgm:linClrLst>
+      <a:schemeClr val="accent3">
+        <a:tint val="40000"/>
+        <a:alpha val="90000"/>
+      </a:schemeClr>
+      <a:schemeClr val="accent4">
+        <a:tint val="40000"/>
+        <a:alpha val="90000"/>
+      </a:schemeClr>
+    </dgm:linClrLst>
+    <dgm:effectClrLst/>
+    <dgm:txLinClrLst/>
+    <dgm:txFillClrLst meth="repeat">
+      <a:schemeClr val="dk1"/>
+    </dgm:txFillClrLst>
+    <dgm:txEffectClrLst/>
+  </dgm:styleLbl>
+  <dgm:styleLbl name="fgAcc0">
+    <dgm:fillClrLst meth="repeat">
+      <a:schemeClr val="lt1">
+        <a:alpha val="90000"/>
+      </a:schemeClr>
+    </dgm:fillClrLst>
+    <dgm:linClrLst>
+      <a:schemeClr val="accent2"/>
+    </dgm:linClrLst>
+    <dgm:effectClrLst/>
+    <dgm:txLinClrLst/>
+    <dgm:txFillClrLst meth="repeat">
+      <a:schemeClr val="dk1"/>
+    </dgm:txFillClrLst>
+    <dgm:txEffectClrLst/>
+  </dgm:styleLbl>
+  <dgm:styleLbl name="fgAcc2">
+    <dgm:fillClrLst meth="repeat">
+      <a:schemeClr val="lt1">
+        <a:alpha val="90000"/>
+      </a:schemeClr>
+    </dgm:fillClrLst>
+    <dgm:linClrLst>
+      <a:schemeClr val="accent4"/>
+    </dgm:linClrLst>
+    <dgm:effectClrLst/>
+    <dgm:txLinClrLst/>
+    <dgm:txFillClrLst meth="repeat">
+      <a:schemeClr val="dk1"/>
+    </dgm:txFillClrLst>
+    <dgm:txEffectClrLst/>
+  </dgm:styleLbl>
+  <dgm:styleLbl name="fgAcc3">
+    <dgm:fillClrLst meth="repeat">
+      <a:schemeClr val="lt1">
+        <a:alpha val="90000"/>
+      </a:schemeClr>
+    </dgm:fillClrLst>
+    <dgm:linClrLst>
+      <a:schemeClr val="accent5"/>
+    </dgm:linClrLst>
+    <dgm:effectClrLst/>
+    <dgm:txLinClrLst/>
+    <dgm:txFillClrLst meth="repeat">
+      <a:schemeClr val="dk1"/>
+    </dgm:txFillClrLst>
+    <dgm:txEffectClrLst/>
+  </dgm:styleLbl>
+  <dgm:styleLbl name="fgAcc4">
+    <dgm:fillClrLst meth="repeat">
+      <a:schemeClr val="lt1">
+        <a:alpha val="90000"/>
+      </a:schemeClr>
+    </dgm:fillClrLst>
+    <dgm:linClrLst>
+      <a:schemeClr val="accent6"/>
+    </dgm:linClrLst>
+    <dgm:effectClrLst/>
+    <dgm:txLinClrLst/>
+    <dgm:txFillClrLst meth="repeat">
+      <a:schemeClr val="dk1"/>
+    </dgm:txFillClrLst>
+    <dgm:txEffectClrLst/>
+  </dgm:styleLbl>
+  <dgm:styleLbl name="bgShp">
+    <dgm:fillClrLst meth="repeat">
+      <a:schemeClr val="accent3">
+        <a:tint val="40000"/>
+      </a:schemeClr>
+    </dgm:fillClrLst>
+    <dgm:linClrLst meth="repeat">
+      <a:schemeClr val="dk1"/>
+    </dgm:linClrLst>
+    <dgm:effectClrLst/>
+    <dgm:txLinClrLst/>
+    <dgm:txFillClrLst meth="repeat">
+      <a:schemeClr val="dk1"/>
+    </dgm:txFillClrLst>
+    <dgm:txEffectClrLst/>
+  </dgm:styleLbl>
+  <dgm:styleLbl name="dkBgShp">
+    <dgm:fillClrLst meth="repeat">
+      <a:schemeClr val="accent3">
+        <a:shade val="90000"/>
+      </a:schemeClr>
+    </dgm:fillClrLst>
+    <dgm:linClrLst meth="repeat">
+      <a:schemeClr val="dk1"/>
+    </dgm:linClrLst>
+    <dgm:effectClrLst/>
+    <dgm:txLinClrLst/>
+    <dgm:txFillClrLst meth="repeat">
+      <a:schemeClr val="lt1"/>
+    </dgm:txFillClrLst>
+    <dgm:txEffectClrLst/>
+  </dgm:styleLbl>
+  <dgm:styleLbl name="trBgShp">
+    <dgm:fillClrLst meth="repeat">
+      <a:schemeClr val="accent2">
+        <a:tint val="50000"/>
+        <a:alpha val="40000"/>
+      </a:schemeClr>
+    </dgm:fillClrLst>
+    <dgm:linClrLst meth="repeat">
+      <a:schemeClr val="accent3"/>
+    </dgm:linClrLst>
+    <dgm:effectClrLst/>
+    <dgm:txLinClrLst/>
+    <dgm:txFillClrLst meth="repeat">
+      <a:schemeClr val="lt1"/>
+    </dgm:txFillClrLst>
+    <dgm:txEffectClrLst/>
+  </dgm:styleLbl>
+  <dgm:styleLbl name="fgShp">
+    <dgm:fillClrLst meth="repeat">
+      <a:schemeClr val="accent3">
+        <a:tint val="40000"/>
+      </a:schemeClr>
+    </dgm:fillClrLst>
+    <dgm:linClrLst meth="repeat">
+      <a:schemeClr val="lt1"/>
+    </dgm:linClrLst>
+    <dgm:effectClrLst/>
+    <dgm:txLinClrLst/>
+    <dgm:txFillClrLst meth="repeat">
+      <a:schemeClr val="dk1"/>
+    </dgm:txFillClrLst>
+    <dgm:txEffectClrLst/>
+  </dgm:styleLbl>
+  <dgm:styleLbl name="revTx">
+    <dgm:fillClrLst meth="repeat">
+      <a:schemeClr val="lt1">
+        <a:alpha val="0"/>
+      </a:schemeClr>
+    </dgm:fillClrLst>
+    <dgm:linClrLst meth="repeat">
+      <a:schemeClr val="dk1">
+        <a:alpha val="0"/>
+      </a:schemeClr>
+    </dgm:linClrLst>
+    <dgm:effectClrLst/>
+    <dgm:txLinClrLst/>
+    <dgm:txFillClrLst meth="repeat">
+      <a:schemeClr val="tx1"/>
+    </dgm:txFillClrLst>
+    <dgm:txEffectClrLst/>
+  </dgm:styleLbl>
+</dgm:colorsDef>
+</file>
+
+<file path=ppt/diagrams/data1.xml><?xml version="1.0" encoding="utf-8"?>
+<dgm:dataModel xmlns:dgm="http://schemas.openxmlformats.org/drawingml/2006/diagram" xmlns:a="http://schemas.openxmlformats.org/drawingml/2006/main">
+  <dgm:ptLst>
+    <dgm:pt modelId="{B4EC1A7E-5B65-411E-B5AE-B530E6186682}" type="doc">
+      <dgm:prSet loTypeId="urn:microsoft.com/office/officeart/2008/layout/VerticalCurvedList" loCatId="list" qsTypeId="urn:microsoft.com/office/officeart/2005/8/quickstyle/simple1" qsCatId="simple" csTypeId="urn:microsoft.com/office/officeart/2005/8/colors/colorful3" csCatId="colorful" phldr="1"/>
+      <dgm:spPr/>
+      <dgm:t>
+        <a:bodyPr/>
+        <a:lstStyle/>
+        <a:p>
+          <a:endParaRPr lang="fr-FR"/>
+        </a:p>
+      </dgm:t>
+    </dgm:pt>
+    <dgm:pt modelId="{AC23FD79-E05C-47D9-A2E2-03D4D690A463}">
+      <dgm:prSet phldrT="[Texte]"/>
+      <dgm:spPr/>
+      <dgm:t>
+        <a:bodyPr/>
+        <a:lstStyle/>
+        <a:p>
+          <a:r>
+            <a:rPr lang="fr-FR" dirty="0"/>
+            <a:t>Cahier des charges</a:t>
+          </a:r>
+        </a:p>
+      </dgm:t>
+    </dgm:pt>
+    <dgm:pt modelId="{19F0E58F-8CFD-4454-ABA0-A99EA437F006}" type="parTrans" cxnId="{BCE4C220-9D96-4610-A573-B5355D8A18C9}">
+      <dgm:prSet/>
+      <dgm:spPr/>
+      <dgm:t>
+        <a:bodyPr/>
+        <a:lstStyle/>
+        <a:p>
+          <a:endParaRPr lang="fr-FR"/>
+        </a:p>
+      </dgm:t>
+    </dgm:pt>
+    <dgm:pt modelId="{8398E3F5-E092-4BBB-880F-84741DB02517}" type="sibTrans" cxnId="{BCE4C220-9D96-4610-A573-B5355D8A18C9}">
+      <dgm:prSet/>
+      <dgm:spPr/>
+      <dgm:t>
+        <a:bodyPr/>
+        <a:lstStyle/>
+        <a:p>
+          <a:endParaRPr lang="fr-FR"/>
+        </a:p>
+      </dgm:t>
+    </dgm:pt>
+    <dgm:pt modelId="{8CBF11F8-890F-4159-9964-3B49B85AE09F}">
+      <dgm:prSet phldrT="[Texte]"/>
+      <dgm:spPr/>
+      <dgm:t>
+        <a:bodyPr/>
+        <a:lstStyle/>
+        <a:p>
+          <a:r>
+            <a:rPr lang="fr-FR" dirty="0"/>
+            <a:t>Organisation du projet</a:t>
+          </a:r>
+        </a:p>
+      </dgm:t>
+    </dgm:pt>
+    <dgm:pt modelId="{81A9AB52-B1E5-411E-878A-25A7F6BA1386}" type="parTrans" cxnId="{2AB915CA-66C4-419B-B3D0-67D8E243E15D}">
+      <dgm:prSet/>
+      <dgm:spPr/>
+      <dgm:t>
+        <a:bodyPr/>
+        <a:lstStyle/>
+        <a:p>
+          <a:endParaRPr lang="fr-FR"/>
+        </a:p>
+      </dgm:t>
+    </dgm:pt>
+    <dgm:pt modelId="{6002C1C9-8DF4-4A36-9B14-0270777626A8}" type="sibTrans" cxnId="{2AB915CA-66C4-419B-B3D0-67D8E243E15D}">
+      <dgm:prSet/>
+      <dgm:spPr/>
+      <dgm:t>
+        <a:bodyPr/>
+        <a:lstStyle/>
+        <a:p>
+          <a:endParaRPr lang="fr-FR"/>
+        </a:p>
+      </dgm:t>
+    </dgm:pt>
+    <dgm:pt modelId="{2F6A8551-2656-4612-A212-CEF1F6522B2D}">
+      <dgm:prSet phldrT="[Texte]"/>
+      <dgm:spPr/>
+      <dgm:t>
+        <a:bodyPr/>
+        <a:lstStyle/>
+        <a:p>
+          <a:r>
+            <a:rPr lang="fr-FR" dirty="0"/>
+            <a:t>Architecture globale</a:t>
+          </a:r>
+        </a:p>
+      </dgm:t>
+    </dgm:pt>
+    <dgm:pt modelId="{02AEA0DC-D301-4695-ACC6-D4F9E75A99A7}" type="parTrans" cxnId="{1786E71C-FD0F-4F64-95C3-A9FC7C4CD242}">
+      <dgm:prSet/>
+      <dgm:spPr/>
+      <dgm:t>
+        <a:bodyPr/>
+        <a:lstStyle/>
+        <a:p>
+          <a:endParaRPr lang="fr-FR"/>
+        </a:p>
+      </dgm:t>
+    </dgm:pt>
+    <dgm:pt modelId="{1AB94705-1902-41AE-8B51-38D411DAE86D}" type="sibTrans" cxnId="{1786E71C-FD0F-4F64-95C3-A9FC7C4CD242}">
+      <dgm:prSet/>
+      <dgm:spPr/>
+      <dgm:t>
+        <a:bodyPr/>
+        <a:lstStyle/>
+        <a:p>
+          <a:endParaRPr lang="fr-FR"/>
+        </a:p>
+      </dgm:t>
+    </dgm:pt>
+    <dgm:pt modelId="{6EB84C7C-3444-4DF4-83C0-0EF54C7F1CBD}">
+      <dgm:prSet/>
+      <dgm:spPr/>
+      <dgm:t>
+        <a:bodyPr/>
+        <a:lstStyle/>
+        <a:p>
+          <a:r>
+            <a:rPr lang="fr-FR" dirty="0"/>
+            <a:t>Solutions développées</a:t>
+          </a:r>
+        </a:p>
+      </dgm:t>
+    </dgm:pt>
+    <dgm:pt modelId="{D2F96272-0448-41A4-BDB3-E96A635012EB}" type="parTrans" cxnId="{3B984305-ECE6-4B56-AC58-2532AB42E07A}">
+      <dgm:prSet/>
+      <dgm:spPr/>
+      <dgm:t>
+        <a:bodyPr/>
+        <a:lstStyle/>
+        <a:p>
+          <a:endParaRPr lang="fr-FR"/>
+        </a:p>
+      </dgm:t>
+    </dgm:pt>
+    <dgm:pt modelId="{564F4843-51B3-4A58-9271-3288DCD7C2BA}" type="sibTrans" cxnId="{3B984305-ECE6-4B56-AC58-2532AB42E07A}">
+      <dgm:prSet/>
+      <dgm:spPr/>
+      <dgm:t>
+        <a:bodyPr/>
+        <a:lstStyle/>
+        <a:p>
+          <a:endParaRPr lang="fr-FR"/>
+        </a:p>
+      </dgm:t>
+    </dgm:pt>
+    <dgm:pt modelId="{DE6414FC-AC2C-4E0F-9692-20487F0D052B}">
+      <dgm:prSet/>
+      <dgm:spPr/>
+      <dgm:t>
+        <a:bodyPr/>
+        <a:lstStyle/>
+        <a:p>
+          <a:r>
+            <a:rPr lang="fr-FR" dirty="0"/>
+            <a:t>Conclusion</a:t>
+          </a:r>
+        </a:p>
+      </dgm:t>
+    </dgm:pt>
+    <dgm:pt modelId="{11948F0A-1C1C-4DC0-BECA-763ABF94294F}" type="parTrans" cxnId="{957954B2-D2C1-4DDC-9C17-55F7018E1688}">
+      <dgm:prSet/>
+      <dgm:spPr/>
+      <dgm:t>
+        <a:bodyPr/>
+        <a:lstStyle/>
+        <a:p>
+          <a:endParaRPr lang="fr-FR"/>
+        </a:p>
+      </dgm:t>
+    </dgm:pt>
+    <dgm:pt modelId="{C6CBF3EB-CA4B-45B5-9029-98413F6A94D0}" type="sibTrans" cxnId="{957954B2-D2C1-4DDC-9C17-55F7018E1688}">
+      <dgm:prSet/>
+      <dgm:spPr/>
+      <dgm:t>
+        <a:bodyPr/>
+        <a:lstStyle/>
+        <a:p>
+          <a:endParaRPr lang="fr-FR"/>
+        </a:p>
+      </dgm:t>
+    </dgm:pt>
+    <dgm:pt modelId="{A5C5C0E0-7F26-457C-9FF5-FD9A0C588CAA}" type="pres">
+      <dgm:prSet presAssocID="{B4EC1A7E-5B65-411E-B5AE-B530E6186682}" presName="Name0" presStyleCnt="0">
+        <dgm:presLayoutVars>
+          <dgm:chMax val="7"/>
+          <dgm:chPref val="7"/>
+          <dgm:dir/>
+        </dgm:presLayoutVars>
+      </dgm:prSet>
+      <dgm:spPr/>
+    </dgm:pt>
+    <dgm:pt modelId="{4C78EBAB-8D57-4CAF-844A-CF5971DC5613}" type="pres">
+      <dgm:prSet presAssocID="{B4EC1A7E-5B65-411E-B5AE-B530E6186682}" presName="Name1" presStyleCnt="0"/>
+      <dgm:spPr/>
+    </dgm:pt>
+    <dgm:pt modelId="{013B1141-AD64-424E-9FB0-17CC5861B48F}" type="pres">
+      <dgm:prSet presAssocID="{B4EC1A7E-5B65-411E-B5AE-B530E6186682}" presName="cycle" presStyleCnt="0"/>
+      <dgm:spPr/>
+    </dgm:pt>
+    <dgm:pt modelId="{363FE3D4-9D0E-4482-B968-199A241356A8}" type="pres">
+      <dgm:prSet presAssocID="{B4EC1A7E-5B65-411E-B5AE-B530E6186682}" presName="srcNode" presStyleLbl="node1" presStyleIdx="0" presStyleCnt="5"/>
+      <dgm:spPr/>
+    </dgm:pt>
+    <dgm:pt modelId="{48B76A03-F770-4D8B-B5F6-6842BFC4AA93}" type="pres">
+      <dgm:prSet presAssocID="{B4EC1A7E-5B65-411E-B5AE-B530E6186682}" presName="conn" presStyleLbl="parChTrans1D2" presStyleIdx="0" presStyleCnt="1"/>
+      <dgm:spPr/>
+    </dgm:pt>
+    <dgm:pt modelId="{67F9265A-B98F-496D-8CE7-F250127EF874}" type="pres">
+      <dgm:prSet presAssocID="{B4EC1A7E-5B65-411E-B5AE-B530E6186682}" presName="extraNode" presStyleLbl="node1" presStyleIdx="0" presStyleCnt="5"/>
+      <dgm:spPr/>
+    </dgm:pt>
+    <dgm:pt modelId="{CAEEA890-EA03-4799-9618-AE56714BC0C5}" type="pres">
+      <dgm:prSet presAssocID="{B4EC1A7E-5B65-411E-B5AE-B530E6186682}" presName="dstNode" presStyleLbl="node1" presStyleIdx="0" presStyleCnt="5"/>
+      <dgm:spPr/>
+    </dgm:pt>
+    <dgm:pt modelId="{C367D794-B1DA-4715-B9FF-85778D4B1899}" type="pres">
+      <dgm:prSet presAssocID="{AC23FD79-E05C-47D9-A2E2-03D4D690A463}" presName="text_1" presStyleLbl="node1" presStyleIdx="0" presStyleCnt="5">
+        <dgm:presLayoutVars>
+          <dgm:bulletEnabled val="1"/>
+        </dgm:presLayoutVars>
+      </dgm:prSet>
+      <dgm:spPr/>
+    </dgm:pt>
+    <dgm:pt modelId="{25CC429B-43E5-4354-8F36-E5801618712C}" type="pres">
+      <dgm:prSet presAssocID="{AC23FD79-E05C-47D9-A2E2-03D4D690A463}" presName="accent_1" presStyleCnt="0"/>
+      <dgm:spPr/>
+    </dgm:pt>
+    <dgm:pt modelId="{B54A8E04-6E67-4078-91C7-DED47DC4A846}" type="pres">
+      <dgm:prSet presAssocID="{AC23FD79-E05C-47D9-A2E2-03D4D690A463}" presName="accentRepeatNode" presStyleLbl="solidFgAcc1" presStyleIdx="0" presStyleCnt="5"/>
+      <dgm:spPr/>
+    </dgm:pt>
+    <dgm:pt modelId="{1B9FCE7B-2525-4683-80F0-DA83C837767C}" type="pres">
+      <dgm:prSet presAssocID="{8CBF11F8-890F-4159-9964-3B49B85AE09F}" presName="text_2" presStyleLbl="node1" presStyleIdx="1" presStyleCnt="5">
+        <dgm:presLayoutVars>
+          <dgm:bulletEnabled val="1"/>
+        </dgm:presLayoutVars>
+      </dgm:prSet>
+      <dgm:spPr/>
+    </dgm:pt>
+    <dgm:pt modelId="{1AC3469A-A3C5-4A69-B0C5-4835573FC24F}" type="pres">
+      <dgm:prSet presAssocID="{8CBF11F8-890F-4159-9964-3B49B85AE09F}" presName="accent_2" presStyleCnt="0"/>
+      <dgm:spPr/>
+    </dgm:pt>
+    <dgm:pt modelId="{071192DD-A3CC-4143-AB5C-712F27836ABC}" type="pres">
+      <dgm:prSet presAssocID="{8CBF11F8-890F-4159-9964-3B49B85AE09F}" presName="accentRepeatNode" presStyleLbl="solidFgAcc1" presStyleIdx="1" presStyleCnt="5"/>
+      <dgm:spPr/>
+    </dgm:pt>
+    <dgm:pt modelId="{9D033F82-F4C3-41F6-98CB-26751CEEDCBB}" type="pres">
+      <dgm:prSet presAssocID="{2F6A8551-2656-4612-A212-CEF1F6522B2D}" presName="text_3" presStyleLbl="node1" presStyleIdx="2" presStyleCnt="5">
+        <dgm:presLayoutVars>
+          <dgm:bulletEnabled val="1"/>
+        </dgm:presLayoutVars>
+      </dgm:prSet>
+      <dgm:spPr/>
+    </dgm:pt>
+    <dgm:pt modelId="{AD7EFB9F-B279-47C6-ACBC-4E2CC289D3A5}" type="pres">
+      <dgm:prSet presAssocID="{2F6A8551-2656-4612-A212-CEF1F6522B2D}" presName="accent_3" presStyleCnt="0"/>
+      <dgm:spPr/>
+    </dgm:pt>
+    <dgm:pt modelId="{6A470B6E-B3E7-4E28-AB3A-282B9CDD06E7}" type="pres">
+      <dgm:prSet presAssocID="{2F6A8551-2656-4612-A212-CEF1F6522B2D}" presName="accentRepeatNode" presStyleLbl="solidFgAcc1" presStyleIdx="2" presStyleCnt="5"/>
+      <dgm:spPr/>
+    </dgm:pt>
+    <dgm:pt modelId="{E35B89C8-339B-4A19-9348-1C9003D49679}" type="pres">
+      <dgm:prSet presAssocID="{6EB84C7C-3444-4DF4-83C0-0EF54C7F1CBD}" presName="text_4" presStyleLbl="node1" presStyleIdx="3" presStyleCnt="5">
+        <dgm:presLayoutVars>
+          <dgm:bulletEnabled val="1"/>
+        </dgm:presLayoutVars>
+      </dgm:prSet>
+      <dgm:spPr/>
+    </dgm:pt>
+    <dgm:pt modelId="{56F85DB8-1DF1-4BDE-9FC7-922ACDC87487}" type="pres">
+      <dgm:prSet presAssocID="{6EB84C7C-3444-4DF4-83C0-0EF54C7F1CBD}" presName="accent_4" presStyleCnt="0"/>
+      <dgm:spPr/>
+    </dgm:pt>
+    <dgm:pt modelId="{BA75DB98-FE24-48D9-BCFB-8A858141AF4F}" type="pres">
+      <dgm:prSet presAssocID="{6EB84C7C-3444-4DF4-83C0-0EF54C7F1CBD}" presName="accentRepeatNode" presStyleLbl="solidFgAcc1" presStyleIdx="3" presStyleCnt="5"/>
+      <dgm:spPr/>
+    </dgm:pt>
+    <dgm:pt modelId="{2CFABCC3-3372-4ABC-9E92-A91FB09B0C27}" type="pres">
+      <dgm:prSet presAssocID="{DE6414FC-AC2C-4E0F-9692-20487F0D052B}" presName="text_5" presStyleLbl="node1" presStyleIdx="4" presStyleCnt="5">
+        <dgm:presLayoutVars>
+          <dgm:bulletEnabled val="1"/>
+        </dgm:presLayoutVars>
+      </dgm:prSet>
+      <dgm:spPr/>
+    </dgm:pt>
+    <dgm:pt modelId="{43D514EA-FB7F-4DB2-A721-A3CED95281CD}" type="pres">
+      <dgm:prSet presAssocID="{DE6414FC-AC2C-4E0F-9692-20487F0D052B}" presName="accent_5" presStyleCnt="0"/>
+      <dgm:spPr/>
+    </dgm:pt>
+    <dgm:pt modelId="{B146E754-5619-4363-A74A-EB1D241C6C25}" type="pres">
+      <dgm:prSet presAssocID="{DE6414FC-AC2C-4E0F-9692-20487F0D052B}" presName="accentRepeatNode" presStyleLbl="solidFgAcc1" presStyleIdx="4" presStyleCnt="5"/>
+      <dgm:spPr/>
+    </dgm:pt>
+  </dgm:ptLst>
+  <dgm:cxnLst>
+    <dgm:cxn modelId="{3B984305-ECE6-4B56-AC58-2532AB42E07A}" srcId="{B4EC1A7E-5B65-411E-B5AE-B530E6186682}" destId="{6EB84C7C-3444-4DF4-83C0-0EF54C7F1CBD}" srcOrd="3" destOrd="0" parTransId="{D2F96272-0448-41A4-BDB3-E96A635012EB}" sibTransId="{564F4843-51B3-4A58-9271-3288DCD7C2BA}"/>
+    <dgm:cxn modelId="{1786E71C-FD0F-4F64-95C3-A9FC7C4CD242}" srcId="{B4EC1A7E-5B65-411E-B5AE-B530E6186682}" destId="{2F6A8551-2656-4612-A212-CEF1F6522B2D}" srcOrd="2" destOrd="0" parTransId="{02AEA0DC-D301-4695-ACC6-D4F9E75A99A7}" sibTransId="{1AB94705-1902-41AE-8B51-38D411DAE86D}"/>
+    <dgm:cxn modelId="{BCE4C220-9D96-4610-A573-B5355D8A18C9}" srcId="{B4EC1A7E-5B65-411E-B5AE-B530E6186682}" destId="{AC23FD79-E05C-47D9-A2E2-03D4D690A463}" srcOrd="0" destOrd="0" parTransId="{19F0E58F-8CFD-4454-ABA0-A99EA437F006}" sibTransId="{8398E3F5-E092-4BBB-880F-84741DB02517}"/>
+    <dgm:cxn modelId="{1D199826-B085-414A-98A4-F4ADADF8E016}" type="presOf" srcId="{8CBF11F8-890F-4159-9964-3B49B85AE09F}" destId="{1B9FCE7B-2525-4683-80F0-DA83C837767C}" srcOrd="0" destOrd="0" presId="urn:microsoft.com/office/officeart/2008/layout/VerticalCurvedList"/>
+    <dgm:cxn modelId="{2B17472F-3816-4E13-B1E5-4BC2129A16F2}" type="presOf" srcId="{6EB84C7C-3444-4DF4-83C0-0EF54C7F1CBD}" destId="{E35B89C8-339B-4A19-9348-1C9003D49679}" srcOrd="0" destOrd="0" presId="urn:microsoft.com/office/officeart/2008/layout/VerticalCurvedList"/>
+    <dgm:cxn modelId="{2602EE36-A2AE-43DA-A682-9E946469C0BC}" type="presOf" srcId="{DE6414FC-AC2C-4E0F-9692-20487F0D052B}" destId="{2CFABCC3-3372-4ABC-9E92-A91FB09B0C27}" srcOrd="0" destOrd="0" presId="urn:microsoft.com/office/officeart/2008/layout/VerticalCurvedList"/>
+    <dgm:cxn modelId="{FBCE9144-6942-4F81-BBA4-E190D08E8A81}" type="presOf" srcId="{2F6A8551-2656-4612-A212-CEF1F6522B2D}" destId="{9D033F82-F4C3-41F6-98CB-26751CEEDCBB}" srcOrd="0" destOrd="0" presId="urn:microsoft.com/office/officeart/2008/layout/VerticalCurvedList"/>
+    <dgm:cxn modelId="{C401CD59-B441-4666-953F-4BCE652A27C2}" type="presOf" srcId="{8398E3F5-E092-4BBB-880F-84741DB02517}" destId="{48B76A03-F770-4D8B-B5F6-6842BFC4AA93}" srcOrd="0" destOrd="0" presId="urn:microsoft.com/office/officeart/2008/layout/VerticalCurvedList"/>
+    <dgm:cxn modelId="{20CEA499-8984-47D2-B949-9474E5EB6D3D}" type="presOf" srcId="{B4EC1A7E-5B65-411E-B5AE-B530E6186682}" destId="{A5C5C0E0-7F26-457C-9FF5-FD9A0C588CAA}" srcOrd="0" destOrd="0" presId="urn:microsoft.com/office/officeart/2008/layout/VerticalCurvedList"/>
+    <dgm:cxn modelId="{957954B2-D2C1-4DDC-9C17-55F7018E1688}" srcId="{B4EC1A7E-5B65-411E-B5AE-B530E6186682}" destId="{DE6414FC-AC2C-4E0F-9692-20487F0D052B}" srcOrd="4" destOrd="0" parTransId="{11948F0A-1C1C-4DC0-BECA-763ABF94294F}" sibTransId="{C6CBF3EB-CA4B-45B5-9029-98413F6A94D0}"/>
+    <dgm:cxn modelId="{92F07BC5-1E54-4340-9BA5-1023E64772C5}" type="presOf" srcId="{AC23FD79-E05C-47D9-A2E2-03D4D690A463}" destId="{C367D794-B1DA-4715-B9FF-85778D4B1899}" srcOrd="0" destOrd="0" presId="urn:microsoft.com/office/officeart/2008/layout/VerticalCurvedList"/>
+    <dgm:cxn modelId="{2AB915CA-66C4-419B-B3D0-67D8E243E15D}" srcId="{B4EC1A7E-5B65-411E-B5AE-B530E6186682}" destId="{8CBF11F8-890F-4159-9964-3B49B85AE09F}" srcOrd="1" destOrd="0" parTransId="{81A9AB52-B1E5-411E-878A-25A7F6BA1386}" sibTransId="{6002C1C9-8DF4-4A36-9B14-0270777626A8}"/>
+    <dgm:cxn modelId="{2CEE7FB0-341A-4D73-AA3B-CE28F1DB5309}" type="presParOf" srcId="{A5C5C0E0-7F26-457C-9FF5-FD9A0C588CAA}" destId="{4C78EBAB-8D57-4CAF-844A-CF5971DC5613}" srcOrd="0" destOrd="0" presId="urn:microsoft.com/office/officeart/2008/layout/VerticalCurvedList"/>
+    <dgm:cxn modelId="{F4C2EBE8-870C-4078-9D0A-16DD658E8D3A}" type="presParOf" srcId="{4C78EBAB-8D57-4CAF-844A-CF5971DC5613}" destId="{013B1141-AD64-424E-9FB0-17CC5861B48F}" srcOrd="0" destOrd="0" presId="urn:microsoft.com/office/officeart/2008/layout/VerticalCurvedList"/>
+    <dgm:cxn modelId="{99C1F6C4-F697-477C-AF04-D5C99C6FE2C0}" type="presParOf" srcId="{013B1141-AD64-424E-9FB0-17CC5861B48F}" destId="{363FE3D4-9D0E-4482-B968-199A241356A8}" srcOrd="0" destOrd="0" presId="urn:microsoft.com/office/officeart/2008/layout/VerticalCurvedList"/>
+    <dgm:cxn modelId="{92E37965-48AE-4621-826C-DFA841C1A989}" type="presParOf" srcId="{013B1141-AD64-424E-9FB0-17CC5861B48F}" destId="{48B76A03-F770-4D8B-B5F6-6842BFC4AA93}" srcOrd="1" destOrd="0" presId="urn:microsoft.com/office/officeart/2008/layout/VerticalCurvedList"/>
+    <dgm:cxn modelId="{8D94CE92-E1D3-4E0C-8795-E72423D45D25}" type="presParOf" srcId="{013B1141-AD64-424E-9FB0-17CC5861B48F}" destId="{67F9265A-B98F-496D-8CE7-F250127EF874}" srcOrd="2" destOrd="0" presId="urn:microsoft.com/office/officeart/2008/layout/VerticalCurvedList"/>
+    <dgm:cxn modelId="{1ED0FB7C-2840-4DF4-A2E3-D56288264D3A}" type="presParOf" srcId="{013B1141-AD64-424E-9FB0-17CC5861B48F}" destId="{CAEEA890-EA03-4799-9618-AE56714BC0C5}" srcOrd="3" destOrd="0" presId="urn:microsoft.com/office/officeart/2008/layout/VerticalCurvedList"/>
+    <dgm:cxn modelId="{675516D3-ED8B-4501-9497-F930E7DB04B0}" type="presParOf" srcId="{4C78EBAB-8D57-4CAF-844A-CF5971DC5613}" destId="{C367D794-B1DA-4715-B9FF-85778D4B1899}" srcOrd="1" destOrd="0" presId="urn:microsoft.com/office/officeart/2008/layout/VerticalCurvedList"/>
+    <dgm:cxn modelId="{AA5E18A7-2892-4918-A33F-FB7643999E11}" type="presParOf" srcId="{4C78EBAB-8D57-4CAF-844A-CF5971DC5613}" destId="{25CC429B-43E5-4354-8F36-E5801618712C}" srcOrd="2" destOrd="0" presId="urn:microsoft.com/office/officeart/2008/layout/VerticalCurvedList"/>
+    <dgm:cxn modelId="{2908191C-11C1-481A-B396-63C52823CA1D}" type="presParOf" srcId="{25CC429B-43E5-4354-8F36-E5801618712C}" destId="{B54A8E04-6E67-4078-91C7-DED47DC4A846}" srcOrd="0" destOrd="0" presId="urn:microsoft.com/office/officeart/2008/layout/VerticalCurvedList"/>
+    <dgm:cxn modelId="{FFE289F8-BF46-4DEA-84B6-9344A835DA30}" type="presParOf" srcId="{4C78EBAB-8D57-4CAF-844A-CF5971DC5613}" destId="{1B9FCE7B-2525-4683-80F0-DA83C837767C}" srcOrd="3" destOrd="0" presId="urn:microsoft.com/office/officeart/2008/layout/VerticalCurvedList"/>
+    <dgm:cxn modelId="{EA78901D-D0C8-4E1A-8E12-E95E15BB801E}" type="presParOf" srcId="{4C78EBAB-8D57-4CAF-844A-CF5971DC5613}" destId="{1AC3469A-A3C5-4A69-B0C5-4835573FC24F}" srcOrd="4" destOrd="0" presId="urn:microsoft.com/office/officeart/2008/layout/VerticalCurvedList"/>
+    <dgm:cxn modelId="{C5AE3206-2095-43FE-8F81-219B60F35A1A}" type="presParOf" srcId="{1AC3469A-A3C5-4A69-B0C5-4835573FC24F}" destId="{071192DD-A3CC-4143-AB5C-712F27836ABC}" srcOrd="0" destOrd="0" presId="urn:microsoft.com/office/officeart/2008/layout/VerticalCurvedList"/>
+    <dgm:cxn modelId="{9D8067F8-C452-4ACE-B1D7-76E065283EA4}" type="presParOf" srcId="{4C78EBAB-8D57-4CAF-844A-CF5971DC5613}" destId="{9D033F82-F4C3-41F6-98CB-26751CEEDCBB}" srcOrd="5" destOrd="0" presId="urn:microsoft.com/office/officeart/2008/layout/VerticalCurvedList"/>
+    <dgm:cxn modelId="{6F2CEECE-D69D-48D7-BF3D-B4140F593FB2}" type="presParOf" srcId="{4C78EBAB-8D57-4CAF-844A-CF5971DC5613}" destId="{AD7EFB9F-B279-47C6-ACBC-4E2CC289D3A5}" srcOrd="6" destOrd="0" presId="urn:microsoft.com/office/officeart/2008/layout/VerticalCurvedList"/>
+    <dgm:cxn modelId="{889E241D-721F-46B8-8A01-F038511FC1A2}" type="presParOf" srcId="{AD7EFB9F-B279-47C6-ACBC-4E2CC289D3A5}" destId="{6A470B6E-B3E7-4E28-AB3A-282B9CDD06E7}" srcOrd="0" destOrd="0" presId="urn:microsoft.com/office/officeart/2008/layout/VerticalCurvedList"/>
+    <dgm:cxn modelId="{559394E0-9A71-402F-826D-1AAB207FE971}" type="presParOf" srcId="{4C78EBAB-8D57-4CAF-844A-CF5971DC5613}" destId="{E35B89C8-339B-4A19-9348-1C9003D49679}" srcOrd="7" destOrd="0" presId="urn:microsoft.com/office/officeart/2008/layout/VerticalCurvedList"/>
+    <dgm:cxn modelId="{8618F58D-23BE-458A-825D-225DEDAED18B}" type="presParOf" srcId="{4C78EBAB-8D57-4CAF-844A-CF5971DC5613}" destId="{56F85DB8-1DF1-4BDE-9FC7-922ACDC87487}" srcOrd="8" destOrd="0" presId="urn:microsoft.com/office/officeart/2008/layout/VerticalCurvedList"/>
+    <dgm:cxn modelId="{FBE25D45-DA15-47B9-B89B-071620155F7C}" type="presParOf" srcId="{56F85DB8-1DF1-4BDE-9FC7-922ACDC87487}" destId="{BA75DB98-FE24-48D9-BCFB-8A858141AF4F}" srcOrd="0" destOrd="0" presId="urn:microsoft.com/office/officeart/2008/layout/VerticalCurvedList"/>
+    <dgm:cxn modelId="{BF261EB1-4137-402F-8CF4-78A8FC95AAFD}" type="presParOf" srcId="{4C78EBAB-8D57-4CAF-844A-CF5971DC5613}" destId="{2CFABCC3-3372-4ABC-9E92-A91FB09B0C27}" srcOrd="9" destOrd="0" presId="urn:microsoft.com/office/officeart/2008/layout/VerticalCurvedList"/>
+    <dgm:cxn modelId="{7D008FBF-7192-48F8-94B0-8C6FB2C2522B}" type="presParOf" srcId="{4C78EBAB-8D57-4CAF-844A-CF5971DC5613}" destId="{43D514EA-FB7F-4DB2-A721-A3CED95281CD}" srcOrd="10" destOrd="0" presId="urn:microsoft.com/office/officeart/2008/layout/VerticalCurvedList"/>
+    <dgm:cxn modelId="{5DFD75D4-C316-4AE7-9E2A-A4781E0E2FB6}" type="presParOf" srcId="{43D514EA-FB7F-4DB2-A721-A3CED95281CD}" destId="{B146E754-5619-4363-A74A-EB1D241C6C25}" srcOrd="0" destOrd="0" presId="urn:microsoft.com/office/officeart/2008/layout/VerticalCurvedList"/>
+  </dgm:cxnLst>
+  <dgm:bg/>
+  <dgm:whole/>
+  <dgm:extLst>
+    <a:ext uri="http://schemas.microsoft.com/office/drawing/2008/diagram">
+      <dsp:dataModelExt xmlns:dsp="http://schemas.microsoft.com/office/drawing/2008/diagram" relId="rId7" minVer="http://schemas.openxmlformats.org/drawingml/2006/diagram"/>
+    </a:ext>
+  </dgm:extLst>
+</dgm:dataModel>
+</file>
+
+<file path=ppt/diagrams/drawing1.xml><?xml version="1.0" encoding="utf-8"?>
+<dsp:drawing xmlns:dgm="http://schemas.openxmlformats.org/drawingml/2006/diagram" xmlns:dsp="http://schemas.microsoft.com/office/drawing/2008/diagram" xmlns:a="http://schemas.openxmlformats.org/drawingml/2006/main">
+  <dsp:spTree>
+    <dsp:nvGrpSpPr>
+      <dsp:cNvPr id="0" name=""/>
+      <dsp:cNvGrpSpPr/>
+    </dsp:nvGrpSpPr>
+    <dsp:grpSpPr/>
+    <dsp:sp modelId="{48B76A03-F770-4D8B-B5F6-6842BFC4AA93}">
+      <dsp:nvSpPr>
+        <dsp:cNvPr id="0" name=""/>
+        <dsp:cNvSpPr/>
+      </dsp:nvSpPr>
+      <dsp:spPr>
+        <a:xfrm>
+          <a:off x="-5065305" y="-776007"/>
+          <a:ext cx="6032293" cy="6032293"/>
+        </a:xfrm>
+        <a:prstGeom prst="blockArc">
+          <a:avLst>
+            <a:gd name="adj1" fmla="val 18900000"/>
+            <a:gd name="adj2" fmla="val 2700000"/>
+            <a:gd name="adj3" fmla="val 358"/>
+          </a:avLst>
+        </a:prstGeom>
+        <a:noFill/>
+        <a:ln w="25400" cap="flat" cmpd="sng" algn="ctr">
+          <a:solidFill>
+            <a:schemeClr val="accent4">
+              <a:hueOff val="0"/>
+              <a:satOff val="0"/>
+              <a:lumOff val="0"/>
+              <a:alphaOff val="0"/>
+            </a:schemeClr>
+          </a:solidFill>
+          <a:prstDash val="solid"/>
+        </a:ln>
+        <a:effectLst/>
+      </dsp:spPr>
+      <dsp:style>
+        <a:lnRef idx="2">
+          <a:scrgbClr r="0" g="0" b="0"/>
+        </a:lnRef>
+        <a:fillRef idx="0">
+          <a:scrgbClr r="0" g="0" b="0"/>
+        </a:fillRef>
+        <a:effectRef idx="0">
+          <a:scrgbClr r="0" g="0" b="0"/>
+        </a:effectRef>
+        <a:fontRef idx="minor"/>
+      </dsp:style>
+    </dsp:sp>
+    <dsp:sp modelId="{C367D794-B1DA-4715-B9FF-85778D4B1899}">
+      <dsp:nvSpPr>
+        <dsp:cNvPr id="0" name=""/>
+        <dsp:cNvSpPr/>
+      </dsp:nvSpPr>
+      <dsp:spPr>
+        <a:xfrm>
+          <a:off x="423004" y="279927"/>
+          <a:ext cx="6235650" cy="560213"/>
+        </a:xfrm>
+        <a:prstGeom prst="rect">
+          <a:avLst/>
+        </a:prstGeom>
+        <a:solidFill>
+          <a:schemeClr val="accent3">
+            <a:hueOff val="0"/>
+            <a:satOff val="0"/>
+            <a:lumOff val="0"/>
+            <a:alphaOff val="0"/>
+          </a:schemeClr>
+        </a:solidFill>
+        <a:ln w="25400" cap="flat" cmpd="sng" algn="ctr">
+          <a:solidFill>
+            <a:schemeClr val="lt1">
+              <a:hueOff val="0"/>
+              <a:satOff val="0"/>
+              <a:lumOff val="0"/>
+              <a:alphaOff val="0"/>
+            </a:schemeClr>
+          </a:solidFill>
+          <a:prstDash val="solid"/>
+        </a:ln>
+        <a:effectLst/>
+      </dsp:spPr>
+      <dsp:style>
+        <a:lnRef idx="2">
+          <a:scrgbClr r="0" g="0" b="0"/>
+        </a:lnRef>
+        <a:fillRef idx="1">
+          <a:scrgbClr r="0" g="0" b="0"/>
+        </a:fillRef>
+        <a:effectRef idx="0">
+          <a:scrgbClr r="0" g="0" b="0"/>
+        </a:effectRef>
+        <a:fontRef idx="minor">
+          <a:schemeClr val="lt1"/>
+        </a:fontRef>
+      </dsp:style>
+      <dsp:txBody>
+        <a:bodyPr spcFirstLastPara="0" vert="horz" wrap="square" lIns="444670" tIns="76200" rIns="76200" bIns="76200" numCol="1" spcCol="1270" anchor="ctr" anchorCtr="0">
+          <a:noAutofit/>
+        </a:bodyPr>
+        <a:lstStyle/>
+        <a:p>
+          <a:pPr marL="0" lvl="0" indent="0" algn="l" defTabSz="1333500">
+            <a:lnSpc>
+              <a:spcPct val="90000"/>
+            </a:lnSpc>
+            <a:spcBef>
+              <a:spcPct val="0"/>
+            </a:spcBef>
+            <a:spcAft>
+              <a:spcPct val="35000"/>
+            </a:spcAft>
+            <a:buNone/>
+          </a:pPr>
+          <a:r>
+            <a:rPr lang="fr-FR" sz="3000" kern="1200" dirty="0"/>
+            <a:t>Cahier des charges</a:t>
+          </a:r>
+        </a:p>
+      </dsp:txBody>
+      <dsp:txXfrm>
+        <a:off x="423004" y="279927"/>
+        <a:ext cx="6235650" cy="560213"/>
+      </dsp:txXfrm>
+    </dsp:sp>
+    <dsp:sp modelId="{B54A8E04-6E67-4078-91C7-DED47DC4A846}">
+      <dsp:nvSpPr>
+        <dsp:cNvPr id="0" name=""/>
+        <dsp:cNvSpPr/>
+      </dsp:nvSpPr>
+      <dsp:spPr>
+        <a:xfrm>
+          <a:off x="72871" y="209901"/>
+          <a:ext cx="700267" cy="700267"/>
+        </a:xfrm>
+        <a:prstGeom prst="ellipse">
+          <a:avLst/>
+        </a:prstGeom>
+        <a:solidFill>
+          <a:schemeClr val="lt1">
+            <a:hueOff val="0"/>
+            <a:satOff val="0"/>
+            <a:lumOff val="0"/>
+            <a:alphaOff val="0"/>
+          </a:schemeClr>
+        </a:solidFill>
+        <a:ln w="25400" cap="flat" cmpd="sng" algn="ctr">
+          <a:solidFill>
+            <a:schemeClr val="accent3">
+              <a:hueOff val="0"/>
+              <a:satOff val="0"/>
+              <a:lumOff val="0"/>
+              <a:alphaOff val="0"/>
+            </a:schemeClr>
+          </a:solidFill>
+          <a:prstDash val="solid"/>
+        </a:ln>
+        <a:effectLst/>
+      </dsp:spPr>
+      <dsp:style>
+        <a:lnRef idx="2">
+          <a:scrgbClr r="0" g="0" b="0"/>
+        </a:lnRef>
+        <a:fillRef idx="1">
+          <a:scrgbClr r="0" g="0" b="0"/>
+        </a:fillRef>
+        <a:effectRef idx="0">
+          <a:scrgbClr r="0" g="0" b="0"/>
+        </a:effectRef>
+        <a:fontRef idx="minor"/>
+      </dsp:style>
+    </dsp:sp>
+    <dsp:sp modelId="{1B9FCE7B-2525-4683-80F0-DA83C837767C}">
+      <dsp:nvSpPr>
+        <dsp:cNvPr id="0" name=""/>
+        <dsp:cNvSpPr/>
+      </dsp:nvSpPr>
+      <dsp:spPr>
+        <a:xfrm>
+          <a:off x="824437" y="1119979"/>
+          <a:ext cx="5834218" cy="560213"/>
+        </a:xfrm>
+        <a:prstGeom prst="rect">
+          <a:avLst/>
+        </a:prstGeom>
+        <a:solidFill>
+          <a:schemeClr val="accent3">
+            <a:hueOff val="2812566"/>
+            <a:satOff val="-4220"/>
+            <a:lumOff val="-686"/>
+            <a:alphaOff val="0"/>
+          </a:schemeClr>
+        </a:solidFill>
+        <a:ln w="25400" cap="flat" cmpd="sng" algn="ctr">
+          <a:solidFill>
+            <a:schemeClr val="lt1">
+              <a:hueOff val="0"/>
+              <a:satOff val="0"/>
+              <a:lumOff val="0"/>
+              <a:alphaOff val="0"/>
+            </a:schemeClr>
+          </a:solidFill>
+          <a:prstDash val="solid"/>
+        </a:ln>
+        <a:effectLst/>
+      </dsp:spPr>
+      <dsp:style>
+        <a:lnRef idx="2">
+          <a:scrgbClr r="0" g="0" b="0"/>
+        </a:lnRef>
+        <a:fillRef idx="1">
+          <a:scrgbClr r="0" g="0" b="0"/>
+        </a:fillRef>
+        <a:effectRef idx="0">
+          <a:scrgbClr r="0" g="0" b="0"/>
+        </a:effectRef>
+        <a:fontRef idx="minor">
+          <a:schemeClr val="lt1"/>
+        </a:fontRef>
+      </dsp:style>
+      <dsp:txBody>
+        <a:bodyPr spcFirstLastPara="0" vert="horz" wrap="square" lIns="444670" tIns="76200" rIns="76200" bIns="76200" numCol="1" spcCol="1270" anchor="ctr" anchorCtr="0">
+          <a:noAutofit/>
+        </a:bodyPr>
+        <a:lstStyle/>
+        <a:p>
+          <a:pPr marL="0" lvl="0" indent="0" algn="l" defTabSz="1333500">
+            <a:lnSpc>
+              <a:spcPct val="90000"/>
+            </a:lnSpc>
+            <a:spcBef>
+              <a:spcPct val="0"/>
+            </a:spcBef>
+            <a:spcAft>
+              <a:spcPct val="35000"/>
+            </a:spcAft>
+            <a:buNone/>
+          </a:pPr>
+          <a:r>
+            <a:rPr lang="fr-FR" sz="3000" kern="1200" dirty="0"/>
+            <a:t>Organisation du projet</a:t>
+          </a:r>
+        </a:p>
+      </dsp:txBody>
+      <dsp:txXfrm>
+        <a:off x="824437" y="1119979"/>
+        <a:ext cx="5834218" cy="560213"/>
+      </dsp:txXfrm>
+    </dsp:sp>
+    <dsp:sp modelId="{071192DD-A3CC-4143-AB5C-712F27836ABC}">
+      <dsp:nvSpPr>
+        <dsp:cNvPr id="0" name=""/>
+        <dsp:cNvSpPr/>
+      </dsp:nvSpPr>
+      <dsp:spPr>
+        <a:xfrm>
+          <a:off x="474304" y="1049953"/>
+          <a:ext cx="700267" cy="700267"/>
+        </a:xfrm>
+        <a:prstGeom prst="ellipse">
+          <a:avLst/>
+        </a:prstGeom>
+        <a:solidFill>
+          <a:schemeClr val="lt1">
+            <a:hueOff val="0"/>
+            <a:satOff val="0"/>
+            <a:lumOff val="0"/>
+            <a:alphaOff val="0"/>
+          </a:schemeClr>
+        </a:solidFill>
+        <a:ln w="25400" cap="flat" cmpd="sng" algn="ctr">
+          <a:solidFill>
+            <a:schemeClr val="accent3">
+              <a:hueOff val="2812566"/>
+              <a:satOff val="-4220"/>
+              <a:lumOff val="-686"/>
+              <a:alphaOff val="0"/>
+            </a:schemeClr>
+          </a:solidFill>
+          <a:prstDash val="solid"/>
+        </a:ln>
+        <a:effectLst/>
+      </dsp:spPr>
+      <dsp:style>
+        <a:lnRef idx="2">
+          <a:scrgbClr r="0" g="0" b="0"/>
+        </a:lnRef>
+        <a:fillRef idx="1">
+          <a:scrgbClr r="0" g="0" b="0"/>
+        </a:fillRef>
+        <a:effectRef idx="0">
+          <a:scrgbClr r="0" g="0" b="0"/>
+        </a:effectRef>
+        <a:fontRef idx="minor"/>
+      </dsp:style>
+    </dsp:sp>
+    <dsp:sp modelId="{9D033F82-F4C3-41F6-98CB-26751CEEDCBB}">
+      <dsp:nvSpPr>
+        <dsp:cNvPr id="0" name=""/>
+        <dsp:cNvSpPr/>
+      </dsp:nvSpPr>
+      <dsp:spPr>
+        <a:xfrm>
+          <a:off x="947645" y="1960032"/>
+          <a:ext cx="5711010" cy="560213"/>
+        </a:xfrm>
+        <a:prstGeom prst="rect">
+          <a:avLst/>
+        </a:prstGeom>
+        <a:solidFill>
+          <a:schemeClr val="accent3">
+            <a:hueOff val="5625132"/>
+            <a:satOff val="-8440"/>
+            <a:lumOff val="-1373"/>
+            <a:alphaOff val="0"/>
+          </a:schemeClr>
+        </a:solidFill>
+        <a:ln w="25400" cap="flat" cmpd="sng" algn="ctr">
+          <a:solidFill>
+            <a:schemeClr val="lt1">
+              <a:hueOff val="0"/>
+              <a:satOff val="0"/>
+              <a:lumOff val="0"/>
+              <a:alphaOff val="0"/>
+            </a:schemeClr>
+          </a:solidFill>
+          <a:prstDash val="solid"/>
+        </a:ln>
+        <a:effectLst/>
+      </dsp:spPr>
+      <dsp:style>
+        <a:lnRef idx="2">
+          <a:scrgbClr r="0" g="0" b="0"/>
+        </a:lnRef>
+        <a:fillRef idx="1">
+          <a:scrgbClr r="0" g="0" b="0"/>
+        </a:fillRef>
+        <a:effectRef idx="0">
+          <a:scrgbClr r="0" g="0" b="0"/>
+        </a:effectRef>
+        <a:fontRef idx="minor">
+          <a:schemeClr val="lt1"/>
+        </a:fontRef>
+      </dsp:style>
+      <dsp:txBody>
+        <a:bodyPr spcFirstLastPara="0" vert="horz" wrap="square" lIns="444670" tIns="76200" rIns="76200" bIns="76200" numCol="1" spcCol="1270" anchor="ctr" anchorCtr="0">
+          <a:noAutofit/>
+        </a:bodyPr>
+        <a:lstStyle/>
+        <a:p>
+          <a:pPr marL="0" lvl="0" indent="0" algn="l" defTabSz="1333500">
+            <a:lnSpc>
+              <a:spcPct val="90000"/>
+            </a:lnSpc>
+            <a:spcBef>
+              <a:spcPct val="0"/>
+            </a:spcBef>
+            <a:spcAft>
+              <a:spcPct val="35000"/>
+            </a:spcAft>
+            <a:buNone/>
+          </a:pPr>
+          <a:r>
+            <a:rPr lang="fr-FR" sz="3000" kern="1200" dirty="0"/>
+            <a:t>Architecture globale</a:t>
+          </a:r>
+        </a:p>
+      </dsp:txBody>
+      <dsp:txXfrm>
+        <a:off x="947645" y="1960032"/>
+        <a:ext cx="5711010" cy="560213"/>
+      </dsp:txXfrm>
+    </dsp:sp>
+    <dsp:sp modelId="{6A470B6E-B3E7-4E28-AB3A-282B9CDD06E7}">
+      <dsp:nvSpPr>
+        <dsp:cNvPr id="0" name=""/>
+        <dsp:cNvSpPr/>
+      </dsp:nvSpPr>
+      <dsp:spPr>
+        <a:xfrm>
+          <a:off x="597511" y="1890005"/>
+          <a:ext cx="700267" cy="700267"/>
+        </a:xfrm>
+        <a:prstGeom prst="ellipse">
+          <a:avLst/>
+        </a:prstGeom>
+        <a:solidFill>
+          <a:schemeClr val="lt1">
+            <a:hueOff val="0"/>
+            <a:satOff val="0"/>
+            <a:lumOff val="0"/>
+            <a:alphaOff val="0"/>
+          </a:schemeClr>
+        </a:solidFill>
+        <a:ln w="25400" cap="flat" cmpd="sng" algn="ctr">
+          <a:solidFill>
+            <a:schemeClr val="accent3">
+              <a:hueOff val="5625132"/>
+              <a:satOff val="-8440"/>
+              <a:lumOff val="-1373"/>
+              <a:alphaOff val="0"/>
+            </a:schemeClr>
+          </a:solidFill>
+          <a:prstDash val="solid"/>
+        </a:ln>
+        <a:effectLst/>
+      </dsp:spPr>
+      <dsp:style>
+        <a:lnRef idx="2">
+          <a:scrgbClr r="0" g="0" b="0"/>
+        </a:lnRef>
+        <a:fillRef idx="1">
+          <a:scrgbClr r="0" g="0" b="0"/>
+        </a:fillRef>
+        <a:effectRef idx="0">
+          <a:scrgbClr r="0" g="0" b="0"/>
+        </a:effectRef>
+        <a:fontRef idx="minor"/>
+      </dsp:style>
+    </dsp:sp>
+    <dsp:sp modelId="{E35B89C8-339B-4A19-9348-1C9003D49679}">
+      <dsp:nvSpPr>
+        <dsp:cNvPr id="0" name=""/>
+        <dsp:cNvSpPr/>
+      </dsp:nvSpPr>
+      <dsp:spPr>
+        <a:xfrm>
+          <a:off x="824437" y="2800084"/>
+          <a:ext cx="5834218" cy="560213"/>
+        </a:xfrm>
+        <a:prstGeom prst="rect">
+          <a:avLst/>
+        </a:prstGeom>
+        <a:solidFill>
+          <a:schemeClr val="accent3">
+            <a:hueOff val="8437698"/>
+            <a:satOff val="-12660"/>
+            <a:lumOff val="-2059"/>
+            <a:alphaOff val="0"/>
+          </a:schemeClr>
+        </a:solidFill>
+        <a:ln w="25400" cap="flat" cmpd="sng" algn="ctr">
+          <a:solidFill>
+            <a:schemeClr val="lt1">
+              <a:hueOff val="0"/>
+              <a:satOff val="0"/>
+              <a:lumOff val="0"/>
+              <a:alphaOff val="0"/>
+            </a:schemeClr>
+          </a:solidFill>
+          <a:prstDash val="solid"/>
+        </a:ln>
+        <a:effectLst/>
+      </dsp:spPr>
+      <dsp:style>
+        <a:lnRef idx="2">
+          <a:scrgbClr r="0" g="0" b="0"/>
+        </a:lnRef>
+        <a:fillRef idx="1">
+          <a:scrgbClr r="0" g="0" b="0"/>
+        </a:fillRef>
+        <a:effectRef idx="0">
+          <a:scrgbClr r="0" g="0" b="0"/>
+        </a:effectRef>
+        <a:fontRef idx="minor">
+          <a:schemeClr val="lt1"/>
+        </a:fontRef>
+      </dsp:style>
+      <dsp:txBody>
+        <a:bodyPr spcFirstLastPara="0" vert="horz" wrap="square" lIns="444670" tIns="76200" rIns="76200" bIns="76200" numCol="1" spcCol="1270" anchor="ctr" anchorCtr="0">
+          <a:noAutofit/>
+        </a:bodyPr>
+        <a:lstStyle/>
+        <a:p>
+          <a:pPr marL="0" lvl="0" indent="0" algn="l" defTabSz="1333500">
+            <a:lnSpc>
+              <a:spcPct val="90000"/>
+            </a:lnSpc>
+            <a:spcBef>
+              <a:spcPct val="0"/>
+            </a:spcBef>
+            <a:spcAft>
+              <a:spcPct val="35000"/>
+            </a:spcAft>
+            <a:buNone/>
+          </a:pPr>
+          <a:r>
+            <a:rPr lang="fr-FR" sz="3000" kern="1200" dirty="0"/>
+            <a:t>Solutions développées</a:t>
+          </a:r>
+        </a:p>
+      </dsp:txBody>
+      <dsp:txXfrm>
+        <a:off x="824437" y="2800084"/>
+        <a:ext cx="5834218" cy="560213"/>
+      </dsp:txXfrm>
+    </dsp:sp>
+    <dsp:sp modelId="{BA75DB98-FE24-48D9-BCFB-8A858141AF4F}">
+      <dsp:nvSpPr>
+        <dsp:cNvPr id="0" name=""/>
+        <dsp:cNvSpPr/>
+      </dsp:nvSpPr>
+      <dsp:spPr>
+        <a:xfrm>
+          <a:off x="474304" y="2730057"/>
+          <a:ext cx="700267" cy="700267"/>
+        </a:xfrm>
+        <a:prstGeom prst="ellipse">
+          <a:avLst/>
+        </a:prstGeom>
+        <a:solidFill>
+          <a:schemeClr val="lt1">
+            <a:hueOff val="0"/>
+            <a:satOff val="0"/>
+            <a:lumOff val="0"/>
+            <a:alphaOff val="0"/>
+          </a:schemeClr>
+        </a:solidFill>
+        <a:ln w="25400" cap="flat" cmpd="sng" algn="ctr">
+          <a:solidFill>
+            <a:schemeClr val="accent3">
+              <a:hueOff val="8437698"/>
+              <a:satOff val="-12660"/>
+              <a:lumOff val="-2059"/>
+              <a:alphaOff val="0"/>
+            </a:schemeClr>
+          </a:solidFill>
+          <a:prstDash val="solid"/>
+        </a:ln>
+        <a:effectLst/>
+      </dsp:spPr>
+      <dsp:style>
+        <a:lnRef idx="2">
+          <a:scrgbClr r="0" g="0" b="0"/>
+        </a:lnRef>
+        <a:fillRef idx="1">
+          <a:scrgbClr r="0" g="0" b="0"/>
+        </a:fillRef>
+        <a:effectRef idx="0">
+          <a:scrgbClr r="0" g="0" b="0"/>
+        </a:effectRef>
+        <a:fontRef idx="minor"/>
+      </dsp:style>
+    </dsp:sp>
+    <dsp:sp modelId="{2CFABCC3-3372-4ABC-9E92-A91FB09B0C27}">
+      <dsp:nvSpPr>
+        <dsp:cNvPr id="0" name=""/>
+        <dsp:cNvSpPr/>
+      </dsp:nvSpPr>
+      <dsp:spPr>
+        <a:xfrm>
+          <a:off x="423004" y="3640136"/>
+          <a:ext cx="6235650" cy="560213"/>
+        </a:xfrm>
+        <a:prstGeom prst="rect">
+          <a:avLst/>
+        </a:prstGeom>
+        <a:solidFill>
+          <a:schemeClr val="accent3">
+            <a:hueOff val="11250264"/>
+            <a:satOff val="-16880"/>
+            <a:lumOff val="-2745"/>
+            <a:alphaOff val="0"/>
+          </a:schemeClr>
+        </a:solidFill>
+        <a:ln w="25400" cap="flat" cmpd="sng" algn="ctr">
+          <a:solidFill>
+            <a:schemeClr val="lt1">
+              <a:hueOff val="0"/>
+              <a:satOff val="0"/>
+              <a:lumOff val="0"/>
+              <a:alphaOff val="0"/>
+            </a:schemeClr>
+          </a:solidFill>
+          <a:prstDash val="solid"/>
+        </a:ln>
+        <a:effectLst/>
+      </dsp:spPr>
+      <dsp:style>
+        <a:lnRef idx="2">
+          <a:scrgbClr r="0" g="0" b="0"/>
+        </a:lnRef>
+        <a:fillRef idx="1">
+          <a:scrgbClr r="0" g="0" b="0"/>
+        </a:fillRef>
+        <a:effectRef idx="0">
+          <a:scrgbClr r="0" g="0" b="0"/>
+        </a:effectRef>
+        <a:fontRef idx="minor">
+          <a:schemeClr val="lt1"/>
+        </a:fontRef>
+      </dsp:style>
+      <dsp:txBody>
+        <a:bodyPr spcFirstLastPara="0" vert="horz" wrap="square" lIns="444670" tIns="76200" rIns="76200" bIns="76200" numCol="1" spcCol="1270" anchor="ctr" anchorCtr="0">
+          <a:noAutofit/>
+        </a:bodyPr>
+        <a:lstStyle/>
+        <a:p>
+          <a:pPr marL="0" lvl="0" indent="0" algn="l" defTabSz="1333500">
+            <a:lnSpc>
+              <a:spcPct val="90000"/>
+            </a:lnSpc>
+            <a:spcBef>
+              <a:spcPct val="0"/>
+            </a:spcBef>
+            <a:spcAft>
+              <a:spcPct val="35000"/>
+            </a:spcAft>
+            <a:buNone/>
+          </a:pPr>
+          <a:r>
+            <a:rPr lang="fr-FR" sz="3000" kern="1200" dirty="0"/>
+            <a:t>Conclusion</a:t>
+          </a:r>
+        </a:p>
+      </dsp:txBody>
+      <dsp:txXfrm>
+        <a:off x="423004" y="3640136"/>
+        <a:ext cx="6235650" cy="560213"/>
+      </dsp:txXfrm>
+    </dsp:sp>
+    <dsp:sp modelId="{B146E754-5619-4363-A74A-EB1D241C6C25}">
+      <dsp:nvSpPr>
+        <dsp:cNvPr id="0" name=""/>
+        <dsp:cNvSpPr/>
+      </dsp:nvSpPr>
+      <dsp:spPr>
+        <a:xfrm>
+          <a:off x="72871" y="3570109"/>
+          <a:ext cx="700267" cy="700267"/>
+        </a:xfrm>
+        <a:prstGeom prst="ellipse">
+          <a:avLst/>
+        </a:prstGeom>
+        <a:solidFill>
+          <a:schemeClr val="lt1">
+            <a:hueOff val="0"/>
+            <a:satOff val="0"/>
+            <a:lumOff val="0"/>
+            <a:alphaOff val="0"/>
+          </a:schemeClr>
+        </a:solidFill>
+        <a:ln w="25400" cap="flat" cmpd="sng" algn="ctr">
+          <a:solidFill>
+            <a:schemeClr val="accent3">
+              <a:hueOff val="11250264"/>
+              <a:satOff val="-16880"/>
+              <a:lumOff val="-2745"/>
+              <a:alphaOff val="0"/>
+            </a:schemeClr>
+          </a:solidFill>
+          <a:prstDash val="solid"/>
+        </a:ln>
+        <a:effectLst/>
+      </dsp:spPr>
+      <dsp:style>
+        <a:lnRef idx="2">
+          <a:scrgbClr r="0" g="0" b="0"/>
+        </a:lnRef>
+        <a:fillRef idx="1">
+          <a:scrgbClr r="0" g="0" b="0"/>
+        </a:fillRef>
+        <a:effectRef idx="0">
+          <a:scrgbClr r="0" g="0" b="0"/>
+        </a:effectRef>
+        <a:fontRef idx="minor"/>
+      </dsp:style>
+    </dsp:sp>
+  </dsp:spTree>
+</dsp:drawing>
+</file>
+
+<file path=ppt/diagrams/layout1.xml><?xml version="1.0" encoding="utf-8"?>
+<dgm:layoutDef xmlns:dgm="http://schemas.openxmlformats.org/drawingml/2006/diagram" xmlns:a="http://schemas.openxmlformats.org/drawingml/2006/main" uniqueId="urn:microsoft.com/office/officeart/2008/layout/VerticalCurvedList">
+  <dgm:title val=""/>
+  <dgm:desc val=""/>
+  <dgm:catLst>
+    <dgm:cat type="list" pri="20000"/>
+  </dgm:catLst>
+  <dgm:sampData>
+    <dgm:dataModel>
+      <dgm:ptLst>
+        <dgm:pt modelId="0" type="doc"/>
+        <dgm:pt modelId="1">
+          <dgm:prSet phldr="1"/>
+        </dgm:pt>
+        <dgm:pt modelId="2">
+          <dgm:prSet phldr="1"/>
+        </dgm:pt>
+        <dgm:pt modelId="3">
+          <dgm:prSet phldr="1"/>
+        </dgm:pt>
+      </dgm:ptLst>
+      <dgm:cxnLst>
+        <dgm:cxn modelId="4" srcId="0" destId="1" srcOrd="0" destOrd="0"/>
+        <dgm:cxn modelId="5" srcId="0" destId="2" srcOrd="1" destOrd="0"/>
+        <dgm:cxn modelId="6" srcId="0" destId="3" srcOrd="2" destOrd="0"/>
+      </dgm:cxnLst>
+      <dgm:bg/>
+      <dgm:whole/>
+    </dgm:dataModel>
+  </dgm:sampData>
+  <dgm:styleData>
+    <dgm:dataModel>
+      <dgm:ptLst>
+        <dgm:pt modelId="0" type="doc"/>
+        <dgm:pt modelId="1">
+          <dgm:prSet phldr="1"/>
+        </dgm:pt>
+        <dgm:pt modelId="2">
+          <dgm:prSet phldr="1"/>
+        </dgm:pt>
+      </dgm:ptLst>
+      <dgm:cxnLst>
+        <dgm:cxn modelId="3" srcId="0" destId="1" srcOrd="0" destOrd="0"/>
+        <dgm:cxn modelId="4" srcId="0" destId="2" srcOrd="1" destOrd="0"/>
+      </dgm:cxnLst>
+      <dgm:bg/>
+      <dgm:whole/>
+    </dgm:dataModel>
+  </dgm:styleData>
+  <dgm:clrData>
+    <dgm:dataModel>
+      <dgm:ptLst>
+        <dgm:pt modelId="0" type="doc"/>
+        <dgm:pt modelId="1">
+          <dgm:prSet phldr="1"/>
+        </dgm:pt>
+        <dgm:pt modelId="2">
+          <dgm:prSet phldr="1"/>
+        </dgm:pt>
+        <dgm:pt modelId="3">
+          <dgm:prSet phldr="1"/>
+        </dgm:pt>
+        <dgm:pt modelId="4">
+          <dgm:prSet phldr="1"/>
+        </dgm:pt>
+      </dgm:ptLst>
+      <dgm:cxnLst>
+        <dgm:cxn modelId="5" srcId="0" destId="1" srcOrd="0" destOrd="0"/>
+        <dgm:cxn modelId="6" srcId="0" destId="2" srcOrd="1" destOrd="0"/>
+        <dgm:cxn modelId="7" srcId="0" destId="3" srcOrd="2" destOrd="0"/>
+        <dgm:cxn modelId="8" srcId="0" destId="4" srcOrd="3" destOrd="0"/>
+      </dgm:cxnLst>
+      <dgm:bg/>
+      <dgm:whole/>
+    </dgm:dataModel>
+  </dgm:clrData>
+  <dgm:layoutNode name="Name0">
+    <dgm:varLst>
+      <dgm:chMax val="7"/>
+      <dgm:chPref val="7"/>
+      <dgm:dir/>
+    </dgm:varLst>
+    <dgm:alg type="composite"/>
+    <dgm:shape xmlns:r="http://schemas.openxmlformats.org/officeDocument/2006/relationships" r:blip="">
+      <dgm:adjLst/>
+    </dgm:shape>
+    <dgm:constrLst>
+      <dgm:constr type="w" for="ch" refType="h" refFor="ch" op="gte" fact="0.8"/>
+    </dgm:constrLst>
+    <dgm:layoutNode name="Name1">
+      <dgm:alg type="composite"/>
+      <dgm:shape xmlns:r="http://schemas.openxmlformats.org/officeDocument/2006/relationships" r:blip="">
+        <dgm:adjLst/>
+      </dgm:shape>
+      <dgm:choose name="Name2">
+        <dgm:if name="Name3" func="var" arg="dir" op="equ" val="norm">
+          <dgm:choose name="Name4">
+            <dgm:if name="Name5" axis="ch" ptType="node" func="cnt" op="equ" val="1">
+              <dgm:constrLst>
+                <dgm:constr type="h" for="ch" forName="cycle" refType="h"/>
+                <dgm:constr type="w" for="ch" forName="cycle" refType="h" refFor="ch" refForName="cycle" fact="0.26"/>
+                <dgm:constr type="l" for="ch" forName="cycle"/>
+                <dgm:constr type="ctrY" for="ch" forName="cycle" refType="h" fact="0.5"/>
+                <dgm:constr type="diam" for="ch" forName="cycle" refType="h" fact="1.344"/>
+                <dgm:constr type="h" for="ch" forName="accent_1" refType="h" fact="0.625"/>
+                <dgm:constr type="w" for="ch" forName="accent_1" refType="h" refFor="ch" refForName="accent_1" op="equ"/>
+                <dgm:constr type="ctrY" for="ch" forName="accent_1" refType="h" fact="0.5"/>
+                <dgm:constr type="ctrX" for="ch" forName="accent_1" refType="h" fact="0.2253"/>
+                <dgm:constr type="l" for="ch" forName="text_1" refType="ctrX" refFor="ch" refForName="accent_1"/>
+                <dgm:constr type="r" for="ch" forName="text_1" refType="w"/>
+                <dgm:constr type="w" for="ch" forName="text_1" refType="h" refFor="ch" refForName="text_1" op="gte"/>
+                <dgm:constr type="h" for="ch" forName="text_1" refType="h" refFor="ch" refForName="accent_1" fact="0.8"/>
+                <dgm:constr type="ctrY" for="ch" forName="text_1" refType="ctrY" refFor="ch" refForName="accent_1"/>
+                <dgm:constr type="lMarg" for="ch" forName="text_1" refType="w" refFor="ch" refForName="accent_1" fact="1.8"/>
+                <dgm:constr type="primFontSz" for="ch" ptType="node" op="equ" val="65"/>
+              </dgm:constrLst>
+            </dgm:if>
+            <dgm:if name="Name6" axis="ch" ptType="node" func="cnt" op="equ" val="2">
+              <dgm:constrLst>
+                <dgm:constr type="h" for="ch" forName="cycle" refType="h"/>
+                <dgm:constr type="w" for="ch" forName="cycle" refType="h" refFor="ch" refForName="cycle" fact="0.26"/>
+                <dgm:constr type="l" for="ch" forName="cycle"/>
+                <dgm:constr type="ctrY" for="ch" forName="cycle" refType="h" fact="0.5"/>
+                <dgm:constr type="diam" for="ch" forName="cycle" refType="h" fact="1.344"/>
+                <dgm:constr type="h" for="ch" forName="accent_1" refType="h" fact="0.3571"/>
+                <dgm:constr type="w" for="ch" forName="accent_1" refType="h" refFor="ch" refForName="accent_1" op="equ"/>
+                <dgm:constr type="ctrY" for="ch" forName="accent_1" refType="h" fact="0.2857"/>
+                <dgm:constr type="ctrX" for="ch" forName="accent_1" refType="h" fact="0.1891"/>
+                <dgm:constr type="l" for="ch" forName="text_1" refType="ctrX" refFor="ch" refForName="accent_1"/>
+                <dgm:constr type="r" for="ch" forName="text_1" refType="w"/>
+                <dgm:constr type="w" for="ch" forName="text_1" refType="h" refFor="ch" refForName="text_1" op="gte"/>
+                <dgm:constr type="h" for="ch" forName="text_1" refType="h" refFor="ch" refForName="accent_1" fact="0.8"/>
+                <dgm:constr type="ctrY" for="ch" forName="text_1" refType="ctrY" refFor="ch" refForName="accent_1"/>
+                <dgm:constr type="lMarg" for="ch" forName="text_1" refType="w" refFor="ch" refForName="accent_1" fact="1.8"/>
+                <dgm:constr type="h" for="ch" forName="accent_2" refType="h" fact="0.3571"/>
+                <dgm:constr type="w" for="ch" forName="accent_2" refType="h" refFor="ch" refForName="accent_2" op="equ"/>
+                <dgm:constr type="ctrY" for="ch" forName="accent_2" refType="h" fact="0.7143"/>
+                <dgm:constr type="ctrX" for="ch" forName="accent_2" refType="h" fact="0.1891"/>
+                <dgm:constr type="l" for="ch" forName="text_2" refType="ctrX" refFor="ch" refForName="accent_2"/>
+                <dgm:constr type="r" for="ch" forName="text_2" refType="w"/>
+                <dgm:constr type="w" for="ch" forName="text_2" refType="h" refFor="ch" refForName="text_2" op="gte"/>
+                <dgm:constr type="h" for="ch" forName="text_2" refType="h" refFor="ch" refForName="accent_2" fact="0.8"/>
+                <dgm:constr type="ctrY" for="ch" forName="text_2" refType="ctrY" refFor="ch" refForName="accent_2"/>
+                <dgm:constr type="lMarg" for="ch" forName="text_2" refType="w" refFor="ch" refForName="accent_2" fact="1.8"/>
+                <dgm:constr type="primFontSz" for="ch" ptType="node" op="equ" val="65"/>
+              </dgm:constrLst>
+            </dgm:if>
+            <dgm:if name="Name7" axis="ch" ptType="node" func="cnt" op="equ" val="3">
+              <dgm:constrLst>
+                <dgm:constr type="h" for="ch" forName="cycle" refType="h"/>
+                <dgm:constr type="w" for="ch" forName="cycle" refType="h" refFor="ch" refForName="cycle" fact="0.26"/>
+                <dgm:constr type="l" for="ch" forName="cycle"/>
+                <dgm:constr type="ctrY" for="ch" forName="cycle" refType="h" fact="0.5"/>
+                <dgm:constr type="diam" for="ch" forName="cycle" refType="h" fact="1.344"/>
+                <dgm:constr type="h" for="ch" forName="accent_1" refType="h" fact="0.25"/>
+                <dgm:constr type="w" for="ch" forName="accent_1" refType="h" refFor="ch" refForName="accent_1" op="equ"/>
+                <dgm:constr type="ctrY" for="ch" forName="accent_1" refType="h" fact="0.2"/>
+                <dgm:constr type="ctrX" for="ch" forName="accent_1" refType="h" fact="0.1526"/>
+                <dgm:constr type="l" for="ch" forName="text_1" refType="ctrX" refFor="ch" refForName="accent_1"/>
+                <dgm:constr type="r" for="ch" forName="text_1" refType="w"/>
+                <dgm:constr type="w" for="ch" forName="text_1" refType="h" refFor="ch" refForName="text_1" op="gte"/>
+                <dgm:constr type="h" for="ch" forName="text_1" refType="h" refFor="ch" refForName="accent_1" fact="0.8"/>
+                <dgm:constr type="ctrY" for="ch" forName="text_1" refType="ctrY" refFor="ch" refForName="accent_1"/>
+                <dgm:constr type="lMarg" for="ch" forName="text_1" refType="w" refFor="ch" refForName="accent_1" fact="1.8"/>
+                <dgm:constr type="h" for="ch" forName="accent_2" refType="h" fact="0.25"/>
+                <dgm:constr type="w" for="ch" forName="accent_2" refType="h" refFor="ch" refForName="accent_2" op="equ"/>
+                <dgm:constr type="ctrY" for="ch" forName="accent_2" refType="h" fact="0.5"/>
+                <dgm:constr type="ctrX" for="ch" forName="accent_2" refType="h" fact="0.2253"/>
+                <dgm:constr type="l" for="ch" forName="text_2" refType="ctrX" refFor="ch" refForName="accent_2"/>
+                <dgm:constr type="r" for="ch" forName="text_2" refType="w"/>
+                <dgm:constr type="w" for="ch" forName="text_2" refType="h" refFor="ch" refForName="text_2" op="gte"/>
+                <dgm:constr type="h" for="ch" forName="text_2" refType="h" refFor="ch" refForName="accent_2" fact="0.8"/>
+                <dgm:constr type="ctrY" for="ch" forName="text_2" refType="ctrY" refFor="ch" refForName="accent_2"/>
+                <dgm:constr type="lMarg" for="ch" forName="text_2" refType="w" refFor="ch" refForName="accent_2" fact="1.8"/>
+                <dgm:constr type="h" for="ch" forName="accent_3" refType="h" fact="0.25"/>
+                <dgm:constr type="w" for="ch" forName="accent_3" refType="h" refFor="ch" refForName="accent_3" op="equ"/>
+                <dgm:constr type="ctrY" for="ch" forName="accent_3" refType="h" fact="0.8"/>
+                <dgm:constr type="ctrX" for="ch" forName="accent_3" refType="h" fact="0.1526"/>
+                <dgm:constr type="l" for="ch" forName="text_3" refType="ctrX" refFor="ch" refForName="accent_3"/>
+                <dgm:constr type="r" for="ch" forName="text_3" refType="w"/>
+                <dgm:constr type="w" for="ch" forName="text_3" refType="h" refFor="ch" refForName="text_3" op="gte"/>
+                <dgm:constr type="h" for="ch" forName="text_3" refType="h" refFor="ch" refForName="accent_3" fact="0.8"/>
+                <dgm:constr type="ctrY" for="ch" forName="text_3" refType="ctrY" refFor="ch" refForName="accent_3"/>
+                <dgm:constr type="lMarg" for="ch" forName="text_3" refType="w" refFor="ch" refForName="accent_3" fact="1.8"/>
+                <dgm:constr type="primFontSz" for="ch" ptType="node" op="equ" val="65"/>
+              </dgm:constrLst>
+            </dgm:if>
+            <dgm:if name="Name8" axis="ch" ptType="node" func="cnt" op="equ" val="4">
+              <dgm:constrLst>
+                <dgm:constr type="h" for="ch" forName="cycle" refType="h"/>
+                <dgm:constr type="w" for="ch" forName="cycle" refType="h" refFor="ch" refForName="cycle" fact="0.26"/>
+                <dgm:constr type="l" for="ch" forName="cycle"/>
+                <dgm:constr type="ctrY" for="ch" forName="cycle" refType="h" fact="0.5"/>
+                <dgm:constr type="diam" for="ch" forName="cycle" refType="h" fact="1.344"/>
+                <dgm:constr type="h" for="ch" forName="accent_1" refType="h" fact="0.1923"/>
+                <dgm:constr type="w" for="ch" forName="accent_1" refType="h" refFor="ch" refForName="accent_1" op="equ"/>
+                <dgm:constr type="ctrY" for="ch" forName="accent_1" refType="h" fact="0.1538"/>
+                <dgm:constr type="ctrX" for="ch" forName="accent_1" refType="h" fact="0.1268"/>
+                <dgm:constr type="l" for="ch" forName="text_1" refType="ctrX" refFor="ch" refForName="accent_1"/>
+                <dgm:constr type="r" for="ch" forName="text_1" refType="w"/>
+                <dgm:constr type="w" for="ch" forName="text_1" refType="h" refFor="ch" refForName="text_1" op="gte"/>
+                <dgm:constr type="h" for="ch" forName="text_1" refType="h" refFor="ch" refForName="accent_1" fact="0.8"/>
+                <dgm:constr type="ctrY" for="ch" forName="text_1" refType="ctrY" refFor="ch" refForName="accent_1"/>
+                <dgm:constr type="lMarg" for="ch" forName="text_1" refType="w" refFor="ch" refForName="accent_1" fact="1.8"/>
+                <dgm:constr type="h" for="ch" forName="accent_2" refType="h" fact="0.1923"/>
+                <dgm:constr type="w" for="ch" forName="accent_2" refType="h" refFor="ch" refForName="accent_2" op="equ"/>
+                <dgm:constr type="ctrY" for="ch" forName="accent_2" refType="h" fact="0.3846"/>
+                <dgm:constr type="ctrX" for="ch" forName="accent_2" refType="h" fact="0.215"/>
+                <dgm:constr type="l" for="ch" forName="text_2" refType="ctrX" refFor="ch" refForName="accent_2"/>
+                <dgm:constr type="r" for="ch" forName="text_2" refType="w"/>
+                <dgm:constr type="w" for="ch" forName="text_2" refType="h" refFor="ch" refForName="text_2" op="gte"/>
+                <dgm:constr type="h" for="ch" forName="text_2" refType="h" refFor="ch" refForName="accent_2" fact="0.8"/>
+                <dgm:constr type="ctrY" for="ch" forName="text_2" refType="ctrY" refFor="ch" refForName="accent_2"/>
+                <dgm:constr type="lMarg" for="ch" forName="text_2" refType="w" refFor="ch" refForName="accent_2" fact="1.8"/>
+                <dgm:constr type="h" for="ch" forName="accent_3" refType="h" fact="0.1923"/>
+                <dgm:constr type="w" for="ch" forName="accent_3" refType="h" refFor="ch" refForName="accent_3" op="equ"/>
+                <dgm:constr type="ctrY" for="ch" forName="accent_3" refType="h" fact="0.6154"/>
+                <dgm:constr type="ctrX" for="ch" forName="accent_3" refType="h" fact="0.215"/>
+                <dgm:constr type="l" for="ch" forName="text_3" refType="ctrX" refFor="ch" refForName="accent_3"/>
+                <dgm:constr type="r" for="ch" forName="text_3" refType="w"/>
+                <dgm:constr type="w" for="ch" forName="text_3" refType="h" refFor="ch" refForName="text_3" op="gte"/>
+                <dgm:constr type="h" for="ch" forName="text_3" refType="h" refFor="ch" refForName="accent_3" fact="0.8"/>
+                <dgm:constr type="ctrY" for="ch" forName="text_3" refType="ctrY" refFor="ch" refForName="accent_3"/>
+                <dgm:constr type="lMarg" for="ch" forName="text_3" refType="w" refFor="ch" refForName="accent_3" fact="1.8"/>
+                <dgm:constr type="h" for="ch" forName="accent_4" refType="h" fact="0.1923"/>
+                <dgm:constr type="w" for="ch" forName="accent_4" refType="h" refFor="ch" refForName="accent_4" op="equ"/>
+                <dgm:constr type="ctrY" for="ch" forName="accent_4" refType="h" fact="0.8462"/>
+                <dgm:constr type="ctrX" for="ch" forName="accent_4" refType="h" fact="0.1268"/>
+                <dgm:constr type="l" for="ch" forName="text_4" refType="ctrX" refFor="ch" refForName="accent_4"/>
+                <dgm:constr type="r" for="ch" forName="text_4" refType="w"/>
+                <dgm:constr type="w" for="ch" forName="text_4" refType="h" refFor="ch" refForName="text_4" op="gte"/>
+                <dgm:constr type="h" for="ch" forName="text_4" refType="h" refFor="ch" refForName="accent_4" fact="0.8"/>
+                <dgm:constr type="ctrY" for="ch" forName="text_4" refType="ctrY" refFor="ch" refForName="accent_4"/>
+                <dgm:constr type="lMarg" for="ch" forName="text_4" refType="w" refFor="ch" refForName="accent_4" fact="1.8"/>
+                <dgm:constr type="primFontSz" for="ch" ptType="node" op="equ" val="65"/>
+              </dgm:constrLst>
+            </dgm:if>
+            <dgm:if name="Name9" axis="ch" ptType="node" func="cnt" op="equ" val="5">
+              <dgm:constrLst>
+                <dgm:constr type="h" for="ch" forName="cycle" refType="h"/>
+                <dgm:constr type="w" for="ch" forName="cycle" refType="h" refFor="ch" refForName="cycle" fact="0.26"/>
+                <dgm:constr type="l" for="ch" forName="cycle"/>
+                <dgm:constr type="ctrY" for="ch" forName="cycle" refType="h" fact="0.5"/>
+                <dgm:constr type="diam" for="ch" forName="cycle" refType="h" fact="1.344"/>
+                <dgm:constr type="h" for="ch" forName="accent_1" refType="h" fact="0.1563"/>
+                <dgm:constr type="w" for="ch" forName="accent_1" refType="h" refFor="ch" refForName="accent_1" op="equ"/>
+                <dgm:constr type="ctrY" for="ch" forName="accent_1" refType="h" fact="0.125"/>
+                <dgm:constr type="ctrX" for="ch" forName="accent_1" refType="h" fact="0.1082"/>
+                <dgm:constr type="l" for="ch" forName="text_1" refType="ctrX" refFor="ch" refForName="accent_1"/>
+                <dgm:constr type="r" for="ch" forName="text_1" refType="w"/>
+                <dgm:constr type="w" for="ch" forName="text_1" refType="h" refFor="ch" refForName="text_1" op="gte"/>
+                <dgm:constr type="h" for="ch" forName="text_1" refType="h" refFor="ch" refForName="accent_1" fact="0.8"/>
+                <dgm:constr type="ctrY" for="ch" forName="text_1" refType="ctrY" refFor="ch" refForName="accent_1"/>
+                <dgm:constr type="lMarg" for="ch" forName="text_1" refType="w" refFor="ch" refForName="accent_1" fact="1.8"/>
+                <dgm:constr type="h" for="ch" forName="accent_2" refType="h" fact="0.1563"/>
+                <dgm:constr type="w" for="ch" forName="accent_2" refType="h" refFor="ch" refForName="accent_2" op="equ"/>
+                <dgm:constr type="ctrY" for="ch" forName="accent_2" refType="h" fact="0.3125"/>
+                <dgm:constr type="ctrX" for="ch" forName="accent_2" refType="h" fact="0.1978"/>
+                <dgm:constr type="l" for="ch" forName="text_2" refType="ctrX" refFor="ch" refForName="accent_2"/>
+                <dgm:constr type="r" for="ch" forName="text_2" refType="w"/>
+                <dgm:constr type="w" for="ch" forName="text_2" refType="h" refFor="ch" refForName="text_2" op="gte"/>
+                <dgm:constr type="h" for="ch" forName="text_2" refType="h" refFor="ch" refForName="accent_2" fact="0.8"/>
+                <dgm:constr type="ctrY" for="ch" forName="text_2" refType="ctrY" refFor="ch" refForName="accent_2"/>
+                <dgm:constr type="lMarg" for="ch" forName="text_2" refType="w" refFor="ch" refForName="accent_2" fact="1.8"/>
+                <dgm:constr type="h" for="ch" forName="accent_3" refType="h" fact="0.1563"/>
+                <dgm:constr type="w" for="ch" forName="accent_3" refType="h" refFor="ch" refForName="accent_3" op="equ"/>
+                <dgm:constr type="ctrY" for="ch" forName="accent_3" refType="h" fact="0.5"/>
+                <dgm:constr type="ctrX" for="ch" forName="accent_3" refType="h" fact="0.2253"/>
+                <dgm:constr type="l" for="ch" forName="text_3" refType="ctrX" refFor="ch" refForName="accent_3"/>
+                <dgm:constr type="r" for="ch" forName="text_3" refType="w"/>
+                <dgm:constr type="w" for="ch" forName="text_3" refType="h" refFor="ch" refForName="text_3" op="gte"/>
+                <dgm:constr type="h" for="ch" forName="text_3" refType="h" refFor="ch" refForName="accent_3" fact="0.8"/>
+                <dgm:constr type="ctrY" for="ch" forName="text_3" refType="ctrY" refFor="ch" refForName="accent_3"/>
+                <dgm:constr type="lMarg" for="ch" forName="text_3" refType="w" refFor="ch" refForName="accent_3" fact="1.8"/>
+                <dgm:constr type="h" for="ch" forName="accent_4" refType="h" fact="0.1563"/>
+                <dgm:constr type="w" for="ch" forName="accent_4" refType="h" refFor="ch" refForName="accent_4" op="equ"/>
+                <dgm:constr type="ctrY" for="ch" forName="accent_4" refType="h" fact="0.6875"/>
+                <dgm:constr type="ctrX" for="ch" forName="accent_4" refType="h" fact="0.1978"/>
+                <dgm:constr type="l" for="ch" forName="text_4" refType="ctrX" refFor="ch" refForName="accent_4"/>
+                <dgm:constr type="r" for="ch" forName="text_4" refType="w"/>
+                <dgm:constr type="w" for="ch" forName="text_4" refType="h" refFor="ch" refForName="text_4" op="gte"/>
+                <dgm:constr type="h" for="ch" forName="text_4" refType="h" refFor="ch" refForName="accent_4" fact="0.8"/>
+                <dgm:constr type="ctrY" for="ch" forName="text_4" refType="ctrY" refFor="ch" refForName="accent_4"/>
+                <dgm:constr type="lMarg" for="ch" forName="text_4" refType="w" refFor="ch" refForName="accent_4" fact="1.8"/>
+                <dgm:constr type="h" for="ch" forName="accent_5" refType="h" fact="0.1563"/>
+                <dgm:constr type="w" for="ch" forName="accent_5" refType="h" refFor="ch" refForName="accent_5" op="equ"/>
+                <dgm:constr type="ctrY" for="ch" forName="accent_5" refType="h" fact="0.875"/>
+                <dgm:constr type="ctrX" for="ch" forName="accent_5" refType="h" fact="0.1082"/>
+                <dgm:constr type="l" for="ch" forName="text_5" refType="ctrX" refFor="ch" refForName="accent_5"/>
+                <dgm:constr type="r" for="ch" forName="text_5" refType="w"/>
+                <dgm:constr type="w" for="ch" forName="text_5" refType="h" refFor="ch" refForName="text_5" op="gte"/>
+                <dgm:constr type="h" for="ch" forName="text_5" refType="h" refFor="ch" refForName="accent_5" fact="0.8"/>
+                <dgm:constr type="ctrY" for="ch" forName="text_5" refType="ctrY" refFor="ch" refForName="accent_5"/>
+                <dgm:constr type="lMarg" for="ch" forName="text_5" refType="w" refFor="ch" refForName="accent_5" fact="1.8"/>
+                <dgm:constr type="primFontSz" for="ch" ptType="node" op="equ" val="65"/>
+              </dgm:constrLst>
+            </dgm:if>
+            <dgm:if name="Name10" axis="ch" ptType="node" func="cnt" op="equ" val="6">
+              <dgm:constrLst>
+                <dgm:constr type="h" for="ch" forName="cycle" refType="h"/>
+                <dgm:constr type="w" for="ch" forName="cycle" refType="h" refFor="ch" refForName="cycle" fact="0.26"/>
+                <dgm:constr type="l" for="ch" forName="cycle"/>
+                <dgm:constr type="ctrY" for="ch" forName="cycle" refType="h" fact="0.5"/>
+                <dgm:constr type="diam" for="ch" forName="cycle" refType="h" fact="1.344"/>
+                <dgm:constr type="h" for="ch" forName="accent_1" refType="h" fact="0.1316"/>
+                <dgm:constr type="w" for="ch" forName="accent_1" refType="h" refFor="ch" refForName="accent_1" op="equ"/>
+                <dgm:constr type="ctrY" for="ch" forName="accent_1" refType="h" fact="0.1053"/>
+                <dgm:constr type="ctrX" for="ch" forName="accent_1" refType="h" fact="0.0943"/>
+                <dgm:constr type="l" for="ch" forName="text_1" refType="ctrX" refFor="ch" refForName="accent_1"/>
+                <dgm:constr type="r" for="ch" forName="text_1" refType="w"/>
+                <dgm:constr type="w" for="ch" forName="text_1" refType="h" refFor="ch" refForName="text_1" op="gte"/>
+                <dgm:constr type="h" for="ch" forName="text_1" refType="h" refFor="ch" refForName="accent_1" fact="0.8"/>
+                <dgm:constr type="ctrY" for="ch" forName="text_1" refType="ctrY" refFor="ch" refForName="accent_1"/>
+                <dgm:constr type="lMarg" for="ch" forName="text_1" refType="w" refFor="ch" refForName="accent_1" fact="1.8"/>
+                <dgm:constr type="h" for="ch" forName="accent_2" refType="h" fact="0.1316"/>
+                <dgm:constr type="w" for="ch" forName="accent_2" refType="h" refFor="ch" refForName="accent_2" op="equ"/>
+                <dgm:constr type="ctrY" for="ch" forName="accent_2" refType="h" fact="0.2632"/>
+                <dgm:constr type="ctrX" for="ch" forName="accent_2" refType="h" fact="0.1809"/>
+                <dgm:constr type="l" for="ch" forName="text_2" refType="ctrX" refFor="ch" refForName="accent_2"/>
+                <dgm:constr type="r" for="ch" forName="text_2" refType="w"/>
+                <dgm:constr type="w" for="ch" forName="text_2" refType="h" refFor="ch" refForName="text_2" op="gte"/>
+                <dgm:constr type="h" for="ch" forName="text_2" refType="h" refFor="ch" refForName="accent_2" fact="0.8"/>
+                <dgm:constr type="ctrY" for="ch" forName="text_2" refType="ctrY" refFor="ch" refForName="accent_2"/>
+                <dgm:constr type="lMarg" for="ch" forName="text_2" refType="w" refFor="ch" refForName="accent_2" fact="1.8"/>
+                <dgm:constr type="h" for="ch" forName="accent_3" refType="h" fact="0.1316"/>
+                <dgm:constr type="w" for="ch" forName="accent_3" refType="h" refFor="ch" refForName="accent_3" op="equ"/>
+                <dgm:constr type="ctrY" for="ch" forName="accent_3" refType="h" fact="0.4211"/>
+                <dgm:constr type="ctrX" for="ch" forName="accent_3" refType="h" fact="0.2205"/>
+                <dgm:constr type="l" for="ch" forName="text_3" refType="ctrX" refFor="ch" refForName="accent_3"/>
+                <dgm:constr type="r" for="ch" forName="text_3" refType="w"/>
+                <dgm:constr type="w" for="ch" forName="text_3" refType="h" refFor="ch" refForName="text_3" op="gte"/>
+                <dgm:constr type="h" for="ch" forName="text_3" refType="h" refFor="ch" refForName="accent_3" fact="0.8"/>
+                <dgm:constr type="ctrY" for="ch" forName="text_3" refType="ctrY" refFor="ch" refForName="accent_3"/>
+                <dgm:constr type="lMarg" for="ch" forName="text_3" refType="w" refFor="ch" refForName="accent_3" fact="1.8"/>
+                <dgm:constr type="h" for="ch" forName="accent_4" refType="h" fact="0.1316"/>
+                <dgm:constr type="w" for="ch" forName="accent_4" refType="h" refFor="ch" refForName="accent_4" op="equ"/>
+                <dgm:constr type="ctrY" for="ch" forName="accent_4" refType="h" fact="0.5789"/>
+                <dgm:constr type="ctrX" for="ch" forName="accent_4" refType="h" fact="0.2205"/>
+                <dgm:constr type="l" for="ch" forName="text_4" refType="ctrX" refFor="ch" refForName="accent_4"/>
+                <dgm:constr type="r" for="ch" forName="text_4" refType="w"/>
+                <dgm:constr type="w" for="ch" forName="text_4" refType="h" refFor="ch" refForName="text_4" op="gte"/>
+                <dgm:constr type="h" for="ch" forName="text_4" refType="h" refFor="ch" refForName="accent_4" fact="0.8"/>
+                <dgm:constr type="ctrY" for="ch" forName="text_4" refType="ctrY" refFor="ch" refForName="accent_4"/>
+                <dgm:constr type="lMarg" for="ch" forName="text_4" refType="w" refFor="ch" refForName="accent_4" fact="1.8"/>
+                <dgm:constr type="h" for="ch" forName="accent_5" refType="h" fact="0.1316"/>
+                <dgm:constr type="w" for="ch" forName="accent_5" refType="h" refFor="ch" refForName="accent_5" op="equ"/>
+                <dgm:constr type="ctrY" for="ch" forName="accent_5" refType="h" fact="0.7368"/>
+                <dgm:constr type="ctrX" for="ch" forName="accent_5" refType="h" fact="0.1809"/>
+                <dgm:constr type="l" for="ch" forName="text_5" refType="ctrX" refFor="ch" refForName="accent_5"/>
+                <dgm:constr type="r" for="ch" forName="text_5" refType="w"/>
+                <dgm:constr type="w" for="ch" forName="text_5" refType="h" refFor="ch" refForName="text_5" op="gte"/>
+                <dgm:constr type="h" for="ch" forName="text_5" refType="h" refFor="ch" refForName="accent_5" fact="0.8"/>
+                <dgm:constr type="ctrY" for="ch" forName="text_5" refType="ctrY" refFor="ch" refForName="accent_5"/>
+                <dgm:constr type="lMarg" for="ch" forName="text_5" refType="w" refFor="ch" refForName="accent_5" fact="1.8"/>
+                <dgm:constr type="h" for="ch" forName="accent_6" refType="h" fact="0.1316"/>
+                <dgm:constr type="w" for="ch" forName="accent_6" refType="h" refFor="ch" refForName="accent_6" op="equ"/>
+                <dgm:constr type="ctrY" for="ch" forName="accent_6" refType="h" fact="0.8947"/>
+                <dgm:constr type="ctrX" for="ch" forName="accent_6" refType="h" fact="0.0943"/>
+                <dgm:constr type="l" for="ch" forName="text_6" refType="ctrX" refFor="ch" refForName="accent_6"/>
+                <dgm:constr type="r" for="ch" forName="text_6" refType="w"/>
+                <dgm:constr type="w" for="ch" forName="text_6" refType="h" refFor="ch" refForName="text_6" op="gte"/>
+                <dgm:constr type="h" for="ch" forName="text_6" refType="h" refFor="ch" refForName="accent_6" fact="0.8"/>
+                <dgm:constr type="ctrY" for="ch" forName="text_6" refType="ctrY" refFor="ch" refForName="accent_6"/>
+                <dgm:constr type="lMarg" for="ch" forName="text_6" refType="w" refFor="ch" refForName="accent_6" fact="1.8"/>
+                <dgm:constr type="primFontSz" for="ch" ptType="node" op="equ" val="65"/>
+              </dgm:constrLst>
+            </dgm:if>
+            <dgm:else name="Name11">
+              <dgm:constrLst>
+                <dgm:constr type="h" for="ch" forName="cycle" refType="h"/>
+                <dgm:constr type="w" for="ch" forName="cycle" refType="h" refFor="ch" refForName="cycle" fact="0.26"/>
+                <dgm:constr type="l" for="ch" forName="cycle"/>
+                <dgm:constr type="ctrY" for="ch" forName="cycle" refType="h" fact="0.5"/>
+                <dgm:constr type="diam" for="ch" forName="cycle" refType="h" fact="1.344"/>
+                <dgm:constr type="h" for="ch" forName="accent_1" refType="h" fact="0.1136"/>
+                <dgm:constr type="w" for="ch" forName="accent_1" refType="h" refFor="ch" refForName="accent_1" op="equ"/>
+                <dgm:constr type="ctrY" for="ch" forName="accent_1" refType="h" fact="0.0909"/>
+                <dgm:constr type="ctrX" for="ch" forName="accent_1" refType="h" fact="0.0835"/>
+                <dgm:constr type="l" for="ch" forName="text_1" refType="ctrX" refFor="ch" refForName="accent_1"/>
+                <dgm:constr type="r" for="ch" forName="text_1" refType="w"/>
+                <dgm:constr type="w" for="ch" forName="text_1" refType="h" refFor="ch" refForName="text_1" op="gte"/>
+                <dgm:constr type="h" for="ch" forName="text_1" refType="h" refFor="ch" refForName="accent_1" fact="0.8"/>
+                <dgm:constr type="ctrY" for="ch" forName="text_1" refType="ctrY" refFor="ch" refForName="accent_1"/>
+                <dgm:constr type="lMarg" for="ch" forName="text_1" refType="w" refFor="ch" refForName="accent_1" fact="1.8"/>
+                <dgm:constr type="h" for="ch" forName="accent_2" refType="h" fact="0.1136"/>
+                <dgm:constr type="w" for="ch" forName="accent_2" refType="h" refFor="ch" refForName="accent_2" op="equ"/>
+                <dgm:constr type="ctrY" for="ch" forName="accent_2" refType="h" fact="0.2273"/>
+                <dgm:constr type="ctrX" for="ch" forName="accent_2" refType="h" fact="0.1658"/>
+                <dgm:constr type="l" for="ch" forName="text_2" refType="ctrX" refFor="ch" refForName="accent_2"/>
+                <dgm:constr type="r" for="ch" forName="text_2" refType="w"/>
+                <dgm:constr type="w" for="ch" forName="text_2" refType="h" refFor="ch" refForName="text_2" op="gte"/>
+                <dgm:constr type="h" for="ch" forName="text_2" refType="h" refFor="ch" refForName="accent_2" fact="0.8"/>
+                <dgm:constr type="ctrY" for="ch" forName="text_2" refType="ctrY" refFor="ch" refForName="accent_2"/>
+                <dgm:constr type="lMarg" for="ch" forName="text_2" refType="w" refFor="ch" refForName="accent_2" fact="1.8"/>
+                <dgm:constr type="h" for="ch" forName="accent_3" refType="h" fact="0.1136"/>
+                <dgm:constr type="w" for="ch" forName="accent_3" refType="h" refFor="ch" refForName="accent_3" op="equ"/>
+                <dgm:constr type="ctrY" for="ch" forName="accent_3" refType="h" fact="0.3636"/>
+                <dgm:constr type="ctrX" for="ch" forName="accent_3" refType="h" fact="0.2109"/>
+                <dgm:constr type="l" for="ch" forName="text_3" refType="ctrX" refFor="ch" refForName="accent_3"/>
+                <dgm:constr type="r" for="ch" forName="text_3" refType="w"/>
+                <dgm:constr type="w" for="ch" forName="text_3" refType="h" refFor="ch" refForName="text_3" op="gte"/>
+                <dgm:constr type="h" for="ch" forName="text_3" refType="h" refFor="ch" refForName="accent_3" fact="0.8"/>
+                <dgm:constr type="ctrY" for="ch" forName="text_3" refType="ctrY" refFor="ch" refForName="accent_3"/>
+                <dgm:constr type="lMarg" for="ch" forName="text_3" refType="w" refFor="ch" refForName="accent_3" fact="1.8"/>
+                <dgm:constr type="h" for="ch" forName="accent_4" refType="h" fact="0.1136"/>
+                <dgm:constr type="w" for="ch" forName="accent_4" refType="h" refFor="ch" refForName="accent_4" op="equ"/>
+                <dgm:constr type="ctrY" for="ch" forName="accent_4" refType="h" fact="0.5"/>
+                <dgm:constr type="ctrX" for="ch" forName="accent_4" refType="h" fact="0.2253"/>
+                <dgm:constr type="l" for="ch" forName="text_4" refType="ctrX" refFor="ch" refForName="accent_4"/>
+                <dgm:constr type="r" for="ch" forName="text_4" refType="w"/>
+                <dgm:constr type="w" for="ch" forName="text_4" refType="h" refFor="ch" refForName="text_4" op="gte"/>
+                <dgm:constr type="h" for="ch" forName="text_4" refType="h" refFor="ch" refForName="accent_4" fact="0.8"/>
+                <dgm:constr type="ctrY" for="ch" forName="text_4" refType="ctrY" refFor="ch" refForName="accent_4"/>
+                <dgm:constr type="lMarg" for="ch" forName="text_4" refType="w" refFor="ch" refForName="accent_4" fact="1.8"/>
+                <dgm:constr type="h" for="ch" forName="accent_5" refType="h" fact="0.1136"/>
+                <dgm:constr type="w" for="ch" forName="accent_5" refType="h" refFor="ch" refForName="accent_5" op="equ"/>
+                <dgm:constr type="ctrY" for="ch" forName="accent_5" refType="h" fact="0.6364"/>
+                <dgm:constr type="ctrX" for="ch" forName="accent_5" refType="h" fact="0.2109"/>
+                <dgm:constr type="l" for="ch" forName="text_5" refType="ctrX" refFor="ch" refForName="accent_5"/>
+                <dgm:constr type="r" for="ch" forName="text_5" refType="w"/>
+                <dgm:constr type="w" for="ch" forName="text_5" refType="h" refFor="ch" refForName="text_5" op="gte"/>
+                <dgm:constr type="h" for="ch" forName="text_5" refType="h" refFor="ch" refForName="accent_5" fact="0.8"/>
+                <dgm:constr type="ctrY" for="ch" forName="text_5" refType="ctrY" refFor="ch" refForName="accent_5"/>
+                <dgm:constr type="lMarg" for="ch" forName="text_5" refType="w" refFor="ch" refForName="accent_5" fact="1.8"/>
+                <dgm:constr type="h" for="ch" forName="accent_6" refType="h" fact="0.1136"/>
+                <dgm:constr type="w" for="ch" forName="accent_6" refType="h" refFor="ch" refForName="accent_6" op="equ"/>
+                <dgm:constr type="ctrY" for="ch" forName="accent_6" refType="h" fact="0.7727"/>
+                <dgm:constr type="ctrX" for="ch" forName="accent_6" refType="h" fact="0.1658"/>
+                <dgm:constr type="l" for="ch" forName="text_6" refType="ctrX" refFor="ch" refForName="accent_6"/>
+                <dgm:constr type="r" for="ch" forName="text_6" refType="w"/>
+                <dgm:constr type="w" for="ch" forName="text_6" refType="h" refFor="ch" refForName="text_6" op="gte"/>
+                <dgm:constr type="h" for="ch" forName="text_6" refType="h" refFor="ch" refForName="accent_6" fact="0.8"/>
+                <dgm:constr type="ctrY" for="ch" forName="text_6" refType="ctrY" refFor="ch" refForName="accent_6"/>
+                <dgm:constr type="lMarg" for="ch" forName="text_6" refType="w" refFor="ch" refForName="accent_6" fact="1.8"/>
+                <dgm:constr type="h" for="ch" forName="accent_7" refType="h" fact="0.1136"/>
+                <dgm:constr type="w" for="ch" forName="accent_7" refType="h" refFor="ch" refForName="accent_7" op="equ"/>
+                <dgm:constr type="ctrY" for="ch" forName="accent_7" refType="h" fact="0.9091"/>
+                <dgm:constr type="ctrX" for="ch" forName="accent_7" refType="h" fact="0.0835"/>
+                <dgm:constr type="l" for="ch" forName="text_7" refType="ctrX" refFor="ch" refForName="accent_7"/>
+                <dgm:constr type="r" for="ch" forName="text_7" refType="w"/>
+                <dgm:constr type="w" for="ch" forName="text_7" refType="h" refFor="ch" refForName="text_7" op="gte"/>
+                <dgm:constr type="h" for="ch" forName="text_7" refType="h" refFor="ch" refForName="accent_7" fact="0.8"/>
+                <dgm:constr type="ctrY" for="ch" forName="text_7" refType="ctrY" refFor="ch" refForName="accent_7"/>
+                <dgm:constr type="lMarg" for="ch" forName="text_7" refType="w" refFor="ch" refForName="accent_7" fact="1.8"/>
+                <dgm:constr type="primFontSz" for="ch" ptType="node" op="equ" val="65"/>
+              </dgm:constrLst>
+            </dgm:else>
+          </dgm:choose>
+        </dgm:if>
+        <dgm:else name="Name12">
+          <dgm:choose name="Name13">
+            <dgm:if name="Name14" axis="ch" ptType="node" func="cnt" op="equ" val="1">
+              <dgm:constrLst>
+                <dgm:constr type="h" for="ch" forName="cycle" refType="h"/>
+                <dgm:constr type="w" for="ch" forName="cycle" refType="h" refFor="ch" refForName="cycle" fact="0.26"/>
+                <dgm:constr type="r" for="ch" forName="cycle" refType="w"/>
+                <dgm:constr type="ctrY" for="ch" forName="cycle" refType="h" fact="0.5"/>
+                <dgm:constr type="diam" for="ch" forName="cycle" refType="h" fact="1.344"/>
+                <dgm:constr type="h" for="ch" forName="accent_1" refType="h" fact="0.625"/>
+                <dgm:constr type="w" for="ch" forName="accent_1" refType="h" refFor="ch" refForName="accent_1" op="equ"/>
+                <dgm:constr type="ctrY" for="ch" forName="accent_1" refType="h" fact="0.5"/>
+                <dgm:constr type="ctrX" for="ch" forName="accent_1" refType="w"/>
+                <dgm:constr type="ctrXOff" for="ch" forName="accent_1" refType="h" fact="-0.2253"/>
+                <dgm:constr type="r" for="ch" forName="text_1" refType="ctrX" refFor="ch" refForName="accent_1"/>
+                <dgm:constr type="rOff" for="ch" forName="text_1" refType="ctrXOff" refFor="ch" refForName="accent_1"/>
+                <dgm:constr type="l" for="ch" forName="text_1"/>
+                <dgm:constr type="w" for="ch" forName="text_1" refType="h" refFor="ch" refForName="text_1" op="gte"/>
+                <dgm:constr type="h" for="ch" forName="text_1" refType="h" refFor="ch" refForName="accent_1" fact="0.8"/>
+                <dgm:constr type="ctrY" for="ch" forName="text_1" refType="ctrY" refFor="ch" refForName="accent_1"/>
+                <dgm:constr type="rMarg" for="ch" forName="text_1" refType="w" refFor="ch" refForName="accent_1" fact="1.8"/>
+                <dgm:constr type="primFontSz" for="ch" ptType="node" op="equ" val="65"/>
+              </dgm:constrLst>
+            </dgm:if>
+            <dgm:if name="Name15" axis="ch" ptType="node" func="cnt" op="equ" val="2">
+              <dgm:constrLst>
+                <dgm:constr type="h" for="ch" forName="cycle" refType="h"/>
+                <dgm:constr type="w" for="ch" forName="cycle" refType="h" refFor="ch" refForName="cycle" fact="0.26"/>
+                <dgm:constr type="r" for="ch" forName="cycle" refType="w"/>
+                <dgm:constr type="ctrY" for="ch" forName="cycle" refType="h" fact="0.5"/>
+                <dgm:constr type="diam" for="ch" forName="cycle" refType="h" fact="1.344"/>
+                <dgm:constr type="h" for="ch" forName="accent_1" refType="h" fact="0.3571"/>
+                <dgm:constr type="w" for="ch" forName="accent_1" refType="h" refFor="ch" refForName="accent_1" op="equ"/>
+                <dgm:constr type="ctrY" for="ch" forName="accent_1" refType="h" fact="0.2857"/>
+                <dgm:constr type="ctrX" for="ch" forName="accent_1" refType="w"/>
+                <dgm:constr type="ctrXOff" for="ch" forName="accent_1" refType="h" fact="-0.1891"/>
+                <dgm:constr type="r" for="ch" forName="text_1" refType="ctrX" refFor="ch" refForName="accent_1"/>
+                <dgm:constr type="rOff" for="ch" forName="text_1" refType="ctrXOff" refFor="ch" refForName="accent_1"/>
+                <dgm:constr type="l" for="ch" forName="text_1"/>
+                <dgm:constr type="w" for="ch" forName="text_1" refType="h" refFor="ch" refForName="text_1" op="gte"/>
+                <dgm:constr type="h" for="ch" forName="text_1" refType="h" refFor="ch" refForName="accent_1" fact="0.8"/>
+                <dgm:constr type="ctrY" for="ch" forName="text_1" refType="ctrY" refFor="ch" refForName="accent_1"/>
+                <dgm:constr type="rMarg" for="ch" forName="text_1" refType="w" refFor="ch" refForName="accent_1" fact="1.8"/>
+                <dgm:constr type="h" for="ch" forName="accent_2" refType="h" fact="0.3571"/>
+                <dgm:constr type="w" for="ch" forName="accent_2" refType="h" refFor="ch" refForName="accent_2" op="equ"/>
+                <dgm:constr type="ctrY" for="ch" forName="accent_2" refType="h" fact="0.7143"/>
+                <dgm:constr type="ctrX" for="ch" forName="accent_2" refType="w"/>
+                <dgm:constr type="ctrXOff" for="ch" forName="accent_2" refType="h" fact="-0.1891"/>
+                <dgm:constr type="r" for="ch" forName="text_2" refType="ctrX" refFor="ch" refForName="accent_2"/>
+                <dgm:constr type="rOff" for="ch" forName="text_2" refType="ctrXOff" refFor="ch" refForName="accent_2"/>
+                <dgm:constr type="l" for="ch" forName="text_2"/>
+                <dgm:constr type="w" for="ch" forName="text_2" refType="h" refFor="ch" refForName="text_2" op="gte"/>
+                <dgm:constr type="h" for="ch" forName="text_2" refType="h" refFor="ch" refForName="accent_2" fact="0.8"/>
+                <dgm:constr type="ctrY" for="ch" forName="text_2" refType="ctrY" refFor="ch" refForName="accent_2"/>
+                <dgm:constr type="rMarg" for="ch" forName="text_2" refType="w" refFor="ch" refForName="accent_2" fact="1.8"/>
+                <dgm:constr type="primFontSz" for="ch" ptType="node" op="equ" val="65"/>
+              </dgm:constrLst>
+            </dgm:if>
+            <dgm:if name="Name16" axis="ch" ptType="node" func="cnt" op="equ" val="3">
+              <dgm:constrLst>
+                <dgm:constr type="h" for="ch" forName="cycle" refType="h"/>
+                <dgm:constr type="w" for="ch" forName="cycle" refType="h" refFor="ch" refForName="cycle" fact="0.26"/>
+                <dgm:constr type="r" for="ch" forName="cycle" refType="w"/>
+                <dgm:constr type="ctrY" for="ch" forName="cycle" refType="h" fact="0.5"/>
+                <dgm:constr type="diam" for="ch" forName="cycle" refType="h" fact="1.344"/>
+                <dgm:constr type="h" for="ch" forName="accent_1" refType="h" fact="0.25"/>
+                <dgm:constr type="w" for="ch" forName="accent_1" refType="h" refFor="ch" refForName="accent_1" op="equ"/>
+                <dgm:constr type="ctrY" for="ch" forName="accent_1" refType="h" fact="0.2"/>
+                <dgm:constr type="ctrX" for="ch" forName="accent_1" refType="w"/>
+                <dgm:constr type="ctrXOff" for="ch" forName="accent_1" refType="h" fact="-0.1526"/>
+                <dgm:constr type="r" for="ch" forName="text_1" refType="ctrX" refFor="ch" refForName="accent_1"/>
+                <dgm:constr type="rOff" for="ch" forName="text_1" refType="ctrXOff" refFor="ch" refForName="accent_1"/>
+                <dgm:constr type="l" for="ch" forName="text_1"/>
+                <dgm:constr type="w" for="ch" forName="text_1" refType="h" refFor="ch" refForName="text_1" op="gte"/>
+                <dgm:constr type="h" for="ch" forName="text_1" refType="h" refFor="ch" refForName="accent_1" fact="0.8"/>
+                <dgm:constr type="ctrY" for="ch" forName="text_1" refType="ctrY" refFor="ch" refForName="accent_1"/>
+                <dgm:constr type="rMarg" for="ch" forName="text_1" refType="w" refFor="ch" refForName="accent_1" fact="1.8"/>
+                <dgm:constr type="h" for="ch" forName="accent_2" refType="h" fact="0.25"/>
+                <dgm:constr type="w" for="ch" forName="accent_2" refType="h" refFor="ch" refForName="accent_2" op="equ"/>
+                <dgm:constr type="ctrY" for="ch" forName="accent_2" refType="h" fact="0.5"/>
+                <dgm:constr type="ctrX" for="ch" forName="accent_2" refType="w"/>
+                <dgm:constr type="ctrXOff" for="ch" forName="accent_2" refType="h" fact="-0.2253"/>
+                <dgm:constr type="r" for="ch" forName="text_2" refType="ctrX" refFor="ch" refForName="accent_2"/>
+                <dgm:constr type="rOff" for="ch" forName="text_2" refType="ctrXOff" refFor="ch" refForName="accent_2"/>
+                <dgm:constr type="l" for="ch" forName="text_2"/>
+                <dgm:constr type="w" for="ch" forName="text_2" refType="h" refFor="ch" refForName="text_2" op="gte"/>
+                <dgm:constr type="h" for="ch" forName="text_2" refType="h" refFor="ch" refForName="accent_2" fact="0.8"/>
+                <dgm:constr type="ctrY" for="ch" forName="text_2" refType="ctrY" refFor="ch" refForName="accent_2"/>
+                <dgm:constr type="rMarg" for="ch" forName="text_2" refType="w" refFor="ch" refForName="accent_2" fact="1.8"/>
+                <dgm:constr type="h" for="ch" forName="accent_3" refType="h" fact="0.25"/>
+                <dgm:constr type="w" for="ch" forName="accent_3" refType="h" refFor="ch" refForName="accent_3" op="equ"/>
+                <dgm:constr type="ctrY" for="ch" forName="accent_3" refType="h" fact="0.8"/>
+                <dgm:constr type="ctrX" for="ch" forName="accent_3" refType="w"/>
+                <dgm:constr type="ctrXOff" for="ch" forName="accent_3" refType="h" fact="-0.1526"/>
+                <dgm:constr type="r" for="ch" forName="text_3" refType="ctrX" refFor="ch" refForName="accent_3"/>
+                <dgm:constr type="rOff" for="ch" forName="text_3" refType="ctrXOff" refFor="ch" refForName="accent_3"/>
+                <dgm:constr type="l" for="ch" forName="text_3"/>
+                <dgm:constr type="w" for="ch" forName="text_3" refType="h" refFor="ch" refForName="text_3" op="gte"/>
+                <dgm:constr type="h" for="ch" forName="text_3" refType="h" refFor="ch" refForName="accent_3" fact="0.8"/>
+                <dgm:constr type="ctrY" for="ch" forName="text_3" refType="ctrY" refFor="ch" refForName="accent_3"/>
+                <dgm:constr type="rMarg" for="ch" forName="text_3" refType="w" refFor="ch" refForName="accent_3" fact="1.8"/>
+                <dgm:constr type="primFontSz" for="ch" ptType="node" op="equ" val="65"/>
+              </dgm:constrLst>
+            </dgm:if>
+            <dgm:if name="Name17" axis="ch" ptType="node" func="cnt" op="equ" val="4">
+              <dgm:constrLst>
+                <dgm:constr type="h" for="ch" forName="cycle" refType="h"/>
+                <dgm:constr type="w" for="ch" forName="cycle" refType="h" refFor="ch" refForName="cycle" fact="0.26"/>
+                <dgm:constr type="r" for="ch" forName="cycle" refType="w"/>
+                <dgm:constr type="ctrY" for="ch" forName="cycle" refType="h" fact="0.5"/>
+                <dgm:constr type="diam" for="ch" forName="cycle" refType="h" fact="1.344"/>
+                <dgm:constr type="h" for="ch" forName="accent_1" refType="h" fact="0.1923"/>
+                <dgm:constr type="w" for="ch" forName="accent_1" refType="h" refFor="ch" refForName="accent_1" op="equ"/>
+                <dgm:constr type="ctrY" for="ch" forName="accent_1" refType="h" fact="0.1538"/>
+                <dgm:constr type="ctrX" for="ch" forName="accent_1" refType="w"/>
+                <dgm:constr type="ctrXOff" for="ch" forName="accent_1" refType="h" fact="-0.1268"/>
+                <dgm:constr type="r" for="ch" forName="text_1" refType="ctrX" refFor="ch" refForName="accent_1"/>
+                <dgm:constr type="rOff" for="ch" forName="text_1" refType="ctrXOff" refFor="ch" refForName="accent_1"/>
+                <dgm:constr type="l" for="ch" forName="text_1"/>
+                <dgm:constr type="w" for="ch" forName="text_1" refType="h" refFor="ch" refForName="text_1" op="gte"/>
+                <dgm:constr type="h" for="ch" forName="text_1" refType="h" refFor="ch" refForName="accent_1" fact="0.8"/>
+                <dgm:constr type="ctrY" for="ch" forName="text_1" refType="ctrY" refFor="ch" refForName="accent_1"/>
+                <dgm:constr type="rMarg" for="ch" forName="text_1" refType="w" refFor="ch" refForName="accent_1" fact="1.8"/>
+                <dgm:constr type="h" for="ch" forName="accent_2" refType="h" fact="0.1923"/>
+                <dgm:constr type="w" for="ch" forName="accent_2" refType="h" refFor="ch" refForName="accent_2" op="equ"/>
+                <dgm:constr type="ctrY" for="ch" forName="accent_2" refType="h" fact="0.3846"/>
+                <dgm:constr type="ctrX" for="ch" forName="accent_2" refType="w"/>
+                <dgm:constr type="ctrXOff" for="ch" forName="accent_2" refType="h" fact="-0.215"/>
+                <dgm:constr type="r" for="ch" forName="text_2" refType="ctrX" refFor="ch" refForName="accent_2"/>
+                <dgm:constr type="rOff" for="ch" forName="text_2" refType="ctrXOff" refFor="ch" refForName="accent_2"/>
+                <dgm:constr type="l" for="ch" forName="text_2"/>
+                <dgm:constr type="w" for="ch" forName="text_2" refType="h" refFor="ch" refForName="text_2" op="gte"/>
+                <dgm:constr type="h" for="ch" forName="text_2" refType="h" refFor="ch" refForName="accent_2" fact="0.8"/>
+                <dgm:constr type="ctrY" for="ch" forName="text_2" refType="ctrY" refFor="ch" refForName="accent_2"/>
+                <dgm:constr type="rMarg" for="ch" forName="text_2" refType="w" refFor="ch" refForName="accent_2" fact="1.8"/>
+                <dgm:constr type="h" for="ch" forName="accent_3" refType="h" fact="0.1923"/>
+                <dgm:constr type="w" for="ch" forName="accent_3" refType="h" refFor="ch" refForName="accent_3" op="equ"/>
+                <dgm:constr type="ctrY" for="ch" forName="accent_3" refType="h" fact="0.6154"/>
+                <dgm:constr type="ctrX" for="ch" forName="accent_3" refType="w"/>
+                <dgm:constr type="ctrXOff" for="ch" forName="accent_3" refType="h" fact="-0.215"/>
+                <dgm:constr type="r" for="ch" forName="text_3" refType="ctrX" refFor="ch" refForName="accent_3"/>
+                <dgm:constr type="rOff" for="ch" forName="text_3" refType="ctrXOff" refFor="ch" refForName="accent_3"/>
+                <dgm:constr type="l" for="ch" forName="text_3"/>
+                <dgm:constr type="w" for="ch" forName="text_3" refType="h" refFor="ch" refForName="text_3" op="gte"/>
+                <dgm:constr type="h" for="ch" forName="text_3" refType="h" refFor="ch" refForName="accent_3" fact="0.8"/>
+                <dgm:constr type="ctrY" for="ch" forName="text_3" refType="ctrY" refFor="ch" refForName="accent_3"/>
+                <dgm:constr type="rMarg" for="ch" forName="text_3" refType="w" refFor="ch" refForName="accent_3" fact="1.8"/>
+                <dgm:constr type="h" for="ch" forName="accent_4" refType="h" fact="0.1923"/>
+                <dgm:constr type="w" for="ch" forName="accent_4" refType="h" refFor="ch" refForName="accent_4" op="equ"/>
+                <dgm:constr type="ctrY" for="ch" forName="accent_4" refType="h" fact="0.8462"/>
+                <dgm:constr type="ctrX" for="ch" forName="accent_4" refType="w"/>
+                <dgm:constr type="ctrXOff" for="ch" forName="accent_4" refType="h" fact="-0.1268"/>
+                <dgm:constr type="r" for="ch" forName="text_4" refType="ctrX" refFor="ch" refForName="accent_4"/>
+                <dgm:constr type="rOff" for="ch" forName="text_4" refType="ctrXOff" refFor="ch" refForName="accent_4"/>
+                <dgm:constr type="l" for="ch" forName="text_4"/>
+                <dgm:constr type="w" for="ch" forName="text_4" refType="h" refFor="ch" refForName="text_4" op="gte"/>
+                <dgm:constr type="h" for="ch" forName="text_4" refType="h" refFor="ch" refForName="accent_4" fact="0.8"/>
+                <dgm:constr type="ctrY" for="ch" forName="text_4" refType="ctrY" refFor="ch" refForName="accent_4"/>
+                <dgm:constr type="rMarg" for="ch" forName="text_4" refType="w" refFor="ch" refForName="accent_4" fact="1.8"/>
+                <dgm:constr type="primFontSz" for="ch" ptType="node" op="equ" val="65"/>
+              </dgm:constrLst>
+            </dgm:if>
+            <dgm:if name="Name18" axis="ch" ptType="node" func="cnt" op="equ" val="5">
+              <dgm:constrLst>
+                <dgm:constr type="h" for="ch" forName="cycle" refType="h"/>
+                <dgm:constr type="w" for="ch" forName="cycle" refType="h" refFor="ch" refForName="cycle" fact="0.26"/>
+                <dgm:constr type="r" for="ch" forName="cycle" refType="w"/>
+                <dgm:constr type="ctrY" for="ch" forName="cycle" refType="h" fact="0.5"/>
+                <dgm:constr type="diam" for="ch" forName="cycle" refType="h" fact="1.344"/>
+                <dgm:constr type="h" for="ch" forName="accent_1" refType="h" fact="0.1563"/>
+                <dgm:constr type="w" for="ch" forName="accent_1" refType="h" refFor="ch" refForName="accent_1" op="equ"/>
+                <dgm:constr type="ctrY" for="ch" forName="accent_1" refType="h" fact="0.125"/>
+                <dgm:constr type="ctrX" for="ch" forName="accent_1" refType="w"/>
+                <dgm:constr type="ctrXOff" for="ch" forName="accent_1" refType="h" fact="-0.1082"/>
+                <dgm:constr type="r" for="ch" forName="text_1" refType="ctrX" refFor="ch" refForName="accent_1"/>
+                <dgm:constr type="rOff" for="ch" forName="text_1" refType="ctrXOff" refFor="ch" refForName="accent_1"/>
+                <dgm:constr type="l" for="ch" forName="text_1"/>
+                <dgm:constr type="w" for="ch" forName="text_1" refType="h" refFor="ch" refForName="text_1" op="gte"/>
+                <dgm:constr type="h" for="ch" forName="text_1" refType="h" refFor="ch" refForName="accent_1" fact="0.8"/>
+                <dgm:constr type="ctrY" for="ch" forName="text_1" refType="ctrY" refFor="ch" refForName="accent_1"/>
+                <dgm:constr type="rMarg" for="ch" forName="text_1" refType="w" refFor="ch" refForName="accent_1" fact="1.8"/>
+                <dgm:constr type="h" for="ch" forName="accent_2" refType="h" fact="0.1563"/>
+                <dgm:constr type="w" for="ch" forName="accent_2" refType="h" refFor="ch" refForName="accent_2" op="equ"/>
+                <dgm:constr type="ctrY" for="ch" forName="accent_2" refType="h" fact="0.3125"/>
+                <dgm:constr type="ctrX" for="ch" forName="accent_2" refType="w"/>
+                <dgm:constr type="ctrXOff" for="ch" forName="accent_2" refType="h" fact="-0.1978"/>
+                <dgm:constr type="r" for="ch" forName="text_2" refType="ctrX" refFor="ch" refForName="accent_2"/>
+                <dgm:constr type="rOff" for="ch" forName="text_2" refType="ctrXOff" refFor="ch" refForName="accent_2"/>
+                <dgm:constr type="l" for="ch" forName="text_2"/>
+                <dgm:constr type="w" for="ch" forName="text_2" refType="h" refFor="ch" refForName="text_2" op="gte"/>
+                <dgm:constr type="h" for="ch" forName="text_2" refType="h" refFor="ch" refForName="accent_2" fact="0.8"/>
+                <dgm:constr type="ctrY" for="ch" forName="text_2" refType="ctrY" refFor="ch" refForName="accent_2"/>
+                <dgm:constr type="rMarg" for="ch" forName="text_2" refType="w" refFor="ch" refForName="accent_2" fact="1.8"/>
+                <dgm:constr type="h" for="ch" forName="accent_3" refType="h" fact="0.1563"/>
+                <dgm:constr type="w" for="ch" forName="accent_3" refType="h" refFor="ch" refForName="accent_3" op="equ"/>
+                <dgm:constr type="ctrY" for="ch" forName="accent_3" refType="h" fact="0.5"/>
+                <dgm:constr type="ctrX" for="ch" forName="accent_3" refType="w"/>
+                <dgm:constr type="ctrXOff" for="ch" forName="accent_3" refType="h" fact="-0.2253"/>
+                <dgm:constr type="r" for="ch" forName="text_3" refType="ctrX" refFor="ch" refForName="accent_3"/>
+                <dgm:constr type="rOff" for="ch" forName="text_3" refType="ctrXOff" refFor="ch" refForName="accent_3"/>
+                <dgm:constr type="l" for="ch" forName="text_3"/>
+                <dgm:constr type="w" for="ch" forName="text_3" refType="h" refFor="ch" refForName="text_3" op="gte"/>
+                <dgm:constr type="h" for="ch" forName="text_3" refType="h" refFor="ch" refForName="accent_3" fact="0.8"/>
+                <dgm:constr type="ctrY" for="ch" forName="text_3" refType="ctrY" refFor="ch" refForName="accent_3"/>
+                <dgm:constr type="rMarg" for="ch" forName="text_3" refType="w" refFor="ch" refForName="accent_3" fact="1.8"/>
+                <dgm:constr type="h" for="ch" forName="accent_4" refType="h" fact="0.1563"/>
+                <dgm:constr type="w" for="ch" forName="accent_4" refType="h" refFor="ch" refForName="accent_4" op="equ"/>
+                <dgm:constr type="ctrY" for="ch" forName="accent_4" refType="h" fact="0.6875"/>
+                <dgm:constr type="ctrX" for="ch" forName="accent_4" refType="w"/>
+                <dgm:constr type="ctrXOff" for="ch" forName="accent_4" refType="h" fact="-0.1978"/>
+                <dgm:constr type="r" for="ch" forName="text_4" refType="ctrX" refFor="ch" refForName="accent_4"/>
+                <dgm:constr type="rOff" for="ch" forName="text_4" refType="ctrXOff" refFor="ch" refForName="accent_4"/>
+                <dgm:constr type="l" for="ch" forName="text_4"/>
+                <dgm:constr type="w" for="ch" forName="text_4" refType="h" refFor="ch" refForName="text_4" op="gte"/>
+                <dgm:constr type="h" for="ch" forName="text_4" refType="h" refFor="ch" refForName="accent_4" fact="0.8"/>
+                <dgm:constr type="ctrY" for="ch" forName="text_4" refType="ctrY" refFor="ch" refForName="accent_4"/>
+                <dgm:constr type="rMarg" for="ch" forName="text_4" refType="w" refFor="ch" refForName="accent_4" fact="1.8"/>
+                <dgm:constr type="h" for="ch" forName="accent_5" refType="h" fact="0.1563"/>
+                <dgm:constr type="w" for="ch" forName="accent_5" refType="h" refFor="ch" refForName="accent_5" op="equ"/>
+                <dgm:constr type="ctrY" for="ch" forName="accent_5" refType="h" fact="0.875"/>
+                <dgm:constr type="ctrX" for="ch" forName="accent_5" refType="w"/>
+                <dgm:constr type="ctrXOff" for="ch" forName="accent_5" refType="h" fact="-0.1082"/>
+                <dgm:constr type="r" for="ch" forName="text_5" refType="ctrX" refFor="ch" refForName="accent_5"/>
+                <dgm:constr type="rOff" for="ch" forName="text_5" refType="ctrXOff" refFor="ch" refForName="accent_5"/>
+                <dgm:constr type="l" for="ch" forName="text_5"/>
+                <dgm:constr type="w" for="ch" forName="text_5" refType="h" refFor="ch" refForName="text_5" op="gte"/>
+                <dgm:constr type="h" for="ch" forName="text_5" refType="h" refFor="ch" refForName="accent_5" fact="0.8"/>
+                <dgm:constr type="ctrY" for="ch" forName="text_5" refType="ctrY" refFor="ch" refForName="accent_5"/>
+                <dgm:constr type="rMarg" for="ch" forName="text_5" refType="w" refFor="ch" refForName="accent_5" fact="1.8"/>
+                <dgm:constr type="primFontSz" for="ch" ptType="node" op="equ" val="65"/>
+              </dgm:constrLst>
+            </dgm:if>
+            <dgm:if name="Name19" axis="ch" ptType="node" func="cnt" op="equ" val="6">
+              <dgm:constrLst>
+                <dgm:constr type="h" for="ch" forName="cycle" refType="h"/>
+                <dgm:constr type="w" for="ch" forName="cycle" refType="h" refFor="ch" refForName="cycle" fact="0.26"/>
+                <dgm:constr type="r" for="ch" forName="cycle" refType="w"/>
+                <dgm:constr type="ctrY" for="ch" forName="cycle" refType="h" fact="0.5"/>
+                <dgm:constr type="diam" for="ch" forName="cycle" refType="h" fact="1.344"/>
+                <dgm:constr type="h" for="ch" forName="accent_1" refType="h" fact="0.1316"/>
+                <dgm:constr type="w" for="ch" forName="accent_1" refType="h" refFor="ch" refForName="accent_1" op="equ"/>
+                <dgm:constr type="ctrY" for="ch" forName="accent_1" refType="h" fact="0.1053"/>
+                <dgm:constr type="ctrX" for="ch" forName="accent_1" refType="w"/>
+                <dgm:constr type="ctrXOff" for="ch" forName="accent_1" refType="h" fact="-0.0943"/>
+                <dgm:constr type="r" for="ch" forName="text_1" refType="ctrX" refFor="ch" refForName="accent_1"/>
+                <dgm:constr type="rOff" for="ch" forName="text_1" refType="ctrXOff" refFor="ch" refForName="accent_1"/>
+                <dgm:constr type="l" for="ch" forName="text_1"/>
+                <dgm:constr type="w" for="ch" forName="text_1" refType="h" refFor="ch" refForName="text_1" op="gte"/>
+                <dgm:constr type="h" for="ch" forName="text_1" refType="h" refFor="ch" refForName="accent_1" fact="0.8"/>
+                <dgm:constr type="ctrY" for="ch" forName="text_1" refType="ctrY" refFor="ch" refForName="accent_1"/>
+                <dgm:constr type="rMarg" for="ch" forName="text_1" refType="w" refFor="ch" refForName="accent_1" fact="1.8"/>
+                <dgm:constr type="h" for="ch" forName="accent_2" refType="h" fact="0.1316"/>
+                <dgm:constr type="w" for="ch" forName="accent_2" refType="h" refFor="ch" refForName="accent_2" op="equ"/>
+                <dgm:constr type="ctrY" for="ch" forName="accent_2" refType="h" fact="0.2632"/>
+                <dgm:constr type="ctrX" for="ch" forName="accent_2" refType="w"/>
+                <dgm:constr type="ctrXOff" for="ch" forName="accent_2" refType="h" fact="-0.1809"/>
+                <dgm:constr type="r" for="ch" forName="text_2" refType="ctrX" refFor="ch" refForName="accent_2"/>
+                <dgm:constr type="rOff" for="ch" forName="text_2" refType="ctrXOff" refFor="ch" refForName="accent_2"/>
+                <dgm:constr type="l" for="ch" forName="text_2"/>
+                <dgm:constr type="w" for="ch" forName="text_2" refType="h" refFor="ch" refForName="text_2" op="gte"/>
+                <dgm:constr type="h" for="ch" forName="text_2" refType="h" refFor="ch" refForName="accent_2" fact="0.8"/>
+                <dgm:constr type="ctrY" for="ch" forName="text_2" refType="ctrY" refFor="ch" refForName="accent_2"/>
+                <dgm:constr type="rMarg" for="ch" forName="text_2" refType="w" refFor="ch" refForName="accent_2" fact="1.8"/>
+                <dgm:constr type="h" for="ch" forName="accent_3" refType="h" fact="0.1316"/>
+                <dgm:constr type="w" for="ch" forName="accent_3" refType="h" refFor="ch" refForName="accent_3" op="equ"/>
+                <dgm:constr type="ctrY" for="ch" forName="accent_3" refType="h" fact="0.4211"/>
+                <dgm:constr type="ctrX" for="ch" forName="accent_3" refType="w"/>
+                <dgm:constr type="ctrXOff" for="ch" forName="accent_3" refType="h" fact="-0.2205"/>
+                <dgm:constr type="r" for="ch" forName="text_3" refType="ctrX" refFor="ch" refForName="accent_3"/>
+                <dgm:constr type="rOff" for="ch" forName="text_3" refType="ctrXOff" refFor="ch" refForName="accent_3"/>
+                <dgm:constr type="l" for="ch" forName="text_3"/>
+                <dgm:constr type="w" for="ch" forName="text_3" refType="h" refFor="ch" refForName="text_3" op="gte"/>
+                <dgm:constr type="h" for="ch" forName="text_3" refType="h" refFor="ch" refForName="accent_3" fact="0.8"/>
+                <dgm:constr type="ctrY" for="ch" forName="text_3" refType="ctrY" refFor="ch" refForName="accent_3"/>
+                <dgm:constr type="rMarg" for="ch" forName="text_3" refType="w" refFor="ch" refForName="accent_3" fact="1.8"/>
+                <dgm:constr type="h" for="ch" forName="accent_4" refType="h" fact="0.1316"/>
+                <dgm:constr type="w" for="ch" forName="accent_4" refType="h" refFor="ch" refForName="accent_4" op="equ"/>
+                <dgm:constr type="ctrY" for="ch" forName="accent_4" refType="h" fact="0.5789"/>
+                <dgm:constr type="ctrX" for="ch" forName="accent_4" refType="w"/>
+                <dgm:constr type="ctrXOff" for="ch" forName="accent_4" refType="h" fact="-0.2205"/>
+                <dgm:constr type="r" for="ch" forName="text_4" refType="ctrX" refFor="ch" refForName="accent_4"/>
+                <dgm:constr type="rOff" for="ch" forName="text_4" refType="ctrXOff" refFor="ch" refForName="accent_4"/>
+                <dgm:constr type="l" for="ch" forName="text_4"/>
+                <dgm:constr type="w" for="ch" forName="text_4" refType="h" refFor="ch" refForName="text_4" op="gte"/>
+                <dgm:constr type="h" for="ch" forName="text_4" refType="h" refFor="ch" refForName="accent_4" fact="0.8"/>
+                <dgm:constr type="ctrY" for="ch" forName="text_4" refType="ctrY" refFor="ch" refForName="accent_4"/>
+                <dgm:constr type="rMarg" for="ch" forName="text_4" refType="w" refFor="ch" refForName="accent_4" fact="1.8"/>
+                <dgm:constr type="h" for="ch" forName="accent_5" refType="h" fact="0.1316"/>
+                <dgm:constr type="w" for="ch" forName="accent_5" refType="h" refFor="ch" refForName="accent_5" op="equ"/>
+                <dgm:constr type="ctrY" for="ch" forName="accent_5" refType="h" fact="0.7368"/>
+                <dgm:constr type="ctrX" for="ch" forName="accent_5" refType="w"/>
+                <dgm:constr type="ctrXOff" for="ch" forName="accent_5" refType="h" fact="-0.1809"/>
+                <dgm:constr type="r" for="ch" forName="text_5" refType="ctrX" refFor="ch" refForName="accent_5"/>
+                <dgm:constr type="rOff" for="ch" forName="text_5" refType="ctrXOff" refFor="ch" refForName="accent_5"/>
+                <dgm:constr type="l" for="ch" forName="text_5"/>
+                <dgm:constr type="w" for="ch" forName="text_5" refType="h" refFor="ch" refForName="text_5" op="gte"/>
+                <dgm:constr type="h" for="ch" forName="text_5" refType="h" refFor="ch" refForName="accent_5" fact="0.8"/>
+                <dgm:constr type="ctrY" for="ch" forName="text_5" refType="ctrY" refFor="ch" refForName="accent_5"/>
+                <dgm:constr type="rMarg" for="ch" forName="text_5" refType="w" refFor="ch" refForName="accent_5" fact="1.8"/>
+                <dgm:constr type="h" for="ch" forName="accent_6" refType="h" fact="0.1316"/>
+                <dgm:constr type="w" for="ch" forName="accent_6" refType="h" refFor="ch" refForName="accent_6" op="equ"/>
+                <dgm:constr type="ctrY" for="ch" forName="accent_6" refType="h" fact="0.8947"/>
+                <dgm:constr type="ctrX" for="ch" forName="accent_6" refType="w"/>
+                <dgm:constr type="ctrXOff" for="ch" forName="accent_6" refType="h" fact="-0.0943"/>
+                <dgm:constr type="r" for="ch" forName="text_6" refType="ctrX" refFor="ch" refForName="accent_6"/>
+                <dgm:constr type="rOff" for="ch" forName="text_6" refType="ctrXOff" refFor="ch" refForName="accent_6"/>
+                <dgm:constr type="l" for="ch" forName="text_6"/>
+                <dgm:constr type="w" for="ch" forName="text_6" refType="h" refFor="ch" refForName="text_6" op="gte"/>
+                <dgm:constr type="h" for="ch" forName="text_6" refType="h" refFor="ch" refForName="accent_6" fact="0.8"/>
+                <dgm:constr type="ctrY" for="ch" forName="text_6" refType="ctrY" refFor="ch" refForName="accent_6"/>
+                <dgm:constr type="rMarg" for="ch" forName="text_6" refType="w" refFor="ch" refForName="accent_6" fact="1.8"/>
+                <dgm:constr type="primFontSz" for="ch" ptType="node" op="equ" val="65"/>
+              </dgm:constrLst>
+            </dgm:if>
+            <dgm:else name="Name20">
+              <dgm:constrLst>
+                <dgm:constr type="h" for="ch" forName="cycle" refType="h"/>
+                <dgm:constr type="w" for="ch" forName="cycle" refType="h" refFor="ch" refForName="cycle" fact="0.26"/>
+                <dgm:constr type="r" for="ch" forName="cycle" refType="w"/>
+                <dgm:constr type="ctrY" for="ch" forName="cycle" refType="h" fact="0.5"/>
+                <dgm:constr type="diam" for="ch" forName="cycle" refType="h" fact="1.344"/>
+                <dgm:constr type="h" for="ch" forName="accent_1" refType="h" fact="0.1136"/>
+                <dgm:constr type="w" for="ch" forName="accent_1" refType="h" refFor="ch" refForName="accent_1" op="equ"/>
+                <dgm:constr type="ctrY" for="ch" forName="accent_1" refType="h" fact="0.0909"/>
+                <dgm:constr type="ctrX" for="ch" forName="accent_1" refType="w"/>
+                <dgm:constr type="ctrXOff" for="ch" forName="accent_1" refType="h" fact="-0.0835"/>
+                <dgm:constr type="r" for="ch" forName="text_1" refType="ctrX" refFor="ch" refForName="accent_1"/>
+                <dgm:constr type="rOff" for="ch" forName="text_1" refType="ctrXOff" refFor="ch" refForName="accent_1"/>
+                <dgm:constr type="l" for="ch" forName="text_1"/>
+                <dgm:constr type="w" for="ch" forName="text_1" refType="h" refFor="ch" refForName="text_1" op="gte"/>
+                <dgm:constr type="h" for="ch" forName="text_1" refType="h" refFor="ch" refForName="accent_1" fact="0.8"/>
+                <dgm:constr type="ctrY" for="ch" forName="text_1" refType="ctrY" refFor="ch" refForName="accent_1"/>
+                <dgm:constr type="rMarg" for="ch" forName="text_1" refType="w" refFor="ch" refForName="accent_1" fact="1.8"/>
+                <dgm:constr type="h" for="ch" forName="accent_2" refType="h" fact="0.1136"/>
+                <dgm:constr type="w" for="ch" forName="accent_2" refType="h" refFor="ch" refForName="accent_2" op="equ"/>
+                <dgm:constr type="ctrY" for="ch" forName="accent_2" refType="h" fact="0.2273"/>
+                <dgm:constr type="ctrX" for="ch" forName="accent_2" refType="w"/>
+                <dgm:constr type="ctrXOff" for="ch" forName="accent_2" refType="h" fact="-0.1658"/>
+                <dgm:constr type="r" for="ch" forName="text_2" refType="ctrX" refFor="ch" refForName="accent_2"/>
+                <dgm:constr type="rOff" for="ch" forName="text_2" refType="ctrXOff" refFor="ch" refForName="accent_2"/>
+                <dgm:constr type="l" for="ch" forName="text_2"/>
+                <dgm:constr type="w" for="ch" forName="text_2" refType="h" refFor="ch" refForName="text_2" op="gte"/>
+                <dgm:constr type="h" for="ch" forName="text_2" refType="h" refFor="ch" refForName="accent_2" fact="0.8"/>
+                <dgm:constr type="ctrY" for="ch" forName="text_2" refType="ctrY" refFor="ch" refForName="accent_2"/>
+                <dgm:constr type="rMarg" for="ch" forName="text_2" refType="w" refFor="ch" refForName="accent_2" fact="1.8"/>
+                <dgm:constr type="h" for="ch" forName="accent_3" refType="h" fact="0.1136"/>
+                <dgm:constr type="w" for="ch" forName="accent_3" refType="h" refFor="ch" refForName="accent_3" op="equ"/>
+                <dgm:constr type="ctrY" for="ch" forName="accent_3" refType="h" fact="0.3636"/>
+                <dgm:constr type="ctrX" for="ch" forName="accent_3" refType="w"/>
+                <dgm:constr type="ctrXOff" for="ch" forName="accent_3" refType="h" fact="-0.2109"/>
+                <dgm:constr type="r" for="ch" forName="text_3" refType="ctrX" refFor="ch" refForName="accent_3"/>
+                <dgm:constr type="rOff" for="ch" forName="text_3" refType="ctrXOff" refFor="ch" refForName="accent_3"/>
+                <dgm:constr type="l" for="ch" forName="text_3"/>
+                <dgm:constr type="w" for="ch" forName="text_3" refType="h" refFor="ch" refForName="text_3" op="gte"/>
+                <dgm:constr type="h" for="ch" forName="text_3" refType="h" refFor="ch" refForName="accent_3" fact="0.8"/>
+                <dgm:constr type="ctrY" for="ch" forName="text_3" refType="ctrY" refFor="ch" refForName="accent_3"/>
+                <dgm:constr type="rMarg" for="ch" forName="text_3" refType="w" refFor="ch" refForName="accent_3" fact="1.8"/>
+                <dgm:constr type="h" for="ch" forName="accent_4" refType="h" fact="0.1136"/>
+                <dgm:constr type="w" for="ch" forName="accent_4" refType="h" refFor="ch" refForName="accent_4" op="equ"/>
+                <dgm:constr type="ctrY" for="ch" forName="accent_4" refType="h" fact="0.5"/>
+                <dgm:constr type="ctrX" for="ch" forName="accent_4" refType="w"/>
+                <dgm:constr type="ctrXOff" for="ch" forName="accent_4" refType="h" fact="-0.2253"/>
+                <dgm:constr type="r" for="ch" forName="text_4" refType="ctrX" refFor="ch" refForName="accent_4"/>
+                <dgm:constr type="rOff" for="ch" forName="text_4" refType="ctrXOff" refFor="ch" refForName="accent_4"/>
+                <dgm:constr type="l" for="ch" forName="text_4"/>
+                <dgm:constr type="w" for="ch" forName="text_4" refType="h" refFor="ch" refForName="text_4" op="gte"/>
+                <dgm:constr type="h" for="ch" forName="text_4" refType="h" refFor="ch" refForName="accent_4" fact="0.8"/>
+                <dgm:constr type="ctrY" for="ch" forName="text_4" refType="ctrY" refFor="ch" refForName="accent_4"/>
+                <dgm:constr type="rMarg" for="ch" forName="text_4" refType="w" refFor="ch" refForName="accent_4" fact="1.8"/>
+                <dgm:constr type="h" for="ch" forName="accent_5" refType="h" fact="0.1136"/>
+                <dgm:constr type="w" for="ch" forName="accent_5" refType="h" refFor="ch" refForName="accent_5" op="equ"/>
+                <dgm:constr type="ctrY" for="ch" forName="accent_5" refType="h" fact="0.6364"/>
+                <dgm:constr type="ctrX" for="ch" forName="accent_5" refType="w"/>
+                <dgm:constr type="ctrXOff" for="ch" forName="accent_5" refType="h" fact="-0.2109"/>
+                <dgm:constr type="r" for="ch" forName="text_5" refType="ctrX" refFor="ch" refForName="accent_5"/>
+                <dgm:constr type="rOff" for="ch" forName="text_5" refType="ctrXOff" refFor="ch" refForName="accent_5"/>
+                <dgm:constr type="l" for="ch" forName="text_5"/>
+                <dgm:constr type="w" for="ch" forName="text_5" refType="h" refFor="ch" refForName="text_5" op="gte"/>
+                <dgm:constr type="h" for="ch" forName="text_5" refType="h" refFor="ch" refForName="accent_5" fact="0.8"/>
+                <dgm:constr type="ctrY" for="ch" forName="text_5" refType="ctrY" refFor="ch" refForName="accent_5"/>
+                <dgm:constr type="rMarg" for="ch" forName="text_5" refType="w" refFor="ch" refForName="accent_5" fact="1.8"/>
+                <dgm:constr type="h" for="ch" forName="accent_6" refType="h" fact="0.1136"/>
+                <dgm:constr type="w" for="ch" forName="accent_6" refType="h" refFor="ch" refForName="accent_6" op="equ"/>
+                <dgm:constr type="ctrY" for="ch" forName="accent_6" refType="h" fact="0.7727"/>
+                <dgm:constr type="ctrX" for="ch" forName="accent_6" refType="w"/>
+                <dgm:constr type="ctrXOff" for="ch" forName="accent_6" refType="h" fact="-0.1658"/>
+                <dgm:constr type="r" for="ch" forName="text_6" refType="ctrX" refFor="ch" refForName="accent_6"/>
+                <dgm:constr type="rOff" for="ch" forName="text_6" refType="ctrXOff" refFor="ch" refForName="accent_6"/>
+                <dgm:constr type="l" for="ch" forName="text_6"/>
+                <dgm:constr type="w" for="ch" forName="text_6" refType="h" refFor="ch" refForName="text_6" op="gte"/>
+                <dgm:constr type="h" for="ch" forName="text_6" refType="h" refFor="ch" refForName="accent_6" fact="0.8"/>
+                <dgm:constr type="ctrY" for="ch" forName="text_6" refType="ctrY" refFor="ch" refForName="accent_6"/>
+                <dgm:constr type="rMarg" for="ch" forName="text_6" refType="w" refFor="ch" refForName="accent_6" fact="1.8"/>
+                <dgm:constr type="h" for="ch" forName="accent_7" refType="h" fact="0.1136"/>
+                <dgm:constr type="w" for="ch" forName="accent_7" refType="h" refFor="ch" refForName="accent_7" op="equ"/>
+                <dgm:constr type="ctrY" for="ch" forName="accent_7" refType="h" fact="0.9091"/>
+                <dgm:constr type="ctrX" for="ch" forName="accent_7" refType="w"/>
+                <dgm:constr type="ctrXOff" for="ch" forName="accent_7" refType="h" fact="-0.0835"/>
+                <dgm:constr type="r" for="ch" forName="text_7" refType="ctrX" refFor="ch" refForName="accent_7"/>
+                <dgm:constr type="rOff" for="ch" forName="text_7" refType="ctrXOff" refFor="ch" refForName="accent_7"/>
+                <dgm:constr type="l" for="ch" forName="text_7"/>
+                <dgm:constr type="w" for="ch" forName="text_7" refType="h" refFor="ch" refForName="text_7" op="gte"/>
+                <dgm:constr type="h" for="ch" forName="text_7" refType="h" refFor="ch" refForName="accent_7" fact="0.8"/>
+                <dgm:constr type="ctrY" for="ch" forName="text_7" refType="ctrY" refFor="ch" refForName="accent_7"/>
+                <dgm:constr type="rMarg" for="ch" forName="text_7" refType="w" refFor="ch" refForName="accent_7" fact="1.8"/>
+                <dgm:constr type="primFontSz" for="ch" ptType="node" op="equ" val="65"/>
+              </dgm:constrLst>
+            </dgm:else>
+          </dgm:choose>
+        </dgm:else>
+      </dgm:choose>
+      <dgm:layoutNode name="cycle">
+        <dgm:choose name="Name21">
+          <dgm:if name="Name22" func="var" arg="dir" op="equ" val="norm">
+            <dgm:alg type="cycle">
+              <dgm:param type="stAng" val="45"/>
+              <dgm:param type="spanAng" val="90"/>
+            </dgm:alg>
+          </dgm:if>
+          <dgm:else name="Name23">
+            <dgm:alg type="cycle">
+              <dgm:param type="stAng" val="225"/>
+              <dgm:param type="spanAng" val="90"/>
+            </dgm:alg>
+          </dgm:else>
+        </dgm:choose>
+        <dgm:shape xmlns:r="http://schemas.openxmlformats.org/officeDocument/2006/relationships" r:blip="">
+          <dgm:adjLst/>
+        </dgm:shape>
+        <dgm:presOf/>
+        <dgm:constrLst>
+          <dgm:constr type="w" for="ch" val="1"/>
+          <dgm:constr type="h" for="ch" val="1"/>
+          <dgm:constr type="diam" for="ch" forName="conn" refType="diam"/>
+        </dgm:constrLst>
+        <dgm:layoutNode name="srcNode">
+          <dgm:alg type="sp"/>
+          <dgm:shape xmlns:r="http://schemas.openxmlformats.org/officeDocument/2006/relationships" type="rect" r:blip="" hideGeom="1">
+            <dgm:adjLst/>
+          </dgm:shape>
+          <dgm:presOf/>
+        </dgm:layoutNode>
+        <dgm:layoutNode name="conn" styleLbl="parChTrans1D2">
+          <dgm:alg type="conn">
+            <dgm:param type="connRout" val="curve"/>
+            <dgm:param type="srcNode" val="srcNode"/>
+            <dgm:param type="dstNode" val="dstNode"/>
+            <dgm:param type="begPts" val="ctr"/>
+            <dgm:param type="endPts" val="ctr"/>
+            <dgm:param type="endSty" val="noArr"/>
+          </dgm:alg>
+          <dgm:shape xmlns:r="http://schemas.openxmlformats.org/officeDocument/2006/relationships" type="conn" r:blip="">
+            <dgm:adjLst/>
+          </dgm:shape>
+          <dgm:presOf axis="desOrSelf" ptType="sibTrans" hideLastTrans="0" st="0" cnt="1"/>
+          <dgm:constrLst>
+            <dgm:constr type="begPad"/>
+            <dgm:constr type="endPad"/>
+          </dgm:constrLst>
+        </dgm:layoutNode>
+        <dgm:layoutNode name="extraNode">
+          <dgm:alg type="sp"/>
+          <dgm:shape xmlns:r="http://schemas.openxmlformats.org/officeDocument/2006/relationships" type="rect" r:blip="" hideGeom="1">
+            <dgm:adjLst/>
+          </dgm:shape>
+          <dgm:presOf/>
+        </dgm:layoutNode>
+        <dgm:layoutNode name="dstNode">
+          <dgm:alg type="sp"/>
+          <dgm:shape xmlns:r="http://schemas.openxmlformats.org/officeDocument/2006/relationships" type="rect" r:blip="" hideGeom="1">
+            <dgm:adjLst/>
+          </dgm:shape>
+          <dgm:presOf/>
+        </dgm:layoutNode>
+      </dgm:layoutNode>
+      <dgm:forEach name="wrapper" axis="self" ptType="parTrans">
+        <dgm:forEach name="wrapper2" axis="self" ptType="sibTrans" st="2">
+          <dgm:forEach name="accentRepeat" axis="self">
+            <dgm:layoutNode name="accentRepeatNode" styleLbl="solidFgAcc1">
+              <dgm:alg type="sp"/>
+              <dgm:shape xmlns:r="http://schemas.openxmlformats.org/officeDocument/2006/relationships" type="ellipse" r:blip="">
+                <dgm:adjLst/>
+              </dgm:shape>
+              <dgm:presOf/>
+            </dgm:layoutNode>
+          </dgm:forEach>
+        </dgm:forEach>
+      </dgm:forEach>
+      <dgm:forEach name="Name24" axis="ch" ptType="node" cnt="1">
+        <dgm:layoutNode name="text_1" styleLbl="node1">
+          <dgm:varLst>
+            <dgm:bulletEnabled val="1"/>
+          </dgm:varLst>
+          <dgm:choose name="Name25">
+            <dgm:if name="Name26" func="var" arg="dir" op="equ" val="norm">
+              <dgm:alg type="tx">
+                <dgm:param type="parTxLTRAlign" val="l"/>
+                <dgm:param type="shpTxLTRAlignCh" val="l"/>
+                <dgm:param type="parTxRTLAlign" val="l"/>
+                <dgm:param type="shpTxRTLAlignCh" val="l"/>
+              </dgm:alg>
+            </dgm:if>
+            <dgm:else name="Name27">
+              <dgm:alg type="tx">
+                <dgm:param type="parTxLTRAlign" val="r"/>
+                <dgm:param type="shpTxLTRAlignCh" val="r"/>
+                <dgm:param type="parTxRTLAlign" val="r"/>
+                <dgm:param type="shpTxRTLAlignCh" val="r"/>
+              </dgm:alg>
+            </dgm:else>
+          </dgm:choose>
+          <dgm:shape xmlns:r="http://schemas.openxmlformats.org/officeDocument/2006/relationships" type="rect" r:blip="">
+            <dgm:adjLst/>
+          </dgm:shape>
+          <dgm:presOf axis="desOrSelf" ptType="node"/>
+          <dgm:constrLst>
+            <dgm:constr type="primFontSz" val="65"/>
+            <dgm:constr type="lMarg" refType="primFontSz" fact="0.2"/>
+            <dgm:constr type="rMarg" refType="primFontSz" fact="0.2"/>
+            <dgm:constr type="tMarg" refType="primFontSz" fact="0.2"/>
+            <dgm:constr type="bMarg" refType="primFontSz" fact="0.2"/>
+          </dgm:constrLst>
+          <dgm:ruleLst>
+            <dgm:rule type="primFontSz" val="5" fact="NaN" max="NaN"/>
+          </dgm:ruleLst>
+        </dgm:layoutNode>
+        <dgm:layoutNode name="accent_1">
+          <dgm:alg type="sp"/>
+          <dgm:shape xmlns:r="http://schemas.openxmlformats.org/officeDocument/2006/relationships" r:blip="">
+            <dgm:adjLst/>
+          </dgm:shape>
+          <dgm:presOf/>
+          <dgm:constrLst/>
+          <dgm:forEach name="Name28" ref="accentRepeat"/>
+        </dgm:layoutNode>
+      </dgm:forEach>
+      <dgm:forEach name="Name29" axis="ch" ptType="node" st="2" cnt="1">
+        <dgm:layoutNode name="text_2" styleLbl="node1">
+          <dgm:varLst>
+            <dgm:bulletEnabled val="1"/>
+          </dgm:varLst>
+          <dgm:choose name="Name30">
+            <dgm:if name="Name31" func="var" arg="dir" op="equ" val="norm">
+              <dgm:alg type="tx">
+                <dgm:param type="parTxLTRAlign" val="l"/>
+                <dgm:param type="shpTxLTRAlignCh" val="l"/>
+                <dgm:param type="parTxRTLAlign" val="l"/>
+                <dgm:param type="shpTxRTLAlignCh" val="l"/>
+              </dgm:alg>
+            </dgm:if>
+            <dgm:else name="Name32">
+              <dgm:alg type="tx">
+                <dgm:param type="parTxLTRAlign" val="r"/>
+                <dgm:param type="shpTxLTRAlignCh" val="r"/>
+                <dgm:param type="parTxRTLAlign" val="r"/>
+                <dgm:param type="shpTxRTLAlignCh" val="r"/>
+              </dgm:alg>
+            </dgm:else>
+          </dgm:choose>
+          <dgm:shape xmlns:r="http://schemas.openxmlformats.org/officeDocument/2006/relationships" type="rect" r:blip="">
+            <dgm:adjLst/>
+          </dgm:shape>
+          <dgm:presOf axis="desOrSelf" ptType="node"/>
+          <dgm:constrLst>
+            <dgm:constr type="primFontSz" val="65"/>
+            <dgm:constr type="lMarg" refType="primFontSz" fact="0.2"/>
+            <dgm:constr type="rMarg" refType="primFontSz" fact="0.2"/>
+            <dgm:constr type="tMarg" refType="primFontSz" fact="0.2"/>
+            <dgm:constr type="bMarg" refType="primFontSz" fact="0.2"/>
+          </dgm:constrLst>
+          <dgm:ruleLst>
+            <dgm:rule type="primFontSz" val="5" fact="NaN" max="NaN"/>
+          </dgm:ruleLst>
+        </dgm:layoutNode>
+        <dgm:layoutNode name="accent_2">
+          <dgm:alg type="sp"/>
+          <dgm:shape xmlns:r="http://schemas.openxmlformats.org/officeDocument/2006/relationships" r:blip="">
+            <dgm:adjLst/>
+          </dgm:shape>
+          <dgm:presOf/>
+          <dgm:constrLst/>
+          <dgm:forEach name="Name33" ref="accentRepeat"/>
+        </dgm:layoutNode>
+      </dgm:forEach>
+      <dgm:forEach name="Name34" axis="ch" ptType="node" st="3" cnt="1">
+        <dgm:layoutNode name="text_3" styleLbl="node1">
+          <dgm:varLst>
+            <dgm:bulletEnabled val="1"/>
+          </dgm:varLst>
+          <dgm:choose name="Name35">
+            <dgm:if name="Name36" func="var" arg="dir" op="equ" val="norm">
+              <dgm:alg type="tx">
+                <dgm:param type="parTxLTRAlign" val="l"/>
+                <dgm:param type="shpTxLTRAlignCh" val="l"/>
+                <dgm:param type="parTxRTLAlign" val="l"/>
+                <dgm:param type="shpTxRTLAlignCh" val="l"/>
+              </dgm:alg>
+            </dgm:if>
+            <dgm:else name="Name37">
+              <dgm:alg type="tx">
+                <dgm:param type="parTxLTRAlign" val="r"/>
+                <dgm:param type="shpTxLTRAlignCh" val="r"/>
+                <dgm:param type="parTxRTLAlign" val="r"/>
+                <dgm:param type="shpTxRTLAlignCh" val="r"/>
+              </dgm:alg>
+            </dgm:else>
+          </dgm:choose>
+          <dgm:shape xmlns:r="http://schemas.openxmlformats.org/officeDocument/2006/relationships" type="rect" r:blip="">
+            <dgm:adjLst/>
+          </dgm:shape>
+          <dgm:presOf axis="desOrSelf" ptType="node"/>
+          <dgm:constrLst>
+            <dgm:constr type="primFontSz" val="65"/>
+            <dgm:constr type="lMarg" refType="primFontSz" fact="0.2"/>
+            <dgm:constr type="rMarg" refType="primFontSz" fact="0.2"/>
+            <dgm:constr type="tMarg" refType="primFontSz" fact="0.2"/>
+            <dgm:constr type="bMarg" refType="primFontSz" fact="0.2"/>
+          </dgm:constrLst>
+          <dgm:ruleLst>
+            <dgm:rule type="primFontSz" val="5" fact="NaN" max="NaN"/>
+          </dgm:ruleLst>
+        </dgm:layoutNode>
+        <dgm:layoutNode name="accent_3">
+          <dgm:alg type="sp"/>
+          <dgm:shape xmlns:r="http://schemas.openxmlformats.org/officeDocument/2006/relationships" r:blip="">
+            <dgm:adjLst/>
+          </dgm:shape>
+          <dgm:presOf/>
+          <dgm:constrLst/>
+          <dgm:forEach name="Name38" ref="accentRepeat"/>
+        </dgm:layoutNode>
+      </dgm:forEach>
+      <dgm:forEach name="Name39" axis="ch" ptType="node" st="4" cnt="1">
+        <dgm:layoutNode name="text_4" styleLbl="node1">
+          <dgm:varLst>
+            <dgm:bulletEnabled val="1"/>
+          </dgm:varLst>
+          <dgm:choose name="Name40">
+            <dgm:if name="Name41" func="var" arg="dir" op="equ" val="norm">
+              <dgm:alg type="tx">
+                <dgm:param type="parTxLTRAlign" val="l"/>
+                <dgm:param type="shpTxLTRAlignCh" val="l"/>
+                <dgm:param type="parTxRTLAlign" val="l"/>
+                <dgm:param type="shpTxRTLAlignCh" val="l"/>
+              </dgm:alg>
+            </dgm:if>
+            <dgm:else name="Name42">
+              <dgm:alg type="tx">
+                <dgm:param type="parTxLTRAlign" val="r"/>
+                <dgm:param type="shpTxLTRAlignCh" val="r"/>
+                <dgm:param type="parTxRTLAlign" val="r"/>
+                <dgm:param type="shpTxRTLAlignCh" val="r"/>
+              </dgm:alg>
+            </dgm:else>
+          </dgm:choose>
+          <dgm:shape xmlns:r="http://schemas.openxmlformats.org/officeDocument/2006/relationships" type="rect" r:blip="">
+            <dgm:adjLst/>
+          </dgm:shape>
+          <dgm:presOf axis="desOrSelf" ptType="node"/>
+          <dgm:constrLst>
+            <dgm:constr type="primFontSz" val="65"/>
+            <dgm:constr type="lMarg" refType="primFontSz" fact="0.2"/>
+            <dgm:constr type="rMarg" refType="primFontSz" fact="0.2"/>
+            <dgm:constr type="tMarg" refType="primFontSz" fact="0.2"/>
+            <dgm:constr type="bMarg" refType="primFontSz" fact="0.2"/>
+          </dgm:constrLst>
+          <dgm:ruleLst>
+            <dgm:rule type="primFontSz" val="5" fact="NaN" max="NaN"/>
+          </dgm:ruleLst>
+        </dgm:layoutNode>
+        <dgm:layoutNode name="accent_4">
+          <dgm:alg type="sp"/>
+          <dgm:shape xmlns:r="http://schemas.openxmlformats.org/officeDocument/2006/relationships" r:blip="">
+            <dgm:adjLst/>
+          </dgm:shape>
+          <dgm:presOf/>
+          <dgm:constrLst/>
+          <dgm:forEach name="Name43" ref="accentRepeat"/>
+        </dgm:layoutNode>
+      </dgm:forEach>
+      <dgm:forEach name="Name44" axis="ch" ptType="node" st="5" cnt="1">
+        <dgm:layoutNode name="text_5" styleLbl="node1">
+          <dgm:varLst>
+            <dgm:bulletEnabled val="1"/>
+          </dgm:varLst>
+          <dgm:choose name="Name45">
+            <dgm:if name="Name46" func="var" arg="dir" op="equ" val="norm">
+              <dgm:alg type="tx">
+                <dgm:param type="parTxLTRAlign" val="l"/>
+                <dgm:param type="shpTxLTRAlignCh" val="l"/>
+                <dgm:param type="parTxRTLAlign" val="l"/>
+                <dgm:param type="shpTxRTLAlignCh" val="l"/>
+              </dgm:alg>
+            </dgm:if>
+            <dgm:else name="Name47">
+              <dgm:alg type="tx">
+                <dgm:param type="parTxLTRAlign" val="r"/>
+                <dgm:param type="shpTxLTRAlignCh" val="r"/>
+                <dgm:param type="parTxRTLAlign" val="r"/>
+                <dgm:param type="shpTxRTLAlignCh" val="r"/>
+              </dgm:alg>
+            </dgm:else>
+          </dgm:choose>
+          <dgm:shape xmlns:r="http://schemas.openxmlformats.org/officeDocument/2006/relationships" type="rect" r:blip="">
+            <dgm:adjLst/>
+          </dgm:shape>
+          <dgm:presOf axis="desOrSelf" ptType="node"/>
+          <dgm:constrLst>
+            <dgm:constr type="primFontSz" val="65"/>
+            <dgm:constr type="lMarg" refType="primFontSz" fact="0.2"/>
+            <dgm:constr type="rMarg" refType="primFontSz" fact="0.2"/>
+            <dgm:constr type="tMarg" refType="primFontSz" fact="0.2"/>
+            <dgm:constr type="bMarg" refType="primFontSz" fact="0.2"/>
+          </dgm:constrLst>
+          <dgm:ruleLst>
+            <dgm:rule type="primFontSz" val="5" fact="NaN" max="NaN"/>
+          </dgm:ruleLst>
+        </dgm:layoutNode>
+        <dgm:layoutNode name="accent_5">
+          <dgm:alg type="sp"/>
+          <dgm:shape xmlns:r="http://schemas.openxmlformats.org/officeDocument/2006/relationships" r:blip="">
+            <dgm:adjLst/>
+          </dgm:shape>
+          <dgm:presOf/>
+          <dgm:constrLst/>
+          <dgm:forEach name="Name48" ref="accentRepeat"/>
+        </dgm:layoutNode>
+      </dgm:forEach>
+      <dgm:forEach name="Name49" axis="ch" ptType="node" st="6" cnt="1">
+        <dgm:layoutNode name="text_6" styleLbl="node1">
+          <dgm:varLst>
+            <dgm:bulletEnabled val="1"/>
+          </dgm:varLst>
+          <dgm:choose name="Name50">
+            <dgm:if name="Name51" func="var" arg="dir" op="equ" val="norm">
+              <dgm:alg type="tx">
+                <dgm:param type="parTxLTRAlign" val="l"/>
+                <dgm:param type="shpTxLTRAlignCh" val="l"/>
+                <dgm:param type="parTxRTLAlign" val="l"/>
+                <dgm:param type="shpTxRTLAlignCh" val="l"/>
+              </dgm:alg>
+            </dgm:if>
+            <dgm:else name="Name52">
+              <dgm:alg type="tx">
+                <dgm:param type="parTxLTRAlign" val="r"/>
+                <dgm:param type="shpTxLTRAlignCh" val="r"/>
+                <dgm:param type="parTxRTLAlign" val="r"/>
+                <dgm:param type="shpTxRTLAlignCh" val="r"/>
+              </dgm:alg>
+            </dgm:else>
+          </dgm:choose>
+          <dgm:shape xmlns:r="http://schemas.openxmlformats.org/officeDocument/2006/relationships" type="rect" r:blip="">
+            <dgm:adjLst/>
+          </dgm:shape>
+          <dgm:presOf axis="desOrSelf" ptType="node"/>
+          <dgm:constrLst>
+            <dgm:constr type="primFontSz" val="65"/>
+            <dgm:constr type="lMarg" refType="primFontSz" fact="0.2"/>
+            <dgm:constr type="rMarg" refType="primFontSz" fact="0.2"/>
+            <dgm:constr type="tMarg" refType="primFontSz" fact="0.2"/>
+            <dgm:constr type="bMarg" refType="primFontSz" fact="0.2"/>
+          </dgm:constrLst>
+          <dgm:ruleLst>
+            <dgm:rule type="primFontSz" val="5" fact="NaN" max="NaN"/>
+          </dgm:ruleLst>
+        </dgm:layoutNode>
+        <dgm:layoutNode name="accent_6">
+          <dgm:alg type="sp"/>
+          <dgm:shape xmlns:r="http://schemas.openxmlformats.org/officeDocument/2006/relationships" r:blip="">
+            <dgm:adjLst/>
+          </dgm:shape>
+          <dgm:presOf/>
+          <dgm:constrLst/>
+          <dgm:forEach name="Name53" ref="accentRepeat"/>
+        </dgm:layoutNode>
+      </dgm:forEach>
+      <dgm:forEach name="Name54" axis="ch" ptType="node" st="7" cnt="1">
+        <dgm:layoutNode name="text_7" styleLbl="node1">
+          <dgm:varLst>
+            <dgm:bulletEnabled val="1"/>
+          </dgm:varLst>
+          <dgm:choose name="Name55">
+            <dgm:if name="Name56" func="var" arg="dir" op="equ" val="norm">
+              <dgm:alg type="tx">
+                <dgm:param type="parTxLTRAlign" val="l"/>
+                <dgm:param type="shpTxLTRAlignCh" val="l"/>
+                <dgm:param type="parTxRTLAlign" val="l"/>
+                <dgm:param type="shpTxRTLAlignCh" val="l"/>
+              </dgm:alg>
+            </dgm:if>
+            <dgm:else name="Name57">
+              <dgm:alg type="tx">
+                <dgm:param type="parTxLTRAlign" val="r"/>
+                <dgm:param type="shpTxLTRAlignCh" val="r"/>
+                <dgm:param type="parTxRTLAlign" val="r"/>
+                <dgm:param type="shpTxRTLAlignCh" val="r"/>
+              </dgm:alg>
+            </dgm:else>
+          </dgm:choose>
+          <dgm:shape xmlns:r="http://schemas.openxmlformats.org/officeDocument/2006/relationships" type="rect" r:blip="">
+            <dgm:adjLst/>
+          </dgm:shape>
+          <dgm:presOf axis="desOrSelf" ptType="node"/>
+          <dgm:constrLst>
+            <dgm:constr type="primFontSz" val="65"/>
+            <dgm:constr type="lMarg" refType="primFontSz" fact="0.2"/>
+            <dgm:constr type="rMarg" refType="primFontSz" fact="0.2"/>
+            <dgm:constr type="tMarg" refType="primFontSz" fact="0.2"/>
+            <dgm:constr type="bMarg" refType="primFontSz" fact="0.2"/>
+          </dgm:constrLst>
+          <dgm:ruleLst>
+            <dgm:rule type="primFontSz" val="5" fact="NaN" max="NaN"/>
+          </dgm:ruleLst>
+        </dgm:layoutNode>
+        <dgm:layoutNode name="accent_7">
+          <dgm:alg type="sp"/>
+          <dgm:shape xmlns:r="http://schemas.openxmlformats.org/officeDocument/2006/relationships" r:blip="">
+            <dgm:adjLst/>
+          </dgm:shape>
+          <dgm:presOf/>
+          <dgm:constrLst/>
+          <dgm:forEach name="Name58" ref="accentRepeat"/>
+        </dgm:layoutNode>
+      </dgm:forEach>
+    </dgm:layoutNode>
+  </dgm:layoutNode>
+</dgm:layoutDef>
+</file>
+
+<file path=ppt/diagrams/quickStyle1.xml><?xml version="1.0" encoding="utf-8"?>
+<dgm:styleDef xmlns:dgm="http://schemas.openxmlformats.org/drawingml/2006/diagram" xmlns:a="http://schemas.openxmlformats.org/drawingml/2006/main" uniqueId="urn:microsoft.com/office/officeart/2005/8/quickstyle/simple1">
+  <dgm:title val=""/>
+  <dgm:desc val=""/>
+  <dgm:catLst>
+    <dgm:cat type="simple" pri="10100"/>
+  </dgm:catLst>
+  <dgm:scene3d>
+    <a:camera prst="orthographicFront"/>
+    <a:lightRig rig="threePt" dir="t"/>
+  </dgm:scene3d>
+  <dgm:styleLbl name="node0">
+    <dgm:scene3d>
+      <a:camera prst="orthographicFront"/>
+      <a:lightRig rig="threePt" dir="t"/>
+    </dgm:scene3d>
+    <dgm:sp3d/>
+    <dgm:txPr/>
+    <dgm:style>
+      <a:lnRef idx="2">
+        <a:scrgbClr r="0" g="0" b="0"/>
+      </a:lnRef>
+      <a:fillRef idx="1">
+        <a:scrgbClr r="0" g="0" b="0"/>
+      </a:fillRef>
+      <a:effectRef idx="0">
+        <a:scrgbClr r="0" g="0" b="0"/>
+      </a:effectRef>
+      <a:fontRef idx="minor">
+        <a:schemeClr val="lt1"/>
+      </a:fontRef>
+    </dgm:style>
+  </dgm:styleLbl>
+  <dgm:styleLbl name="lnNode1">
+    <dgm:scene3d>
+      <a:camera prst="orthographicFront"/>
+      <a:lightRig rig="threePt" dir="t"/>
+    </dgm:scene3d>
+    <dgm:sp3d/>
+    <dgm:txPr/>
+    <dgm:style>
+      <a:lnRef idx="2">
+        <a:scrgbClr r="0" g="0" b="0"/>
+      </a:lnRef>
+      <a:fillRef idx="1">
+        <a:scrgbClr r="0" g="0" b="0"/>
+      </a:fillRef>
+      <a:effectRef idx="0">
+        <a:scrgbClr r="0" g="0" b="0"/>
+      </a:effectRef>
+      <a:fontRef idx="minor">
+        <a:schemeClr val="lt1"/>
+      </a:fontRef>
+    </dgm:style>
+  </dgm:styleLbl>
+  <dgm:styleLbl name="vennNode1">
+    <dgm:scene3d>
+      <a:camera prst="orthographicFront"/>
+      <a:lightRig rig="threePt" dir="t"/>
+    </dgm:scene3d>
+    <dgm:sp3d/>
+    <dgm:txPr/>
+    <dgm:style>
+      <a:lnRef idx="2">
+        <a:scrgbClr r="0" g="0" b="0"/>
+      </a:lnRef>
+      <a:fillRef idx="1">
+        <a:scrgbClr r="0" g="0" b="0"/>
+      </a:fillRef>
+      <a:effectRef idx="0">
+        <a:scrgbClr r="0" g="0" b="0"/>
+      </a:effectRef>
+      <a:fontRef idx="minor">
+        <a:schemeClr val="tx1"/>
+      </a:fontRef>
+    </dgm:style>
+  </dgm:styleLbl>
+  <dgm:styleLbl name="alignNode1">
+    <dgm:scene3d>
+      <a:camera prst="orthographicFront"/>
+      <a:lightRig rig="threePt" dir="t"/>
+    </dgm:scene3d>
+    <dgm:sp3d/>
+    <dgm:txPr/>
+    <dgm:style>
+      <a:lnRef idx="2">
+        <a:scrgbClr r="0" g="0" b="0"/>
+      </a:lnRef>
+      <a:fillRef idx="1">
+        <a:scrgbClr r="0" g="0" b="0"/>
+      </a:fillRef>
+      <a:effectRef idx="0">
+        <a:scrgbClr r="0" g="0" b="0"/>
+      </a:effectRef>
+      <a:fontRef idx="minor">
+        <a:schemeClr val="lt1"/>
+      </a:fontRef>
+    </dgm:style>
+  </dgm:styleLbl>
+  <dgm:styleLbl name="node1">
+    <dgm:scene3d>
+      <a:camera prst="orthographicFront"/>
+      <a:lightRig rig="threePt" dir="t"/>
+    </dgm:scene3d>
+    <dgm:sp3d/>
+    <dgm:txPr/>
+    <dgm:style>
+      <a:lnRef idx="2">
+        <a:scrgbClr r="0" g="0" b="0"/>
+      </a:lnRef>
+      <a:fillRef idx="1">
+        <a:scrgbClr r="0" g="0" b="0"/>
+      </a:fillRef>
+      <a:effectRef idx="0">
+        <a:scrgbClr r="0" g="0" b="0"/>
+      </a:effectRef>
+      <a:fontRef idx="minor">
+        <a:schemeClr val="lt1"/>
+      </a:fontRef>
+    </dgm:style>
+  </dgm:styleLbl>
+  <dgm:styleLbl name="node2">
+    <dgm:scene3d>
+      <a:camera prst="orthographicFront"/>
+      <a:lightRig rig="threePt" dir="t"/>
+    </dgm:scene3d>
+    <dgm:sp3d/>
+    <dgm:txPr/>
+    <dgm:style>
+      <a:lnRef idx="2">
+        <a:scrgbClr r="0" g="0" b="0"/>
+      </a:lnRef>
+      <a:fillRef idx="1">
+        <a:scrgbClr r="0" g="0" b="0"/>
+      </a:fillRef>
+      <a:effectRef idx="0">
+        <a:scrgbClr r="0" g="0" b="0"/>
+      </a:effectRef>
+      <a:fontRef idx="minor">
+        <a:schemeClr val="lt1"/>
+      </a:fontRef>
+    </dgm:style>
+  </dgm:styleLbl>
+  <dgm:styleLbl name="node3">
+    <dgm:scene3d>
+      <a:camera prst="orthographicFront"/>
+      <a:lightRig rig="threePt" dir="t"/>
+    </dgm:scene3d>
+    <dgm:sp3d/>
+    <dgm:txPr/>
+    <dgm:style>
+      <a:lnRef idx="2">
+        <a:scrgbClr r="0" g="0" b="0"/>
+      </a:lnRef>
+      <a:fillRef idx="1">
+        <a:scrgbClr r="0" g="0" b="0"/>
+      </a:fillRef>
+      <a:effectRef idx="0">
+        <a:scrgbClr r="0" g="0" b="0"/>
+      </a:effectRef>
+      <a:fontRef idx="minor">
+        <a:schemeClr val="lt1"/>
+      </a:fontRef>
+    </dgm:style>
+  </dgm:styleLbl>
+  <dgm:styleLbl name="node4">
+    <dgm:scene3d>
+      <a:camera prst="orthographicFront"/>
+      <a:lightRig rig="threePt" dir="t"/>
+    </dgm:scene3d>
+    <dgm:sp3d/>
+    <dgm:txPr/>
+    <dgm:style>
+      <a:lnRef idx="2">
+        <a:scrgbClr r="0" g="0" b="0"/>
+      </a:lnRef>
+      <a:fillRef idx="1">
+        <a:scrgbClr r="0" g="0" b="0"/>
+      </a:fillRef>
+      <a:effectRef idx="0">
+        <a:scrgbClr r="0" g="0" b="0"/>
+      </a:effectRef>
+      <a:fontRef idx="minor">
+        <a:schemeClr val="lt1"/>
+      </a:fontRef>
+    </dgm:style>
+  </dgm:styleLbl>
+  <dgm:styleLbl name="fgImgPlace1">
+    <dgm:scene3d>
+      <a:camera prst="orthographicFront"/>
+      <a:lightRig rig="threePt" dir="t"/>
+    </dgm:scene3d>
+    <dgm:sp3d/>
+    <dgm:txPr/>
+    <dgm:style>
+      <a:lnRef idx="2">
+        <a:scrgbClr r="0" g="0" b="0"/>
+      </a:lnRef>
+      <a:fillRef idx="1">
+        <a:scrgbClr r="0" g="0" b="0"/>
+      </a:fillRef>
+      <a:effectRef idx="0">
+        <a:scrgbClr r="0" g="0" b="0"/>
+      </a:effectRef>
+      <a:fontRef idx="minor"/>
+    </dgm:style>
+  </dgm:styleLbl>
+  <dgm:styleLbl name="alignImgPlace1">
+    <dgm:scene3d>
+      <a:camera prst="orthographicFront"/>
+      <a:lightRig rig="threePt" dir="t"/>
+    </dgm:scene3d>
+    <dgm:sp3d/>
+    <dgm:txPr/>
+    <dgm:style>
+      <a:lnRef idx="2">
+        <a:scrgbClr r="0" g="0" b="0"/>
+      </a:lnRef>
+      <a:fillRef idx="1">
+        <a:scrgbClr r="0" g="0" b="0"/>
+      </a:fillRef>
+      <a:effectRef idx="0">
+        <a:scrgbClr r="0" g="0" b="0"/>
+      </a:effectRef>
+      <a:fontRef idx="minor"/>
+    </dgm:style>
+  </dgm:styleLbl>
+  <dgm:styleLbl name="bgImgPlace1">
+    <dgm:scene3d>
+      <a:camera prst="orthographicFront"/>
+      <a:lightRig rig="threePt" dir="t"/>
+    </dgm:scene3d>
+    <dgm:sp3d/>
+    <dgm:txPr/>
+    <dgm:style>
+      <a:lnRef idx="2">
+        <a:scrgbClr r="0" g="0" b="0"/>
+      </a:lnRef>
+      <a:fillRef idx="1">
+        <a:scrgbClr r="0" g="0" b="0"/>
+      </a:fillRef>
+      <a:effectRef idx="0">
+        <a:scrgbClr r="0" g="0" b="0"/>
+      </a:effectRef>
+      <a:fontRef idx="minor"/>
+    </dgm:style>
+  </dgm:styleLbl>
+  <dgm:styleLbl name="sibTrans2D1">
+    <dgm:scene3d>
+      <a:camera prst="orthographicFront"/>
+      <a:lightRig rig="threePt" dir="t"/>
+    </dgm:scene3d>
+    <dgm:sp3d/>
+    <dgm:txPr/>
+    <dgm:style>
+      <a:lnRef idx="0">
+        <a:scrgbClr r="0" g="0" b="0"/>
+      </a:lnRef>
+      <a:fillRef idx="1">
+        <a:scrgbClr r="0" g="0" b="0"/>
+      </a:fillRef>
+      <a:effectRef idx="0">
+        <a:scrgbClr r="0" g="0" b="0"/>
+      </a:effectRef>
+      <a:fontRef idx="minor">
+        <a:schemeClr val="lt1"/>
+      </a:fontRef>
+    </dgm:style>
+  </dgm:styleLbl>
+  <dgm:styleLbl name="fgSibTrans2D1">
+    <dgm:scene3d>
+      <a:camera prst="orthographicFront"/>
+      <a:lightRig rig="threePt" dir="t"/>
+    </dgm:scene3d>
+    <dgm:sp3d/>
+    <dgm:txPr/>
+    <dgm:style>
+      <a:lnRef idx="0">
+        <a:scrgbClr r="0" g="0" b="0"/>
+      </a:lnRef>
+      <a:fillRef idx="1">
+        <a:scrgbClr r="0" g="0" b="0"/>
+      </a:fillRef>
+      <a:effectRef idx="0">
+        <a:scrgbClr r="0" g="0" b="0"/>
+      </a:effectRef>
+      <a:fontRef idx="minor">
+        <a:schemeClr val="lt1"/>
+      </a:fontRef>
+    </dgm:style>
+  </dgm:styleLbl>
+  <dgm:styleLbl name="bgSibTrans2D1">
+    <dgm:scene3d>
+      <a:camera prst="orthographicFront"/>
+      <a:lightRig rig="threePt" dir="t"/>
+    </dgm:scene3d>
+    <dgm:sp3d/>
+    <dgm:txPr/>
+    <dgm:style>
+      <a:lnRef idx="0">
+        <a:scrgbClr r="0" g="0" b="0"/>
+      </a:lnRef>
+      <a:fillRef idx="1">
+        <a:scrgbClr r="0" g="0" b="0"/>
+      </a:fillRef>
+      <a:effectRef idx="0">
+        <a:scrgbClr r="0" g="0" b="0"/>
+      </a:effectRef>
+      <a:fontRef idx="minor">
+        <a:schemeClr val="lt1"/>
+      </a:fontRef>
+    </dgm:style>
+  </dgm:styleLbl>
+  <dgm:styleLbl name="sibTrans1D1">
+    <dgm:scene3d>
+      <a:camera prst="orthographicFront"/>
+      <a:lightRig rig="threePt" dir="t"/>
+    </dgm:scene3d>
+    <dgm:sp3d/>
+    <dgm:txPr/>
+    <dgm:style>
+      <a:lnRef idx="1">
+        <a:scrgbClr r="0" g="0" b="0"/>
+      </a:lnRef>
+      <a:fillRef idx="0">
+        <a:scrgbClr r="0" g="0" b="0"/>
+      </a:fillRef>
+      <a:effectRef idx="0">
+        <a:scrgbClr r="0" g="0" b="0"/>
+      </a:effectRef>
+      <a:fontRef idx="minor"/>
+    </dgm:style>
+  </dgm:styleLbl>
+  <dgm:styleLbl name="callout">
+    <dgm:scene3d>
+      <a:camera prst="orthographicFront"/>
+      <a:lightRig rig="threePt" dir="t"/>
+    </dgm:scene3d>
+    <dgm:sp3d/>
+    <dgm:txPr/>
+    <dgm:style>
+      <a:lnRef idx="2">
+        <a:scrgbClr r="0" g="0" b="0"/>
+      </a:lnRef>
+      <a:fillRef idx="1">
+        <a:scrgbClr r="0" g="0" b="0"/>
+      </a:fillRef>
+      <a:effectRef idx="0">
+        <a:scrgbClr r="0" g="0" b="0"/>
+      </a:effectRef>
+      <a:fontRef idx="minor"/>
+    </dgm:style>
+  </dgm:styleLbl>
+  <dgm:styleLbl name="asst0">
+    <dgm:scene3d>
+      <a:camera prst="orthographicFront"/>
+      <a:lightRig rig="threePt" dir="t"/>
+    </dgm:scene3d>
+    <dgm:sp3d/>
+    <dgm:txPr/>
+    <dgm:style>
+      <a:lnRef idx="2">
+        <a:scrgbClr r="0" g="0" b="0"/>
+      </a:lnRef>
+      <a:fillRef idx="1">
+        <a:scrgbClr r="0" g="0" b="0"/>
+      </a:fillRef>
+      <a:effectRef idx="0">
+        <a:scrgbClr r="0" g="0" b="0"/>
+      </a:effectRef>
+      <a:fontRef idx="minor">
+        <a:schemeClr val="lt1"/>
+      </a:fontRef>
+    </dgm:style>
+  </dgm:styleLbl>
+  <dgm:styleLbl name="asst1">
+    <dgm:scene3d>
+      <a:camera prst="orthographicFront"/>
+      <a:lightRig rig="threePt" dir="t"/>
+    </dgm:scene3d>
+    <dgm:sp3d/>
+    <dgm:txPr/>
+    <dgm:style>
+      <a:lnRef idx="2">
+        <a:scrgbClr r="0" g="0" b="0"/>
+      </a:lnRef>
+      <a:fillRef idx="1">
+        <a:scrgbClr r="0" g="0" b="0"/>
+      </a:fillRef>
+      <a:effectRef idx="0">
+        <a:scrgbClr r="0" g="0" b="0"/>
+      </a:effectRef>
+      <a:fontRef idx="minor">
+        <a:schemeClr val="lt1"/>
+      </a:fontRef>
+    </dgm:style>
+  </dgm:styleLbl>
+  <dgm:styleLbl name="asst2">
+    <dgm:scene3d>
+      <a:camera prst="orthographicFront"/>
+      <a:lightRig rig="threePt" dir="t"/>
+    </dgm:scene3d>
+    <dgm:sp3d/>
+    <dgm:txPr/>
+    <dgm:style>
+      <a:lnRef idx="2">
+        <a:scrgbClr r="0" g="0" b="0"/>
+      </a:lnRef>
+      <a:fillRef idx="1">
+        <a:scrgbClr r="0" g="0" b="0"/>
+      </a:fillRef>
+      <a:effectRef idx="0">
+        <a:scrgbClr r="0" g="0" b="0"/>
+      </a:effectRef>
+      <a:fontRef idx="minor">
+        <a:schemeClr val="lt1"/>
+      </a:fontRef>
+    </dgm:style>
+  </dgm:styleLbl>
+  <dgm:styleLbl name="asst3">
+    <dgm:scene3d>
+      <a:camera prst="orthographicFront"/>
+      <a:lightRig rig="threePt" dir="t"/>
+    </dgm:scene3d>
+    <dgm:sp3d/>
+    <dgm:txPr/>
+    <dgm:style>
+      <a:lnRef idx="2">
+        <a:scrgbClr r="0" g="0" b="0"/>
+      </a:lnRef>
+      <a:fillRef idx="1">
+        <a:scrgbClr r="0" g="0" b="0"/>
+      </a:fillRef>
+      <a:effectRef idx="0">
+        <a:scrgbClr r="0" g="0" b="0"/>
+      </a:effectRef>
+      <a:fontRef idx="minor">
+        <a:schemeClr val="lt1"/>
+      </a:fontRef>
+    </dgm:style>
+  </dgm:styleLbl>
+  <dgm:styleLbl name="asst4">
+    <dgm:scene3d>
+      <a:camera prst="orthographicFront"/>
+      <a:lightRig rig="threePt" dir="t"/>
+    </dgm:scene3d>
+    <dgm:sp3d/>
+    <dgm:txPr/>
+    <dgm:style>
+      <a:lnRef idx="2">
+        <a:scrgbClr r="0" g="0" b="0"/>
+      </a:lnRef>
+      <a:fillRef idx="1">
+        <a:scrgbClr r="0" g="0" b="0"/>
+      </a:fillRef>
+      <a:effectRef idx="0">
+        <a:scrgbClr r="0" g="0" b="0"/>
+      </a:effectRef>
+      <a:fontRef idx="minor">
+        <a:schemeClr val="lt1"/>
+      </a:fontRef>
+    </dgm:style>
+  </dgm:styleLbl>
+  <dgm:styleLbl name="parChTrans2D1">
+    <dgm:scene3d>
+      <a:camera prst="orthographicFront"/>
+      <a:lightRig rig="threePt" dir="t"/>
+    </dgm:scene3d>
+    <dgm:sp3d/>
+    <dgm:txPr/>
+    <dgm:style>
+      <a:lnRef idx="2">
+        <a:scrgbClr r="0" g="0" b="0"/>
+      </a:lnRef>
+      <a:fillRef idx="1">
+        <a:scrgbClr r="0" g="0" b="0"/>
+      </a:fillRef>
+      <a:effectRef idx="0">
+        <a:scrgbClr r="0" g="0" b="0"/>
+      </a:effectRef>
+      <a:fontRef idx="minor">
+        <a:schemeClr val="lt1"/>
+      </a:fontRef>
+    </dgm:style>
+  </dgm:styleLbl>
+  <dgm:styleLbl name="parChTrans2D2">
+    <dgm:scene3d>
+      <a:camera prst="orthographicFront"/>
+      <a:lightRig rig="threePt" dir="t"/>
+    </dgm:scene3d>
+    <dgm:sp3d/>
+    <dgm:txPr/>
+    <dgm:style>
+      <a:lnRef idx="2">
+        <a:scrgbClr r="0" g="0" b="0"/>
+      </a:lnRef>
+      <a:fillRef idx="1">
+        <a:scrgbClr r="0" g="0" b="0"/>
+      </a:fillRef>
+      <a:effectRef idx="0">
+        <a:scrgbClr r="0" g="0" b="0"/>
+      </a:effectRef>
+      <a:fontRef idx="minor">
+        <a:schemeClr val="lt1"/>
+      </a:fontRef>
+    </dgm:style>
+  </dgm:styleLbl>
+  <dgm:styleLbl name="parChTrans2D3">
+    <dgm:scene3d>
+      <a:camera prst="orthographicFront"/>
+      <a:lightRig rig="threePt" dir="t"/>
+    </dgm:scene3d>
+    <dgm:sp3d/>
+    <dgm:txPr/>
+    <dgm:style>
+      <a:lnRef idx="2">
+        <a:scrgbClr r="0" g="0" b="0"/>
+      </a:lnRef>
+      <a:fillRef idx="1">
+        <a:scrgbClr r="0" g="0" b="0"/>
+      </a:fillRef>
+      <a:effectRef idx="0">
+        <a:scrgbClr r="0" g="0" b="0"/>
+      </a:effectRef>
+      <a:fontRef idx="minor">
+        <a:schemeClr val="lt1"/>
+      </a:fontRef>
+    </dgm:style>
+  </dgm:styleLbl>
+  <dgm:styleLbl name="parChTrans2D4">
+    <dgm:scene3d>
+      <a:camera prst="orthographicFront"/>
+      <a:lightRig rig="threePt" dir="t"/>
+    </dgm:scene3d>
+    <dgm:sp3d/>
+    <dgm:txPr/>
+    <dgm:style>
+      <a:lnRef idx="2">
+        <a:scrgbClr r="0" g="0" b="0"/>
+      </a:lnRef>
+      <a:fillRef idx="1">
+        <a:scrgbClr r="0" g="0" b="0"/>
+      </a:fillRef>
+      <a:effectRef idx="0">
+        <a:scrgbClr r="0" g="0" b="0"/>
+      </a:effectRef>
+      <a:fontRef idx="minor">
+        <a:schemeClr val="lt1"/>
+      </a:fontRef>
+    </dgm:style>
+  </dgm:styleLbl>
+  <dgm:styleLbl name="parChTrans1D1">
+    <dgm:scene3d>
+      <a:camera prst="orthographicFront"/>
+      <a:lightRig rig="threePt" dir="t"/>
+    </dgm:scene3d>
+    <dgm:sp3d/>
+    <dgm:txPr/>
+    <dgm:style>
+      <a:lnRef idx="2">
+        <a:scrgbClr r="0" g="0" b="0"/>
+      </a:lnRef>
+      <a:fillRef idx="0">
+        <a:scrgbClr r="0" g="0" b="0"/>
+      </a:fillRef>
+      <a:effectRef idx="0">
+        <a:scrgbClr r="0" g="0" b="0"/>
+      </a:effectRef>
+      <a:fontRef idx="minor"/>
+    </dgm:style>
+  </dgm:styleLbl>
+  <dgm:styleLbl name="parChTrans1D2">
+    <dgm:scene3d>
+      <a:camera prst="orthographicFront"/>
+      <a:lightRig rig="threePt" dir="t"/>
+    </dgm:scene3d>
+    <dgm:sp3d/>
+    <dgm:txPr/>
+    <dgm:style>
+      <a:lnRef idx="2">
+        <a:scrgbClr r="0" g="0" b="0"/>
+      </a:lnRef>
+      <a:fillRef idx="0">
+        <a:scrgbClr r="0" g="0" b="0"/>
+      </a:fillRef>
+      <a:effectRef idx="0">
+        <a:scrgbClr r="0" g="0" b="0"/>
+      </a:effectRef>
+      <a:fontRef idx="minor"/>
+    </dgm:style>
+  </dgm:styleLbl>
+  <dgm:styleLbl name="parChTrans1D3">
+    <dgm:scene3d>
+      <a:camera prst="orthographicFront"/>
+      <a:lightRig rig="threePt" dir="t"/>
+    </dgm:scene3d>
+    <dgm:sp3d/>
+    <dgm:txPr/>
+    <dgm:style>
+      <a:lnRef idx="2">
+        <a:scrgbClr r="0" g="0" b="0"/>
+      </a:lnRef>
+      <a:fillRef idx="0">
+        <a:scrgbClr r="0" g="0" b="0"/>
+      </a:fillRef>
+      <a:effectRef idx="0">
+        <a:scrgbClr r="0" g="0" b="0"/>
+      </a:effectRef>
+      <a:fontRef idx="minor"/>
+    </dgm:style>
+  </dgm:styleLbl>
+  <dgm:styleLbl name="parChTrans1D4">
+    <dgm:scene3d>
+      <a:camera prst="orthographicFront"/>
+      <a:lightRig rig="threePt" dir="t"/>
+    </dgm:scene3d>
+    <dgm:sp3d/>
+    <dgm:txPr/>
+    <dgm:style>
+      <a:lnRef idx="2">
+        <a:scrgbClr r="0" g="0" b="0"/>
+      </a:lnRef>
+      <a:fillRef idx="0">
+        <a:scrgbClr r="0" g="0" b="0"/>
+      </a:fillRef>
+      <a:effectRef idx="0">
+        <a:scrgbClr r="0" g="0" b="0"/>
+      </a:effectRef>
+      <a:fontRef idx="minor"/>
+    </dgm:style>
+  </dgm:styleLbl>
+  <dgm:styleLbl name="fgAcc1">
+    <dgm:scene3d>
+      <a:camera prst="orthographicFront"/>
+      <a:lightRig rig="threePt" dir="t"/>
+    </dgm:scene3d>
+    <dgm:sp3d/>
+    <dgm:txPr/>
+    <dgm:style>
+      <a:lnRef idx="2">
+        <a:scrgbClr r="0" g="0" b="0"/>
+      </a:lnRef>
+      <a:fillRef idx="1">
+        <a:scrgbClr r="0" g="0" b="0"/>
+      </a:fillRef>
+      <a:effectRef idx="0">
+        <a:scrgbClr r="0" g="0" b="0"/>
+      </a:effectRef>
+      <a:fontRef idx="minor"/>
+    </dgm:style>
+  </dgm:styleLbl>
+  <dgm:styleLbl name="conFgAcc1">
+    <dgm:scene3d>
+      <a:camera prst="orthographicFront"/>
+      <a:lightRig rig="threePt" dir="t"/>
+    </dgm:scene3d>
+    <dgm:sp3d/>
+    <dgm:txPr/>
+    <dgm:style>
+      <a:lnRef idx="2">
+        <a:scrgbClr r="0" g="0" b="0"/>
+      </a:lnRef>
+      <a:fillRef idx="1">
+        <a:scrgbClr r="0" g="0" b="0"/>
+      </a:fillRef>
+      <a:effectRef idx="0">
+        <a:scrgbClr r="0" g="0" b="0"/>
+      </a:effectRef>
+      <a:fontRef idx="minor"/>
+    </dgm:style>
+  </dgm:styleLbl>
+  <dgm:styleLbl name="alignAcc1">
+    <dgm:scene3d>
+      <a:camera prst="orthographicFront"/>
+      <a:lightRig rig="threePt" dir="t"/>
+    </dgm:scene3d>
+    <dgm:sp3d/>
+    <dgm:txPr/>
+    <dgm:style>
+      <a:lnRef idx="2">
+        <a:scrgbClr r="0" g="0" b="0"/>
+      </a:lnRef>
+      <a:fillRef idx="1">
+        <a:scrgbClr r="0" g="0" b="0"/>
+      </a:fillRef>
+      <a:effectRef idx="0">
+        <a:scrgbClr r="0" g="0" b="0"/>
+      </a:effectRef>
+      <a:fontRef idx="minor"/>
+    </dgm:style>
+  </dgm:styleLbl>
+  <dgm:styleLbl name="trAlignAcc1">
+    <dgm:scene3d>
+      <a:camera prst="orthographicFront"/>
+      <a:lightRig rig="threePt" dir="t"/>
+    </dgm:scene3d>
+    <dgm:sp3d/>
+    <dgm:txPr/>
+    <dgm:style>
+      <a:lnRef idx="1">
+        <a:scrgbClr r="0" g="0" b="0"/>
+      </a:lnRef>
+      <a:fillRef idx="1">
+        <a:scrgbClr r="0" g="0" b="0"/>
+      </a:fillRef>
+      <a:effectRef idx="0">
+        <a:scrgbClr r="0" g="0" b="0"/>
+      </a:effectRef>
+      <a:fontRef idx="minor"/>
+    </dgm:style>
+  </dgm:styleLbl>
+  <dgm:styleLbl name="bgAcc1">
+    <dgm:scene3d>
+      <a:camera prst="orthographicFront"/>
+      <a:lightRig rig="threePt" dir="t"/>
+    </dgm:scene3d>
+    <dgm:sp3d/>
+    <dgm:txPr/>
+    <dgm:style>
+      <a:lnRef idx="2">
+        <a:scrgbClr r="0" g="0" b="0"/>
+      </a:lnRef>
+      <a:fillRef idx="1">
+        <a:scrgbClr r="0" g="0" b="0"/>
+      </a:fillRef>
+      <a:effectRef idx="0">
+        <a:scrgbClr r="0" g="0" b="0"/>
+      </a:effectRef>
+      <a:fontRef idx="minor"/>
+    </dgm:style>
+  </dgm:styleLbl>
+  <dgm:styleLbl name="solidFgAcc1">
+    <dgm:scene3d>
+      <a:camera prst="orthographicFront"/>
+      <a:lightRig rig="threePt" dir="t"/>
+    </dgm:scene3d>
+    <dgm:sp3d/>
+    <dgm:txPr/>
+    <dgm:style>
+      <a:lnRef idx="2">
+        <a:scrgbClr r="0" g="0" b="0"/>
+      </a:lnRef>
+      <a:fillRef idx="1">
+        <a:scrgbClr r="0" g="0" b="0"/>
+      </a:fillRef>
+      <a:effectRef idx="0">
+        <a:scrgbClr r="0" g="0" b="0"/>
+      </a:effectRef>
+      <a:fontRef idx="minor"/>
+    </dgm:style>
+  </dgm:styleLbl>
+  <dgm:styleLbl name="solidAlignAcc1">
+    <dgm:scene3d>
+      <a:camera prst="orthographicFront"/>
+      <a:lightRig rig="threePt" dir="t"/>
+    </dgm:scene3d>
+    <dgm:sp3d/>
+    <dgm:txPr/>
+    <dgm:style>
+      <a:lnRef idx="2">
+        <a:scrgbClr r="0" g="0" b="0"/>
+      </a:lnRef>
+      <a:fillRef idx="1">
+        <a:scrgbClr r="0" g="0" b="0"/>
+      </a:fillRef>
+      <a:effectRef idx="0">
+        <a:scrgbClr r="0" g="0" b="0"/>
+      </a:effectRef>
+      <a:fontRef idx="minor"/>
+    </dgm:style>
+  </dgm:styleLbl>
+  <dgm:styleLbl name="solidBgAcc1">
+    <dgm:scene3d>
+      <a:camera prst="orthographicFront"/>
+      <a:lightRig rig="threePt" dir="t"/>
+    </dgm:scene3d>
+    <dgm:sp3d/>
+    <dgm:txPr/>
+    <dgm:style>
+      <a:lnRef idx="2">
+        <a:scrgbClr r="0" g="0" b="0"/>
+      </a:lnRef>
+      <a:fillRef idx="1">
+        <a:scrgbClr r="0" g="0" b="0"/>
+      </a:fillRef>
+      <a:effectRef idx="0">
+        <a:scrgbClr r="0" g="0" b="0"/>
+      </a:effectRef>
+      <a:fontRef idx="minor"/>
+    </dgm:style>
+  </dgm:styleLbl>
+  <dgm:styleLbl name="fgAccFollowNode1">
+    <dgm:scene3d>
+      <a:camera prst="orthographicFront"/>
+      <a:lightRig rig="threePt" dir="t"/>
+    </dgm:scene3d>
+    <dgm:sp3d/>
+    <dgm:txPr/>
+    <dgm:style>
+      <a:lnRef idx="2">
+        <a:scrgbClr r="0" g="0" b="0"/>
+      </a:lnRef>
+      <a:fillRef idx="1">
+        <a:scrgbClr r="0" g="0" b="0"/>
+      </a:fillRef>
+      <a:effectRef idx="0">
+        <a:scrgbClr r="0" g="0" b="0"/>
+      </a:effectRef>
+      <a:fontRef idx="minor"/>
+    </dgm:style>
+  </dgm:styleLbl>
+  <dgm:styleLbl name="alignAccFollowNode1">
+    <dgm:scene3d>
+      <a:camera prst="orthographicFront"/>
+      <a:lightRig rig="threePt" dir="t"/>
+    </dgm:scene3d>
+    <dgm:sp3d/>
+    <dgm:txPr/>
+    <dgm:style>
+      <a:lnRef idx="2">
+        <a:scrgbClr r="0" g="0" b="0"/>
+      </a:lnRef>
+      <a:fillRef idx="1">
+        <a:scrgbClr r="0" g="0" b="0"/>
+      </a:fillRef>
+      <a:effectRef idx="0">
+        <a:scrgbClr r="0" g="0" b="0"/>
+      </a:effectRef>
+      <a:fontRef idx="minor"/>
+    </dgm:style>
+  </dgm:styleLbl>
+  <dgm:styleLbl name="bgAccFollowNode1">
+    <dgm:scene3d>
+      <a:camera prst="orthographicFront"/>
+      <a:lightRig rig="threePt" dir="t"/>
+    </dgm:scene3d>
+    <dgm:sp3d/>
+    <dgm:txPr/>
+    <dgm:style>
+      <a:lnRef idx="2">
+        <a:scrgbClr r="0" g="0" b="0"/>
+      </a:lnRef>
+      <a:fillRef idx="1">
+        <a:scrgbClr r="0" g="0" b="0"/>
+      </a:fillRef>
+      <a:effectRef idx="0">
+        <a:scrgbClr r="0" g="0" b="0"/>
+      </a:effectRef>
+      <a:fontRef idx="minor"/>
+    </dgm:style>
+  </dgm:styleLbl>
+  <dgm:styleLbl name="fgAcc0">
+    <dgm:scene3d>
+      <a:camera prst="orthographicFront"/>
+      <a:lightRig rig="threePt" dir="t"/>
+    </dgm:scene3d>
+    <dgm:sp3d/>
+    <dgm:txPr/>
+    <dgm:style>
+      <a:lnRef idx="2">
+        <a:scrgbClr r="0" g="0" b="0"/>
+      </a:lnRef>
+      <a:fillRef idx="1">
+        <a:scrgbClr r="0" g="0" b="0"/>
+      </a:fillRef>
+      <a:effectRef idx="0">
+        <a:scrgbClr r="0" g="0" b="0"/>
+      </a:effectRef>
+      <a:fontRef idx="minor"/>
+    </dgm:style>
+  </dgm:styleLbl>
+  <dgm:styleLbl name="fgAcc2">
+    <dgm:scene3d>
+      <a:camera prst="orthographicFront"/>
+      <a:lightRig rig="threePt" dir="t"/>
+    </dgm:scene3d>
+    <dgm:sp3d/>
+    <dgm:txPr/>
+    <dgm:style>
+      <a:lnRef idx="2">
+        <a:scrgbClr r="0" g="0" b="0"/>
+      </a:lnRef>
+      <a:fillRef idx="1">
+        <a:scrgbClr r="0" g="0" b="0"/>
+      </a:fillRef>
+      <a:effectRef idx="0">
+        <a:scrgbClr r="0" g="0" b="0"/>
+      </a:effectRef>
+      <a:fontRef idx="minor"/>
+    </dgm:style>
+  </dgm:styleLbl>
+  <dgm:styleLbl name="fgAcc3">
+    <dgm:scene3d>
+      <a:camera prst="orthographicFront"/>
+      <a:lightRig rig="threePt" dir="t"/>
+    </dgm:scene3d>
+    <dgm:sp3d/>
+    <dgm:txPr/>
+    <dgm:style>
+      <a:lnRef idx="2">
+        <a:scrgbClr r="0" g="0" b="0"/>
+      </a:lnRef>
+      <a:fillRef idx="1">
+        <a:scrgbClr r="0" g="0" b="0"/>
+      </a:fillRef>
+      <a:effectRef idx="0">
+        <a:scrgbClr r="0" g="0" b="0"/>
+      </a:effectRef>
+      <a:fontRef idx="minor"/>
+    </dgm:style>
+  </dgm:styleLbl>
+  <dgm:styleLbl name="fgAcc4">
+    <dgm:scene3d>
+      <a:camera prst="orthographicFront"/>
+      <a:lightRig rig="threePt" dir="t"/>
+    </dgm:scene3d>
+    <dgm:sp3d/>
+    <dgm:txPr/>
+    <dgm:style>
+      <a:lnRef idx="2">
+        <a:scrgbClr r="0" g="0" b="0"/>
+      </a:lnRef>
+      <a:fillRef idx="1">
+        <a:scrgbClr r="0" g="0" b="0"/>
+      </a:fillRef>
+      <a:effectRef idx="0">
+        <a:scrgbClr r="0" g="0" b="0"/>
+      </a:effectRef>
+      <a:fontRef idx="minor"/>
+    </dgm:style>
+  </dgm:styleLbl>
+  <dgm:styleLbl name="bgShp">
+    <dgm:scene3d>
+      <a:camera prst="orthographicFront"/>
+      <a:lightRig rig="threePt" dir="t"/>
+    </dgm:scene3d>
+    <dgm:sp3d/>
+    <dgm:txPr/>
+    <dgm:style>
+      <a:lnRef idx="0">
+        <a:scrgbClr r="0" g="0" b="0"/>
+      </a:lnRef>
+      <a:fillRef idx="1">
+        <a:scrgbClr r="0" g="0" b="0"/>
+      </a:fillRef>
+      <a:effectRef idx="0">
+        <a:scrgbClr r="0" g="0" b="0"/>
+      </a:effectRef>
+      <a:fontRef idx="minor"/>
+    </dgm:style>
+  </dgm:styleLbl>
+  <dgm:styleLbl name="dkBgShp">
+    <dgm:scene3d>
+      <a:camera prst="orthographicFront"/>
+      <a:lightRig rig="threePt" dir="t"/>
+    </dgm:scene3d>
+    <dgm:sp3d/>
+    <dgm:txPr/>
+    <dgm:style>
+      <a:lnRef idx="0">
+        <a:scrgbClr r="0" g="0" b="0"/>
+      </a:lnRef>
+      <a:fillRef idx="1">
+        <a:scrgbClr r="0" g="0" b="0"/>
+      </a:fillRef>
+      <a:effectRef idx="0">
+        <a:scrgbClr r="0" g="0" b="0"/>
+      </a:effectRef>
+      <a:fontRef idx="minor"/>
+    </dgm:style>
+  </dgm:styleLbl>
+  <dgm:styleLbl name="trBgShp">
+    <dgm:scene3d>
+      <a:camera prst="orthographicFront"/>
+      <a:lightRig rig="threePt" dir="t"/>
+    </dgm:scene3d>
+    <dgm:sp3d/>
+    <dgm:txPr/>
+    <dgm:style>
+      <a:lnRef idx="0">
+        <a:scrgbClr r="0" g="0" b="0"/>
+      </a:lnRef>
+      <a:fillRef idx="1">
+        <a:scrgbClr r="0" g="0" b="0"/>
+      </a:fillRef>
+      <a:effectRef idx="0">
+        <a:scrgbClr r="0" g="0" b="0"/>
+      </a:effectRef>
+      <a:fontRef idx="minor"/>
+    </dgm:style>
+  </dgm:styleLbl>
+  <dgm:styleLbl name="fgShp">
+    <dgm:scene3d>
+      <a:camera prst="orthographicFront"/>
+      <a:lightRig rig="threePt" dir="t"/>
+    </dgm:scene3d>
+    <dgm:sp3d/>
+    <dgm:txPr/>
+    <dgm:style>
+      <a:lnRef idx="2">
+        <a:scrgbClr r="0" g="0" b="0"/>
+      </a:lnRef>
+      <a:fillRef idx="1">
+        <a:scrgbClr r="0" g="0" b="0"/>
+      </a:fillRef>
+      <a:effectRef idx="0">
+        <a:scrgbClr r="0" g="0" b="0"/>
+      </a:effectRef>
+      <a:fontRef idx="minor"/>
+    </dgm:style>
+  </dgm:styleLbl>
+  <dgm:styleLbl name="revTx">
+    <dgm:scene3d>
+      <a:camera prst="orthographicFront"/>
+      <a:lightRig rig="threePt" dir="t"/>
+    </dgm:scene3d>
+    <dgm:sp3d/>
+    <dgm:txPr/>
+    <dgm:style>
+      <a:lnRef idx="0">
+        <a:scrgbClr r="0" g="0" b="0"/>
+      </a:lnRef>
+      <a:fillRef idx="0">
+        <a:scrgbClr r="0" g="0" b="0"/>
+      </a:fillRef>
+      <a:effectRef idx="0">
+        <a:scrgbClr r="0" g="0" b="0"/>
+      </a:effectRef>
+      <a:fontRef idx="minor"/>
+    </dgm:style>
+  </dgm:styleLbl>
+</dgm:styleDef>
+</file>
+
 <file path=ppt/notesMasters/notesMaster1.xml><?xml version="1.0" encoding="utf-8"?>
 <p:notesMaster xmlns:a="http://schemas.openxmlformats.org/drawingml/2006/main" xmlns:r="http://schemas.openxmlformats.org/officeDocument/2006/relationships" xmlns:p="http://schemas.openxmlformats.org/presentationml/2006/main">
   <p:cSld>
@@ -216,7 +4339,7 @@
           <a:p>
             <a:fld id="{BF79CC26-C72E-47E5-9839-C021908AB5A0}" type="datetimeFigureOut">
               <a:rPr lang="fr-FR" smtClean="0"/>
-              <a:t>08/01/2018</a:t>
+              <a:t>10/01/2018</a:t>
             </a:fld>
             <a:endParaRPr lang="fr-FR"/>
           </a:p>
@@ -7638,10 +11761,10 @@
                 <a:latin typeface="Arial"/>
                 <a:ea typeface="DejaVu Sans"/>
               </a:rPr>
-              <a:t>  Garry Bernard, Yohan </a:t>
+              <a:t>  Garry </a:t>
             </a:r>
             <a:r>
-              <a:rPr lang="fr-FR" sz="2200" b="0" strike="noStrike" spc="-1" dirty="0" err="1">
+              <a:rPr lang="fr-FR" sz="2200" b="1" strike="noStrike" spc="-1" dirty="0">
                 <a:solidFill>
                   <a:srgbClr val="000000"/>
                 </a:solidFill>
@@ -7653,7 +11776,7 @@
                 <a:latin typeface="Arial"/>
                 <a:ea typeface="DejaVu Sans"/>
               </a:rPr>
-              <a:t>Garzotto</a:t>
+              <a:t>B</a:t>
             </a:r>
             <a:r>
               <a:rPr lang="fr-FR" sz="2200" b="0" strike="noStrike" spc="-1" dirty="0">
@@ -7668,10 +11791,10 @@
                 <a:latin typeface="Arial"/>
                 <a:ea typeface="DejaVu Sans"/>
               </a:rPr>
-              <a:t>  Alexandre Minaret, Gwendal </a:t>
+              <a:t>ernard, </a:t>
             </a:r>
             <a:r>
-              <a:rPr lang="fr-FR" sz="2200" b="0" strike="noStrike" spc="-1" dirty="0" err="1">
+              <a:rPr lang="fr-FR" sz="2200" b="1" strike="noStrike" spc="-1" dirty="0">
                 <a:solidFill>
                   <a:srgbClr val="000000"/>
                 </a:solidFill>
@@ -7683,7 +11806,7 @@
                 <a:latin typeface="Arial"/>
                 <a:ea typeface="DejaVu Sans"/>
               </a:rPr>
-              <a:t>Orinel</a:t>
+              <a:t>Y</a:t>
             </a:r>
             <a:r>
               <a:rPr lang="fr-FR" sz="2200" b="0" strike="noStrike" spc="-1" dirty="0">
@@ -7698,7 +11821,239 @@
                 <a:latin typeface="Arial"/>
                 <a:ea typeface="DejaVu Sans"/>
               </a:rPr>
-              <a:t>, Olga Petit, Alexandre Seguin. </a:t>
+              <a:t>ohan </a:t>
+            </a:r>
+            <a:r>
+              <a:rPr lang="fr-FR" sz="2200" strike="noStrike" spc="-1" dirty="0" err="1">
+                <a:solidFill>
+                  <a:srgbClr val="000000"/>
+                </a:solidFill>
+                <a:uFill>
+                  <a:solidFill>
+                    <a:srgbClr val="FFFFFF"/>
+                  </a:solidFill>
+                </a:uFill>
+                <a:latin typeface="Arial"/>
+                <a:ea typeface="DejaVu Sans"/>
+              </a:rPr>
+              <a:t>G</a:t>
+            </a:r>
+            <a:r>
+              <a:rPr lang="fr-FR" sz="2200" b="0" strike="noStrike" spc="-1" dirty="0" err="1">
+                <a:solidFill>
+                  <a:srgbClr val="000000"/>
+                </a:solidFill>
+                <a:uFill>
+                  <a:solidFill>
+                    <a:srgbClr val="FFFFFF"/>
+                  </a:solidFill>
+                </a:uFill>
+                <a:latin typeface="Arial"/>
+                <a:ea typeface="DejaVu Sans"/>
+              </a:rPr>
+              <a:t>arzotto</a:t>
+            </a:r>
+            <a:r>
+              <a:rPr lang="fr-FR" sz="2200" spc="-1" dirty="0">
+                <a:solidFill>
+                  <a:srgbClr val="000000"/>
+                </a:solidFill>
+                <a:uFill>
+                  <a:solidFill>
+                    <a:srgbClr val="FFFFFF"/>
+                  </a:solidFill>
+                </a:uFill>
+                <a:latin typeface="Arial"/>
+                <a:ea typeface="DejaVu Sans"/>
+              </a:rPr>
+              <a:t>,</a:t>
+            </a:r>
+            <a:r>
+              <a:rPr lang="fr-FR" sz="2200" b="1" spc="-1" dirty="0">
+                <a:solidFill>
+                  <a:srgbClr val="000000"/>
+                </a:solidFill>
+                <a:uFill>
+                  <a:solidFill>
+                    <a:srgbClr val="FFFFFF"/>
+                  </a:solidFill>
+                </a:uFill>
+              </a:rPr>
+              <a:t> G</a:t>
+            </a:r>
+            <a:r>
+              <a:rPr lang="fr-FR" sz="2200" spc="-1" dirty="0">
+                <a:solidFill>
+                  <a:srgbClr val="000000"/>
+                </a:solidFill>
+                <a:uFill>
+                  <a:solidFill>
+                    <a:srgbClr val="FFFFFF"/>
+                  </a:solidFill>
+                </a:uFill>
+              </a:rPr>
+              <a:t>wendal </a:t>
+            </a:r>
+            <a:r>
+              <a:rPr lang="fr-FR" sz="2200" spc="-1" dirty="0" err="1">
+                <a:solidFill>
+                  <a:srgbClr val="000000"/>
+                </a:solidFill>
+                <a:uFill>
+                  <a:solidFill>
+                    <a:srgbClr val="FFFFFF"/>
+                  </a:solidFill>
+                </a:uFill>
+              </a:rPr>
+              <a:t>Orinel</a:t>
+            </a:r>
+            <a:r>
+              <a:rPr lang="fr-FR" sz="2200" spc="-1" dirty="0">
+                <a:solidFill>
+                  <a:srgbClr val="000000"/>
+                </a:solidFill>
+                <a:uFill>
+                  <a:solidFill>
+                    <a:srgbClr val="FFFFFF"/>
+                  </a:solidFill>
+                </a:uFill>
+              </a:rPr>
+              <a:t>, </a:t>
+            </a:r>
+            <a:r>
+              <a:rPr lang="fr-FR" sz="2200" b="0" strike="noStrike" spc="-1" dirty="0">
+                <a:solidFill>
+                  <a:srgbClr val="000000"/>
+                </a:solidFill>
+                <a:uFill>
+                  <a:solidFill>
+                    <a:srgbClr val="FFFFFF"/>
+                  </a:solidFill>
+                </a:uFill>
+                <a:latin typeface="Arial"/>
+                <a:ea typeface="DejaVu Sans"/>
+              </a:rPr>
+              <a:t>Alexandre </a:t>
+            </a:r>
+            <a:r>
+              <a:rPr lang="fr-FR" sz="2200" b="1" strike="noStrike" spc="-1" dirty="0">
+                <a:solidFill>
+                  <a:srgbClr val="000000"/>
+                </a:solidFill>
+                <a:uFill>
+                  <a:solidFill>
+                    <a:srgbClr val="FFFFFF"/>
+                  </a:solidFill>
+                </a:uFill>
+                <a:latin typeface="Arial"/>
+                <a:ea typeface="DejaVu Sans"/>
+              </a:rPr>
+              <a:t>M</a:t>
+            </a:r>
+            <a:r>
+              <a:rPr lang="fr-FR" sz="2200" b="0" strike="noStrike" spc="-1" dirty="0">
+                <a:solidFill>
+                  <a:srgbClr val="000000"/>
+                </a:solidFill>
+                <a:uFill>
+                  <a:solidFill>
+                    <a:srgbClr val="FFFFFF"/>
+                  </a:solidFill>
+                </a:uFill>
+                <a:latin typeface="Arial"/>
+                <a:ea typeface="DejaVu Sans"/>
+              </a:rPr>
+              <a:t>inaret, </a:t>
+            </a:r>
+            <a:r>
+              <a:rPr lang="fr-FR" sz="2200" b="1" strike="noStrike" spc="-1" dirty="0">
+                <a:solidFill>
+                  <a:srgbClr val="000000"/>
+                </a:solidFill>
+                <a:uFill>
+                  <a:solidFill>
+                    <a:srgbClr val="FFFFFF"/>
+                  </a:solidFill>
+                </a:uFill>
+                <a:latin typeface="Arial"/>
+                <a:ea typeface="DejaVu Sans"/>
+              </a:rPr>
+              <a:t>O</a:t>
+            </a:r>
+            <a:r>
+              <a:rPr lang="fr-FR" sz="2200" b="0" strike="noStrike" spc="-1" dirty="0">
+                <a:solidFill>
+                  <a:srgbClr val="000000"/>
+                </a:solidFill>
+                <a:uFill>
+                  <a:solidFill>
+                    <a:srgbClr val="FFFFFF"/>
+                  </a:solidFill>
+                </a:uFill>
+                <a:latin typeface="Arial"/>
+                <a:ea typeface="DejaVu Sans"/>
+              </a:rPr>
+              <a:t>lga </a:t>
+            </a:r>
+            <a:r>
+              <a:rPr lang="fr-FR" sz="2200" b="1" strike="noStrike" spc="-1" dirty="0">
+                <a:solidFill>
+                  <a:srgbClr val="000000"/>
+                </a:solidFill>
+                <a:uFill>
+                  <a:solidFill>
+                    <a:srgbClr val="FFFFFF"/>
+                  </a:solidFill>
+                </a:uFill>
+                <a:latin typeface="Arial"/>
+                <a:ea typeface="DejaVu Sans"/>
+              </a:rPr>
+              <a:t>P</a:t>
+            </a:r>
+            <a:r>
+              <a:rPr lang="fr-FR" sz="2200" b="0" strike="noStrike" spc="-1" dirty="0">
+                <a:solidFill>
+                  <a:srgbClr val="000000"/>
+                </a:solidFill>
+                <a:uFill>
+                  <a:solidFill>
+                    <a:srgbClr val="FFFFFF"/>
+                  </a:solidFill>
+                </a:uFill>
+                <a:latin typeface="Arial"/>
+                <a:ea typeface="DejaVu Sans"/>
+              </a:rPr>
+              <a:t>etit, Alexandre </a:t>
+            </a:r>
+            <a:r>
+              <a:rPr lang="fr-FR" sz="2200" b="1" strike="noStrike" spc="-1" dirty="0">
+                <a:solidFill>
+                  <a:srgbClr val="000000"/>
+                </a:solidFill>
+                <a:uFill>
+                  <a:solidFill>
+                    <a:srgbClr val="FFFFFF"/>
+                  </a:solidFill>
+                </a:uFill>
+                <a:latin typeface="Arial"/>
+                <a:ea typeface="DejaVu Sans"/>
+              </a:rPr>
+              <a:t>S</a:t>
+            </a:r>
+            <a:r>
+              <a:rPr lang="fr-FR" sz="2200" b="0" strike="noStrike" spc="-1" dirty="0">
+                <a:solidFill>
+                  <a:srgbClr val="000000"/>
+                </a:solidFill>
+                <a:uFill>
+                  <a:solidFill>
+                    <a:srgbClr val="FFFFFF"/>
+                  </a:solidFill>
+                </a:uFill>
+                <a:latin typeface="Arial"/>
+                <a:ea typeface="DejaVu Sans"/>
+              </a:rPr>
+              <a:t>eguin. </a:t>
             </a:r>
             <a:endParaRPr lang="fr-FR" sz="2200" b="0" strike="noStrike" spc="-1" dirty="0">
               <a:solidFill>
@@ -7842,9 +12197,150 @@
           <a:chExt cx="0" cy="0"/>
         </a:xfrm>
       </p:grpSpPr>
+      <p:pic>
+        <p:nvPicPr>
+          <p:cNvPr id="2050" name="Picture 2" descr="Résultat de recherche d'images">
+            <a:extLst>
+              <a:ext uri="{FF2B5EF4-FFF2-40B4-BE49-F238E27FC236}">
+                <a16:creationId xmlns:a16="http://schemas.microsoft.com/office/drawing/2014/main" id="{93251CE5-0FDF-405C-8A73-4408BA9FEC8C}"/>
+              </a:ext>
+            </a:extLst>
+          </p:cNvPr>
+          <p:cNvPicPr>
+            <a:picLocks noChangeAspect="1" noChangeArrowheads="1"/>
+          </p:cNvPicPr>
+          <p:nvPr/>
+        </p:nvPicPr>
+        <p:blipFill>
+          <a:blip r:embed="rId2">
+            <a:extLst>
+              <a:ext uri="{28A0092B-C50C-407E-A947-70E740481C1C}">
+                <a14:useLocalDpi xmlns:a14="http://schemas.microsoft.com/office/drawing/2010/main" val="0"/>
+              </a:ext>
+            </a:extLst>
+          </a:blip>
+          <a:srcRect/>
+          <a:stretch>
+            <a:fillRect/>
+          </a:stretch>
+        </p:blipFill>
+        <p:spPr bwMode="auto">
+          <a:xfrm>
+            <a:off x="163436" y="1046507"/>
+            <a:ext cx="830770" cy="972490"/>
+          </a:xfrm>
+          <a:prstGeom prst="rect">
+            <a:avLst/>
+          </a:prstGeom>
+          <a:noFill/>
+          <a:extLst>
+            <a:ext uri="{909E8E84-426E-40DD-AFC4-6F175D3DCCD1}">
+              <a14:hiddenFill xmlns:a14="http://schemas.microsoft.com/office/drawing/2010/main">
+                <a:solidFill>
+                  <a:srgbClr val="FFFFFF"/>
+                </a:solidFill>
+              </a14:hiddenFill>
+            </a:ext>
+          </a:extLst>
+        </p:spPr>
+      </p:pic>
+      <p:pic>
+        <p:nvPicPr>
+          <p:cNvPr id="2" name="Image 1">
+            <a:extLst>
+              <a:ext uri="{FF2B5EF4-FFF2-40B4-BE49-F238E27FC236}">
+                <a16:creationId xmlns:a16="http://schemas.microsoft.com/office/drawing/2014/main" id="{D1974E0E-B94E-4A4C-BBBE-1CC4DCC38C58}"/>
+              </a:ext>
+            </a:extLst>
+          </p:cNvPr>
+          <p:cNvPicPr>
+            <a:picLocks noChangeAspect="1"/>
+          </p:cNvPicPr>
+          <p:nvPr/>
+        </p:nvPicPr>
+        <p:blipFill>
+          <a:blip r:embed="rId3">
+            <a:clrChange>
+              <a:clrFrom>
+                <a:srgbClr val="FBFBFB"/>
+              </a:clrFrom>
+              <a:clrTo>
+                <a:srgbClr val="FBFBFB">
+                  <a:alpha val="0"/>
+                </a:srgbClr>
+              </a:clrTo>
+            </a:clrChange>
+          </a:blip>
+          <a:stretch>
+            <a:fillRect/>
+          </a:stretch>
+        </p:blipFill>
+        <p:spPr>
+          <a:xfrm>
+            <a:off x="1363846" y="1302627"/>
+            <a:ext cx="7352932" cy="4068000"/>
+          </a:xfrm>
+          <a:prstGeom prst="rect">
+            <a:avLst/>
+          </a:prstGeom>
+        </p:spPr>
+      </p:pic>
+      <p:pic>
+        <p:nvPicPr>
+          <p:cNvPr id="2054" name="Picture 6" descr="Résultat de recherche d'images pour &quot;play store logo&quot;">
+            <a:extLst>
+              <a:ext uri="{FF2B5EF4-FFF2-40B4-BE49-F238E27FC236}">
+                <a16:creationId xmlns:a16="http://schemas.microsoft.com/office/drawing/2014/main" id="{52C820E8-5CD6-4409-A443-240658CAAED6}"/>
+              </a:ext>
+            </a:extLst>
+          </p:cNvPr>
+          <p:cNvPicPr>
+            <a:picLocks noChangeAspect="1" noChangeArrowheads="1"/>
+          </p:cNvPicPr>
+          <p:nvPr/>
+        </p:nvPicPr>
+        <p:blipFill>
+          <a:blip r:embed="rId4">
+            <a:extLst>
+              <a:ext uri="{28A0092B-C50C-407E-A947-70E740481C1C}">
+                <a14:useLocalDpi xmlns:a14="http://schemas.microsoft.com/office/drawing/2010/main" val="0"/>
+              </a:ext>
+            </a:extLst>
+          </a:blip>
+          <a:srcRect/>
+          <a:stretch>
+            <a:fillRect/>
+          </a:stretch>
+        </p:blipFill>
+        <p:spPr bwMode="auto">
+          <a:xfrm>
+            <a:off x="0" y="2215064"/>
+            <a:ext cx="1240421" cy="1240421"/>
+          </a:xfrm>
+          <a:prstGeom prst="rect">
+            <a:avLst/>
+          </a:prstGeom>
+          <a:noFill/>
+          <a:extLst>
+            <a:ext uri="{909E8E84-426E-40DD-AFC4-6F175D3DCCD1}">
+              <a14:hiddenFill xmlns:a14="http://schemas.microsoft.com/office/drawing/2010/main">
+                <a:solidFill>
+                  <a:srgbClr val="FFFFFF"/>
+                </a:solidFill>
+              </a14:hiddenFill>
+            </a:ext>
+          </a:extLst>
+        </p:spPr>
+      </p:pic>
       <p:sp>
         <p:nvSpPr>
-          <p:cNvPr id="139" name="CustomShape 1"/>
+          <p:cNvPr id="8" name="CustomShape 1">
+            <a:extLst>
+              <a:ext uri="{FF2B5EF4-FFF2-40B4-BE49-F238E27FC236}">
+                <a16:creationId xmlns:a16="http://schemas.microsoft.com/office/drawing/2014/main" id="{88E5F0AC-25E7-4A43-9DDB-31E5A2C19848}"/>
+              </a:ext>
+            </a:extLst>
+          </p:cNvPr>
           <p:cNvSpPr/>
           <p:nvPr/>
         </p:nvSpPr>
@@ -7883,9 +12379,9 @@
               </a:lnSpc>
             </a:pPr>
             <a:r>
-              <a:rPr lang="fr-FR" sz="4400" b="0" strike="noStrike" spc="-1">
-                <a:solidFill>
-                  <a:srgbClr val="000000"/>
+              <a:rPr lang="fr-FR" sz="3300" b="1" strike="noStrike" spc="-1" dirty="0">
+                <a:solidFill>
+                  <a:schemeClr val="bg1"/>
                 </a:solidFill>
                 <a:uFill>
                   <a:solidFill>
@@ -7897,9 +12393,9 @@
               </a:rPr>
               <a:t>Application développée</a:t>
             </a:r>
-            <a:endParaRPr lang="fr-FR" sz="4400" b="0" strike="noStrike" spc="-1">
+            <a:endParaRPr lang="fr-FR" sz="3300" b="1" strike="noStrike" spc="-1" dirty="0">
               <a:solidFill>
-                <a:srgbClr val="000000"/>
+                <a:schemeClr val="bg1"/>
               </a:solidFill>
               <a:uFill>
                 <a:solidFill>
@@ -7908,185 +12404,6 @@
               </a:uFill>
               <a:latin typeface="Arial"/>
             </a:endParaRPr>
-          </a:p>
-        </p:txBody>
-      </p:sp>
-      <p:pic>
-        <p:nvPicPr>
-          <p:cNvPr id="140" name="Image 139"/>
-          <p:cNvPicPr/>
-          <p:nvPr/>
-        </p:nvPicPr>
-        <p:blipFill>
-          <a:blip r:embed="rId2"/>
-          <a:stretch/>
-        </p:blipFill>
-        <p:spPr>
-          <a:xfrm>
-            <a:off x="783000" y="1277640"/>
-            <a:ext cx="8407440" cy="3861720"/>
-          </a:xfrm>
-          <a:prstGeom prst="rect">
-            <a:avLst/>
-          </a:prstGeom>
-          <a:ln>
-            <a:noFill/>
-          </a:ln>
-        </p:spPr>
-      </p:pic>
-    </p:spTree>
-  </p:cSld>
-  <p:clrMapOvr>
-    <a:masterClrMapping/>
-  </p:clrMapOvr>
-  <p:timing>
-    <p:tnLst>
-      <p:par>
-        <p:cTn id="1" dur="indefinite" restart="never" nodeType="tmRoot">
-          <p:childTnLst>
-            <p:seq>
-              <p:cTn id="2" nodeType="mainSeq"/>
-              <p:prevCondLst>
-                <p:cond evt="onPrev" delay="0">
-                  <p:tgtEl>
-                    <p:sldTgt/>
-                  </p:tgtEl>
-                </p:cond>
-              </p:prevCondLst>
-              <p:nextCondLst>
-                <p:cond evt="onNext" delay="0">
-                  <p:tgtEl>
-                    <p:sldTgt/>
-                  </p:tgtEl>
-                </p:cond>
-              </p:nextCondLst>
-            </p:seq>
-          </p:childTnLst>
-        </p:cTn>
-      </p:par>
-    </p:tnLst>
-  </p:timing>
-</p:sld>
-</file>
-
-<file path=ppt/slides/slide11.xml><?xml version="1.0" encoding="utf-8"?>
-<p:sld xmlns:a="http://schemas.openxmlformats.org/drawingml/2006/main" xmlns:r="http://schemas.openxmlformats.org/officeDocument/2006/relationships" xmlns:p="http://schemas.openxmlformats.org/presentationml/2006/main">
-  <p:cSld>
-    <p:spTree>
-      <p:nvGrpSpPr>
-        <p:cNvPr id="1" name=""/>
-        <p:cNvGrpSpPr/>
-        <p:nvPr/>
-      </p:nvGrpSpPr>
-      <p:grpSpPr>
-        <a:xfrm>
-          <a:off x="0" y="0"/>
-          <a:ext cx="0" cy="0"/>
-          <a:chOff x="0" y="0"/>
-          <a:chExt cx="0" cy="0"/>
-        </a:xfrm>
-      </p:grpSpPr>
-      <p:sp>
-        <p:nvSpPr>
-          <p:cNvPr id="139" name="CustomShape 1"/>
-          <p:cNvSpPr/>
-          <p:nvPr/>
-        </p:nvSpPr>
-        <p:spPr>
-          <a:xfrm>
-            <a:off x="504000" y="216000"/>
-            <a:ext cx="9070920" cy="646920"/>
-          </a:xfrm>
-          <a:prstGeom prst="rect">
-            <a:avLst/>
-          </a:prstGeom>
-          <a:noFill/>
-          <a:ln>
-            <a:noFill/>
-          </a:ln>
-        </p:spPr>
-        <p:style>
-          <a:lnRef idx="0">
-            <a:scrgbClr r="0" g="0" b="0"/>
-          </a:lnRef>
-          <a:fillRef idx="0">
-            <a:scrgbClr r="0" g="0" b="0"/>
-          </a:fillRef>
-          <a:effectRef idx="0">
-            <a:scrgbClr r="0" g="0" b="0"/>
-          </a:effectRef>
-          <a:fontRef idx="minor"/>
-        </p:style>
-        <p:txBody>
-          <a:bodyPr lIns="0" tIns="0" rIns="0" bIns="0" anchor="ctr"/>
-          <a:lstStyle/>
-          <a:p>
-            <a:pPr algn="ctr">
-              <a:lnSpc>
-                <a:spcPct val="100000"/>
-              </a:lnSpc>
-            </a:pPr>
-            <a:r>
-              <a:rPr lang="fr-FR" sz="4400" b="0" strike="noStrike" spc="-1">
-                <a:solidFill>
-                  <a:srgbClr val="000000"/>
-                </a:solidFill>
-                <a:uFill>
-                  <a:solidFill>
-                    <a:srgbClr val="FFFFFF"/>
-                  </a:solidFill>
-                </a:uFill>
-                <a:latin typeface="Arial"/>
-                <a:ea typeface="DejaVu Sans"/>
-              </a:rPr>
-              <a:t>Application développée</a:t>
-            </a:r>
-            <a:endParaRPr lang="fr-FR" sz="4400" b="0" strike="noStrike" spc="-1">
-              <a:solidFill>
-                <a:srgbClr val="000000"/>
-              </a:solidFill>
-              <a:uFill>
-                <a:solidFill>
-                  <a:srgbClr val="FFFFFF"/>
-                </a:solidFill>
-              </a:uFill>
-              <a:latin typeface="Arial"/>
-            </a:endParaRPr>
-          </a:p>
-        </p:txBody>
-      </p:sp>
-      <p:sp>
-        <p:nvSpPr>
-          <p:cNvPr id="4" name="ZoneTexte 3">
-            <a:extLst>
-              <a:ext uri="{FF2B5EF4-FFF2-40B4-BE49-F238E27FC236}">
-                <a16:creationId xmlns:a16="http://schemas.microsoft.com/office/drawing/2014/main" id="{83B51D2C-BE1A-43B4-8C18-0B472339AD92}"/>
-              </a:ext>
-            </a:extLst>
-          </p:cNvPr>
-          <p:cNvSpPr txBox="1"/>
-          <p:nvPr/>
-        </p:nvSpPr>
-        <p:spPr>
-          <a:xfrm>
-            <a:off x="3364212" y="2650609"/>
-            <a:ext cx="3352200" cy="369332"/>
-          </a:xfrm>
-          <a:prstGeom prst="rect">
-            <a:avLst/>
-          </a:prstGeom>
-          <a:noFill/>
-        </p:spPr>
-        <p:txBody>
-          <a:bodyPr wrap="none" rtlCol="0">
-            <a:spAutoFit/>
-          </a:bodyPr>
-          <a:lstStyle/>
-          <a:p>
-            <a:r>
-              <a:rPr lang="fr-FR" dirty="0"/>
-              <a:t>Screenshot application Android</a:t>
-            </a:r>
           </a:p>
         </p:txBody>
       </p:sp>
@@ -8130,7 +12447,7 @@
 </p:sld>
 </file>
 
-<file path=ppt/slides/slide12.xml><?xml version="1.0" encoding="utf-8"?>
+<file path=ppt/slides/slide11.xml><?xml version="1.0" encoding="utf-8"?>
 <p:sld xmlns:a="http://schemas.openxmlformats.org/drawingml/2006/main" xmlns:r="http://schemas.openxmlformats.org/officeDocument/2006/relationships" xmlns:p="http://schemas.openxmlformats.org/presentationml/2006/main">
   <p:cSld>
     <p:spTree>
@@ -8314,7 +12631,7 @@
 </p:sld>
 </file>
 
-<file path=ppt/slides/slide13.xml><?xml version="1.0" encoding="utf-8"?>
+<file path=ppt/slides/slide12.xml><?xml version="1.0" encoding="utf-8"?>
 <p:sld xmlns:a="http://schemas.openxmlformats.org/drawingml/2006/main" xmlns:r="http://schemas.openxmlformats.org/officeDocument/2006/relationships" xmlns:p="http://schemas.openxmlformats.org/presentationml/2006/main">
   <p:cSld>
     <p:spTree>
@@ -8810,7 +13127,7 @@
 </p:sld>
 </file>
 
-<file path=ppt/slides/slide14.xml><?xml version="1.0" encoding="utf-8"?>
+<file path=ppt/slides/slide13.xml><?xml version="1.0" encoding="utf-8"?>
 <p:sld xmlns:a="http://schemas.openxmlformats.org/drawingml/2006/main" xmlns:r="http://schemas.openxmlformats.org/officeDocument/2006/relationships" xmlns:p="http://schemas.openxmlformats.org/presentationml/2006/main">
   <p:cSld>
     <p:spTree>
@@ -8884,7 +13201,7 @@
                 <a:latin typeface="Arial"/>
                 <a:ea typeface="DejaVu Sans"/>
               </a:rPr>
-              <a:t>Conclusions</a:t>
+              <a:t>Conclusion</a:t>
             </a:r>
             <a:endParaRPr lang="fr-FR" sz="3300" b="0" strike="noStrike" spc="-1" dirty="0">
               <a:solidFill>
@@ -9065,7 +13382,7 @@
               </a:lnSpc>
             </a:pPr>
             <a:r>
-              <a:rPr lang="fr-FR" sz="3300" b="1" strike="noStrike" spc="-1">
+              <a:rPr lang="fr-FR" sz="3300" b="1" strike="noStrike" spc="-1" dirty="0">
                 <a:solidFill>
                   <a:srgbClr val="FFFFFF"/>
                 </a:solidFill>
@@ -9079,252 +13396,7 @@
               </a:rPr>
               <a:t>Table de matières</a:t>
             </a:r>
-            <a:endParaRPr lang="fr-FR" sz="3300" b="0" strike="noStrike" spc="-1">
-              <a:solidFill>
-                <a:srgbClr val="000000"/>
-              </a:solidFill>
-              <a:uFill>
-                <a:solidFill>
-                  <a:srgbClr val="FFFFFF"/>
-                </a:solidFill>
-              </a:uFill>
-              <a:latin typeface="Arial"/>
-            </a:endParaRPr>
-          </a:p>
-        </p:txBody>
-      </p:sp>
-      <p:sp>
-        <p:nvSpPr>
-          <p:cNvPr id="120" name="CustomShape 2"/>
-          <p:cNvSpPr/>
-          <p:nvPr/>
-        </p:nvSpPr>
-        <p:spPr>
-          <a:xfrm>
-            <a:off x="504000" y="1368000"/>
-            <a:ext cx="9070920" cy="3287160"/>
-          </a:xfrm>
-          <a:prstGeom prst="rect">
-            <a:avLst/>
-          </a:prstGeom>
-          <a:noFill/>
-          <a:ln>
-            <a:noFill/>
-          </a:ln>
-        </p:spPr>
-        <p:style>
-          <a:lnRef idx="0">
-            <a:scrgbClr r="0" g="0" b="0"/>
-          </a:lnRef>
-          <a:fillRef idx="0">
-            <a:scrgbClr r="0" g="0" b="0"/>
-          </a:fillRef>
-          <a:effectRef idx="0">
-            <a:scrgbClr r="0" g="0" b="0"/>
-          </a:effectRef>
-          <a:fontRef idx="minor"/>
-        </p:style>
-        <p:txBody>
-          <a:bodyPr lIns="0" tIns="0" rIns="0" bIns="0">
-            <a:normAutofit/>
-          </a:bodyPr>
-          <a:lstStyle/>
-          <a:p>
-            <a:pPr>
-              <a:lnSpc>
-                <a:spcPct val="100000"/>
-              </a:lnSpc>
-              <a:spcAft>
-                <a:spcPts val="1060"/>
-              </a:spcAft>
-            </a:pPr>
-            <a:endParaRPr lang="fr-FR" sz="1800" b="0" strike="noStrike" spc="-1">
-              <a:solidFill>
-                <a:srgbClr val="000000"/>
-              </a:solidFill>
-              <a:uFill>
-                <a:solidFill>
-                  <a:srgbClr val="FFFFFF"/>
-                </a:solidFill>
-              </a:uFill>
-              <a:latin typeface="Arial"/>
-            </a:endParaRPr>
-          </a:p>
-          <a:p>
-            <a:pPr marL="864000" lvl="3" indent="-215280">
-              <a:lnSpc>
-                <a:spcPct val="100000"/>
-              </a:lnSpc>
-              <a:spcAft>
-                <a:spcPts val="1060"/>
-              </a:spcAft>
-              <a:buClr>
-                <a:srgbClr val="000000"/>
-              </a:buClr>
-              <a:buSzPct val="45000"/>
-              <a:buFont typeface="Wingdings" charset="2"/>
-              <a:buChar char=""/>
-            </a:pPr>
-            <a:r>
-              <a:rPr lang="fr-FR" sz="2400" b="0" strike="noStrike" spc="-1">
-                <a:solidFill>
-                  <a:srgbClr val="000000"/>
-                </a:solidFill>
-                <a:uFill>
-                  <a:solidFill>
-                    <a:srgbClr val="FFFFFF"/>
-                  </a:solidFill>
-                </a:uFill>
-                <a:latin typeface="Arial"/>
-                <a:ea typeface="DejaVu Sans"/>
-              </a:rPr>
-              <a:t> Cahier des charges</a:t>
-            </a:r>
-            <a:endParaRPr lang="fr-FR" sz="2400" b="0" strike="noStrike" spc="-1">
-              <a:solidFill>
-                <a:srgbClr val="000000"/>
-              </a:solidFill>
-              <a:uFill>
-                <a:solidFill>
-                  <a:srgbClr val="FFFFFF"/>
-                </a:solidFill>
-              </a:uFill>
-              <a:latin typeface="Arial"/>
-            </a:endParaRPr>
-          </a:p>
-          <a:p>
-            <a:pPr>
-              <a:lnSpc>
-                <a:spcPct val="100000"/>
-              </a:lnSpc>
-              <a:spcAft>
-                <a:spcPts val="1060"/>
-              </a:spcAft>
-            </a:pPr>
-            <a:r>
-              <a:rPr lang="fr-FR" sz="2400" b="0" strike="noStrike" spc="-1">
-                <a:solidFill>
-                  <a:srgbClr val="000000"/>
-                </a:solidFill>
-                <a:uFill>
-                  <a:solidFill>
-                    <a:srgbClr val="FFFFFF"/>
-                  </a:solidFill>
-                </a:uFill>
-                <a:latin typeface="Arial"/>
-                <a:ea typeface="DejaVu Sans"/>
-              </a:rPr>
-              <a:t>		 Organisation du projet</a:t>
-            </a:r>
-            <a:endParaRPr lang="fr-FR" sz="2400" b="0" strike="noStrike" spc="-1">
-              <a:solidFill>
-                <a:srgbClr val="000000"/>
-              </a:solidFill>
-              <a:uFill>
-                <a:solidFill>
-                  <a:srgbClr val="FFFFFF"/>
-                </a:solidFill>
-              </a:uFill>
-              <a:latin typeface="Arial"/>
-            </a:endParaRPr>
-          </a:p>
-          <a:p>
-            <a:pPr>
-              <a:lnSpc>
-                <a:spcPct val="100000"/>
-              </a:lnSpc>
-              <a:spcAft>
-                <a:spcPts val="1060"/>
-              </a:spcAft>
-            </a:pPr>
-            <a:r>
-              <a:rPr lang="fr-FR" sz="2400" b="0" strike="noStrike" spc="-1">
-                <a:solidFill>
-                  <a:srgbClr val="000000"/>
-                </a:solidFill>
-                <a:uFill>
-                  <a:solidFill>
-                    <a:srgbClr val="FFFFFF"/>
-                  </a:solidFill>
-                </a:uFill>
-                <a:latin typeface="Arial"/>
-                <a:ea typeface="DejaVu Sans"/>
-              </a:rPr>
-              <a:t>		 Architecture globale</a:t>
-            </a:r>
-            <a:endParaRPr lang="fr-FR" sz="2400" b="0" strike="noStrike" spc="-1">
-              <a:solidFill>
-                <a:srgbClr val="000000"/>
-              </a:solidFill>
-              <a:uFill>
-                <a:solidFill>
-                  <a:srgbClr val="FFFFFF"/>
-                </a:solidFill>
-              </a:uFill>
-              <a:latin typeface="Arial"/>
-            </a:endParaRPr>
-          </a:p>
-          <a:p>
-            <a:pPr>
-              <a:lnSpc>
-                <a:spcPct val="100000"/>
-              </a:lnSpc>
-              <a:spcAft>
-                <a:spcPts val="1060"/>
-              </a:spcAft>
-            </a:pPr>
-            <a:r>
-              <a:rPr lang="fr-FR" sz="2400" b="0" strike="noStrike" spc="-1">
-                <a:solidFill>
-                  <a:srgbClr val="000000"/>
-                </a:solidFill>
-                <a:uFill>
-                  <a:solidFill>
-                    <a:srgbClr val="FFFFFF"/>
-                  </a:solidFill>
-                </a:uFill>
-                <a:latin typeface="Arial"/>
-                <a:ea typeface="DejaVu Sans"/>
-              </a:rPr>
-              <a:t>		 Solutions développés</a:t>
-            </a:r>
-            <a:endParaRPr lang="fr-FR" sz="2400" b="0" strike="noStrike" spc="-1">
-              <a:solidFill>
-                <a:srgbClr val="000000"/>
-              </a:solidFill>
-              <a:uFill>
-                <a:solidFill>
-                  <a:srgbClr val="FFFFFF"/>
-                </a:solidFill>
-              </a:uFill>
-              <a:latin typeface="Arial"/>
-            </a:endParaRPr>
-          </a:p>
-          <a:p>
-            <a:pPr>
-              <a:lnSpc>
-                <a:spcPct val="100000"/>
-              </a:lnSpc>
-              <a:spcAft>
-                <a:spcPts val="1060"/>
-              </a:spcAft>
-            </a:pPr>
-            <a:r>
-              <a:rPr lang="fr-FR" sz="2400" b="0" strike="noStrike" spc="-1">
-                <a:solidFill>
-                  <a:srgbClr val="000000"/>
-                </a:solidFill>
-                <a:uFill>
-                  <a:solidFill>
-                    <a:srgbClr val="FFFFFF"/>
-                  </a:solidFill>
-                </a:uFill>
-                <a:latin typeface="Arial"/>
-                <a:ea typeface="DejaVu Sans"/>
-              </a:rPr>
-              <a:t>		 Conclusions</a:t>
-            </a:r>
-            <a:endParaRPr lang="fr-FR" sz="2400" b="0" strike="noStrike" spc="-1">
+            <a:endParaRPr lang="fr-FR" sz="3300" b="0" strike="noStrike" spc="-1" dirty="0">
               <a:solidFill>
                 <a:srgbClr val="000000"/>
               </a:solidFill>
@@ -9378,6 +13450,34 @@
           </a:ln>
         </p:spPr>
       </p:pic>
+      <p:graphicFrame>
+        <p:nvGraphicFramePr>
+          <p:cNvPr id="3" name="Diagramme 2">
+            <a:extLst>
+              <a:ext uri="{FF2B5EF4-FFF2-40B4-BE49-F238E27FC236}">
+                <a16:creationId xmlns:a16="http://schemas.microsoft.com/office/drawing/2014/main" id="{01B6F4DE-5F15-4AA1-92DA-2776EACE107F}"/>
+              </a:ext>
+            </a:extLst>
+          </p:cNvPr>
+          <p:cNvGraphicFramePr/>
+          <p:nvPr>
+            <p:extLst>
+              <p:ext uri="{D42A27DB-BD31-4B8C-83A1-F6EECF244321}">
+                <p14:modId xmlns:p14="http://schemas.microsoft.com/office/powerpoint/2010/main" val="1841831426"/>
+              </p:ext>
+            </p:extLst>
+          </p:nvPr>
+        </p:nvGraphicFramePr>
+        <p:xfrm>
+          <a:off x="1680104" y="899130"/>
+          <a:ext cx="6720417" cy="4480278"/>
+        </p:xfrm>
+        <a:graphic>
+          <a:graphicData uri="http://schemas.openxmlformats.org/drawingml/2006/diagram">
+            <dgm:relIds xmlns:dgm="http://schemas.openxmlformats.org/drawingml/2006/diagram" xmlns:r="http://schemas.openxmlformats.org/officeDocument/2006/relationships" r:dm="rId3" r:lo="rId4" r:qs="rId5" r:cs="rId6"/>
+          </a:graphicData>
+        </a:graphic>
+      </p:graphicFrame>
     </p:spTree>
   </p:cSld>
   <p:clrMapOvr>
@@ -10932,6 +15032,45 @@
           </a:ln>
         </p:spPr>
       </p:pic>
+      <p:sp>
+        <p:nvSpPr>
+          <p:cNvPr id="2" name="ZoneTexte 1">
+            <a:extLst>
+              <a:ext uri="{FF2B5EF4-FFF2-40B4-BE49-F238E27FC236}">
+                <a16:creationId xmlns:a16="http://schemas.microsoft.com/office/drawing/2014/main" id="{00230395-22CA-4582-A98A-B97192F7A22F}"/>
+              </a:ext>
+            </a:extLst>
+          </p:cNvPr>
+          <p:cNvSpPr txBox="1"/>
+          <p:nvPr/>
+        </p:nvSpPr>
+        <p:spPr>
+          <a:xfrm>
+            <a:off x="4145625" y="1032480"/>
+            <a:ext cx="1787669" cy="369332"/>
+          </a:xfrm>
+          <a:prstGeom prst="rect">
+            <a:avLst/>
+          </a:prstGeom>
+          <a:noFill/>
+        </p:spPr>
+        <p:txBody>
+          <a:bodyPr wrap="none" rtlCol="0">
+            <a:spAutoFit/>
+          </a:bodyPr>
+          <a:lstStyle/>
+          <a:p>
+            <a:r>
+              <a:rPr lang="fr-FR" dirty="0" err="1"/>
+              <a:t>Debut</a:t>
+            </a:r>
+            <a:r>
+              <a:rPr lang="fr-FR" dirty="0"/>
+              <a:t> de Projet</a:t>
+            </a:r>
+          </a:p>
+        </p:txBody>
+      </p:sp>
     </p:spTree>
   </p:cSld>
   <p:clrMapOvr>
@@ -10968,6 +15107,205 @@
 </file>
 
 <file path=ppt/slides/slide7.xml><?xml version="1.0" encoding="utf-8"?>
+<p:sld xmlns:a="http://schemas.openxmlformats.org/drawingml/2006/main" xmlns:r="http://schemas.openxmlformats.org/officeDocument/2006/relationships" xmlns:p="http://schemas.openxmlformats.org/presentationml/2006/main">
+  <p:cSld>
+    <p:spTree>
+      <p:nvGrpSpPr>
+        <p:cNvPr id="1" name=""/>
+        <p:cNvGrpSpPr/>
+        <p:nvPr/>
+      </p:nvGrpSpPr>
+      <p:grpSpPr>
+        <a:xfrm>
+          <a:off x="0" y="0"/>
+          <a:ext cx="0" cy="0"/>
+          <a:chOff x="0" y="0"/>
+          <a:chExt cx="0" cy="0"/>
+        </a:xfrm>
+      </p:grpSpPr>
+      <p:sp>
+        <p:nvSpPr>
+          <p:cNvPr id="130" name="CustomShape 1"/>
+          <p:cNvSpPr/>
+          <p:nvPr/>
+        </p:nvSpPr>
+        <p:spPr>
+          <a:xfrm>
+            <a:off x="504000" y="216000"/>
+            <a:ext cx="9070920" cy="646920"/>
+          </a:xfrm>
+          <a:prstGeom prst="rect">
+            <a:avLst/>
+          </a:prstGeom>
+          <a:noFill/>
+          <a:ln>
+            <a:noFill/>
+          </a:ln>
+        </p:spPr>
+        <p:style>
+          <a:lnRef idx="0">
+            <a:scrgbClr r="0" g="0" b="0"/>
+          </a:lnRef>
+          <a:fillRef idx="0">
+            <a:scrgbClr r="0" g="0" b="0"/>
+          </a:fillRef>
+          <a:effectRef idx="0">
+            <a:scrgbClr r="0" g="0" b="0"/>
+          </a:effectRef>
+          <a:fontRef idx="minor"/>
+        </p:style>
+        <p:txBody>
+          <a:bodyPr lIns="0" tIns="0" rIns="0" bIns="0" anchor="ctr"/>
+          <a:lstStyle/>
+          <a:p>
+            <a:pPr marL="720" algn="ctr">
+              <a:lnSpc>
+                <a:spcPct val="100000"/>
+              </a:lnSpc>
+              <a:buClr>
+                <a:srgbClr val="000000"/>
+              </a:buClr>
+              <a:buSzPct val="45000"/>
+            </a:pPr>
+            <a:r>
+              <a:rPr lang="fr-FR" sz="3300" b="1" strike="noStrike" spc="-1" dirty="0">
+                <a:solidFill>
+                  <a:srgbClr val="FFFFFF"/>
+                </a:solidFill>
+                <a:uFill>
+                  <a:solidFill>
+                    <a:srgbClr val="FFFFFF"/>
+                  </a:solidFill>
+                </a:uFill>
+                <a:latin typeface="Arial"/>
+                <a:ea typeface="DejaVu Sans"/>
+              </a:rPr>
+              <a:t>Architecture globale</a:t>
+            </a:r>
+            <a:endParaRPr lang="fr-FR" sz="3300" b="0" strike="noStrike" spc="-1" dirty="0">
+              <a:solidFill>
+                <a:srgbClr val="000000"/>
+              </a:solidFill>
+              <a:uFill>
+                <a:solidFill>
+                  <a:srgbClr val="FFFFFF"/>
+                </a:solidFill>
+              </a:uFill>
+              <a:latin typeface="Arial"/>
+            </a:endParaRPr>
+          </a:p>
+        </p:txBody>
+      </p:sp>
+      <p:pic>
+        <p:nvPicPr>
+          <p:cNvPr id="132" name="Image 131"/>
+          <p:cNvPicPr/>
+          <p:nvPr/>
+        </p:nvPicPr>
+        <p:blipFill>
+          <a:blip r:embed="rId2">
+            <a:clrChange>
+              <a:clrFrom>
+                <a:srgbClr val="FFFFFF"/>
+              </a:clrFrom>
+              <a:clrTo>
+                <a:srgbClr val="FFFFFF">
+                  <a:alpha val="0"/>
+                </a:srgbClr>
+              </a:clrTo>
+            </a:clrChange>
+          </a:blip>
+          <a:stretch/>
+        </p:blipFill>
+        <p:spPr>
+          <a:xfrm>
+            <a:off x="270360" y="4881960"/>
+            <a:ext cx="1433160" cy="537480"/>
+          </a:xfrm>
+          <a:prstGeom prst="rect">
+            <a:avLst/>
+          </a:prstGeom>
+          <a:ln>
+            <a:noFill/>
+          </a:ln>
+        </p:spPr>
+      </p:pic>
+      <p:sp>
+        <p:nvSpPr>
+          <p:cNvPr id="2" name="ZoneTexte 1">
+            <a:extLst>
+              <a:ext uri="{FF2B5EF4-FFF2-40B4-BE49-F238E27FC236}">
+                <a16:creationId xmlns:a16="http://schemas.microsoft.com/office/drawing/2014/main" id="{00230395-22CA-4582-A98A-B97192F7A22F}"/>
+              </a:ext>
+            </a:extLst>
+          </p:cNvPr>
+          <p:cNvSpPr txBox="1"/>
+          <p:nvPr/>
+        </p:nvSpPr>
+        <p:spPr>
+          <a:xfrm>
+            <a:off x="4145625" y="1032480"/>
+            <a:ext cx="1492716" cy="369332"/>
+          </a:xfrm>
+          <a:prstGeom prst="rect">
+            <a:avLst/>
+          </a:prstGeom>
+          <a:noFill/>
+        </p:spPr>
+        <p:txBody>
+          <a:bodyPr wrap="none" rtlCol="0">
+            <a:spAutoFit/>
+          </a:bodyPr>
+          <a:lstStyle/>
+          <a:p>
+            <a:r>
+              <a:rPr lang="fr-FR" dirty="0"/>
+              <a:t>Fin de Projet</a:t>
+            </a:r>
+          </a:p>
+        </p:txBody>
+      </p:sp>
+    </p:spTree>
+    <p:extLst>
+      <p:ext uri="{BB962C8B-B14F-4D97-AF65-F5344CB8AC3E}">
+        <p14:creationId xmlns:p14="http://schemas.microsoft.com/office/powerpoint/2010/main" val="4045008237"/>
+      </p:ext>
+    </p:extLst>
+  </p:cSld>
+  <p:clrMapOvr>
+    <a:masterClrMapping/>
+  </p:clrMapOvr>
+  <p:timing>
+    <p:tnLst>
+      <p:par>
+        <p:cTn id="1" dur="indefinite" restart="never" nodeType="tmRoot">
+          <p:childTnLst>
+            <p:seq>
+              <p:cTn id="2" nodeType="mainSeq"/>
+              <p:prevCondLst>
+                <p:cond evt="onPrev" delay="0">
+                  <p:tgtEl>
+                    <p:sldTgt/>
+                  </p:tgtEl>
+                </p:cond>
+              </p:prevCondLst>
+              <p:nextCondLst>
+                <p:cond evt="onNext" delay="0">
+                  <p:tgtEl>
+                    <p:sldTgt/>
+                  </p:tgtEl>
+                </p:cond>
+              </p:nextCondLst>
+            </p:seq>
+          </p:childTnLst>
+        </p:cTn>
+      </p:par>
+    </p:tnLst>
+  </p:timing>
+</p:sld>
+</file>
+
+<file path=ppt/slides/slide8.xml><?xml version="1.0" encoding="utf-8"?>
 <p:sld xmlns:a="http://schemas.openxmlformats.org/drawingml/2006/main" xmlns:r="http://schemas.openxmlformats.org/officeDocument/2006/relationships" xmlns:p="http://schemas.openxmlformats.org/presentationml/2006/main">
   <p:cSld>
     <p:spTree>
@@ -11059,9 +15397,9 @@
               </a:lnSpc>
             </a:pPr>
             <a:r>
-              <a:rPr lang="fr-FR" sz="4400" b="0" strike="noStrike" spc="-1">
-                <a:solidFill>
-                  <a:srgbClr val="000000"/>
+              <a:rPr lang="fr-FR" sz="3300" b="1" strike="noStrike" spc="-1" dirty="0">
+                <a:solidFill>
+                  <a:schemeClr val="bg1"/>
                 </a:solidFill>
                 <a:uFill>
                   <a:solidFill>
@@ -11070,7 +15408,7 @@
                 </a:uFill>
                 <a:latin typeface="Arial"/>
               </a:rPr>
-              <a:t>Cacti origine</a:t>
+              <a:t>Application origine</a:t>
             </a:r>
           </a:p>
         </p:txBody>
@@ -11117,150 +15455,6 @@
           </a:p>
         </p:txBody>
       </p:sp>
-    </p:spTree>
-  </p:cSld>
-  <p:clrMapOvr>
-    <a:masterClrMapping/>
-  </p:clrMapOvr>
-  <p:timing>
-    <p:tnLst>
-      <p:par>
-        <p:cTn id="1" dur="indefinite" restart="never" nodeType="tmRoot">
-          <p:childTnLst>
-            <p:seq>
-              <p:cTn id="2" nodeType="mainSeq"/>
-              <p:prevCondLst>
-                <p:cond evt="onPrev" delay="0">
-                  <p:tgtEl>
-                    <p:sldTgt/>
-                  </p:tgtEl>
-                </p:cond>
-              </p:prevCondLst>
-              <p:nextCondLst>
-                <p:cond evt="onNext" delay="0">
-                  <p:tgtEl>
-                    <p:sldTgt/>
-                  </p:tgtEl>
-                </p:cond>
-              </p:nextCondLst>
-            </p:seq>
-          </p:childTnLst>
-        </p:cTn>
-      </p:par>
-    </p:tnLst>
-  </p:timing>
-</p:sld>
-</file>
-
-<file path=ppt/slides/slide8.xml><?xml version="1.0" encoding="utf-8"?>
-<p:sld xmlns:a="http://schemas.openxmlformats.org/drawingml/2006/main" xmlns:r="http://schemas.openxmlformats.org/officeDocument/2006/relationships" xmlns:p="http://schemas.openxmlformats.org/presentationml/2006/main">
-  <p:cSld>
-    <p:spTree>
-      <p:nvGrpSpPr>
-        <p:cNvPr id="1" name=""/>
-        <p:cNvGrpSpPr/>
-        <p:nvPr/>
-      </p:nvGrpSpPr>
-      <p:grpSpPr>
-        <a:xfrm>
-          <a:off x="0" y="0"/>
-          <a:ext cx="0" cy="0"/>
-          <a:chOff x="0" y="0"/>
-          <a:chExt cx="0" cy="0"/>
-        </a:xfrm>
-      </p:grpSpPr>
-      <p:sp>
-        <p:nvSpPr>
-          <p:cNvPr id="135" name="CustomShape 1"/>
-          <p:cNvSpPr/>
-          <p:nvPr/>
-        </p:nvSpPr>
-        <p:spPr>
-          <a:xfrm>
-            <a:off x="504000" y="216000"/>
-            <a:ext cx="9070920" cy="646920"/>
-          </a:xfrm>
-          <a:prstGeom prst="rect">
-            <a:avLst/>
-          </a:prstGeom>
-          <a:noFill/>
-          <a:ln>
-            <a:noFill/>
-          </a:ln>
-        </p:spPr>
-        <p:style>
-          <a:lnRef idx="0">
-            <a:scrgbClr r="0" g="0" b="0"/>
-          </a:lnRef>
-          <a:fillRef idx="0">
-            <a:scrgbClr r="0" g="0" b="0"/>
-          </a:fillRef>
-          <a:effectRef idx="0">
-            <a:scrgbClr r="0" g="0" b="0"/>
-          </a:effectRef>
-          <a:fontRef idx="minor"/>
-        </p:style>
-        <p:txBody>
-          <a:bodyPr lIns="0" tIns="0" rIns="0" bIns="0" anchor="ctr"/>
-          <a:lstStyle/>
-          <a:p>
-            <a:pPr algn="ctr">
-              <a:lnSpc>
-                <a:spcPct val="100000"/>
-              </a:lnSpc>
-            </a:pPr>
-            <a:r>
-              <a:rPr lang="fr-FR" sz="4400" b="0" strike="noStrike" spc="-1">
-                <a:solidFill>
-                  <a:srgbClr val="000000"/>
-                </a:solidFill>
-                <a:uFill>
-                  <a:solidFill>
-                    <a:srgbClr val="FFFFFF"/>
-                  </a:solidFill>
-                </a:uFill>
-                <a:latin typeface="Arial"/>
-                <a:ea typeface="DejaVu Sans"/>
-              </a:rPr>
-              <a:t>Application développée</a:t>
-            </a:r>
-            <a:endParaRPr lang="fr-FR" sz="4400" b="0" strike="noStrike" spc="-1">
-              <a:solidFill>
-                <a:srgbClr val="000000"/>
-              </a:solidFill>
-              <a:uFill>
-                <a:solidFill>
-                  <a:srgbClr val="FFFFFF"/>
-                </a:solidFill>
-              </a:uFill>
-              <a:latin typeface="Arial"/>
-            </a:endParaRPr>
-          </a:p>
-        </p:txBody>
-      </p:sp>
-      <p:pic>
-        <p:nvPicPr>
-          <p:cNvPr id="136" name="Image 135"/>
-          <p:cNvPicPr/>
-          <p:nvPr/>
-        </p:nvPicPr>
-        <p:blipFill>
-          <a:blip r:embed="rId2"/>
-          <a:stretch/>
-        </p:blipFill>
-        <p:spPr>
-          <a:xfrm>
-            <a:off x="1150560" y="1171440"/>
-            <a:ext cx="7948440" cy="3796560"/>
-          </a:xfrm>
-          <a:prstGeom prst="rect">
-            <a:avLst/>
-          </a:prstGeom>
-          <a:ln>
-            <a:noFill/>
-          </a:ln>
-        </p:spPr>
-      </p:pic>
     </p:spTree>
   </p:cSld>
   <p:clrMapOvr>
@@ -11313,9 +15507,60 @@
           <a:chExt cx="0" cy="0"/>
         </a:xfrm>
       </p:grpSpPr>
+      <p:pic>
+        <p:nvPicPr>
+          <p:cNvPr id="6" name="Image 5">
+            <a:extLst>
+              <a:ext uri="{FF2B5EF4-FFF2-40B4-BE49-F238E27FC236}">
+                <a16:creationId xmlns:a16="http://schemas.microsoft.com/office/drawing/2014/main" id="{3D626F32-A115-4866-9AAE-9F51B935DEAA}"/>
+              </a:ext>
+            </a:extLst>
+          </p:cNvPr>
+          <p:cNvPicPr>
+            <a:picLocks noChangeAspect="1"/>
+          </p:cNvPicPr>
+          <p:nvPr/>
+        </p:nvPicPr>
+        <p:blipFill rotWithShape="1">
+          <a:blip r:embed="rId2">
+            <a:clrChange>
+              <a:clrFrom>
+                <a:srgbClr val="3DADAA"/>
+              </a:clrFrom>
+              <a:clrTo>
+                <a:srgbClr val="3DADAA">
+                  <a:alpha val="0"/>
+                </a:srgbClr>
+              </a:clrTo>
+            </a:clrChange>
+            <a:extLst>
+              <a:ext uri="{28A0092B-C50C-407E-A947-70E740481C1C}">
+                <a14:useLocalDpi xmlns:a14="http://schemas.microsoft.com/office/drawing/2010/main" val="0"/>
+              </a:ext>
+            </a:extLst>
+          </a:blip>
+          <a:srcRect l="11180" t="14061" r="11270" b="13568"/>
+          <a:stretch/>
+        </p:blipFill>
+        <p:spPr>
+          <a:xfrm>
+            <a:off x="5106149" y="980479"/>
+            <a:ext cx="4907671" cy="3055721"/>
+          </a:xfrm>
+          <a:prstGeom prst="rect">
+            <a:avLst/>
+          </a:prstGeom>
+        </p:spPr>
+      </p:pic>
       <p:sp>
         <p:nvSpPr>
-          <p:cNvPr id="137" name="CustomShape 1"/>
+          <p:cNvPr id="5" name="CustomShape 1">
+            <a:extLst>
+              <a:ext uri="{FF2B5EF4-FFF2-40B4-BE49-F238E27FC236}">
+                <a16:creationId xmlns:a16="http://schemas.microsoft.com/office/drawing/2014/main" id="{614E7439-77FB-482A-915B-5BE1CCF7FCE0}"/>
+              </a:ext>
+            </a:extLst>
+          </p:cNvPr>
           <p:cNvSpPr/>
           <p:nvPr/>
         </p:nvSpPr>
@@ -11354,9 +15599,9 @@
               </a:lnSpc>
             </a:pPr>
             <a:r>
-              <a:rPr lang="fr-FR" sz="4400" b="0" strike="noStrike" spc="-1">
-                <a:solidFill>
-                  <a:srgbClr val="000000"/>
+              <a:rPr lang="fr-FR" sz="3300" b="1" strike="noStrike" spc="-1" dirty="0">
+                <a:solidFill>
+                  <a:schemeClr val="bg1"/>
                 </a:solidFill>
                 <a:uFill>
                   <a:solidFill>
@@ -11368,9 +15613,9 @@
               </a:rPr>
               <a:t>Application développée</a:t>
             </a:r>
-            <a:endParaRPr lang="fr-FR" sz="4400" b="0" strike="noStrike" spc="-1">
+            <a:endParaRPr lang="fr-FR" sz="3300" b="1" strike="noStrike" spc="-1" dirty="0">
               <a:solidFill>
-                <a:srgbClr val="000000"/>
+                <a:schemeClr val="bg1"/>
               </a:solidFill>
               <a:uFill>
                 <a:solidFill>
@@ -11384,28 +15629,102 @@
       </p:sp>
       <p:pic>
         <p:nvPicPr>
-          <p:cNvPr id="138" name="Image 137"/>
-          <p:cNvPicPr/>
+          <p:cNvPr id="3" name="Image 2">
+            <a:extLst>
+              <a:ext uri="{FF2B5EF4-FFF2-40B4-BE49-F238E27FC236}">
+                <a16:creationId xmlns:a16="http://schemas.microsoft.com/office/drawing/2014/main" id="{8BA58297-3B60-446F-9AA7-9A2547B774FF}"/>
+              </a:ext>
+            </a:extLst>
+          </p:cNvPr>
+          <p:cNvPicPr>
+            <a:picLocks noChangeAspect="1"/>
+          </p:cNvPicPr>
           <p:nvPr/>
         </p:nvPicPr>
-        <p:blipFill>
-          <a:blip r:embed="rId2"/>
+        <p:blipFill rotWithShape="1">
+          <a:blip r:embed="rId3">
+            <a:clrChange>
+              <a:clrFrom>
+                <a:srgbClr val="FFFFFF"/>
+              </a:clrFrom>
+              <a:clrTo>
+                <a:srgbClr val="FFFFFF">
+                  <a:alpha val="0"/>
+                </a:srgbClr>
+              </a:clrTo>
+            </a:clrChange>
+            <a:extLst>
+              <a:ext uri="{28A0092B-C50C-407E-A947-70E740481C1C}">
+                <a14:useLocalDpi xmlns:a14="http://schemas.microsoft.com/office/drawing/2010/main" val="0"/>
+              </a:ext>
+            </a:extLst>
+          </a:blip>
+          <a:srcRect l="13812" t="13933" r="7333" b="9698"/>
           <a:stretch/>
         </p:blipFill>
         <p:spPr>
           <a:xfrm>
-            <a:off x="924120" y="1197000"/>
-            <a:ext cx="8499240" cy="4157280"/>
+            <a:off x="270663" y="1197104"/>
+            <a:ext cx="5961888" cy="4330598"/>
           </a:xfrm>
           <a:prstGeom prst="rect">
             <a:avLst/>
           </a:prstGeom>
-          <a:ln>
-            <a:noFill/>
-          </a:ln>
+        </p:spPr>
+      </p:pic>
+      <p:pic>
+        <p:nvPicPr>
+          <p:cNvPr id="8" name="Picture 2" descr="Résultat de recherche d'images">
+            <a:extLst>
+              <a:ext uri="{FF2B5EF4-FFF2-40B4-BE49-F238E27FC236}">
+                <a16:creationId xmlns:a16="http://schemas.microsoft.com/office/drawing/2014/main" id="{4C33D901-5490-428A-BE53-A5C2ABBA7E2C}"/>
+              </a:ext>
+            </a:extLst>
+          </p:cNvPr>
+          <p:cNvPicPr>
+            <a:picLocks noChangeAspect="1" noChangeArrowheads="1"/>
+          </p:cNvPicPr>
+          <p:nvPr/>
+        </p:nvPicPr>
+        <p:blipFill>
+          <a:blip r:embed="rId4">
+            <a:extLst>
+              <a:ext uri="{28A0092B-C50C-407E-A947-70E740481C1C}">
+                <a14:useLocalDpi xmlns:a14="http://schemas.microsoft.com/office/drawing/2010/main" val="0"/>
+              </a:ext>
+            </a:extLst>
+          </a:blip>
+          <a:srcRect/>
+          <a:stretch>
+            <a:fillRect/>
+          </a:stretch>
+        </p:blipFill>
+        <p:spPr bwMode="auto">
+          <a:xfrm>
+            <a:off x="9178922" y="3310205"/>
+            <a:ext cx="791995" cy="725995"/>
+          </a:xfrm>
+          <a:prstGeom prst="rect">
+            <a:avLst/>
+          </a:prstGeom>
+          <a:noFill/>
+          <a:extLst>
+            <a:ext uri="{909E8E84-426E-40DD-AFC4-6F175D3DCCD1}">
+              <a14:hiddenFill xmlns:a14="http://schemas.microsoft.com/office/drawing/2010/main">
+                <a:solidFill>
+                  <a:srgbClr val="FFFFFF"/>
+                </a:solidFill>
+              </a14:hiddenFill>
+            </a:ext>
+          </a:extLst>
         </p:spPr>
       </p:pic>
     </p:spTree>
+    <p:extLst>
+      <p:ext uri="{BB962C8B-B14F-4D97-AF65-F5344CB8AC3E}">
+        <p14:creationId xmlns:p14="http://schemas.microsoft.com/office/powerpoint/2010/main" val="3480767219"/>
+      </p:ext>
+    </p:extLst>
   </p:cSld>
   <p:clrMapOvr>
     <a:masterClrMapping/>
